--- a/slides/Strings.pptx
+++ b/slides/Strings.pptx
@@ -2,7 +2,7 @@
 <file path=ppt/presentation.xml><?xml version="1.0" encoding="utf-8"?>
 <p:presentation xmlns:a="http://schemas.openxmlformats.org/drawingml/2006/main" xmlns:r="http://schemas.openxmlformats.org/officeDocument/2006/relationships" xmlns:p="http://schemas.openxmlformats.org/presentationml/2006/main" saveSubsetFonts="1">
   <p:sldMasterIdLst>
-    <p:sldMasterId id="2147483660" r:id="rId1"/>
+    <p:sldMasterId id="2147483672" r:id="rId1"/>
   </p:sldMasterIdLst>
   <p:sldIdLst>
     <p:sldId id="256" r:id="rId2"/>
@@ -12,9 +12,9 @@
     <p:sldId id="260" r:id="rId6"/>
     <p:sldId id="261" r:id="rId7"/>
     <p:sldId id="262" r:id="rId8"/>
-    <p:sldId id="266" r:id="rId9"/>
-    <p:sldId id="263" r:id="rId10"/>
-    <p:sldId id="268" r:id="rId11"/>
+    <p:sldId id="296" r:id="rId9"/>
+    <p:sldId id="266" r:id="rId10"/>
+    <p:sldId id="263" r:id="rId11"/>
     <p:sldId id="264" r:id="rId12"/>
     <p:sldId id="265" r:id="rId13"/>
     <p:sldId id="267" r:id="rId14"/>
@@ -52,7 +52,7 @@
     <a:defPPr>
       <a:defRPr lang="en-US"/>
     </a:defPPr>
-    <a:lvl1pPr marL="0" algn="l" defTabSz="457200" rtl="0" eaLnBrk="1" latinLnBrk="0" hangingPunct="1">
+    <a:lvl1pPr marL="0" algn="l" defTabSz="914400" rtl="0" eaLnBrk="1" latinLnBrk="0" hangingPunct="1">
       <a:defRPr sz="1800" kern="1200">
         <a:solidFill>
           <a:schemeClr val="tx1"/>
@@ -62,7 +62,7 @@
         <a:cs typeface="+mn-cs"/>
       </a:defRPr>
     </a:lvl1pPr>
-    <a:lvl2pPr marL="457200" algn="l" defTabSz="457200" rtl="0" eaLnBrk="1" latinLnBrk="0" hangingPunct="1">
+    <a:lvl2pPr marL="457200" algn="l" defTabSz="914400" rtl="0" eaLnBrk="1" latinLnBrk="0" hangingPunct="1">
       <a:defRPr sz="1800" kern="1200">
         <a:solidFill>
           <a:schemeClr val="tx1"/>
@@ -72,7 +72,7 @@
         <a:cs typeface="+mn-cs"/>
       </a:defRPr>
     </a:lvl2pPr>
-    <a:lvl3pPr marL="914400" algn="l" defTabSz="457200" rtl="0" eaLnBrk="1" latinLnBrk="0" hangingPunct="1">
+    <a:lvl3pPr marL="914400" algn="l" defTabSz="914400" rtl="0" eaLnBrk="1" latinLnBrk="0" hangingPunct="1">
       <a:defRPr sz="1800" kern="1200">
         <a:solidFill>
           <a:schemeClr val="tx1"/>
@@ -82,7 +82,7 @@
         <a:cs typeface="+mn-cs"/>
       </a:defRPr>
     </a:lvl3pPr>
-    <a:lvl4pPr marL="1371600" algn="l" defTabSz="457200" rtl="0" eaLnBrk="1" latinLnBrk="0" hangingPunct="1">
+    <a:lvl4pPr marL="1371600" algn="l" defTabSz="914400" rtl="0" eaLnBrk="1" latinLnBrk="0" hangingPunct="1">
       <a:defRPr sz="1800" kern="1200">
         <a:solidFill>
           <a:schemeClr val="tx1"/>
@@ -92,7 +92,7 @@
         <a:cs typeface="+mn-cs"/>
       </a:defRPr>
     </a:lvl4pPr>
-    <a:lvl5pPr marL="1828800" algn="l" defTabSz="457200" rtl="0" eaLnBrk="1" latinLnBrk="0" hangingPunct="1">
+    <a:lvl5pPr marL="1828800" algn="l" defTabSz="914400" rtl="0" eaLnBrk="1" latinLnBrk="0" hangingPunct="1">
       <a:defRPr sz="1800" kern="1200">
         <a:solidFill>
           <a:schemeClr val="tx1"/>
@@ -102,7 +102,7 @@
         <a:cs typeface="+mn-cs"/>
       </a:defRPr>
     </a:lvl5pPr>
-    <a:lvl6pPr marL="2286000" algn="l" defTabSz="457200" rtl="0" eaLnBrk="1" latinLnBrk="0" hangingPunct="1">
+    <a:lvl6pPr marL="2286000" algn="l" defTabSz="914400" rtl="0" eaLnBrk="1" latinLnBrk="0" hangingPunct="1">
       <a:defRPr sz="1800" kern="1200">
         <a:solidFill>
           <a:schemeClr val="tx1"/>
@@ -112,7 +112,7 @@
         <a:cs typeface="+mn-cs"/>
       </a:defRPr>
     </a:lvl6pPr>
-    <a:lvl7pPr marL="2743200" algn="l" defTabSz="457200" rtl="0" eaLnBrk="1" latinLnBrk="0" hangingPunct="1">
+    <a:lvl7pPr marL="2743200" algn="l" defTabSz="914400" rtl="0" eaLnBrk="1" latinLnBrk="0" hangingPunct="1">
       <a:defRPr sz="1800" kern="1200">
         <a:solidFill>
           <a:schemeClr val="tx1"/>
@@ -122,7 +122,7 @@
         <a:cs typeface="+mn-cs"/>
       </a:defRPr>
     </a:lvl7pPr>
-    <a:lvl8pPr marL="3200400" algn="l" defTabSz="457200" rtl="0" eaLnBrk="1" latinLnBrk="0" hangingPunct="1">
+    <a:lvl8pPr marL="3200400" algn="l" defTabSz="914400" rtl="0" eaLnBrk="1" latinLnBrk="0" hangingPunct="1">
       <a:defRPr sz="1800" kern="1200">
         <a:solidFill>
           <a:schemeClr val="tx1"/>
@@ -132,7 +132,7 @@
         <a:cs typeface="+mn-cs"/>
       </a:defRPr>
     </a:lvl8pPr>
-    <a:lvl9pPr marL="3657600" algn="l" defTabSz="457200" rtl="0" eaLnBrk="1" latinLnBrk="0" hangingPunct="1">
+    <a:lvl9pPr marL="3657600" algn="l" defTabSz="914400" rtl="0" eaLnBrk="1" latinLnBrk="0" hangingPunct="1">
       <a:defRPr sz="1800" kern="1200">
         <a:solidFill>
           <a:schemeClr val="tx1"/>
@@ -182,7 +182,13 @@
       </p:grpSpPr>
       <p:sp>
         <p:nvSpPr>
-          <p:cNvPr id="2" name="Title 1"/>
+          <p:cNvPr id="2" name="Title 1">
+            <a:extLst>
+              <a:ext uri="{FF2B5EF4-FFF2-40B4-BE49-F238E27FC236}">
+                <a16:creationId xmlns:a16="http://schemas.microsoft.com/office/drawing/2014/main" id="{814123FC-0B8B-4B65-86AD-A64372BFAAE1}"/>
+              </a:ext>
+            </a:extLst>
+          </p:cNvPr>
           <p:cNvSpPr>
             <a:spLocks noGrp="1"/>
           </p:cNvSpPr>
@@ -192,17 +198,15 @@
         </p:nvSpPr>
         <p:spPr>
           <a:xfrm>
-            <a:off x="2417779" y="802298"/>
-            <a:ext cx="8637073" cy="2541431"/>
+            <a:off x="1524000" y="1122363"/>
+            <a:ext cx="9144000" cy="2387600"/>
           </a:xfrm>
         </p:spPr>
         <p:txBody>
-          <a:bodyPr bIns="0" anchor="b">
-            <a:normAutofit/>
-          </a:bodyPr>
+          <a:bodyPr anchor="b"/>
           <a:lstStyle>
-            <a:lvl1pPr algn="l">
-              <a:defRPr sz="6600"/>
+            <a:lvl1pPr algn="ctr">
+              <a:defRPr sz="6000"/>
             </a:lvl1pPr>
           </a:lstStyle>
           <a:p>
@@ -210,13 +214,18 @@
               <a:rPr lang="en-US"/>
               <a:t>Click to edit Master title style</a:t>
             </a:r>
-            <a:endParaRPr lang="en-US" dirty="0"/>
-          </a:p>
-        </p:txBody>
-      </p:sp>
-      <p:sp>
-        <p:nvSpPr>
-          <p:cNvPr id="3" name="Subtitle 2"/>
+          </a:p>
+        </p:txBody>
+      </p:sp>
+      <p:sp>
+        <p:nvSpPr>
+          <p:cNvPr id="3" name="Subtitle 2">
+            <a:extLst>
+              <a:ext uri="{FF2B5EF4-FFF2-40B4-BE49-F238E27FC236}">
+                <a16:creationId xmlns:a16="http://schemas.microsoft.com/office/drawing/2014/main" id="{B722A4D8-5700-41B8-9694-317954AEA37F}"/>
+              </a:ext>
+            </a:extLst>
+          </p:cNvPr>
           <p:cNvSpPr>
             <a:spLocks noGrp="1"/>
           </p:cNvSpPr>
@@ -226,26 +235,20 @@
         </p:nvSpPr>
         <p:spPr>
           <a:xfrm>
-            <a:off x="2417780" y="3531204"/>
-            <a:ext cx="8637072" cy="977621"/>
+            <a:off x="1524000" y="3602038"/>
+            <a:ext cx="9144000" cy="1655762"/>
           </a:xfrm>
         </p:spPr>
         <p:txBody>
-          <a:bodyPr tIns="91440" bIns="91440">
-            <a:normAutofit/>
-          </a:bodyPr>
+          <a:bodyPr/>
           <a:lstStyle>
-            <a:lvl1pPr marL="0" indent="0" algn="l">
+            <a:lvl1pPr marL="0" indent="0" algn="ctr">
               <a:buNone/>
-              <a:defRPr sz="1800" b="0" cap="all" baseline="0">
-                <a:solidFill>
-                  <a:schemeClr val="tx1"/>
-                </a:solidFill>
-              </a:defRPr>
+              <a:defRPr sz="2400"/>
             </a:lvl1pPr>
             <a:lvl2pPr marL="457200" indent="0" algn="ctr">
               <a:buNone/>
-              <a:defRPr sz="1800"/>
+              <a:defRPr sz="2000"/>
             </a:lvl2pPr>
             <a:lvl3pPr marL="914400" indent="0" algn="ctr">
               <a:buNone/>
@@ -281,13 +284,18 @@
               <a:rPr lang="en-US"/>
               <a:t>Click to edit Master subtitle style</a:t>
             </a:r>
-            <a:endParaRPr lang="en-US" dirty="0"/>
-          </a:p>
-        </p:txBody>
-      </p:sp>
-      <p:sp>
-        <p:nvSpPr>
-          <p:cNvPr id="4" name="Date Placeholder 3"/>
+          </a:p>
+        </p:txBody>
+      </p:sp>
+      <p:sp>
+        <p:nvSpPr>
+          <p:cNvPr id="4" name="Date Placeholder 3">
+            <a:extLst>
+              <a:ext uri="{FF2B5EF4-FFF2-40B4-BE49-F238E27FC236}">
+                <a16:creationId xmlns:a16="http://schemas.microsoft.com/office/drawing/2014/main" id="{9E3458DE-6AA0-4DDA-B986-7A5C733E6E37}"/>
+              </a:ext>
+            </a:extLst>
+          </p:cNvPr>
           <p:cNvSpPr>
             <a:spLocks noGrp="1"/>
           </p:cNvSpPr>
@@ -302,7 +310,7 @@
           <a:p>
             <a:fld id="{148E69EB-7E94-43A1-A496-ABF1E2996B84}" type="datetimeFigureOut">
               <a:rPr lang="en-US" smtClean="0"/>
-              <a:t>4/10/2023</a:t>
+              <a:t>8/8/2023</a:t>
             </a:fld>
             <a:endParaRPr lang="en-US"/>
           </a:p>
@@ -310,7 +318,13 @@
       </p:sp>
       <p:sp>
         <p:nvSpPr>
-          <p:cNvPr id="5" name="Footer Placeholder 4"/>
+          <p:cNvPr id="5" name="Footer Placeholder 4">
+            <a:extLst>
+              <a:ext uri="{FF2B5EF4-FFF2-40B4-BE49-F238E27FC236}">
+                <a16:creationId xmlns:a16="http://schemas.microsoft.com/office/drawing/2014/main" id="{EB1F7AD3-0C6E-4A53-9061-B3A2B79BE159}"/>
+              </a:ext>
+            </a:extLst>
+          </p:cNvPr>
           <p:cNvSpPr>
             <a:spLocks noGrp="1"/>
           </p:cNvSpPr>
@@ -318,12 +332,7 @@
             <p:ph type="ftr" sz="quarter" idx="11"/>
           </p:nvPr>
         </p:nvSpPr>
-        <p:spPr>
-          <a:xfrm>
-            <a:off x="2416500" y="329307"/>
-            <a:ext cx="4973915" cy="309201"/>
-          </a:xfrm>
-        </p:spPr>
+        <p:spPr/>
         <p:txBody>
           <a:bodyPr/>
           <a:lstStyle/>
@@ -334,7 +343,13 @@
       </p:sp>
       <p:sp>
         <p:nvSpPr>
-          <p:cNvPr id="6" name="Slide Number Placeholder 5"/>
+          <p:cNvPr id="6" name="Slide Number Placeholder 5">
+            <a:extLst>
+              <a:ext uri="{FF2B5EF4-FFF2-40B4-BE49-F238E27FC236}">
+                <a16:creationId xmlns:a16="http://schemas.microsoft.com/office/drawing/2014/main" id="{B2288395-ECC3-49F1-81D1-77A093599F27}"/>
+              </a:ext>
+            </a:extLst>
+          </p:cNvPr>
           <p:cNvSpPr>
             <a:spLocks noGrp="1"/>
           </p:cNvSpPr>
@@ -342,12 +357,7 @@
             <p:ph type="sldNum" sz="quarter" idx="12"/>
           </p:nvPr>
         </p:nvSpPr>
-        <p:spPr>
-          <a:xfrm>
-            <a:off x="1437664" y="798973"/>
-            <a:ext cx="811019" cy="503578"/>
-          </a:xfrm>
-        </p:spPr>
+        <p:spPr/>
         <p:txBody>
           <a:bodyPr/>
           <a:lstStyle/>
@@ -360,41 +370,10 @@
           </a:p>
         </p:txBody>
       </p:sp>
-      <p:cxnSp>
-        <p:nvCxnSpPr>
-          <p:cNvPr id="15" name="Straight Connector 14"/>
-          <p:cNvCxnSpPr/>
-          <p:nvPr/>
-        </p:nvCxnSpPr>
-        <p:spPr>
-          <a:xfrm>
-            <a:off x="2417780" y="3528542"/>
-            <a:ext cx="8637072" cy="0"/>
-          </a:xfrm>
-          <a:prstGeom prst="line">
-            <a:avLst/>
-          </a:prstGeom>
-          <a:ln w="31750"/>
-        </p:spPr>
-        <p:style>
-          <a:lnRef idx="3">
-            <a:schemeClr val="accent1"/>
-          </a:lnRef>
-          <a:fillRef idx="0">
-            <a:schemeClr val="accent1"/>
-          </a:fillRef>
-          <a:effectRef idx="2">
-            <a:schemeClr val="accent1"/>
-          </a:effectRef>
-          <a:fontRef idx="minor">
-            <a:schemeClr val="tx1"/>
-          </a:fontRef>
-        </p:style>
-      </p:cxnSp>
     </p:spTree>
     <p:extLst>
       <p:ext uri="{BB962C8B-B14F-4D97-AF65-F5344CB8AC3E}">
-        <p14:creationId xmlns:p14="http://schemas.microsoft.com/office/powerpoint/2010/main" val="1167367603"/>
+        <p14:creationId xmlns:p14="http://schemas.microsoft.com/office/powerpoint/2010/main" val="2532660146"/>
       </p:ext>
     </p:extLst>
   </p:cSld>
@@ -423,7 +402,13 @@
       </p:grpSpPr>
       <p:sp>
         <p:nvSpPr>
-          <p:cNvPr id="2" name="Title 1"/>
+          <p:cNvPr id="2" name="Title 1">
+            <a:extLst>
+              <a:ext uri="{FF2B5EF4-FFF2-40B4-BE49-F238E27FC236}">
+                <a16:creationId xmlns:a16="http://schemas.microsoft.com/office/drawing/2014/main" id="{B59B57FD-1536-4CFA-A007-2315AE9BA886}"/>
+              </a:ext>
+            </a:extLst>
+          </p:cNvPr>
           <p:cNvSpPr>
             <a:spLocks noGrp="1"/>
           </p:cNvSpPr>
@@ -440,13 +425,18 @@
               <a:rPr lang="en-US"/>
               <a:t>Click to edit Master title style</a:t>
             </a:r>
-            <a:endParaRPr lang="en-US" dirty="0"/>
-          </a:p>
-        </p:txBody>
-      </p:sp>
-      <p:sp>
-        <p:nvSpPr>
-          <p:cNvPr id="3" name="Vertical Text Placeholder 2"/>
+          </a:p>
+        </p:txBody>
+      </p:sp>
+      <p:sp>
+        <p:nvSpPr>
+          <p:cNvPr id="3" name="Vertical Text Placeholder 2">
+            <a:extLst>
+              <a:ext uri="{FF2B5EF4-FFF2-40B4-BE49-F238E27FC236}">
+                <a16:creationId xmlns:a16="http://schemas.microsoft.com/office/drawing/2014/main" id="{AC186618-6388-4A26-8EBB-9F0133BD2203}"/>
+              </a:ext>
+            </a:extLst>
+          </p:cNvPr>
           <p:cNvSpPr>
             <a:spLocks noGrp="1"/>
           </p:cNvSpPr>
@@ -492,13 +482,18 @@
               <a:rPr lang="en-US"/>
               <a:t>Fifth level</a:t>
             </a:r>
-            <a:endParaRPr lang="en-US" dirty="0"/>
-          </a:p>
-        </p:txBody>
-      </p:sp>
-      <p:sp>
-        <p:nvSpPr>
-          <p:cNvPr id="4" name="Date Placeholder 3"/>
+          </a:p>
+        </p:txBody>
+      </p:sp>
+      <p:sp>
+        <p:nvSpPr>
+          <p:cNvPr id="4" name="Date Placeholder 3">
+            <a:extLst>
+              <a:ext uri="{FF2B5EF4-FFF2-40B4-BE49-F238E27FC236}">
+                <a16:creationId xmlns:a16="http://schemas.microsoft.com/office/drawing/2014/main" id="{864BD25F-1DFF-4275-8DC5-C6555BB95D14}"/>
+              </a:ext>
+            </a:extLst>
+          </p:cNvPr>
           <p:cNvSpPr>
             <a:spLocks noGrp="1"/>
           </p:cNvSpPr>
@@ -513,7 +508,7 @@
           <a:p>
             <a:fld id="{148E69EB-7E94-43A1-A496-ABF1E2996B84}" type="datetimeFigureOut">
               <a:rPr lang="en-US" smtClean="0"/>
-              <a:t>4/10/2023</a:t>
+              <a:t>8/8/2023</a:t>
             </a:fld>
             <a:endParaRPr lang="en-US"/>
           </a:p>
@@ -521,7 +516,13 @@
       </p:sp>
       <p:sp>
         <p:nvSpPr>
-          <p:cNvPr id="5" name="Footer Placeholder 4"/>
+          <p:cNvPr id="5" name="Footer Placeholder 4">
+            <a:extLst>
+              <a:ext uri="{FF2B5EF4-FFF2-40B4-BE49-F238E27FC236}">
+                <a16:creationId xmlns:a16="http://schemas.microsoft.com/office/drawing/2014/main" id="{09A23483-384D-4EFA-BC8E-70E293C87C5D}"/>
+              </a:ext>
+            </a:extLst>
+          </p:cNvPr>
           <p:cNvSpPr>
             <a:spLocks noGrp="1"/>
           </p:cNvSpPr>
@@ -540,7 +541,13 @@
       </p:sp>
       <p:sp>
         <p:nvSpPr>
-          <p:cNvPr id="6" name="Slide Number Placeholder 5"/>
+          <p:cNvPr id="6" name="Slide Number Placeholder 5">
+            <a:extLst>
+              <a:ext uri="{FF2B5EF4-FFF2-40B4-BE49-F238E27FC236}">
+                <a16:creationId xmlns:a16="http://schemas.microsoft.com/office/drawing/2014/main" id="{BBAAFFC9-0798-4046-A9F2-8B1C6A401140}"/>
+              </a:ext>
+            </a:extLst>
+          </p:cNvPr>
           <p:cNvSpPr>
             <a:spLocks noGrp="1"/>
           </p:cNvSpPr>
@@ -561,41 +568,10 @@
           </a:p>
         </p:txBody>
       </p:sp>
-      <p:cxnSp>
-        <p:nvCxnSpPr>
-          <p:cNvPr id="26" name="Straight Connector 25"/>
-          <p:cNvCxnSpPr/>
-          <p:nvPr/>
-        </p:nvCxnSpPr>
-        <p:spPr>
-          <a:xfrm>
-            <a:off x="1453896" y="1847088"/>
-            <a:ext cx="9607522" cy="0"/>
-          </a:xfrm>
-          <a:prstGeom prst="line">
-            <a:avLst/>
-          </a:prstGeom>
-          <a:ln w="31750"/>
-        </p:spPr>
-        <p:style>
-          <a:lnRef idx="3">
-            <a:schemeClr val="accent1"/>
-          </a:lnRef>
-          <a:fillRef idx="0">
-            <a:schemeClr val="accent1"/>
-          </a:fillRef>
-          <a:effectRef idx="2">
-            <a:schemeClr val="accent1"/>
-          </a:effectRef>
-          <a:fontRef idx="minor">
-            <a:schemeClr val="tx1"/>
-          </a:fontRef>
-        </p:style>
-      </p:cxnSp>
     </p:spTree>
     <p:extLst>
       <p:ext uri="{BB962C8B-B14F-4D97-AF65-F5344CB8AC3E}">
-        <p14:creationId xmlns:p14="http://schemas.microsoft.com/office/powerpoint/2010/main" val="2827805804"/>
+        <p14:creationId xmlns:p14="http://schemas.microsoft.com/office/powerpoint/2010/main" val="1018143584"/>
       </p:ext>
     </p:extLst>
   </p:cSld>
@@ -624,7 +600,13 @@
       </p:grpSpPr>
       <p:sp>
         <p:nvSpPr>
-          <p:cNvPr id="2" name="Vertical Title 1"/>
+          <p:cNvPr id="2" name="Vertical Title 1">
+            <a:extLst>
+              <a:ext uri="{FF2B5EF4-FFF2-40B4-BE49-F238E27FC236}">
+                <a16:creationId xmlns:a16="http://schemas.microsoft.com/office/drawing/2014/main" id="{DB269932-485B-452D-9DF8-9D254A033F7A}"/>
+              </a:ext>
+            </a:extLst>
+          </p:cNvPr>
           <p:cNvSpPr>
             <a:spLocks noGrp="1"/>
           </p:cNvSpPr>
@@ -634,29 +616,30 @@
         </p:nvSpPr>
         <p:spPr>
           <a:xfrm>
-            <a:off x="9439111" y="798973"/>
-            <a:ext cx="1615742" cy="4659889"/>
+            <a:off x="8724900" y="365125"/>
+            <a:ext cx="2628900" cy="5811838"/>
           </a:xfrm>
         </p:spPr>
         <p:txBody>
           <a:bodyPr vert="eaVert"/>
-          <a:lstStyle>
-            <a:lvl1pPr algn="l">
-              <a:defRPr/>
-            </a:lvl1pPr>
-          </a:lstStyle>
+          <a:lstStyle/>
           <a:p>
             <a:r>
               <a:rPr lang="en-US"/>
               <a:t>Click to edit Master title style</a:t>
             </a:r>
-            <a:endParaRPr lang="en-US" dirty="0"/>
-          </a:p>
-        </p:txBody>
-      </p:sp>
-      <p:sp>
-        <p:nvSpPr>
-          <p:cNvPr id="3" name="Vertical Text Placeholder 2"/>
+          </a:p>
+        </p:txBody>
+      </p:sp>
+      <p:sp>
+        <p:nvSpPr>
+          <p:cNvPr id="3" name="Vertical Text Placeholder 2">
+            <a:extLst>
+              <a:ext uri="{FF2B5EF4-FFF2-40B4-BE49-F238E27FC236}">
+                <a16:creationId xmlns:a16="http://schemas.microsoft.com/office/drawing/2014/main" id="{583029DB-E721-44F9-B0F6-E76C16908839}"/>
+              </a:ext>
+            </a:extLst>
+          </p:cNvPr>
           <p:cNvSpPr>
             <a:spLocks noGrp="1"/>
           </p:cNvSpPr>
@@ -666,8 +649,8 @@
         </p:nvSpPr>
         <p:spPr>
           <a:xfrm>
-            <a:off x="1444672" y="798973"/>
-            <a:ext cx="7828830" cy="4659889"/>
+            <a:off x="838200" y="365125"/>
+            <a:ext cx="7734300" cy="5811838"/>
           </a:xfrm>
         </p:spPr>
         <p:txBody>
@@ -707,13 +690,18 @@
               <a:rPr lang="en-US"/>
               <a:t>Fifth level</a:t>
             </a:r>
-            <a:endParaRPr lang="en-US" dirty="0"/>
-          </a:p>
-        </p:txBody>
-      </p:sp>
-      <p:sp>
-        <p:nvSpPr>
-          <p:cNvPr id="4" name="Date Placeholder 3"/>
+          </a:p>
+        </p:txBody>
+      </p:sp>
+      <p:sp>
+        <p:nvSpPr>
+          <p:cNvPr id="4" name="Date Placeholder 3">
+            <a:extLst>
+              <a:ext uri="{FF2B5EF4-FFF2-40B4-BE49-F238E27FC236}">
+                <a16:creationId xmlns:a16="http://schemas.microsoft.com/office/drawing/2014/main" id="{1CB9994B-C9C6-4A65-B011-CD530B5713E4}"/>
+              </a:ext>
+            </a:extLst>
+          </p:cNvPr>
           <p:cNvSpPr>
             <a:spLocks noGrp="1"/>
           </p:cNvSpPr>
@@ -728,7 +716,7 @@
           <a:p>
             <a:fld id="{148E69EB-7E94-43A1-A496-ABF1E2996B84}" type="datetimeFigureOut">
               <a:rPr lang="en-US" smtClean="0"/>
-              <a:t>4/10/2023</a:t>
+              <a:t>8/8/2023</a:t>
             </a:fld>
             <a:endParaRPr lang="en-US"/>
           </a:p>
@@ -736,7 +724,13 @@
       </p:sp>
       <p:sp>
         <p:nvSpPr>
-          <p:cNvPr id="5" name="Footer Placeholder 4"/>
+          <p:cNvPr id="5" name="Footer Placeholder 4">
+            <a:extLst>
+              <a:ext uri="{FF2B5EF4-FFF2-40B4-BE49-F238E27FC236}">
+                <a16:creationId xmlns:a16="http://schemas.microsoft.com/office/drawing/2014/main" id="{FAAAE1B5-526A-4DB6-8D49-E016026BB178}"/>
+              </a:ext>
+            </a:extLst>
+          </p:cNvPr>
           <p:cNvSpPr>
             <a:spLocks noGrp="1"/>
           </p:cNvSpPr>
@@ -755,7 +749,13 @@
       </p:sp>
       <p:sp>
         <p:nvSpPr>
-          <p:cNvPr id="6" name="Slide Number Placeholder 5"/>
+          <p:cNvPr id="6" name="Slide Number Placeholder 5">
+            <a:extLst>
+              <a:ext uri="{FF2B5EF4-FFF2-40B4-BE49-F238E27FC236}">
+                <a16:creationId xmlns:a16="http://schemas.microsoft.com/office/drawing/2014/main" id="{E1D3899D-12A9-44B0-BF0B-B773C62DE8DE}"/>
+              </a:ext>
+            </a:extLst>
+          </p:cNvPr>
           <p:cNvSpPr>
             <a:spLocks noGrp="1"/>
           </p:cNvSpPr>
@@ -776,41 +776,10 @@
           </a:p>
         </p:txBody>
       </p:sp>
-      <p:cxnSp>
-        <p:nvCxnSpPr>
-          <p:cNvPr id="15" name="Straight Connector 14"/>
-          <p:cNvCxnSpPr/>
-          <p:nvPr/>
-        </p:nvCxnSpPr>
-        <p:spPr>
-          <a:xfrm>
-            <a:off x="9439111" y="798973"/>
-            <a:ext cx="0" cy="4659889"/>
-          </a:xfrm>
-          <a:prstGeom prst="line">
-            <a:avLst/>
-          </a:prstGeom>
-          <a:ln w="31750"/>
-        </p:spPr>
-        <p:style>
-          <a:lnRef idx="3">
-            <a:schemeClr val="accent1"/>
-          </a:lnRef>
-          <a:fillRef idx="0">
-            <a:schemeClr val="accent1"/>
-          </a:fillRef>
-          <a:effectRef idx="2">
-            <a:schemeClr val="accent1"/>
-          </a:effectRef>
-          <a:fontRef idx="minor">
-            <a:schemeClr val="tx1"/>
-          </a:fontRef>
-        </p:style>
-      </p:cxnSp>
     </p:spTree>
     <p:extLst>
       <p:ext uri="{BB962C8B-B14F-4D97-AF65-F5344CB8AC3E}">
-        <p14:creationId xmlns:p14="http://schemas.microsoft.com/office/powerpoint/2010/main" val="3272971215"/>
+        <p14:creationId xmlns:p14="http://schemas.microsoft.com/office/powerpoint/2010/main" val="3904244478"/>
       </p:ext>
     </p:extLst>
   </p:cSld>
@@ -839,7 +808,13 @@
       </p:grpSpPr>
       <p:sp>
         <p:nvSpPr>
-          <p:cNvPr id="2" name="Title 1"/>
+          <p:cNvPr id="2" name="Title 1">
+            <a:extLst>
+              <a:ext uri="{FF2B5EF4-FFF2-40B4-BE49-F238E27FC236}">
+                <a16:creationId xmlns:a16="http://schemas.microsoft.com/office/drawing/2014/main" id="{0694C2C0-F697-4C37-9914-C0938EACD147}"/>
+              </a:ext>
+            </a:extLst>
+          </p:cNvPr>
           <p:cNvSpPr>
             <a:spLocks noGrp="1"/>
           </p:cNvSpPr>
@@ -856,13 +831,18 @@
               <a:rPr lang="en-US"/>
               <a:t>Click to edit Master title style</a:t>
             </a:r>
-            <a:endParaRPr lang="en-US" dirty="0"/>
-          </a:p>
-        </p:txBody>
-      </p:sp>
-      <p:sp>
-        <p:nvSpPr>
-          <p:cNvPr id="3" name="Content Placeholder 2"/>
+          </a:p>
+        </p:txBody>
+      </p:sp>
+      <p:sp>
+        <p:nvSpPr>
+          <p:cNvPr id="3" name="Content Placeholder 2">
+            <a:extLst>
+              <a:ext uri="{FF2B5EF4-FFF2-40B4-BE49-F238E27FC236}">
+                <a16:creationId xmlns:a16="http://schemas.microsoft.com/office/drawing/2014/main" id="{825D6E69-8D34-41F8-8885-3BD08B56E977}"/>
+              </a:ext>
+            </a:extLst>
+          </p:cNvPr>
           <p:cNvSpPr>
             <a:spLocks noGrp="1"/>
           </p:cNvSpPr>
@@ -872,7 +852,7 @@
         </p:nvSpPr>
         <p:spPr/>
         <p:txBody>
-          <a:bodyPr anchor="t"/>
+          <a:bodyPr/>
           <a:lstStyle/>
           <a:p>
             <a:pPr lvl="0"/>
@@ -908,13 +888,18 @@
               <a:rPr lang="en-US"/>
               <a:t>Fifth level</a:t>
             </a:r>
-            <a:endParaRPr lang="en-US" dirty="0"/>
-          </a:p>
-        </p:txBody>
-      </p:sp>
-      <p:sp>
-        <p:nvSpPr>
-          <p:cNvPr id="4" name="Date Placeholder 3"/>
+          </a:p>
+        </p:txBody>
+      </p:sp>
+      <p:sp>
+        <p:nvSpPr>
+          <p:cNvPr id="4" name="Date Placeholder 3">
+            <a:extLst>
+              <a:ext uri="{FF2B5EF4-FFF2-40B4-BE49-F238E27FC236}">
+                <a16:creationId xmlns:a16="http://schemas.microsoft.com/office/drawing/2014/main" id="{4AD93D6C-AA14-48BA-AF2D-0732EAC6A997}"/>
+              </a:ext>
+            </a:extLst>
+          </p:cNvPr>
           <p:cNvSpPr>
             <a:spLocks noGrp="1"/>
           </p:cNvSpPr>
@@ -929,7 +914,7 @@
           <a:p>
             <a:fld id="{148E69EB-7E94-43A1-A496-ABF1E2996B84}" type="datetimeFigureOut">
               <a:rPr lang="en-US" smtClean="0"/>
-              <a:t>4/10/2023</a:t>
+              <a:t>8/8/2023</a:t>
             </a:fld>
             <a:endParaRPr lang="en-US"/>
           </a:p>
@@ -937,7 +922,13 @@
       </p:sp>
       <p:sp>
         <p:nvSpPr>
-          <p:cNvPr id="5" name="Footer Placeholder 4"/>
+          <p:cNvPr id="5" name="Footer Placeholder 4">
+            <a:extLst>
+              <a:ext uri="{FF2B5EF4-FFF2-40B4-BE49-F238E27FC236}">
+                <a16:creationId xmlns:a16="http://schemas.microsoft.com/office/drawing/2014/main" id="{0A042A2B-1C28-408E-A83B-22F20C5CF460}"/>
+              </a:ext>
+            </a:extLst>
+          </p:cNvPr>
           <p:cNvSpPr>
             <a:spLocks noGrp="1"/>
           </p:cNvSpPr>
@@ -956,7 +947,13 @@
       </p:sp>
       <p:sp>
         <p:nvSpPr>
-          <p:cNvPr id="6" name="Slide Number Placeholder 5"/>
+          <p:cNvPr id="6" name="Slide Number Placeholder 5">
+            <a:extLst>
+              <a:ext uri="{FF2B5EF4-FFF2-40B4-BE49-F238E27FC236}">
+                <a16:creationId xmlns:a16="http://schemas.microsoft.com/office/drawing/2014/main" id="{95E33ADC-27DC-4A93-A0DE-293BA213ED9F}"/>
+              </a:ext>
+            </a:extLst>
+          </p:cNvPr>
           <p:cNvSpPr>
             <a:spLocks noGrp="1"/>
           </p:cNvSpPr>
@@ -977,41 +974,10 @@
           </a:p>
         </p:txBody>
       </p:sp>
-      <p:cxnSp>
-        <p:nvCxnSpPr>
-          <p:cNvPr id="33" name="Straight Connector 32"/>
-          <p:cNvCxnSpPr/>
-          <p:nvPr/>
-        </p:nvCxnSpPr>
-        <p:spPr>
-          <a:xfrm>
-            <a:off x="1453896" y="1847088"/>
-            <a:ext cx="9607522" cy="0"/>
-          </a:xfrm>
-          <a:prstGeom prst="line">
-            <a:avLst/>
-          </a:prstGeom>
-          <a:ln w="31750"/>
-        </p:spPr>
-        <p:style>
-          <a:lnRef idx="3">
-            <a:schemeClr val="accent1"/>
-          </a:lnRef>
-          <a:fillRef idx="0">
-            <a:schemeClr val="accent1"/>
-          </a:fillRef>
-          <a:effectRef idx="2">
-            <a:schemeClr val="accent1"/>
-          </a:effectRef>
-          <a:fontRef idx="minor">
-            <a:schemeClr val="tx1"/>
-          </a:fontRef>
-        </p:style>
-      </p:cxnSp>
     </p:spTree>
     <p:extLst>
       <p:ext uri="{BB962C8B-B14F-4D97-AF65-F5344CB8AC3E}">
-        <p14:creationId xmlns:p14="http://schemas.microsoft.com/office/powerpoint/2010/main" val="3283981028"/>
+        <p14:creationId xmlns:p14="http://schemas.microsoft.com/office/powerpoint/2010/main" val="2108150802"/>
       </p:ext>
     </p:extLst>
   </p:cSld>
@@ -1040,7 +1006,13 @@
       </p:grpSpPr>
       <p:sp>
         <p:nvSpPr>
-          <p:cNvPr id="2" name="Title 1"/>
+          <p:cNvPr id="2" name="Title 1">
+            <a:extLst>
+              <a:ext uri="{FF2B5EF4-FFF2-40B4-BE49-F238E27FC236}">
+                <a16:creationId xmlns:a16="http://schemas.microsoft.com/office/drawing/2014/main" id="{4A7E44F9-5AE3-41A2-B4A8-9ACEA317F16E}"/>
+              </a:ext>
+            </a:extLst>
+          </p:cNvPr>
           <p:cNvSpPr>
             <a:spLocks noGrp="1"/>
           </p:cNvSpPr>
@@ -1050,17 +1022,15 @@
         </p:nvSpPr>
         <p:spPr>
           <a:xfrm>
-            <a:off x="1454239" y="1756130"/>
-            <a:ext cx="8643154" cy="1887950"/>
+            <a:off x="831850" y="1709738"/>
+            <a:ext cx="10515600" cy="2852737"/>
           </a:xfrm>
         </p:spPr>
         <p:txBody>
-          <a:bodyPr anchor="b">
-            <a:normAutofit/>
-          </a:bodyPr>
+          <a:bodyPr anchor="b"/>
           <a:lstStyle>
-            <a:lvl1pPr algn="l">
-              <a:defRPr sz="3600"/>
+            <a:lvl1pPr>
+              <a:defRPr sz="6000"/>
             </a:lvl1pPr>
           </a:lstStyle>
           <a:p>
@@ -1068,13 +1038,18 @@
               <a:rPr lang="en-US"/>
               <a:t>Click to edit Master title style</a:t>
             </a:r>
-            <a:endParaRPr lang="en-US" dirty="0"/>
-          </a:p>
-        </p:txBody>
-      </p:sp>
-      <p:sp>
-        <p:nvSpPr>
-          <p:cNvPr id="3" name="Text Placeholder 2"/>
+          </a:p>
+        </p:txBody>
+      </p:sp>
+      <p:sp>
+        <p:nvSpPr>
+          <p:cNvPr id="3" name="Text Placeholder 2">
+            <a:extLst>
+              <a:ext uri="{FF2B5EF4-FFF2-40B4-BE49-F238E27FC236}">
+                <a16:creationId xmlns:a16="http://schemas.microsoft.com/office/drawing/2014/main" id="{17B0BFC4-8FF6-4FAB-ABF7-8A5FC80D8C75}"/>
+              </a:ext>
+            </a:extLst>
+          </p:cNvPr>
           <p:cNvSpPr>
             <a:spLocks noGrp="1"/>
           </p:cNvSpPr>
@@ -1084,26 +1059,26 @@
         </p:nvSpPr>
         <p:spPr>
           <a:xfrm>
-            <a:off x="1454239" y="3806195"/>
-            <a:ext cx="8630446" cy="1012929"/>
+            <a:off x="831850" y="4589463"/>
+            <a:ext cx="10515600" cy="1500187"/>
           </a:xfrm>
         </p:spPr>
         <p:txBody>
-          <a:bodyPr tIns="91440">
-            <a:normAutofit/>
-          </a:bodyPr>
+          <a:bodyPr/>
           <a:lstStyle>
-            <a:lvl1pPr marL="0" indent="0" algn="l">
+            <a:lvl1pPr marL="0" indent="0">
               <a:buNone/>
-              <a:defRPr sz="1800">
+              <a:defRPr sz="2400">
                 <a:solidFill>
-                  <a:schemeClr val="tx1"/>
+                  <a:schemeClr val="tx1">
+                    <a:tint val="75000"/>
+                  </a:schemeClr>
                 </a:solidFill>
               </a:defRPr>
             </a:lvl1pPr>
             <a:lvl2pPr marL="457200" indent="0">
               <a:buNone/>
-              <a:defRPr sz="1800">
+              <a:defRPr sz="2000">
                 <a:solidFill>
                   <a:schemeClr val="tx1">
                     <a:tint val="75000"/>
@@ -1193,7 +1168,13 @@
       </p:sp>
       <p:sp>
         <p:nvSpPr>
-          <p:cNvPr id="4" name="Date Placeholder 3"/>
+          <p:cNvPr id="4" name="Date Placeholder 3">
+            <a:extLst>
+              <a:ext uri="{FF2B5EF4-FFF2-40B4-BE49-F238E27FC236}">
+                <a16:creationId xmlns:a16="http://schemas.microsoft.com/office/drawing/2014/main" id="{086BFAD0-347A-4273-892A-C2E105154D8F}"/>
+              </a:ext>
+            </a:extLst>
+          </p:cNvPr>
           <p:cNvSpPr>
             <a:spLocks noGrp="1"/>
           </p:cNvSpPr>
@@ -1208,7 +1189,7 @@
           <a:p>
             <a:fld id="{148E69EB-7E94-43A1-A496-ABF1E2996B84}" type="datetimeFigureOut">
               <a:rPr lang="en-US" smtClean="0"/>
-              <a:t>4/10/2023</a:t>
+              <a:t>8/8/2023</a:t>
             </a:fld>
             <a:endParaRPr lang="en-US"/>
           </a:p>
@@ -1216,7 +1197,13 @@
       </p:sp>
       <p:sp>
         <p:nvSpPr>
-          <p:cNvPr id="5" name="Footer Placeholder 4"/>
+          <p:cNvPr id="5" name="Footer Placeholder 4">
+            <a:extLst>
+              <a:ext uri="{FF2B5EF4-FFF2-40B4-BE49-F238E27FC236}">
+                <a16:creationId xmlns:a16="http://schemas.microsoft.com/office/drawing/2014/main" id="{CA79844D-6DC2-4E6E-8750-27F4B2685356}"/>
+              </a:ext>
+            </a:extLst>
+          </p:cNvPr>
           <p:cNvSpPr>
             <a:spLocks noGrp="1"/>
           </p:cNvSpPr>
@@ -1235,7 +1222,13 @@
       </p:sp>
       <p:sp>
         <p:nvSpPr>
-          <p:cNvPr id="6" name="Slide Number Placeholder 5"/>
+          <p:cNvPr id="6" name="Slide Number Placeholder 5">
+            <a:extLst>
+              <a:ext uri="{FF2B5EF4-FFF2-40B4-BE49-F238E27FC236}">
+                <a16:creationId xmlns:a16="http://schemas.microsoft.com/office/drawing/2014/main" id="{ABA73D41-8F3E-4777-869D-234E24266FE7}"/>
+              </a:ext>
+            </a:extLst>
+          </p:cNvPr>
           <p:cNvSpPr>
             <a:spLocks noGrp="1"/>
           </p:cNvSpPr>
@@ -1256,41 +1249,10 @@
           </a:p>
         </p:txBody>
       </p:sp>
-      <p:cxnSp>
-        <p:nvCxnSpPr>
-          <p:cNvPr id="15" name="Straight Connector 14"/>
-          <p:cNvCxnSpPr/>
-          <p:nvPr/>
-        </p:nvCxnSpPr>
-        <p:spPr>
-          <a:xfrm>
-            <a:off x="1454239" y="3804985"/>
-            <a:ext cx="8630446" cy="0"/>
-          </a:xfrm>
-          <a:prstGeom prst="line">
-            <a:avLst/>
-          </a:prstGeom>
-          <a:ln w="31750"/>
-        </p:spPr>
-        <p:style>
-          <a:lnRef idx="3">
-            <a:schemeClr val="accent1"/>
-          </a:lnRef>
-          <a:fillRef idx="0">
-            <a:schemeClr val="accent1"/>
-          </a:fillRef>
-          <a:effectRef idx="2">
-            <a:schemeClr val="accent1"/>
-          </a:effectRef>
-          <a:fontRef idx="minor">
-            <a:schemeClr val="tx1"/>
-          </a:fontRef>
-        </p:style>
-      </p:cxnSp>
     </p:spTree>
     <p:extLst>
       <p:ext uri="{BB962C8B-B14F-4D97-AF65-F5344CB8AC3E}">
-        <p14:creationId xmlns:p14="http://schemas.microsoft.com/office/powerpoint/2010/main" val="1792467155"/>
+        <p14:creationId xmlns:p14="http://schemas.microsoft.com/office/powerpoint/2010/main" val="3372301394"/>
       </p:ext>
     </p:extLst>
   </p:cSld>
@@ -1319,46 +1281,114 @@
       </p:grpSpPr>
       <p:sp>
         <p:nvSpPr>
-          <p:cNvPr id="2" name="Title 1"/>
+          <p:cNvPr id="2" name="Title 1">
+            <a:extLst>
+              <a:ext uri="{FF2B5EF4-FFF2-40B4-BE49-F238E27FC236}">
+                <a16:creationId xmlns:a16="http://schemas.microsoft.com/office/drawing/2014/main" id="{D6E501DA-39BF-49B2-8563-BF2CDE916202}"/>
+              </a:ext>
+            </a:extLst>
+          </p:cNvPr>
           <p:cNvSpPr>
             <a:spLocks noGrp="1"/>
           </p:cNvSpPr>
           <p:nvPr>
             <p:ph type="title"/>
+          </p:nvPr>
+        </p:nvSpPr>
+        <p:spPr/>
+        <p:txBody>
+          <a:bodyPr/>
+          <a:lstStyle/>
+          <a:p>
+            <a:r>
+              <a:rPr lang="en-US"/>
+              <a:t>Click to edit Master title style</a:t>
+            </a:r>
+          </a:p>
+        </p:txBody>
+      </p:sp>
+      <p:sp>
+        <p:nvSpPr>
+          <p:cNvPr id="3" name="Content Placeholder 2">
+            <a:extLst>
+              <a:ext uri="{FF2B5EF4-FFF2-40B4-BE49-F238E27FC236}">
+                <a16:creationId xmlns:a16="http://schemas.microsoft.com/office/drawing/2014/main" id="{41D648CF-98E1-47DE-8365-30937467C537}"/>
+              </a:ext>
+            </a:extLst>
+          </p:cNvPr>
+          <p:cNvSpPr>
+            <a:spLocks noGrp="1"/>
+          </p:cNvSpPr>
+          <p:nvPr>
+            <p:ph sz="half" idx="1"/>
           </p:nvPr>
         </p:nvSpPr>
         <p:spPr>
           <a:xfrm>
-            <a:off x="1449217" y="804889"/>
-            <a:ext cx="9605635" cy="1059305"/>
+            <a:off x="838200" y="1825625"/>
+            <a:ext cx="5181600" cy="4351338"/>
           </a:xfrm>
         </p:spPr>
         <p:txBody>
           <a:bodyPr/>
           <a:lstStyle/>
           <a:p>
+            <a:pPr lvl="0"/>
             <a:r>
               <a:rPr lang="en-US"/>
-              <a:t>Click to edit Master title style</a:t>
-            </a:r>
-            <a:endParaRPr lang="en-US" dirty="0"/>
-          </a:p>
-        </p:txBody>
-      </p:sp>
-      <p:sp>
-        <p:nvSpPr>
-          <p:cNvPr id="3" name="Content Placeholder 2"/>
-          <p:cNvSpPr>
-            <a:spLocks noGrp="1"/>
-          </p:cNvSpPr>
-          <p:nvPr>
-            <p:ph sz="half" idx="1"/>
+              <a:t>Click to edit Master text styles</a:t>
+            </a:r>
+          </a:p>
+          <a:p>
+            <a:pPr lvl="1"/>
+            <a:r>
+              <a:rPr lang="en-US"/>
+              <a:t>Second level</a:t>
+            </a:r>
+          </a:p>
+          <a:p>
+            <a:pPr lvl="2"/>
+            <a:r>
+              <a:rPr lang="en-US"/>
+              <a:t>Third level</a:t>
+            </a:r>
+          </a:p>
+          <a:p>
+            <a:pPr lvl="3"/>
+            <a:r>
+              <a:rPr lang="en-US"/>
+              <a:t>Fourth level</a:t>
+            </a:r>
+          </a:p>
+          <a:p>
+            <a:pPr lvl="4"/>
+            <a:r>
+              <a:rPr lang="en-US"/>
+              <a:t>Fifth level</a:t>
+            </a:r>
+          </a:p>
+        </p:txBody>
+      </p:sp>
+      <p:sp>
+        <p:nvSpPr>
+          <p:cNvPr id="4" name="Content Placeholder 3">
+            <a:extLst>
+              <a:ext uri="{FF2B5EF4-FFF2-40B4-BE49-F238E27FC236}">
+                <a16:creationId xmlns:a16="http://schemas.microsoft.com/office/drawing/2014/main" id="{8267F2B9-6766-4EA6-BB1B-5AA7F95C5EBC}"/>
+              </a:ext>
+            </a:extLst>
+          </p:cNvPr>
+          <p:cNvSpPr>
+            <a:spLocks noGrp="1"/>
+          </p:cNvSpPr>
+          <p:nvPr>
+            <p:ph sz="half" idx="2"/>
           </p:nvPr>
         </p:nvSpPr>
         <p:spPr>
           <a:xfrm>
-            <a:off x="1447331" y="2010878"/>
-            <a:ext cx="4645152" cy="3448595"/>
+            <a:off x="6172200" y="1825625"/>
+            <a:ext cx="5181600" cy="4351338"/>
           </a:xfrm>
         </p:spPr>
         <p:txBody>
@@ -1398,70 +1428,18 @@
               <a:rPr lang="en-US"/>
               <a:t>Fifth level</a:t>
             </a:r>
-            <a:endParaRPr lang="en-US" dirty="0"/>
-          </a:p>
-        </p:txBody>
-      </p:sp>
-      <p:sp>
-        <p:nvSpPr>
-          <p:cNvPr id="4" name="Content Placeholder 3"/>
-          <p:cNvSpPr>
-            <a:spLocks noGrp="1"/>
-          </p:cNvSpPr>
-          <p:nvPr>
-            <p:ph sz="half" idx="2"/>
-          </p:nvPr>
-        </p:nvSpPr>
-        <p:spPr>
-          <a:xfrm>
-            <a:off x="6413771" y="2017343"/>
-            <a:ext cx="4645152" cy="3441520"/>
-          </a:xfrm>
-        </p:spPr>
-        <p:txBody>
-          <a:bodyPr/>
-          <a:lstStyle/>
-          <a:p>
-            <a:pPr lvl="0"/>
-            <a:r>
-              <a:rPr lang="en-US"/>
-              <a:t>Click to edit Master text styles</a:t>
-            </a:r>
-          </a:p>
-          <a:p>
-            <a:pPr lvl="1"/>
-            <a:r>
-              <a:rPr lang="en-US"/>
-              <a:t>Second level</a:t>
-            </a:r>
-          </a:p>
-          <a:p>
-            <a:pPr lvl="2"/>
-            <a:r>
-              <a:rPr lang="en-US"/>
-              <a:t>Third level</a:t>
-            </a:r>
-          </a:p>
-          <a:p>
-            <a:pPr lvl="3"/>
-            <a:r>
-              <a:rPr lang="en-US"/>
-              <a:t>Fourth level</a:t>
-            </a:r>
-          </a:p>
-          <a:p>
-            <a:pPr lvl="4"/>
-            <a:r>
-              <a:rPr lang="en-US"/>
-              <a:t>Fifth level</a:t>
-            </a:r>
-            <a:endParaRPr lang="en-US" dirty="0"/>
-          </a:p>
-        </p:txBody>
-      </p:sp>
-      <p:sp>
-        <p:nvSpPr>
-          <p:cNvPr id="5" name="Date Placeholder 4"/>
+          </a:p>
+        </p:txBody>
+      </p:sp>
+      <p:sp>
+        <p:nvSpPr>
+          <p:cNvPr id="5" name="Date Placeholder 4">
+            <a:extLst>
+              <a:ext uri="{FF2B5EF4-FFF2-40B4-BE49-F238E27FC236}">
+                <a16:creationId xmlns:a16="http://schemas.microsoft.com/office/drawing/2014/main" id="{05087CEB-9983-4B7B-8F53-D7DEDD78126A}"/>
+              </a:ext>
+            </a:extLst>
+          </p:cNvPr>
           <p:cNvSpPr>
             <a:spLocks noGrp="1"/>
           </p:cNvSpPr>
@@ -1476,7 +1454,7 @@
           <a:p>
             <a:fld id="{148E69EB-7E94-43A1-A496-ABF1E2996B84}" type="datetimeFigureOut">
               <a:rPr lang="en-US" smtClean="0"/>
-              <a:t>4/10/2023</a:t>
+              <a:t>8/8/2023</a:t>
             </a:fld>
             <a:endParaRPr lang="en-US"/>
           </a:p>
@@ -1484,7 +1462,13 @@
       </p:sp>
       <p:sp>
         <p:nvSpPr>
-          <p:cNvPr id="6" name="Footer Placeholder 5"/>
+          <p:cNvPr id="6" name="Footer Placeholder 5">
+            <a:extLst>
+              <a:ext uri="{FF2B5EF4-FFF2-40B4-BE49-F238E27FC236}">
+                <a16:creationId xmlns:a16="http://schemas.microsoft.com/office/drawing/2014/main" id="{DD7481E7-3006-4AE0-9CB6-8E7805DF817A}"/>
+              </a:ext>
+            </a:extLst>
+          </p:cNvPr>
           <p:cNvSpPr>
             <a:spLocks noGrp="1"/>
           </p:cNvSpPr>
@@ -1503,7 +1487,13 @@
       </p:sp>
       <p:sp>
         <p:nvSpPr>
-          <p:cNvPr id="7" name="Slide Number Placeholder 6"/>
+          <p:cNvPr id="7" name="Slide Number Placeholder 6">
+            <a:extLst>
+              <a:ext uri="{FF2B5EF4-FFF2-40B4-BE49-F238E27FC236}">
+                <a16:creationId xmlns:a16="http://schemas.microsoft.com/office/drawing/2014/main" id="{EB7C51E0-D997-4CBA-9F86-EC782BE56618}"/>
+              </a:ext>
+            </a:extLst>
+          </p:cNvPr>
           <p:cNvSpPr>
             <a:spLocks noGrp="1"/>
           </p:cNvSpPr>
@@ -1524,41 +1514,10 @@
           </a:p>
         </p:txBody>
       </p:sp>
-      <p:cxnSp>
-        <p:nvCxnSpPr>
-          <p:cNvPr id="35" name="Straight Connector 34"/>
-          <p:cNvCxnSpPr/>
-          <p:nvPr/>
-        </p:nvCxnSpPr>
-        <p:spPr>
-          <a:xfrm>
-            <a:off x="1453896" y="1847088"/>
-            <a:ext cx="9607522" cy="0"/>
-          </a:xfrm>
-          <a:prstGeom prst="line">
-            <a:avLst/>
-          </a:prstGeom>
-          <a:ln w="31750"/>
-        </p:spPr>
-        <p:style>
-          <a:lnRef idx="3">
-            <a:schemeClr val="accent1"/>
-          </a:lnRef>
-          <a:fillRef idx="0">
-            <a:schemeClr val="accent1"/>
-          </a:fillRef>
-          <a:effectRef idx="2">
-            <a:schemeClr val="accent1"/>
-          </a:effectRef>
-          <a:fontRef idx="minor">
-            <a:schemeClr val="tx1"/>
-          </a:fontRef>
-        </p:style>
-      </p:cxnSp>
     </p:spTree>
     <p:extLst>
       <p:ext uri="{BB962C8B-B14F-4D97-AF65-F5344CB8AC3E}">
-        <p14:creationId xmlns:p14="http://schemas.microsoft.com/office/powerpoint/2010/main" val="3242147187"/>
+        <p14:creationId xmlns:p14="http://schemas.microsoft.com/office/powerpoint/2010/main" val="3354385117"/>
       </p:ext>
     </p:extLst>
   </p:cSld>
@@ -1587,7 +1546,13 @@
       </p:grpSpPr>
       <p:sp>
         <p:nvSpPr>
-          <p:cNvPr id="2" name="Title 1"/>
+          <p:cNvPr id="2" name="Title 1">
+            <a:extLst>
+              <a:ext uri="{FF2B5EF4-FFF2-40B4-BE49-F238E27FC236}">
+                <a16:creationId xmlns:a16="http://schemas.microsoft.com/office/drawing/2014/main" id="{3E34BEA3-567C-4745-B5FE-E16FCCC5B872}"/>
+              </a:ext>
+            </a:extLst>
+          </p:cNvPr>
           <p:cNvSpPr>
             <a:spLocks noGrp="1"/>
           </p:cNvSpPr>
@@ -1597,8 +1562,8 @@
         </p:nvSpPr>
         <p:spPr>
           <a:xfrm>
-            <a:off x="1447191" y="804163"/>
-            <a:ext cx="9607661" cy="1056319"/>
+            <a:off x="839788" y="365125"/>
+            <a:ext cx="10515600" cy="1325563"/>
           </a:xfrm>
         </p:spPr>
         <p:txBody>
@@ -1609,13 +1574,18 @@
               <a:rPr lang="en-US"/>
               <a:t>Click to edit Master title style</a:t>
             </a:r>
-            <a:endParaRPr lang="en-US" dirty="0"/>
-          </a:p>
-        </p:txBody>
-      </p:sp>
-      <p:sp>
-        <p:nvSpPr>
-          <p:cNvPr id="3" name="Text Placeholder 2"/>
+          </a:p>
+        </p:txBody>
+      </p:sp>
+      <p:sp>
+        <p:nvSpPr>
+          <p:cNvPr id="3" name="Text Placeholder 2">
+            <a:extLst>
+              <a:ext uri="{FF2B5EF4-FFF2-40B4-BE49-F238E27FC236}">
+                <a16:creationId xmlns:a16="http://schemas.microsoft.com/office/drawing/2014/main" id="{9ACA0E92-056E-4594-A0E7-A23CEB0AC1A9}"/>
+              </a:ext>
+            </a:extLst>
+          </p:cNvPr>
           <p:cNvSpPr>
             <a:spLocks noGrp="1"/>
           </p:cNvSpPr>
@@ -1625,25 +1595,16 @@
         </p:nvSpPr>
         <p:spPr>
           <a:xfrm>
-            <a:off x="1447191" y="2019549"/>
-            <a:ext cx="4645152" cy="801943"/>
+            <a:off x="839788" y="1681163"/>
+            <a:ext cx="5157787" cy="823912"/>
           </a:xfrm>
         </p:spPr>
         <p:txBody>
-          <a:bodyPr anchor="b">
-            <a:normAutofit/>
-          </a:bodyPr>
+          <a:bodyPr anchor="b"/>
           <a:lstStyle>
             <a:lvl1pPr marL="0" indent="0">
-              <a:lnSpc>
-                <a:spcPct val="100000"/>
-              </a:lnSpc>
               <a:buNone/>
-              <a:defRPr sz="2200" b="0" cap="all" baseline="0">
-                <a:solidFill>
-                  <a:schemeClr val="accent1"/>
-                </a:solidFill>
-              </a:defRPr>
+              <a:defRPr sz="2400" b="1"/>
             </a:lvl1pPr>
             <a:lvl2pPr marL="457200" indent="0">
               <a:buNone/>
@@ -1689,7 +1650,13 @@
       </p:sp>
       <p:sp>
         <p:nvSpPr>
-          <p:cNvPr id="4" name="Content Placeholder 3"/>
+          <p:cNvPr id="4" name="Content Placeholder 3">
+            <a:extLst>
+              <a:ext uri="{FF2B5EF4-FFF2-40B4-BE49-F238E27FC236}">
+                <a16:creationId xmlns:a16="http://schemas.microsoft.com/office/drawing/2014/main" id="{8DD033DF-A9D5-4ABE-BE35-7DD447688771}"/>
+              </a:ext>
+            </a:extLst>
+          </p:cNvPr>
           <p:cNvSpPr>
             <a:spLocks noGrp="1"/>
           </p:cNvSpPr>
@@ -1699,8 +1666,8 @@
         </p:nvSpPr>
         <p:spPr>
           <a:xfrm>
-            <a:off x="1447191" y="2824269"/>
-            <a:ext cx="4645152" cy="2644457"/>
+            <a:off x="839788" y="2505075"/>
+            <a:ext cx="5157787" cy="3684588"/>
           </a:xfrm>
         </p:spPr>
         <p:txBody>
@@ -1740,13 +1707,18 @@
               <a:rPr lang="en-US"/>
               <a:t>Fifth level</a:t>
             </a:r>
-            <a:endParaRPr lang="en-US" dirty="0"/>
-          </a:p>
-        </p:txBody>
-      </p:sp>
-      <p:sp>
-        <p:nvSpPr>
-          <p:cNvPr id="5" name="Text Placeholder 4"/>
+          </a:p>
+        </p:txBody>
+      </p:sp>
+      <p:sp>
+        <p:nvSpPr>
+          <p:cNvPr id="5" name="Text Placeholder 4">
+            <a:extLst>
+              <a:ext uri="{FF2B5EF4-FFF2-40B4-BE49-F238E27FC236}">
+                <a16:creationId xmlns:a16="http://schemas.microsoft.com/office/drawing/2014/main" id="{4E477683-3C4C-4D25-8D4B-C770F34D4EE9}"/>
+              </a:ext>
+            </a:extLst>
+          </p:cNvPr>
           <p:cNvSpPr>
             <a:spLocks noGrp="1"/>
           </p:cNvSpPr>
@@ -1756,25 +1728,16 @@
         </p:nvSpPr>
         <p:spPr>
           <a:xfrm>
-            <a:off x="6412362" y="2023003"/>
-            <a:ext cx="4645152" cy="802237"/>
+            <a:off x="6172200" y="1681163"/>
+            <a:ext cx="5183188" cy="823912"/>
           </a:xfrm>
         </p:spPr>
         <p:txBody>
-          <a:bodyPr anchor="b">
-            <a:normAutofit/>
-          </a:bodyPr>
+          <a:bodyPr anchor="b"/>
           <a:lstStyle>
             <a:lvl1pPr marL="0" indent="0">
-              <a:lnSpc>
-                <a:spcPct val="100000"/>
-              </a:lnSpc>
               <a:buNone/>
-              <a:defRPr sz="2200" b="0" cap="all" baseline="0">
-                <a:solidFill>
-                  <a:schemeClr val="accent1"/>
-                </a:solidFill>
-              </a:defRPr>
+              <a:defRPr sz="2400" b="1"/>
             </a:lvl1pPr>
             <a:lvl2pPr marL="457200" indent="0">
               <a:buNone/>
@@ -1820,7 +1783,13 @@
       </p:sp>
       <p:sp>
         <p:nvSpPr>
-          <p:cNvPr id="6" name="Content Placeholder 5"/>
+          <p:cNvPr id="6" name="Content Placeholder 5">
+            <a:extLst>
+              <a:ext uri="{FF2B5EF4-FFF2-40B4-BE49-F238E27FC236}">
+                <a16:creationId xmlns:a16="http://schemas.microsoft.com/office/drawing/2014/main" id="{AD123D61-67EC-4949-B797-D2375EEBA169}"/>
+              </a:ext>
+            </a:extLst>
+          </p:cNvPr>
           <p:cNvSpPr>
             <a:spLocks noGrp="1"/>
           </p:cNvSpPr>
@@ -1830,8 +1799,8 @@
         </p:nvSpPr>
         <p:spPr>
           <a:xfrm>
-            <a:off x="6412362" y="2821491"/>
-            <a:ext cx="4645152" cy="2637371"/>
+            <a:off x="6172200" y="2505075"/>
+            <a:ext cx="5183188" cy="3684588"/>
           </a:xfrm>
         </p:spPr>
         <p:txBody>
@@ -1871,13 +1840,18 @@
               <a:rPr lang="en-US"/>
               <a:t>Fifth level</a:t>
             </a:r>
-            <a:endParaRPr lang="en-US" dirty="0"/>
-          </a:p>
-        </p:txBody>
-      </p:sp>
-      <p:sp>
-        <p:nvSpPr>
-          <p:cNvPr id="7" name="Date Placeholder 6"/>
+          </a:p>
+        </p:txBody>
+      </p:sp>
+      <p:sp>
+        <p:nvSpPr>
+          <p:cNvPr id="7" name="Date Placeholder 6">
+            <a:extLst>
+              <a:ext uri="{FF2B5EF4-FFF2-40B4-BE49-F238E27FC236}">
+                <a16:creationId xmlns:a16="http://schemas.microsoft.com/office/drawing/2014/main" id="{2AF88A27-AF23-4AC9-B318-770D242A38FA}"/>
+              </a:ext>
+            </a:extLst>
+          </p:cNvPr>
           <p:cNvSpPr>
             <a:spLocks noGrp="1"/>
           </p:cNvSpPr>
@@ -1892,7 +1866,7 @@
           <a:p>
             <a:fld id="{148E69EB-7E94-43A1-A496-ABF1E2996B84}" type="datetimeFigureOut">
               <a:rPr lang="en-US" smtClean="0"/>
-              <a:t>4/10/2023</a:t>
+              <a:t>8/8/2023</a:t>
             </a:fld>
             <a:endParaRPr lang="en-US"/>
           </a:p>
@@ -1900,7 +1874,13 @@
       </p:sp>
       <p:sp>
         <p:nvSpPr>
-          <p:cNvPr id="8" name="Footer Placeholder 7"/>
+          <p:cNvPr id="8" name="Footer Placeholder 7">
+            <a:extLst>
+              <a:ext uri="{FF2B5EF4-FFF2-40B4-BE49-F238E27FC236}">
+                <a16:creationId xmlns:a16="http://schemas.microsoft.com/office/drawing/2014/main" id="{C3F1522D-DE85-4B6E-BCD8-719F132A6AE5}"/>
+              </a:ext>
+            </a:extLst>
+          </p:cNvPr>
           <p:cNvSpPr>
             <a:spLocks noGrp="1"/>
           </p:cNvSpPr>
@@ -1919,7 +1899,13 @@
       </p:sp>
       <p:sp>
         <p:nvSpPr>
-          <p:cNvPr id="9" name="Slide Number Placeholder 8"/>
+          <p:cNvPr id="9" name="Slide Number Placeholder 8">
+            <a:extLst>
+              <a:ext uri="{FF2B5EF4-FFF2-40B4-BE49-F238E27FC236}">
+                <a16:creationId xmlns:a16="http://schemas.microsoft.com/office/drawing/2014/main" id="{A29C6C24-CFF4-43BD-9BDF-41D0EB530375}"/>
+              </a:ext>
+            </a:extLst>
+          </p:cNvPr>
           <p:cNvSpPr>
             <a:spLocks noGrp="1"/>
           </p:cNvSpPr>
@@ -1940,41 +1926,10 @@
           </a:p>
         </p:txBody>
       </p:sp>
-      <p:cxnSp>
-        <p:nvCxnSpPr>
-          <p:cNvPr id="29" name="Straight Connector 28"/>
-          <p:cNvCxnSpPr/>
-          <p:nvPr/>
-        </p:nvCxnSpPr>
-        <p:spPr>
-          <a:xfrm>
-            <a:off x="1453896" y="1847088"/>
-            <a:ext cx="9607522" cy="0"/>
-          </a:xfrm>
-          <a:prstGeom prst="line">
-            <a:avLst/>
-          </a:prstGeom>
-          <a:ln w="31750"/>
-        </p:spPr>
-        <p:style>
-          <a:lnRef idx="3">
-            <a:schemeClr val="accent1"/>
-          </a:lnRef>
-          <a:fillRef idx="0">
-            <a:schemeClr val="accent1"/>
-          </a:fillRef>
-          <a:effectRef idx="2">
-            <a:schemeClr val="accent1"/>
-          </a:effectRef>
-          <a:fontRef idx="minor">
-            <a:schemeClr val="tx1"/>
-          </a:fontRef>
-        </p:style>
-      </p:cxnSp>
     </p:spTree>
     <p:extLst>
       <p:ext uri="{BB962C8B-B14F-4D97-AF65-F5344CB8AC3E}">
-        <p14:creationId xmlns:p14="http://schemas.microsoft.com/office/powerpoint/2010/main" val="3683598323"/>
+        <p14:creationId xmlns:p14="http://schemas.microsoft.com/office/powerpoint/2010/main" val="2063948528"/>
       </p:ext>
     </p:extLst>
   </p:cSld>
@@ -2003,7 +1958,13 @@
       </p:grpSpPr>
       <p:sp>
         <p:nvSpPr>
-          <p:cNvPr id="2" name="Title 1"/>
+          <p:cNvPr id="2" name="Title 1">
+            <a:extLst>
+              <a:ext uri="{FF2B5EF4-FFF2-40B4-BE49-F238E27FC236}">
+                <a16:creationId xmlns:a16="http://schemas.microsoft.com/office/drawing/2014/main" id="{1687B712-1438-41AC-B4E2-9E3E0BEC76D0}"/>
+              </a:ext>
+            </a:extLst>
+          </p:cNvPr>
           <p:cNvSpPr>
             <a:spLocks noGrp="1"/>
           </p:cNvSpPr>
@@ -2020,13 +1981,18 @@
               <a:rPr lang="en-US"/>
               <a:t>Click to edit Master title style</a:t>
             </a:r>
-            <a:endParaRPr lang="en-US" dirty="0"/>
-          </a:p>
-        </p:txBody>
-      </p:sp>
-      <p:sp>
-        <p:nvSpPr>
-          <p:cNvPr id="3" name="Date Placeholder 2"/>
+          </a:p>
+        </p:txBody>
+      </p:sp>
+      <p:sp>
+        <p:nvSpPr>
+          <p:cNvPr id="3" name="Date Placeholder 2">
+            <a:extLst>
+              <a:ext uri="{FF2B5EF4-FFF2-40B4-BE49-F238E27FC236}">
+                <a16:creationId xmlns:a16="http://schemas.microsoft.com/office/drawing/2014/main" id="{845A0DB9-9293-45C5-90FB-1C200E4FCAA6}"/>
+              </a:ext>
+            </a:extLst>
+          </p:cNvPr>
           <p:cNvSpPr>
             <a:spLocks noGrp="1"/>
           </p:cNvSpPr>
@@ -2041,7 +2007,7 @@
           <a:p>
             <a:fld id="{148E69EB-7E94-43A1-A496-ABF1E2996B84}" type="datetimeFigureOut">
               <a:rPr lang="en-US" smtClean="0"/>
-              <a:t>4/10/2023</a:t>
+              <a:t>8/8/2023</a:t>
             </a:fld>
             <a:endParaRPr lang="en-US"/>
           </a:p>
@@ -2049,7 +2015,13 @@
       </p:sp>
       <p:sp>
         <p:nvSpPr>
-          <p:cNvPr id="4" name="Footer Placeholder 3"/>
+          <p:cNvPr id="4" name="Footer Placeholder 3">
+            <a:extLst>
+              <a:ext uri="{FF2B5EF4-FFF2-40B4-BE49-F238E27FC236}">
+                <a16:creationId xmlns:a16="http://schemas.microsoft.com/office/drawing/2014/main" id="{CA2BE14D-0960-48E8-B896-05F060C7744C}"/>
+              </a:ext>
+            </a:extLst>
+          </p:cNvPr>
           <p:cNvSpPr>
             <a:spLocks noGrp="1"/>
           </p:cNvSpPr>
@@ -2068,7 +2040,13 @@
       </p:sp>
       <p:sp>
         <p:nvSpPr>
-          <p:cNvPr id="5" name="Slide Number Placeholder 4"/>
+          <p:cNvPr id="5" name="Slide Number Placeholder 4">
+            <a:extLst>
+              <a:ext uri="{FF2B5EF4-FFF2-40B4-BE49-F238E27FC236}">
+                <a16:creationId xmlns:a16="http://schemas.microsoft.com/office/drawing/2014/main" id="{34019C77-C564-4BB4-B0F3-F9F1BD95BB10}"/>
+              </a:ext>
+            </a:extLst>
+          </p:cNvPr>
           <p:cNvSpPr>
             <a:spLocks noGrp="1"/>
           </p:cNvSpPr>
@@ -2089,41 +2067,10 @@
           </a:p>
         </p:txBody>
       </p:sp>
-      <p:cxnSp>
-        <p:nvCxnSpPr>
-          <p:cNvPr id="25" name="Straight Connector 24"/>
-          <p:cNvCxnSpPr/>
-          <p:nvPr/>
-        </p:nvCxnSpPr>
-        <p:spPr>
-          <a:xfrm>
-            <a:off x="1453896" y="1847088"/>
-            <a:ext cx="9607522" cy="0"/>
-          </a:xfrm>
-          <a:prstGeom prst="line">
-            <a:avLst/>
-          </a:prstGeom>
-          <a:ln w="31750"/>
-        </p:spPr>
-        <p:style>
-          <a:lnRef idx="3">
-            <a:schemeClr val="accent1"/>
-          </a:lnRef>
-          <a:fillRef idx="0">
-            <a:schemeClr val="accent1"/>
-          </a:fillRef>
-          <a:effectRef idx="2">
-            <a:schemeClr val="accent1"/>
-          </a:effectRef>
-          <a:fontRef idx="minor">
-            <a:schemeClr val="tx1"/>
-          </a:fontRef>
-        </p:style>
-      </p:cxnSp>
     </p:spTree>
     <p:extLst>
       <p:ext uri="{BB962C8B-B14F-4D97-AF65-F5344CB8AC3E}">
-        <p14:creationId xmlns:p14="http://schemas.microsoft.com/office/powerpoint/2010/main" val="1968411235"/>
+        <p14:creationId xmlns:p14="http://schemas.microsoft.com/office/powerpoint/2010/main" val="1193936779"/>
       </p:ext>
     </p:extLst>
   </p:cSld>
@@ -2152,7 +2099,13 @@
       </p:grpSpPr>
       <p:sp>
         <p:nvSpPr>
-          <p:cNvPr id="2" name="Date Placeholder 1"/>
+          <p:cNvPr id="2" name="Date Placeholder 1">
+            <a:extLst>
+              <a:ext uri="{FF2B5EF4-FFF2-40B4-BE49-F238E27FC236}">
+                <a16:creationId xmlns:a16="http://schemas.microsoft.com/office/drawing/2014/main" id="{24E77121-359B-4A94-9815-BF6A535C3CD7}"/>
+              </a:ext>
+            </a:extLst>
+          </p:cNvPr>
           <p:cNvSpPr>
             <a:spLocks noGrp="1"/>
           </p:cNvSpPr>
@@ -2167,7 +2120,7 @@
           <a:p>
             <a:fld id="{148E69EB-7E94-43A1-A496-ABF1E2996B84}" type="datetimeFigureOut">
               <a:rPr lang="en-US" smtClean="0"/>
-              <a:t>4/10/2023</a:t>
+              <a:t>8/8/2023</a:t>
             </a:fld>
             <a:endParaRPr lang="en-US"/>
           </a:p>
@@ -2175,7 +2128,13 @@
       </p:sp>
       <p:sp>
         <p:nvSpPr>
-          <p:cNvPr id="3" name="Footer Placeholder 2"/>
+          <p:cNvPr id="3" name="Footer Placeholder 2">
+            <a:extLst>
+              <a:ext uri="{FF2B5EF4-FFF2-40B4-BE49-F238E27FC236}">
+                <a16:creationId xmlns:a16="http://schemas.microsoft.com/office/drawing/2014/main" id="{3F3B9BB4-86A3-461D-AC93-632419FE7323}"/>
+              </a:ext>
+            </a:extLst>
+          </p:cNvPr>
           <p:cNvSpPr>
             <a:spLocks noGrp="1"/>
           </p:cNvSpPr>
@@ -2194,7 +2153,13 @@
       </p:sp>
       <p:sp>
         <p:nvSpPr>
-          <p:cNvPr id="4" name="Slide Number Placeholder 3"/>
+          <p:cNvPr id="4" name="Slide Number Placeholder 3">
+            <a:extLst>
+              <a:ext uri="{FF2B5EF4-FFF2-40B4-BE49-F238E27FC236}">
+                <a16:creationId xmlns:a16="http://schemas.microsoft.com/office/drawing/2014/main" id="{E70FF873-9402-42E7-AB5B-4424ECEAC811}"/>
+              </a:ext>
+            </a:extLst>
+          </p:cNvPr>
           <p:cNvSpPr>
             <a:spLocks noGrp="1"/>
           </p:cNvSpPr>
@@ -2218,7 +2183,7 @@
     </p:spTree>
     <p:extLst>
       <p:ext uri="{BB962C8B-B14F-4D97-AF65-F5344CB8AC3E}">
-        <p14:creationId xmlns:p14="http://schemas.microsoft.com/office/powerpoint/2010/main" val="585857345"/>
+        <p14:creationId xmlns:p14="http://schemas.microsoft.com/office/powerpoint/2010/main" val="3646295648"/>
       </p:ext>
     </p:extLst>
   </p:cSld>
@@ -2247,7 +2212,13 @@
       </p:grpSpPr>
       <p:sp>
         <p:nvSpPr>
-          <p:cNvPr id="2" name="Title 1"/>
+          <p:cNvPr id="2" name="Title 1">
+            <a:extLst>
+              <a:ext uri="{FF2B5EF4-FFF2-40B4-BE49-F238E27FC236}">
+                <a16:creationId xmlns:a16="http://schemas.microsoft.com/office/drawing/2014/main" id="{190D3316-FBCE-4AA2-900E-3B98F9F2B617}"/>
+              </a:ext>
+            </a:extLst>
+          </p:cNvPr>
           <p:cNvSpPr>
             <a:spLocks noGrp="1"/>
           </p:cNvSpPr>
@@ -2257,17 +2228,15 @@
         </p:nvSpPr>
         <p:spPr>
           <a:xfrm>
-            <a:off x="1444671" y="798973"/>
-            <a:ext cx="3273099" cy="2247117"/>
+            <a:off x="839788" y="457200"/>
+            <a:ext cx="3932237" cy="1600200"/>
           </a:xfrm>
         </p:spPr>
         <p:txBody>
-          <a:bodyPr anchor="b">
-            <a:normAutofit/>
-          </a:bodyPr>
+          <a:bodyPr anchor="b"/>
           <a:lstStyle>
-            <a:lvl1pPr algn="l">
-              <a:defRPr sz="2400"/>
+            <a:lvl1pPr>
+              <a:defRPr sz="3200"/>
             </a:lvl1pPr>
           </a:lstStyle>
           <a:p>
@@ -2275,13 +2244,18 @@
               <a:rPr lang="en-US"/>
               <a:t>Click to edit Master title style</a:t>
             </a:r>
-            <a:endParaRPr lang="en-US" dirty="0"/>
-          </a:p>
-        </p:txBody>
-      </p:sp>
-      <p:sp>
-        <p:nvSpPr>
-          <p:cNvPr id="3" name="Content Placeholder 2"/>
+          </a:p>
+        </p:txBody>
+      </p:sp>
+      <p:sp>
+        <p:nvSpPr>
+          <p:cNvPr id="3" name="Content Placeholder 2">
+            <a:extLst>
+              <a:ext uri="{FF2B5EF4-FFF2-40B4-BE49-F238E27FC236}">
+                <a16:creationId xmlns:a16="http://schemas.microsoft.com/office/drawing/2014/main" id="{A58B7D31-7100-470F-BDB6-71F19323F6E8}"/>
+              </a:ext>
+            </a:extLst>
+          </p:cNvPr>
           <p:cNvSpPr>
             <a:spLocks noGrp="1"/>
           </p:cNvSpPr>
@@ -2291,13 +2265,41 @@
         </p:nvSpPr>
         <p:spPr>
           <a:xfrm>
-            <a:off x="5043714" y="798974"/>
-            <a:ext cx="6012470" cy="4658826"/>
+            <a:off x="5183188" y="987425"/>
+            <a:ext cx="6172200" cy="4873625"/>
           </a:xfrm>
         </p:spPr>
         <p:txBody>
-          <a:bodyPr anchor="ctr"/>
-          <a:lstStyle/>
+          <a:bodyPr/>
+          <a:lstStyle>
+            <a:lvl1pPr>
+              <a:defRPr sz="3200"/>
+            </a:lvl1pPr>
+            <a:lvl2pPr>
+              <a:defRPr sz="2800"/>
+            </a:lvl2pPr>
+            <a:lvl3pPr>
+              <a:defRPr sz="2400"/>
+            </a:lvl3pPr>
+            <a:lvl4pPr>
+              <a:defRPr sz="2000"/>
+            </a:lvl4pPr>
+            <a:lvl5pPr>
+              <a:defRPr sz="2000"/>
+            </a:lvl5pPr>
+            <a:lvl6pPr>
+              <a:defRPr sz="2000"/>
+            </a:lvl6pPr>
+            <a:lvl7pPr>
+              <a:defRPr sz="2000"/>
+            </a:lvl7pPr>
+            <a:lvl8pPr>
+              <a:defRPr sz="2000"/>
+            </a:lvl8pPr>
+            <a:lvl9pPr>
+              <a:defRPr sz="2000"/>
+            </a:lvl9pPr>
+          </a:lstStyle>
           <a:p>
             <a:pPr lvl="0"/>
             <a:r>
@@ -2332,13 +2334,18 @@
               <a:rPr lang="en-US"/>
               <a:t>Fifth level</a:t>
             </a:r>
-            <a:endParaRPr lang="en-US" dirty="0"/>
-          </a:p>
-        </p:txBody>
-      </p:sp>
-      <p:sp>
-        <p:nvSpPr>
-          <p:cNvPr id="4" name="Text Placeholder 3"/>
+          </a:p>
+        </p:txBody>
+      </p:sp>
+      <p:sp>
+        <p:nvSpPr>
+          <p:cNvPr id="4" name="Text Placeholder 3">
+            <a:extLst>
+              <a:ext uri="{FF2B5EF4-FFF2-40B4-BE49-F238E27FC236}">
+                <a16:creationId xmlns:a16="http://schemas.microsoft.com/office/drawing/2014/main" id="{21CCA997-9376-482D-9394-124F4F0963FA}"/>
+              </a:ext>
+            </a:extLst>
+          </p:cNvPr>
           <p:cNvSpPr>
             <a:spLocks noGrp="1"/>
           </p:cNvSpPr>
@@ -2348,14 +2355,14 @@
         </p:nvSpPr>
         <p:spPr>
           <a:xfrm>
-            <a:off x="1444671" y="3205491"/>
-            <a:ext cx="3275013" cy="2248181"/>
+            <a:off x="839788" y="2057400"/>
+            <a:ext cx="3932237" cy="3811588"/>
           </a:xfrm>
         </p:spPr>
         <p:txBody>
           <a:bodyPr/>
           <a:lstStyle>
-            <a:lvl1pPr marL="0" indent="0" algn="l">
+            <a:lvl1pPr marL="0" indent="0">
               <a:buNone/>
               <a:defRPr sz="1600"/>
             </a:lvl1pPr>
@@ -2403,7 +2410,13 @@
       </p:sp>
       <p:sp>
         <p:nvSpPr>
-          <p:cNvPr id="5" name="Date Placeholder 4"/>
+          <p:cNvPr id="5" name="Date Placeholder 4">
+            <a:extLst>
+              <a:ext uri="{FF2B5EF4-FFF2-40B4-BE49-F238E27FC236}">
+                <a16:creationId xmlns:a16="http://schemas.microsoft.com/office/drawing/2014/main" id="{CEE1331D-E878-4797-B368-9E2CC9E0EDD5}"/>
+              </a:ext>
+            </a:extLst>
+          </p:cNvPr>
           <p:cNvSpPr>
             <a:spLocks noGrp="1"/>
           </p:cNvSpPr>
@@ -2418,7 +2431,7 @@
           <a:p>
             <a:fld id="{148E69EB-7E94-43A1-A496-ABF1E2996B84}" type="datetimeFigureOut">
               <a:rPr lang="en-US" smtClean="0"/>
-              <a:t>4/10/2023</a:t>
+              <a:t>8/8/2023</a:t>
             </a:fld>
             <a:endParaRPr lang="en-US"/>
           </a:p>
@@ -2426,7 +2439,13 @@
       </p:sp>
       <p:sp>
         <p:nvSpPr>
-          <p:cNvPr id="6" name="Footer Placeholder 5"/>
+          <p:cNvPr id="6" name="Footer Placeholder 5">
+            <a:extLst>
+              <a:ext uri="{FF2B5EF4-FFF2-40B4-BE49-F238E27FC236}">
+                <a16:creationId xmlns:a16="http://schemas.microsoft.com/office/drawing/2014/main" id="{B35BD695-0B12-45CB-94D6-28A7B4628AA5}"/>
+              </a:ext>
+            </a:extLst>
+          </p:cNvPr>
           <p:cNvSpPr>
             <a:spLocks noGrp="1"/>
           </p:cNvSpPr>
@@ -2445,7 +2464,13 @@
       </p:sp>
       <p:sp>
         <p:nvSpPr>
-          <p:cNvPr id="7" name="Slide Number Placeholder 6"/>
+          <p:cNvPr id="7" name="Slide Number Placeholder 6">
+            <a:extLst>
+              <a:ext uri="{FF2B5EF4-FFF2-40B4-BE49-F238E27FC236}">
+                <a16:creationId xmlns:a16="http://schemas.microsoft.com/office/drawing/2014/main" id="{4756FCFC-D37E-4406-88BE-84EF88E9E26F}"/>
+              </a:ext>
+            </a:extLst>
+          </p:cNvPr>
           <p:cNvSpPr>
             <a:spLocks noGrp="1"/>
           </p:cNvSpPr>
@@ -2466,41 +2491,10 @@
           </a:p>
         </p:txBody>
       </p:sp>
-      <p:cxnSp>
-        <p:nvCxnSpPr>
-          <p:cNvPr id="17" name="Straight Connector 16"/>
-          <p:cNvCxnSpPr/>
-          <p:nvPr/>
-        </p:nvCxnSpPr>
-        <p:spPr>
-          <a:xfrm>
-            <a:off x="1448280" y="3205491"/>
-            <a:ext cx="3269490" cy="0"/>
-          </a:xfrm>
-          <a:prstGeom prst="line">
-            <a:avLst/>
-          </a:prstGeom>
-          <a:ln w="31750"/>
-        </p:spPr>
-        <p:style>
-          <a:lnRef idx="3">
-            <a:schemeClr val="accent1"/>
-          </a:lnRef>
-          <a:fillRef idx="0">
-            <a:schemeClr val="accent1"/>
-          </a:fillRef>
-          <a:effectRef idx="2">
-            <a:schemeClr val="accent1"/>
-          </a:effectRef>
-          <a:fontRef idx="minor">
-            <a:schemeClr val="tx1"/>
-          </a:fontRef>
-        </p:style>
-      </p:cxnSp>
     </p:spTree>
     <p:extLst>
       <p:ext uri="{BB962C8B-B14F-4D97-AF65-F5344CB8AC3E}">
-        <p14:creationId xmlns:p14="http://schemas.microsoft.com/office/powerpoint/2010/main" val="4031996612"/>
+        <p14:creationId xmlns:p14="http://schemas.microsoft.com/office/powerpoint/2010/main" val="3477769970"/>
       </p:ext>
     </p:extLst>
   </p:cSld>
@@ -2527,143 +2521,15 @@
           <a:chExt cx="0" cy="0"/>
         </a:xfrm>
       </p:grpSpPr>
-      <p:grpSp>
-        <p:nvGrpSpPr>
-          <p:cNvPr id="8" name="Group 7"/>
-          <p:cNvGrpSpPr/>
-          <p:nvPr/>
-        </p:nvGrpSpPr>
-        <p:grpSpPr>
-          <a:xfrm>
-            <a:off x="7477387" y="482170"/>
-            <a:ext cx="4074533" cy="5149101"/>
-            <a:chOff x="7477387" y="482170"/>
-            <a:chExt cx="4074533" cy="5149101"/>
-          </a:xfrm>
-        </p:grpSpPr>
-        <p:sp>
-          <p:nvSpPr>
-            <p:cNvPr id="18" name="Rectangle 17"/>
-            <p:cNvSpPr/>
-            <p:nvPr/>
-          </p:nvSpPr>
-          <p:spPr bwMode="black">
-            <a:xfrm>
-              <a:off x="7477387" y="482170"/>
-              <a:ext cx="4074533" cy="5149101"/>
-            </a:xfrm>
-            <a:prstGeom prst="rect">
-              <a:avLst/>
-            </a:prstGeom>
-            <a:gradFill>
-              <a:gsLst>
-                <a:gs pos="0">
-                  <a:srgbClr val="000001"/>
-                </a:gs>
-                <a:gs pos="100000">
-                  <a:srgbClr val="191919"/>
-                </a:gs>
-              </a:gsLst>
-            </a:gradFill>
-            <a:ln w="76200" cmpd="sng">
-              <a:noFill/>
-              <a:miter lim="800000"/>
-            </a:ln>
-            <a:effectLst>
-              <a:outerShdw blurRad="127000" dist="228600" dir="4740000" sx="98000" sy="98000" algn="tl" rotWithShape="0">
-                <a:srgbClr val="000000">
-                  <a:alpha val="34000"/>
-                </a:srgbClr>
-              </a:outerShdw>
-            </a:effectLst>
-            <a:scene3d>
-              <a:camera prst="orthographicFront"/>
-              <a:lightRig rig="threePt" dir="t"/>
-            </a:scene3d>
-            <a:sp3d>
-              <a:bevelT w="152400" h="50800" prst="softRound"/>
-            </a:sp3d>
-          </p:spPr>
-          <p:style>
-            <a:lnRef idx="1">
-              <a:schemeClr val="accent1"/>
-            </a:lnRef>
-            <a:fillRef idx="3">
-              <a:schemeClr val="accent1"/>
-            </a:fillRef>
-            <a:effectRef idx="2">
-              <a:schemeClr val="accent1"/>
-            </a:effectRef>
-            <a:fontRef idx="minor">
-              <a:schemeClr val="lt1"/>
-            </a:fontRef>
-          </p:style>
-        </p:sp>
-        <p:sp>
-          <p:nvSpPr>
-            <p:cNvPr id="19" name="Rectangle 18"/>
-            <p:cNvSpPr/>
-            <p:nvPr/>
-          </p:nvSpPr>
-          <p:spPr bwMode="blackWhite">
-            <a:xfrm>
-              <a:off x="7790446" y="812506"/>
-              <a:ext cx="3450289" cy="4466452"/>
-            </a:xfrm>
-            <a:prstGeom prst="rect">
-              <a:avLst/>
-            </a:prstGeom>
-            <a:gradFill>
-              <a:gsLst>
-                <a:gs pos="0">
-                  <a:srgbClr val="DADADA"/>
-                </a:gs>
-                <a:gs pos="100000">
-                  <a:srgbClr val="FFFFFE"/>
-                </a:gs>
-              </a:gsLst>
-              <a:lin ang="16200000" scaled="0"/>
-            </a:gradFill>
-            <a:ln w="50800" cmpd="sng">
-              <a:solidFill>
-                <a:srgbClr val="191919"/>
-              </a:solidFill>
-              <a:miter lim="800000"/>
-            </a:ln>
-            <a:effectLst>
-              <a:innerShdw blurRad="63500" dist="88900" dir="14100000">
-                <a:srgbClr val="000000">
-                  <a:alpha val="30000"/>
-                </a:srgbClr>
-              </a:innerShdw>
-            </a:effectLst>
-            <a:scene3d>
-              <a:camera prst="orthographicFront"/>
-              <a:lightRig rig="threePt" dir="t"/>
-            </a:scene3d>
-            <a:sp3d>
-              <a:bevelT prst="relaxedInset"/>
-            </a:sp3d>
-          </p:spPr>
-          <p:style>
-            <a:lnRef idx="1">
-              <a:schemeClr val="accent1"/>
-            </a:lnRef>
-            <a:fillRef idx="3">
-              <a:schemeClr val="accent1"/>
-            </a:fillRef>
-            <a:effectRef idx="2">
-              <a:schemeClr val="accent1"/>
-            </a:effectRef>
-            <a:fontRef idx="minor">
-              <a:schemeClr val="lt1"/>
-            </a:fontRef>
-          </p:style>
-        </p:sp>
-      </p:grpSp>
-      <p:sp>
-        <p:nvSpPr>
-          <p:cNvPr id="2" name="Title 1"/>
+      <p:sp>
+        <p:nvSpPr>
+          <p:cNvPr id="2" name="Title 1">
+            <a:extLst>
+              <a:ext uri="{FF2B5EF4-FFF2-40B4-BE49-F238E27FC236}">
+                <a16:creationId xmlns:a16="http://schemas.microsoft.com/office/drawing/2014/main" id="{105304DD-E5F1-4DE8-9F2B-C8A8F1C48591}"/>
+              </a:ext>
+            </a:extLst>
+          </p:cNvPr>
           <p:cNvSpPr>
             <a:spLocks noGrp="1"/>
           </p:cNvSpPr>
@@ -2673,14 +2539,12 @@
         </p:nvSpPr>
         <p:spPr>
           <a:xfrm>
-            <a:off x="1451206" y="1129513"/>
-            <a:ext cx="5532328" cy="1830584"/>
+            <a:off x="839788" y="457200"/>
+            <a:ext cx="3932237" cy="1600200"/>
           </a:xfrm>
         </p:spPr>
         <p:txBody>
-          <a:bodyPr anchor="b">
-            <a:normAutofit/>
-          </a:bodyPr>
+          <a:bodyPr anchor="b"/>
           <a:lstStyle>
             <a:lvl1pPr>
               <a:defRPr sz="3200"/>
@@ -2691,15 +2555,20 @@
               <a:rPr lang="en-US"/>
               <a:t>Click to edit Master title style</a:t>
             </a:r>
-            <a:endParaRPr lang="en-US" dirty="0"/>
-          </a:p>
-        </p:txBody>
-      </p:sp>
-      <p:sp>
-        <p:nvSpPr>
-          <p:cNvPr id="3" name="Picture Placeholder 2"/>
-          <p:cNvSpPr>
-            <a:spLocks noGrp="1" noChangeAspect="1"/>
+          </a:p>
+        </p:txBody>
+      </p:sp>
+      <p:sp>
+        <p:nvSpPr>
+          <p:cNvPr id="3" name="Picture Placeholder 2">
+            <a:extLst>
+              <a:ext uri="{FF2B5EF4-FFF2-40B4-BE49-F238E27FC236}">
+                <a16:creationId xmlns:a16="http://schemas.microsoft.com/office/drawing/2014/main" id="{EF7E3B3F-5592-4498-89E8-46AC43D491DC}"/>
+              </a:ext>
+            </a:extLst>
+          </p:cNvPr>
+          <p:cNvSpPr>
+            <a:spLocks noGrp="1"/>
           </p:cNvSpPr>
           <p:nvPr>
             <p:ph type="pic" idx="1"/>
@@ -2707,24 +2576,14 @@
         </p:nvSpPr>
         <p:spPr>
           <a:xfrm>
-            <a:off x="8124389" y="1122542"/>
-            <a:ext cx="2791171" cy="3866327"/>
+            <a:off x="5183188" y="987425"/>
+            <a:ext cx="6172200" cy="4873625"/>
           </a:xfrm>
-          <a:solidFill>
-            <a:schemeClr val="bg1">
-              <a:lumMod val="85000"/>
-            </a:schemeClr>
-          </a:solidFill>
-          <a:ln w="9525" cap="sq">
-            <a:noFill/>
-            <a:miter lim="800000"/>
-          </a:ln>
-          <a:effectLst/>
         </p:spPr>
         <p:txBody>
-          <a:bodyPr anchor="t"/>
+          <a:bodyPr/>
           <a:lstStyle>
-            <a:lvl1pPr marL="0" indent="0" algn="ctr">
+            <a:lvl1pPr marL="0" indent="0">
               <a:buNone/>
               <a:defRPr sz="3200"/>
             </a:lvl1pPr>
@@ -2762,17 +2621,19 @@
             </a:lvl9pPr>
           </a:lstStyle>
           <a:p>
-            <a:r>
-              <a:rPr lang="en-US"/>
-              <a:t>Click icon to add picture</a:t>
-            </a:r>
-            <a:endParaRPr lang="en-US" dirty="0"/>
-          </a:p>
-        </p:txBody>
-      </p:sp>
-      <p:sp>
-        <p:nvSpPr>
-          <p:cNvPr id="4" name="Text Placeholder 3"/>
+            <a:endParaRPr lang="en-US"/>
+          </a:p>
+        </p:txBody>
+      </p:sp>
+      <p:sp>
+        <p:nvSpPr>
+          <p:cNvPr id="4" name="Text Placeholder 3">
+            <a:extLst>
+              <a:ext uri="{FF2B5EF4-FFF2-40B4-BE49-F238E27FC236}">
+                <a16:creationId xmlns:a16="http://schemas.microsoft.com/office/drawing/2014/main" id="{D78222E0-3992-40A8-86F4-02ABC415AA68}"/>
+              </a:ext>
+            </a:extLst>
+          </p:cNvPr>
           <p:cNvSpPr>
             <a:spLocks noGrp="1"/>
           </p:cNvSpPr>
@@ -2782,18 +2643,16 @@
         </p:nvSpPr>
         <p:spPr>
           <a:xfrm>
-            <a:off x="1450329" y="3145992"/>
-            <a:ext cx="5524404" cy="2003742"/>
+            <a:off x="839788" y="2057400"/>
+            <a:ext cx="3932237" cy="3811588"/>
           </a:xfrm>
         </p:spPr>
         <p:txBody>
-          <a:bodyPr>
-            <a:normAutofit/>
-          </a:bodyPr>
+          <a:bodyPr/>
           <a:lstStyle>
-            <a:lvl1pPr marL="0" indent="0" algn="l">
+            <a:lvl1pPr marL="0" indent="0">
               <a:buNone/>
-              <a:defRPr sz="1800"/>
+              <a:defRPr sz="1600"/>
             </a:lvl1pPr>
             <a:lvl2pPr marL="457200" indent="0">
               <a:buNone/>
@@ -2839,7 +2698,13 @@
       </p:sp>
       <p:sp>
         <p:nvSpPr>
-          <p:cNvPr id="5" name="Date Placeholder 4"/>
+          <p:cNvPr id="5" name="Date Placeholder 4">
+            <a:extLst>
+              <a:ext uri="{FF2B5EF4-FFF2-40B4-BE49-F238E27FC236}">
+                <a16:creationId xmlns:a16="http://schemas.microsoft.com/office/drawing/2014/main" id="{5E0EDBBA-6FF3-40C1-9516-355A28A96024}"/>
+              </a:ext>
+            </a:extLst>
+          </p:cNvPr>
           <p:cNvSpPr>
             <a:spLocks noGrp="1"/>
           </p:cNvSpPr>
@@ -2847,23 +2712,14 @@
             <p:ph type="dt" sz="half" idx="10"/>
           </p:nvPr>
         </p:nvSpPr>
-        <p:spPr>
-          <a:xfrm>
-            <a:off x="1447382" y="5469856"/>
-            <a:ext cx="5527351" cy="320123"/>
-          </a:xfrm>
-        </p:spPr>
-        <p:txBody>
-          <a:bodyPr/>
-          <a:lstStyle>
-            <a:lvl1pPr algn="l">
-              <a:defRPr/>
-            </a:lvl1pPr>
-          </a:lstStyle>
+        <p:spPr/>
+        <p:txBody>
+          <a:bodyPr/>
+          <a:lstStyle/>
           <a:p>
             <a:fld id="{148E69EB-7E94-43A1-A496-ABF1E2996B84}" type="datetimeFigureOut">
               <a:rPr lang="en-US" smtClean="0"/>
-              <a:t>4/10/2023</a:t>
+              <a:t>8/8/2023</a:t>
             </a:fld>
             <a:endParaRPr lang="en-US"/>
           </a:p>
@@ -2871,7 +2727,13 @@
       </p:sp>
       <p:sp>
         <p:nvSpPr>
-          <p:cNvPr id="6" name="Footer Placeholder 5"/>
+          <p:cNvPr id="6" name="Footer Placeholder 5">
+            <a:extLst>
+              <a:ext uri="{FF2B5EF4-FFF2-40B4-BE49-F238E27FC236}">
+                <a16:creationId xmlns:a16="http://schemas.microsoft.com/office/drawing/2014/main" id="{C8A6E855-ACE7-4C15-B435-71A8FCAAFC53}"/>
+              </a:ext>
+            </a:extLst>
+          </p:cNvPr>
           <p:cNvSpPr>
             <a:spLocks noGrp="1"/>
           </p:cNvSpPr>
@@ -2879,12 +2741,7 @@
             <p:ph type="ftr" sz="quarter" idx="11"/>
           </p:nvPr>
         </p:nvSpPr>
-        <p:spPr>
-          <a:xfrm>
-            <a:off x="1447382" y="318640"/>
-            <a:ext cx="5541004" cy="320931"/>
-          </a:xfrm>
-        </p:spPr>
+        <p:spPr/>
         <p:txBody>
           <a:bodyPr/>
           <a:lstStyle/>
@@ -2895,7 +2752,13 @@
       </p:sp>
       <p:sp>
         <p:nvSpPr>
-          <p:cNvPr id="7" name="Slide Number Placeholder 6"/>
+          <p:cNvPr id="7" name="Slide Number Placeholder 6">
+            <a:extLst>
+              <a:ext uri="{FF2B5EF4-FFF2-40B4-BE49-F238E27FC236}">
+                <a16:creationId xmlns:a16="http://schemas.microsoft.com/office/drawing/2014/main" id="{8C7D7AE9-50EE-42CC-8B9C-7788CEA8895E}"/>
+              </a:ext>
+            </a:extLst>
+          </p:cNvPr>
           <p:cNvSpPr>
             <a:spLocks noGrp="1"/>
           </p:cNvSpPr>
@@ -2916,41 +2779,10 @@
           </a:p>
         </p:txBody>
       </p:sp>
-      <p:cxnSp>
-        <p:nvCxnSpPr>
-          <p:cNvPr id="31" name="Straight Connector 30"/>
-          <p:cNvCxnSpPr/>
-          <p:nvPr/>
-        </p:nvCxnSpPr>
-        <p:spPr>
-          <a:xfrm>
-            <a:off x="1447382" y="3143605"/>
-            <a:ext cx="5527351" cy="0"/>
-          </a:xfrm>
-          <a:prstGeom prst="line">
-            <a:avLst/>
-          </a:prstGeom>
-          <a:ln w="31750"/>
-        </p:spPr>
-        <p:style>
-          <a:lnRef idx="3">
-            <a:schemeClr val="accent1"/>
-          </a:lnRef>
-          <a:fillRef idx="0">
-            <a:schemeClr val="accent1"/>
-          </a:fillRef>
-          <a:effectRef idx="2">
-            <a:schemeClr val="accent1"/>
-          </a:effectRef>
-          <a:fontRef idx="minor">
-            <a:schemeClr val="tx1"/>
-          </a:fontRef>
-        </p:style>
-      </p:cxnSp>
     </p:spTree>
     <p:extLst>
       <p:ext uri="{BB962C8B-B14F-4D97-AF65-F5344CB8AC3E}">
-        <p14:creationId xmlns:p14="http://schemas.microsoft.com/office/powerpoint/2010/main" val="1478643968"/>
+        <p14:creationId xmlns:p14="http://schemas.microsoft.com/office/powerpoint/2010/main" val="1777967817"/>
       </p:ext>
     </p:extLst>
   </p:cSld>
@@ -2964,8 +2796,8 @@
 <p:sldMaster xmlns:a="http://schemas.openxmlformats.org/drawingml/2006/main" xmlns:r="http://schemas.openxmlformats.org/officeDocument/2006/relationships" xmlns:p="http://schemas.openxmlformats.org/presentationml/2006/main">
   <p:cSld>
     <p:bg>
-      <p:bgRef idx="1003">
-        <a:schemeClr val="bg2"/>
+      <p:bgRef idx="1001">
+        <a:schemeClr val="bg1"/>
       </p:bgRef>
     </p:bg>
     <p:spTree>
@@ -2984,201 +2816,139 @@
       </p:grpSpPr>
       <p:sp>
         <p:nvSpPr>
-          <p:cNvPr id="8" name="Rectangle 7"/>
-          <p:cNvSpPr/>
-          <p:nvPr/>
+          <p:cNvPr id="2" name="Title Placeholder 1">
+            <a:extLst>
+              <a:ext uri="{FF2B5EF4-FFF2-40B4-BE49-F238E27FC236}">
+                <a16:creationId xmlns:a16="http://schemas.microsoft.com/office/drawing/2014/main" id="{4F47E76C-3DFC-472B-A199-6E8C6B8A54A0}"/>
+              </a:ext>
+            </a:extLst>
+          </p:cNvPr>
+          <p:cNvSpPr>
+            <a:spLocks noGrp="1"/>
+          </p:cNvSpPr>
+          <p:nvPr>
+            <p:ph type="title"/>
+          </p:nvPr>
         </p:nvSpPr>
         <p:spPr>
           <a:xfrm>
-            <a:off x="0" y="2019476"/>
-            <a:ext cx="12192000" cy="4105941"/>
-          </a:xfrm>
-          <a:prstGeom prst="rect">
-            <a:avLst/>
-          </a:prstGeom>
-          <a:gradFill flip="none" rotWithShape="1">
-            <a:gsLst>
-              <a:gs pos="0">
-                <a:schemeClr val="bg2">
-                  <a:alpha val="0"/>
-                </a:schemeClr>
-              </a:gs>
-              <a:gs pos="100000">
-                <a:schemeClr val="bg2"/>
-              </a:gs>
-            </a:gsLst>
-            <a:lin ang="5400000" scaled="0"/>
-            <a:tileRect/>
-          </a:gradFill>
-          <a:ln>
-            <a:noFill/>
-          </a:ln>
-        </p:spPr>
-        <p:style>
-          <a:lnRef idx="2">
-            <a:schemeClr val="accent1">
-              <a:shade val="50000"/>
-            </a:schemeClr>
-          </a:lnRef>
-          <a:fillRef idx="1">
-            <a:schemeClr val="accent1"/>
-          </a:fillRef>
-          <a:effectRef idx="0">
-            <a:schemeClr val="accent1"/>
-          </a:effectRef>
-          <a:fontRef idx="minor">
-            <a:schemeClr val="lt1"/>
-          </a:fontRef>
-        </p:style>
-      </p:sp>
-      <p:pic>
-        <p:nvPicPr>
-          <p:cNvPr id="7" name="Picture 6"/>
-          <p:cNvPicPr>
-            <a:picLocks noChangeAspect="1"/>
-          </p:cNvPicPr>
-          <p:nvPr/>
-        </p:nvPicPr>
-        <p:blipFill rotWithShape="1">
-          <a:blip r:embed="rId13">
-            <a:extLst>
-              <a:ext uri="{28A0092B-C50C-407E-A947-70E740481C1C}">
-                <a14:useLocalDpi xmlns:a14="http://schemas.microsoft.com/office/drawing/2010/main" val="0"/>
-              </a:ext>
-            </a:extLst>
-          </a:blip>
-          <a:srcRect t="1538" b="-1538"/>
-          <a:stretch/>
-        </p:blipFill>
-        <p:spPr bwMode="black">
-          <a:xfrm>
-            <a:off x="0" y="6126480"/>
-            <a:ext cx="12192000" cy="742950"/>
+            <a:off x="838200" y="365125"/>
+            <a:ext cx="10515600" cy="1325563"/>
           </a:xfrm>
           <a:prstGeom prst="rect">
             <a:avLst/>
           </a:prstGeom>
         </p:spPr>
-      </p:pic>
-      <p:sp>
-        <p:nvSpPr>
-          <p:cNvPr id="2" name="Title Placeholder 1"/>
-          <p:cNvSpPr>
-            <a:spLocks noGrp="1"/>
-          </p:cNvSpPr>
-          <p:nvPr>
-            <p:ph type="title"/>
+        <p:txBody>
+          <a:bodyPr vert="horz" lIns="91440" tIns="45720" rIns="91440" bIns="45720" rtlCol="0" anchor="ctr">
+            <a:normAutofit/>
+          </a:bodyPr>
+          <a:lstStyle/>
+          <a:p>
+            <a:r>
+              <a:rPr lang="en-US"/>
+              <a:t>Click to edit Master title style</a:t>
+            </a:r>
+          </a:p>
+        </p:txBody>
+      </p:sp>
+      <p:sp>
+        <p:nvSpPr>
+          <p:cNvPr id="3" name="Text Placeholder 2">
+            <a:extLst>
+              <a:ext uri="{FF2B5EF4-FFF2-40B4-BE49-F238E27FC236}">
+                <a16:creationId xmlns:a16="http://schemas.microsoft.com/office/drawing/2014/main" id="{6C185E45-25D6-46B4-8067-BD669481B82B}"/>
+              </a:ext>
+            </a:extLst>
+          </p:cNvPr>
+          <p:cNvSpPr>
+            <a:spLocks noGrp="1"/>
+          </p:cNvSpPr>
+          <p:nvPr>
+            <p:ph type="body" idx="1"/>
           </p:nvPr>
         </p:nvSpPr>
         <p:spPr>
           <a:xfrm>
-            <a:off x="1451579" y="804519"/>
-            <a:ext cx="9603275" cy="1049235"/>
+            <a:off x="838200" y="1825625"/>
+            <a:ext cx="10515600" cy="4351338"/>
           </a:xfrm>
           <a:prstGeom prst="rect">
             <a:avLst/>
           </a:prstGeom>
         </p:spPr>
         <p:txBody>
-          <a:bodyPr vert="horz" lIns="91440" tIns="45720" rIns="91440" bIns="45720" rtlCol="0" anchor="t">
+          <a:bodyPr vert="horz" lIns="91440" tIns="45720" rIns="91440" bIns="45720" rtlCol="0">
             <a:normAutofit/>
           </a:bodyPr>
           <a:lstStyle/>
           <a:p>
+            <a:pPr lvl="0"/>
             <a:r>
               <a:rPr lang="en-US"/>
-              <a:t>Click to edit Master title style</a:t>
-            </a:r>
-            <a:endParaRPr lang="en-US" dirty="0"/>
-          </a:p>
-        </p:txBody>
-      </p:sp>
-      <p:sp>
-        <p:nvSpPr>
-          <p:cNvPr id="3" name="Text Placeholder 2"/>
-          <p:cNvSpPr>
-            <a:spLocks noGrp="1"/>
-          </p:cNvSpPr>
-          <p:nvPr>
-            <p:ph type="body" idx="1"/>
+              <a:t>Click to edit Master text styles</a:t>
+            </a:r>
+          </a:p>
+          <a:p>
+            <a:pPr lvl="1"/>
+            <a:r>
+              <a:rPr lang="en-US"/>
+              <a:t>Second level</a:t>
+            </a:r>
+          </a:p>
+          <a:p>
+            <a:pPr lvl="2"/>
+            <a:r>
+              <a:rPr lang="en-US"/>
+              <a:t>Third level</a:t>
+            </a:r>
+          </a:p>
+          <a:p>
+            <a:pPr lvl="3"/>
+            <a:r>
+              <a:rPr lang="en-US"/>
+              <a:t>Fourth level</a:t>
+            </a:r>
+          </a:p>
+          <a:p>
+            <a:pPr lvl="4"/>
+            <a:r>
+              <a:rPr lang="en-US"/>
+              <a:t>Fifth level</a:t>
+            </a:r>
+          </a:p>
+        </p:txBody>
+      </p:sp>
+      <p:sp>
+        <p:nvSpPr>
+          <p:cNvPr id="4" name="Date Placeholder 3">
+            <a:extLst>
+              <a:ext uri="{FF2B5EF4-FFF2-40B4-BE49-F238E27FC236}">
+                <a16:creationId xmlns:a16="http://schemas.microsoft.com/office/drawing/2014/main" id="{ABF1D344-FDC5-492B-8573-2DF55E69FD7E}"/>
+              </a:ext>
+            </a:extLst>
+          </p:cNvPr>
+          <p:cNvSpPr>
+            <a:spLocks noGrp="1"/>
+          </p:cNvSpPr>
+          <p:nvPr>
+            <p:ph type="dt" sz="half" idx="2"/>
           </p:nvPr>
         </p:nvSpPr>
         <p:spPr>
           <a:xfrm>
-            <a:off x="1451579" y="2015732"/>
-            <a:ext cx="9603275" cy="3450613"/>
+            <a:off x="838200" y="6356350"/>
+            <a:ext cx="2743200" cy="365125"/>
           </a:xfrm>
           <a:prstGeom prst="rect">
             <a:avLst/>
           </a:prstGeom>
         </p:spPr>
         <p:txBody>
-          <a:bodyPr vert="horz" lIns="91440" tIns="45720" rIns="91440" bIns="45720" rtlCol="0">
-            <a:normAutofit/>
-          </a:bodyPr>
-          <a:lstStyle/>
-          <a:p>
-            <a:pPr lvl="0"/>
-            <a:r>
-              <a:rPr lang="en-US"/>
-              <a:t>Click to edit Master text styles</a:t>
-            </a:r>
-          </a:p>
-          <a:p>
-            <a:pPr lvl="1"/>
-            <a:r>
-              <a:rPr lang="en-US"/>
-              <a:t>Second level</a:t>
-            </a:r>
-          </a:p>
-          <a:p>
-            <a:pPr lvl="2"/>
-            <a:r>
-              <a:rPr lang="en-US"/>
-              <a:t>Third level</a:t>
-            </a:r>
-          </a:p>
-          <a:p>
-            <a:pPr lvl="3"/>
-            <a:r>
-              <a:rPr lang="en-US"/>
-              <a:t>Fourth level</a:t>
-            </a:r>
-          </a:p>
-          <a:p>
-            <a:pPr lvl="4"/>
-            <a:r>
-              <a:rPr lang="en-US"/>
-              <a:t>Fifth level</a:t>
-            </a:r>
-            <a:endParaRPr lang="en-US" dirty="0"/>
-          </a:p>
-        </p:txBody>
-      </p:sp>
-      <p:sp>
-        <p:nvSpPr>
-          <p:cNvPr id="4" name="Date Placeholder 3"/>
-          <p:cNvSpPr>
-            <a:spLocks noGrp="1"/>
-          </p:cNvSpPr>
-          <p:nvPr>
-            <p:ph type="dt" sz="half" idx="2"/>
-          </p:nvPr>
-        </p:nvSpPr>
-        <p:spPr>
-          <a:xfrm>
-            <a:off x="7554138" y="330370"/>
-            <a:ext cx="3500715" cy="309201"/>
-          </a:xfrm>
-          <a:prstGeom prst="rect">
-            <a:avLst/>
-          </a:prstGeom>
-        </p:spPr>
-        <p:txBody>
           <a:bodyPr vert="horz" lIns="91440" tIns="45720" rIns="91440" bIns="45720" rtlCol="0" anchor="ctr"/>
           <a:lstStyle>
-            <a:lvl1pPr algn="r">
-              <a:defRPr sz="1000">
+            <a:lvl1pPr algn="l">
+              <a:defRPr sz="1200">
                 <a:solidFill>
                   <a:schemeClr val="tx1">
                     <a:tint val="75000"/>
@@ -3190,7 +2960,7 @@
           <a:p>
             <a:fld id="{148E69EB-7E94-43A1-A496-ABF1E2996B84}" type="datetimeFigureOut">
               <a:rPr lang="en-US" smtClean="0"/>
-              <a:t>4/10/2023</a:t>
+              <a:t>8/8/2023</a:t>
             </a:fld>
             <a:endParaRPr lang="en-US"/>
           </a:p>
@@ -3198,7 +2968,13 @@
       </p:sp>
       <p:sp>
         <p:nvSpPr>
-          <p:cNvPr id="5" name="Footer Placeholder 4"/>
+          <p:cNvPr id="5" name="Footer Placeholder 4">
+            <a:extLst>
+              <a:ext uri="{FF2B5EF4-FFF2-40B4-BE49-F238E27FC236}">
+                <a16:creationId xmlns:a16="http://schemas.microsoft.com/office/drawing/2014/main" id="{2C66ACA9-DAE5-429A-8A69-9455D79F8B0E}"/>
+              </a:ext>
+            </a:extLst>
+          </p:cNvPr>
           <p:cNvSpPr>
             <a:spLocks noGrp="1"/>
           </p:cNvSpPr>
@@ -3208,8 +2984,8 @@
         </p:nvSpPr>
         <p:spPr>
           <a:xfrm>
-            <a:off x="1451579" y="329307"/>
-            <a:ext cx="5938836" cy="309201"/>
+            <a:off x="4038600" y="6356350"/>
+            <a:ext cx="4114800" cy="365125"/>
           </a:xfrm>
           <a:prstGeom prst="rect">
             <a:avLst/>
@@ -3218,8 +2994,8 @@
         <p:txBody>
           <a:bodyPr vert="horz" lIns="91440" tIns="45720" rIns="91440" bIns="45720" rtlCol="0" anchor="ctr"/>
           <a:lstStyle>
-            <a:lvl1pPr algn="l">
-              <a:defRPr sz="1000">
+            <a:lvl1pPr algn="ctr">
+              <a:defRPr sz="1200">
                 <a:solidFill>
                   <a:schemeClr val="tx1">
                     <a:tint val="75000"/>
@@ -3235,7 +3011,13 @@
       </p:sp>
       <p:sp>
         <p:nvSpPr>
-          <p:cNvPr id="6" name="Slide Number Placeholder 5"/>
+          <p:cNvPr id="6" name="Slide Number Placeholder 5">
+            <a:extLst>
+              <a:ext uri="{FF2B5EF4-FFF2-40B4-BE49-F238E27FC236}">
+                <a16:creationId xmlns:a16="http://schemas.microsoft.com/office/drawing/2014/main" id="{F8789FBD-B376-465C-983D-E6DBC01E96E8}"/>
+              </a:ext>
+            </a:extLst>
+          </p:cNvPr>
           <p:cNvSpPr>
             <a:spLocks noGrp="1"/>
           </p:cNvSpPr>
@@ -3245,20 +3027,22 @@
         </p:nvSpPr>
         <p:spPr>
           <a:xfrm>
-            <a:off x="480060" y="798973"/>
-            <a:ext cx="811019" cy="503578"/>
+            <a:off x="8610600" y="6356350"/>
+            <a:ext cx="2743200" cy="365125"/>
           </a:xfrm>
           <a:prstGeom prst="rect">
             <a:avLst/>
           </a:prstGeom>
         </p:spPr>
         <p:txBody>
-          <a:bodyPr vert="horz" lIns="91440" tIns="45720" rIns="91440" bIns="45720" rtlCol="0" anchor="t"/>
+          <a:bodyPr vert="horz" lIns="91440" tIns="45720" rIns="91440" bIns="45720" rtlCol="0" anchor="ctr"/>
           <a:lstStyle>
             <a:lvl1pPr algn="r">
-              <a:defRPr sz="2800">
+              <a:defRPr sz="1200">
                 <a:solidFill>
-                  <a:schemeClr val="accent1"/>
+                  <a:schemeClr val="tx1">
+                    <a:tint val="75000"/>
+                  </a:schemeClr>
                 </a:solidFill>
               </a:defRPr>
             </a:lvl1pPr>
@@ -3272,63 +3056,26 @@
           </a:p>
         </p:txBody>
       </p:sp>
-      <p:cxnSp>
-        <p:nvCxnSpPr>
-          <p:cNvPr id="10" name="Straight Connector 9"/>
-          <p:cNvCxnSpPr/>
-          <p:nvPr/>
-        </p:nvCxnSpPr>
-        <p:spPr>
-          <a:xfrm>
-            <a:off x="0" y="6128413"/>
-            <a:ext cx="12192000" cy="0"/>
-          </a:xfrm>
-          <a:prstGeom prst="line">
-            <a:avLst/>
-          </a:prstGeom>
-          <a:ln w="12700">
-            <a:solidFill>
-              <a:srgbClr val="000001">
-                <a:alpha val="20000"/>
-              </a:srgbClr>
-            </a:solidFill>
-          </a:ln>
-        </p:spPr>
-        <p:style>
-          <a:lnRef idx="1">
-            <a:schemeClr val="accent1"/>
-          </a:lnRef>
-          <a:fillRef idx="0">
-            <a:schemeClr val="accent1"/>
-          </a:fillRef>
-          <a:effectRef idx="0">
-            <a:schemeClr val="accent1"/>
-          </a:effectRef>
-          <a:fontRef idx="minor">
-            <a:schemeClr val="tx1"/>
-          </a:fontRef>
-        </p:style>
-      </p:cxnSp>
     </p:spTree>
     <p:extLst>
       <p:ext uri="{BB962C8B-B14F-4D97-AF65-F5344CB8AC3E}">
-        <p14:creationId xmlns:p14="http://schemas.microsoft.com/office/powerpoint/2010/main" val="2758945304"/>
+        <p14:creationId xmlns:p14="http://schemas.microsoft.com/office/powerpoint/2010/main" val="1816922554"/>
       </p:ext>
     </p:extLst>
   </p:cSld>
   <p:clrMap bg1="lt1" tx1="dk1" bg2="lt2" tx2="dk2" accent1="accent1" accent2="accent2" accent3="accent3" accent4="accent4" accent5="accent5" accent6="accent6" hlink="hlink" folHlink="folHlink"/>
   <p:sldLayoutIdLst>
-    <p:sldLayoutId id="2147483661" r:id="rId1"/>
-    <p:sldLayoutId id="2147483662" r:id="rId2"/>
-    <p:sldLayoutId id="2147483663" r:id="rId3"/>
-    <p:sldLayoutId id="2147483664" r:id="rId4"/>
-    <p:sldLayoutId id="2147483665" r:id="rId5"/>
-    <p:sldLayoutId id="2147483666" r:id="rId6"/>
-    <p:sldLayoutId id="2147483667" r:id="rId7"/>
-    <p:sldLayoutId id="2147483668" r:id="rId8"/>
-    <p:sldLayoutId id="2147483669" r:id="rId9"/>
-    <p:sldLayoutId id="2147483670" r:id="rId10"/>
-    <p:sldLayoutId id="2147483671" r:id="rId11"/>
+    <p:sldLayoutId id="2147483673" r:id="rId1"/>
+    <p:sldLayoutId id="2147483674" r:id="rId2"/>
+    <p:sldLayoutId id="2147483675" r:id="rId3"/>
+    <p:sldLayoutId id="2147483676" r:id="rId4"/>
+    <p:sldLayoutId id="2147483677" r:id="rId5"/>
+    <p:sldLayoutId id="2147483678" r:id="rId6"/>
+    <p:sldLayoutId id="2147483679" r:id="rId7"/>
+    <p:sldLayoutId id="2147483680" r:id="rId8"/>
+    <p:sldLayoutId id="2147483681" r:id="rId9"/>
+    <p:sldLayoutId id="2147483682" r:id="rId10"/>
+    <p:sldLayoutId id="2147483683" r:id="rId11"/>
   </p:sldLayoutIdLst>
   <p:txStyles>
     <p:titleStyle>
@@ -3340,11 +3087,10 @@
           <a:spcPct val="0"/>
         </a:spcBef>
         <a:buNone/>
-        <a:defRPr sz="3200" b="0" i="0" kern="1200" cap="all">
+        <a:defRPr sz="4400" kern="1200">
           <a:solidFill>
             <a:schemeClr val="tx1"/>
           </a:solidFill>
-          <a:effectLst/>
           <a:latin typeface="+mj-lt"/>
           <a:ea typeface="+mj-ea"/>
           <a:cs typeface="+mj-cs"/>
@@ -3354,22 +3100,17 @@
     <p:bodyStyle>
       <a:lvl1pPr marL="228600" indent="-228600" algn="l" defTabSz="914400" rtl="0" eaLnBrk="1" latinLnBrk="0" hangingPunct="1">
         <a:lnSpc>
-          <a:spcPct val="120000"/>
+          <a:spcPct val="90000"/>
         </a:lnSpc>
         <a:spcBef>
           <a:spcPts val="1000"/>
         </a:spcBef>
-        <a:buClr>
-          <a:schemeClr val="accent1"/>
-        </a:buClr>
-        <a:buSzPct val="100000"/>
         <a:buFont typeface="Arial" panose="020B0604020202020204" pitchFamily="34" charset="0"/>
         <a:buChar char="•"/>
-        <a:defRPr sz="2000" kern="1200">
+        <a:defRPr sz="2800" kern="1200">
           <a:solidFill>
             <a:schemeClr val="tx1"/>
           </a:solidFill>
-          <a:effectLst/>
           <a:latin typeface="+mn-lt"/>
           <a:ea typeface="+mn-ea"/>
           <a:cs typeface="+mn-cs"/>
@@ -3377,22 +3118,17 @@
       </a:lvl1pPr>
       <a:lvl2pPr marL="685800" indent="-228600" algn="l" defTabSz="914400" rtl="0" eaLnBrk="1" latinLnBrk="0" hangingPunct="1">
         <a:lnSpc>
-          <a:spcPct val="120000"/>
+          <a:spcPct val="90000"/>
         </a:lnSpc>
         <a:spcBef>
           <a:spcPts val="500"/>
         </a:spcBef>
-        <a:buClr>
-          <a:schemeClr val="accent1"/>
-        </a:buClr>
-        <a:buSzPct val="100000"/>
         <a:buFont typeface="Arial" panose="020B0604020202020204" pitchFamily="34" charset="0"/>
         <a:buChar char="•"/>
-        <a:defRPr sz="1800" kern="1200" cap="none" baseline="0">
+        <a:defRPr sz="2400" kern="1200">
           <a:solidFill>
             <a:schemeClr val="tx1"/>
           </a:solidFill>
-          <a:effectLst/>
           <a:latin typeface="+mn-lt"/>
           <a:ea typeface="+mn-ea"/>
           <a:cs typeface="+mn-cs"/>
@@ -3400,22 +3136,17 @@
       </a:lvl2pPr>
       <a:lvl3pPr marL="1143000" indent="-228600" algn="l" defTabSz="914400" rtl="0" eaLnBrk="1" latinLnBrk="0" hangingPunct="1">
         <a:lnSpc>
-          <a:spcPct val="120000"/>
+          <a:spcPct val="90000"/>
         </a:lnSpc>
         <a:spcBef>
           <a:spcPts val="500"/>
         </a:spcBef>
-        <a:buClr>
-          <a:schemeClr val="accent1"/>
-        </a:buClr>
-        <a:buSzPct val="100000"/>
         <a:buFont typeface="Arial" panose="020B0604020202020204" pitchFamily="34" charset="0"/>
         <a:buChar char="•"/>
-        <a:defRPr sz="1600" kern="1200">
+        <a:defRPr sz="2000" kern="1200">
           <a:solidFill>
             <a:schemeClr val="tx1"/>
           </a:solidFill>
-          <a:effectLst/>
           <a:latin typeface="+mn-lt"/>
           <a:ea typeface="+mn-ea"/>
           <a:cs typeface="+mn-cs"/>
@@ -3423,22 +3154,17 @@
       </a:lvl3pPr>
       <a:lvl4pPr marL="1600200" indent="-228600" algn="l" defTabSz="914400" rtl="0" eaLnBrk="1" latinLnBrk="0" hangingPunct="1">
         <a:lnSpc>
-          <a:spcPct val="120000"/>
+          <a:spcPct val="90000"/>
         </a:lnSpc>
         <a:spcBef>
           <a:spcPts val="500"/>
         </a:spcBef>
-        <a:buClr>
-          <a:schemeClr val="accent1"/>
-        </a:buClr>
-        <a:buSzPct val="100000"/>
         <a:buFont typeface="Arial" panose="020B0604020202020204" pitchFamily="34" charset="0"/>
         <a:buChar char="•"/>
-        <a:defRPr sz="1400" kern="1200" cap="none" baseline="0">
+        <a:defRPr sz="1800" kern="1200">
           <a:solidFill>
             <a:schemeClr val="tx1"/>
           </a:solidFill>
-          <a:effectLst/>
           <a:latin typeface="+mn-lt"/>
           <a:ea typeface="+mn-ea"/>
           <a:cs typeface="+mn-cs"/>
@@ -3446,22 +3172,17 @@
       </a:lvl4pPr>
       <a:lvl5pPr marL="2057400" indent="-228600" algn="l" defTabSz="914400" rtl="0" eaLnBrk="1" latinLnBrk="0" hangingPunct="1">
         <a:lnSpc>
-          <a:spcPct val="120000"/>
+          <a:spcPct val="90000"/>
         </a:lnSpc>
         <a:spcBef>
           <a:spcPts val="500"/>
         </a:spcBef>
-        <a:buClr>
-          <a:schemeClr val="accent1"/>
-        </a:buClr>
-        <a:buSzPct val="100000"/>
         <a:buFont typeface="Arial" panose="020B0604020202020204" pitchFamily="34" charset="0"/>
         <a:buChar char="•"/>
-        <a:defRPr sz="1200" kern="1200">
+        <a:defRPr sz="1800" kern="1200">
           <a:solidFill>
             <a:schemeClr val="tx1"/>
           </a:solidFill>
-          <a:effectLst/>
           <a:latin typeface="+mn-lt"/>
           <a:ea typeface="+mn-ea"/>
           <a:cs typeface="+mn-cs"/>
@@ -3469,22 +3190,17 @@
       </a:lvl5pPr>
       <a:lvl6pPr marL="2514600" indent="-228600" algn="l" defTabSz="914400" rtl="0" eaLnBrk="1" latinLnBrk="0" hangingPunct="1">
         <a:lnSpc>
-          <a:spcPct val="120000"/>
+          <a:spcPct val="90000"/>
         </a:lnSpc>
         <a:spcBef>
           <a:spcPts val="500"/>
         </a:spcBef>
-        <a:buClr>
-          <a:schemeClr val="accent1"/>
-        </a:buClr>
-        <a:buSzPct val="100000"/>
         <a:buFont typeface="Arial" panose="020B0604020202020204" pitchFamily="34" charset="0"/>
         <a:buChar char="•"/>
-        <a:defRPr sz="1200" kern="1200">
+        <a:defRPr sz="1800" kern="1200">
           <a:solidFill>
             <a:schemeClr val="tx1"/>
           </a:solidFill>
-          <a:effectLst/>
           <a:latin typeface="+mn-lt"/>
           <a:ea typeface="+mn-ea"/>
           <a:cs typeface="+mn-cs"/>
@@ -3492,22 +3208,17 @@
       </a:lvl6pPr>
       <a:lvl7pPr marL="2971800" indent="-228600" algn="l" defTabSz="914400" rtl="0" eaLnBrk="1" latinLnBrk="0" hangingPunct="1">
         <a:lnSpc>
-          <a:spcPct val="120000"/>
+          <a:spcPct val="90000"/>
         </a:lnSpc>
         <a:spcBef>
           <a:spcPts val="500"/>
         </a:spcBef>
-        <a:buClr>
-          <a:schemeClr val="accent1"/>
-        </a:buClr>
-        <a:buSzPct val="100000"/>
         <a:buFont typeface="Arial" panose="020B0604020202020204" pitchFamily="34" charset="0"/>
         <a:buChar char="•"/>
-        <a:defRPr sz="1200" kern="1200">
+        <a:defRPr sz="1800" kern="1200">
           <a:solidFill>
             <a:schemeClr val="tx1"/>
           </a:solidFill>
-          <a:effectLst/>
           <a:latin typeface="+mn-lt"/>
           <a:ea typeface="+mn-ea"/>
           <a:cs typeface="+mn-cs"/>
@@ -3515,22 +3226,17 @@
       </a:lvl7pPr>
       <a:lvl8pPr marL="3429000" indent="-228600" algn="l" defTabSz="914400" rtl="0" eaLnBrk="1" latinLnBrk="0" hangingPunct="1">
         <a:lnSpc>
-          <a:spcPct val="120000"/>
+          <a:spcPct val="90000"/>
         </a:lnSpc>
         <a:spcBef>
           <a:spcPts val="500"/>
         </a:spcBef>
-        <a:buClr>
-          <a:schemeClr val="accent1"/>
-        </a:buClr>
-        <a:buSzPct val="100000"/>
         <a:buFont typeface="Arial" panose="020B0604020202020204" pitchFamily="34" charset="0"/>
         <a:buChar char="•"/>
-        <a:defRPr sz="1200" kern="1200" baseline="0">
+        <a:defRPr sz="1800" kern="1200">
           <a:solidFill>
             <a:schemeClr val="tx1"/>
           </a:solidFill>
-          <a:effectLst/>
           <a:latin typeface="+mn-lt"/>
           <a:ea typeface="+mn-ea"/>
           <a:cs typeface="+mn-cs"/>
@@ -3538,22 +3244,17 @@
       </a:lvl8pPr>
       <a:lvl9pPr marL="3886200" indent="-228600" algn="l" defTabSz="914400" rtl="0" eaLnBrk="1" latinLnBrk="0" hangingPunct="1">
         <a:lnSpc>
-          <a:spcPct val="120000"/>
+          <a:spcPct val="90000"/>
         </a:lnSpc>
         <a:spcBef>
           <a:spcPts val="500"/>
         </a:spcBef>
-        <a:buClr>
-          <a:schemeClr val="accent1"/>
-        </a:buClr>
-        <a:buSzPct val="100000"/>
         <a:buFont typeface="Arial" panose="020B0604020202020204" pitchFamily="34" charset="0"/>
         <a:buChar char="•"/>
-        <a:defRPr sz="1200" kern="1200" baseline="0">
+        <a:defRPr sz="1800" kern="1200">
           <a:solidFill>
             <a:schemeClr val="tx1"/>
           </a:solidFill>
-          <a:effectLst/>
           <a:latin typeface="+mn-lt"/>
           <a:ea typeface="+mn-ea"/>
           <a:cs typeface="+mn-cs"/>
@@ -3767,7 +3468,7 @@
           <p:cNvPr id="2" name="Title 1">
             <a:extLst>
               <a:ext uri="{FF2B5EF4-FFF2-40B4-BE49-F238E27FC236}">
-                <a16:creationId xmlns:a16="http://schemas.microsoft.com/office/drawing/2014/main" id="{484C980F-53F5-4D87-A98C-8EC3143E154D}"/>
+                <a16:creationId xmlns:a16="http://schemas.microsoft.com/office/drawing/2014/main" id="{AA87E912-6DEF-4B3D-A790-7A4A4F95FA45}"/>
               </a:ext>
             </a:extLst>
           </p:cNvPr>
@@ -3795,7 +3496,7 @@
           <p:cNvPr id="3" name="Content Placeholder 2">
             <a:extLst>
               <a:ext uri="{FF2B5EF4-FFF2-40B4-BE49-F238E27FC236}">
-                <a16:creationId xmlns:a16="http://schemas.microsoft.com/office/drawing/2014/main" id="{84F75539-0ABB-4F97-82E5-0920F93F371D}"/>
+                <a16:creationId xmlns:a16="http://schemas.microsoft.com/office/drawing/2014/main" id="{46DEE859-DE5C-426A-880F-D9AEBBDA1EA0}"/>
               </a:ext>
             </a:extLst>
           </p:cNvPr>
@@ -3813,108 +3514,71 @@
           <a:p>
             <a:r>
               <a:rPr lang="en-US" dirty="0"/>
-              <a:t>Remember, we always index from 0</a:t>
-            </a:r>
-          </a:p>
-          <a:p>
-            <a:r>
-              <a:rPr lang="en-US" dirty="0"/>
-              <a:t>In our example using </a:t>
-            </a:r>
-            <a:r>
-              <a:rPr lang="en-US" dirty="0" err="1"/>
-              <a:t>sLength</a:t>
-            </a:r>
-            <a:r>
-              <a:rPr lang="en-US" dirty="0"/>
-              <a:t> = “string”, </a:t>
-            </a:r>
-            <a:r>
-              <a:rPr lang="en-US" dirty="0" err="1"/>
-              <a:t>sLength.length</a:t>
-            </a:r>
-            <a:r>
-              <a:rPr lang="en-US" dirty="0"/>
-              <a:t> was equal to 6</a:t>
-            </a:r>
-          </a:p>
-          <a:p>
-            <a:r>
-              <a:rPr lang="en-US" dirty="0"/>
-              <a:t>If we look at the indexes however, </a:t>
-            </a:r>
-            <a:r>
-              <a:rPr lang="en-US" dirty="0" err="1"/>
-              <a:t>sLength</a:t>
-            </a:r>
-            <a:r>
-              <a:rPr lang="en-US" dirty="0"/>
-              <a:t>[0] = ‘s’, </a:t>
-            </a:r>
-            <a:r>
-              <a:rPr lang="en-US" dirty="0" err="1"/>
-              <a:t>sLength</a:t>
-            </a:r>
-            <a:r>
-              <a:rPr lang="en-US" dirty="0"/>
-              <a:t>[1] = ‘t’, </a:t>
-            </a:r>
-            <a:r>
-              <a:rPr lang="en-US" dirty="0" err="1"/>
-              <a:t>sLength</a:t>
-            </a:r>
-            <a:r>
-              <a:rPr lang="en-US" dirty="0"/>
-              <a:t>[2] = ‘r’, </a:t>
-            </a:r>
-            <a:r>
-              <a:rPr lang="en-US" dirty="0" err="1"/>
-              <a:t>sLength</a:t>
-            </a:r>
-            <a:r>
-              <a:rPr lang="en-US" dirty="0"/>
-              <a:t>[3] = ‘</a:t>
-            </a:r>
-            <a:r>
-              <a:rPr lang="en-US" dirty="0" err="1"/>
-              <a:t>i</a:t>
-            </a:r>
-            <a:r>
-              <a:rPr lang="en-US" dirty="0"/>
-              <a:t>’, </a:t>
-            </a:r>
-            <a:r>
-              <a:rPr lang="en-US" dirty="0" err="1"/>
-              <a:t>sLength</a:t>
-            </a:r>
-            <a:r>
-              <a:rPr lang="en-US" dirty="0"/>
-              <a:t>[4] = ‘n’, and </a:t>
-            </a:r>
-            <a:r>
-              <a:rPr lang="en-US" dirty="0" err="1"/>
-              <a:t>sLength</a:t>
-            </a:r>
-            <a:r>
-              <a:rPr lang="en-US" dirty="0"/>
-              <a:t>[5] = ‘g’</a:t>
+              <a:t>In JavaScript, properties and methods are available to primitives, like Strings </a:t>
             </a:r>
           </a:p>
           <a:p>
             <a:r>
               <a:rPr lang="en-US" b="1" dirty="0"/>
-              <a:t>The last index of our string is always 1 less than our string’s length</a:t>
-            </a:r>
-          </a:p>
-          <a:p>
-            <a:endParaRPr lang="en-US" dirty="0"/>
-          </a:p>
-        </p:txBody>
-      </p:sp>
+              <a:t>Length</a:t>
+            </a:r>
+          </a:p>
+          <a:p>
+            <a:pPr lvl="1"/>
+            <a:r>
+              <a:rPr lang="en-US" dirty="0"/>
+              <a:t>Property for how many characters are in a string</a:t>
+            </a:r>
+          </a:p>
+          <a:p>
+            <a:pPr lvl="1"/>
+            <a:r>
+              <a:rPr lang="en-US" dirty="0"/>
+              <a:t>One of the most commonly used properties in JavaScript</a:t>
+            </a:r>
+          </a:p>
+        </p:txBody>
+      </p:sp>
+      <p:pic>
+        <p:nvPicPr>
+          <p:cNvPr id="5" name="Picture 4">
+            <a:extLst>
+              <a:ext uri="{FF2B5EF4-FFF2-40B4-BE49-F238E27FC236}">
+                <a16:creationId xmlns:a16="http://schemas.microsoft.com/office/drawing/2014/main" id="{16FCB4E1-6CC6-46D2-BB77-8A81700798F4}"/>
+              </a:ext>
+            </a:extLst>
+          </p:cNvPr>
+          <p:cNvPicPr>
+            <a:picLocks noChangeAspect="1"/>
+          </p:cNvPicPr>
+          <p:nvPr/>
+        </p:nvPicPr>
+        <p:blipFill>
+          <a:blip r:embed="rId2">
+            <a:extLst>
+              <a:ext uri="{28A0092B-C50C-407E-A947-70E740481C1C}">
+                <a14:useLocalDpi xmlns:a14="http://schemas.microsoft.com/office/drawing/2010/main" val="0"/>
+              </a:ext>
+            </a:extLst>
+          </a:blip>
+          <a:stretch>
+            <a:fillRect/>
+          </a:stretch>
+        </p:blipFill>
+        <p:spPr>
+          <a:xfrm>
+            <a:off x="1" y="3916573"/>
+            <a:ext cx="12192000" cy="2941427"/>
+          </a:xfrm>
+          <a:prstGeom prst="rect">
+            <a:avLst/>
+          </a:prstGeom>
+        </p:spPr>
+      </p:pic>
     </p:spTree>
     <p:extLst>
       <p:ext uri="{BB962C8B-B14F-4D97-AF65-F5344CB8AC3E}">
-        <p14:creationId xmlns:p14="http://schemas.microsoft.com/office/powerpoint/2010/main" val="1665295345"/>
+        <p14:creationId xmlns:p14="http://schemas.microsoft.com/office/powerpoint/2010/main" val="1467593875"/>
       </p:ext>
     </p:extLst>
   </p:cSld>
@@ -3998,51 +3662,37 @@
           <a:p>
             <a:r>
               <a:rPr lang="en-US" dirty="0"/>
-              <a:t>Ex: let string = “https://www.google.com”;</a:t>
+              <a:t>We have 3 methods that can extract from a string:</a:t>
             </a:r>
           </a:p>
           <a:p>
             <a:pPr lvl="1"/>
             <a:r>
-              <a:rPr lang="en-US" dirty="0"/>
-              <a:t>How often do we actually want the full address?</a:t>
-            </a:r>
-          </a:p>
-          <a:p>
-            <a:pPr lvl="1"/>
-            <a:r>
-              <a:rPr lang="en-US" dirty="0"/>
-              <a:t>Most of the time we are not interested in the </a:t>
-            </a:r>
-            <a:r>
-              <a:rPr lang="en-US" dirty="0">
-                <a:hlinkClick r:id="rId2"/>
-              </a:rPr>
-              <a:t>https://www</a:t>
-            </a:r>
-            <a:r>
-              <a:rPr lang="en-US" dirty="0"/>
-              <a:t>. </a:t>
-            </a:r>
-          </a:p>
-          <a:p>
-            <a:r>
-              <a:rPr lang="en-US" dirty="0"/>
-              <a:t>We have 3 methods that can extract from a string:</a:t>
-            </a:r>
-          </a:p>
-          <a:p>
-            <a:pPr lvl="1"/>
-            <a:r>
-              <a:rPr lang="en-US" dirty="0"/>
-              <a:t>slice(start, end), substring(start, end), </a:t>
-            </a:r>
-            <a:r>
-              <a:rPr lang="en-US" dirty="0" err="1"/>
+              <a:rPr lang="en-US" b="1" i="1" dirty="0"/>
+              <a:t>slice(start, end)</a:t>
+            </a:r>
+            <a:r>
+              <a:rPr lang="en-US" dirty="0"/>
+              <a:t>,</a:t>
+            </a:r>
+            <a:r>
+              <a:rPr lang="en-US" b="1" i="1" dirty="0"/>
+              <a:t> substring(start, end)</a:t>
+            </a:r>
+            <a:r>
+              <a:rPr lang="en-US" dirty="0"/>
+              <a:t>, and</a:t>
+            </a:r>
+            <a:r>
+              <a:rPr lang="en-US" b="1" i="1" dirty="0"/>
+              <a:t> </a:t>
+            </a:r>
+            <a:r>
+              <a:rPr lang="en-US" b="1" i="1" dirty="0" err="1"/>
               <a:t>substr</a:t>
             </a:r>
             <a:r>
-              <a:rPr lang="en-US" dirty="0"/>
+              <a:rPr lang="en-US" b="1" i="1" dirty="0"/>
               <a:t>(start, length)</a:t>
             </a:r>
           </a:p>
@@ -4129,7 +3779,7 @@
           <a:p>
             <a:r>
               <a:rPr lang="en-US" dirty="0"/>
-              <a:t>Captures part of a and returns it </a:t>
+              <a:t>Captures part of a string and returns it </a:t>
             </a:r>
             <a:r>
               <a:rPr lang="en-US" b="1" i="1" dirty="0"/>
@@ -4138,14 +3788,26 @@
           </a:p>
           <a:p>
             <a:r>
-              <a:rPr lang="en-US" dirty="0"/>
-              <a:t>start is the index to start at</a:t>
-            </a:r>
-          </a:p>
-          <a:p>
-            <a:r>
-              <a:rPr lang="en-US" dirty="0"/>
-              <a:t>(Optional) end is the index to stop </a:t>
+              <a:rPr lang="en-US" b="1" i="1" dirty="0"/>
+              <a:t>start</a:t>
+            </a:r>
+            <a:r>
+              <a:rPr lang="en-US" dirty="0"/>
+              <a:t> is the index to start at</a:t>
+            </a:r>
+          </a:p>
+          <a:p>
+            <a:r>
+              <a:rPr lang="en-US" dirty="0"/>
+              <a:t>(Optional) </a:t>
+            </a:r>
+            <a:r>
+              <a:rPr lang="en-US" b="1" i="1" dirty="0"/>
+              <a:t>end</a:t>
+            </a:r>
+            <a:r>
+              <a:rPr lang="en-US" dirty="0"/>
+              <a:t> is the index to stop </a:t>
             </a:r>
             <a:r>
               <a:rPr lang="en-US" b="1" i="1" dirty="0"/>
@@ -4160,12 +3822,84 @@
             </a:r>
             <a:r>
               <a:rPr lang="en-US" b="1" dirty="0"/>
-              <a:t>are 0 based</a:t>
+              <a:t>count up from 0</a:t>
             </a:r>
             <a:endParaRPr lang="en-US" dirty="0"/>
           </a:p>
         </p:txBody>
       </p:sp>
+      <p:pic>
+        <p:nvPicPr>
+          <p:cNvPr id="5" name="Picture 4">
+            <a:extLst>
+              <a:ext uri="{FF2B5EF4-FFF2-40B4-BE49-F238E27FC236}">
+                <a16:creationId xmlns:a16="http://schemas.microsoft.com/office/drawing/2014/main" id="{230D878F-3332-4F1D-AE59-07ED46ACBC42}"/>
+              </a:ext>
+            </a:extLst>
+          </p:cNvPr>
+          <p:cNvPicPr>
+            <a:picLocks noChangeAspect="1"/>
+          </p:cNvPicPr>
+          <p:nvPr/>
+        </p:nvPicPr>
+        <p:blipFill>
+          <a:blip r:embed="rId2">
+            <a:extLst>
+              <a:ext uri="{28A0092B-C50C-407E-A947-70E740481C1C}">
+                <a14:useLocalDpi xmlns:a14="http://schemas.microsoft.com/office/drawing/2010/main" val="0"/>
+              </a:ext>
+            </a:extLst>
+          </a:blip>
+          <a:stretch>
+            <a:fillRect/>
+          </a:stretch>
+        </p:blipFill>
+        <p:spPr>
+          <a:xfrm>
+            <a:off x="0" y="5954177"/>
+            <a:ext cx="6096000" cy="903823"/>
+          </a:xfrm>
+          <a:prstGeom prst="rect">
+            <a:avLst/>
+          </a:prstGeom>
+        </p:spPr>
+      </p:pic>
+      <p:pic>
+        <p:nvPicPr>
+          <p:cNvPr id="7" name="Picture 6">
+            <a:extLst>
+              <a:ext uri="{FF2B5EF4-FFF2-40B4-BE49-F238E27FC236}">
+                <a16:creationId xmlns:a16="http://schemas.microsoft.com/office/drawing/2014/main" id="{1D0220C4-FE77-4379-AA09-2210115E2F2B}"/>
+              </a:ext>
+            </a:extLst>
+          </p:cNvPr>
+          <p:cNvPicPr>
+            <a:picLocks noChangeAspect="1"/>
+          </p:cNvPicPr>
+          <p:nvPr/>
+        </p:nvPicPr>
+        <p:blipFill>
+          <a:blip r:embed="rId3">
+            <a:extLst>
+              <a:ext uri="{28A0092B-C50C-407E-A947-70E740481C1C}">
+                <a14:useLocalDpi xmlns:a14="http://schemas.microsoft.com/office/drawing/2010/main" val="0"/>
+              </a:ext>
+            </a:extLst>
+          </a:blip>
+          <a:stretch>
+            <a:fillRect/>
+          </a:stretch>
+        </p:blipFill>
+        <p:spPr>
+          <a:xfrm>
+            <a:off x="6096000" y="5152572"/>
+            <a:ext cx="6096000" cy="1705428"/>
+          </a:xfrm>
+          <a:prstGeom prst="rect">
+            <a:avLst/>
+          </a:prstGeom>
+        </p:spPr>
+      </p:pic>
     </p:spTree>
     <p:extLst>
       <p:ext uri="{BB962C8B-B14F-4D97-AF65-F5344CB8AC3E}">
@@ -6328,23 +6062,9 @@
             </a:r>
           </a:p>
           <a:p>
-            <a:pPr lvl="1"/>
-            <a:r>
-              <a:rPr lang="en-US" dirty="0"/>
-              <a:t>We can use a different set of quotes, but this might not be enough depending on the string (or version of JavaScript)</a:t>
-            </a:r>
-          </a:p>
-          <a:p>
             <a:r>
               <a:rPr lang="en-US" dirty="0"/>
               <a:t>If we tried to use a set of quotes around a word, but we had already used that as part of the string, it would end the string</a:t>
-            </a:r>
-          </a:p>
-          <a:p>
-            <a:pPr lvl="1"/>
-            <a:r>
-              <a:rPr lang="en-US" dirty="0"/>
-              <a:t>Ex: let x = "We are the so-called "Vikings" from the north.";</a:t>
             </a:r>
           </a:p>
           <a:p>
@@ -6367,6 +6087,42 @@
           </a:p>
         </p:txBody>
       </p:sp>
+      <p:pic>
+        <p:nvPicPr>
+          <p:cNvPr id="5" name="Picture 4">
+            <a:extLst>
+              <a:ext uri="{FF2B5EF4-FFF2-40B4-BE49-F238E27FC236}">
+                <a16:creationId xmlns:a16="http://schemas.microsoft.com/office/drawing/2014/main" id="{E7AAC8CF-EED3-4284-911D-744778E11C55}"/>
+              </a:ext>
+            </a:extLst>
+          </p:cNvPr>
+          <p:cNvPicPr>
+            <a:picLocks noChangeAspect="1"/>
+          </p:cNvPicPr>
+          <p:nvPr/>
+        </p:nvPicPr>
+        <p:blipFill>
+          <a:blip r:embed="rId2">
+            <a:extLst>
+              <a:ext uri="{28A0092B-C50C-407E-A947-70E740481C1C}">
+                <a14:useLocalDpi xmlns:a14="http://schemas.microsoft.com/office/drawing/2010/main" val="0"/>
+              </a:ext>
+            </a:extLst>
+          </a:blip>
+          <a:stretch>
+            <a:fillRect/>
+          </a:stretch>
+        </p:blipFill>
+        <p:spPr>
+          <a:xfrm>
+            <a:off x="1" y="5480872"/>
+            <a:ext cx="12192000" cy="1377128"/>
+          </a:xfrm>
+          <a:prstGeom prst="rect">
+            <a:avLst/>
+          </a:prstGeom>
+        </p:spPr>
+      </p:pic>
     </p:spTree>
     <p:extLst>
       <p:ext uri="{BB962C8B-B14F-4D97-AF65-F5344CB8AC3E}">
@@ -7573,45 +7329,47 @@
           <a:p>
             <a:r>
               <a:rPr lang="en-US" dirty="0"/>
-              <a:t>Ex: let example = “I \”love\” bitwise operators”;</a:t>
-            </a:r>
-          </a:p>
-          <a:p>
-            <a:r>
-              <a:rPr lang="en-US" dirty="0"/>
-              <a:t>Ex: let </a:t>
-            </a:r>
-            <a:r>
-              <a:rPr lang="en-US" dirty="0" err="1"/>
-              <a:t>newEx</a:t>
-            </a:r>
-            <a:r>
-              <a:rPr lang="en-US" dirty="0"/>
-              <a:t> = ‘It\’s my favorite operator’;</a:t>
-            </a:r>
-          </a:p>
-          <a:p>
-            <a:r>
-              <a:rPr lang="en-US" dirty="0"/>
-              <a:t>Ex: let </a:t>
-            </a:r>
-            <a:r>
-              <a:rPr lang="en-US" dirty="0" err="1"/>
-              <a:t>nextEx</a:t>
-            </a:r>
-            <a:r>
-              <a:rPr lang="en-US" dirty="0"/>
-              <a:t> = “Just use a \\ (backslash)”;</a:t>
-            </a:r>
-          </a:p>
-          <a:p>
-            <a:r>
-              <a:rPr lang="en-US" dirty="0"/>
               <a:t>There are others designed for typewriters, fax machines, and teletypes, but they are now obsolete (or very niche)</a:t>
             </a:r>
           </a:p>
         </p:txBody>
       </p:sp>
+      <p:pic>
+        <p:nvPicPr>
+          <p:cNvPr id="5" name="Picture 4">
+            <a:extLst>
+              <a:ext uri="{FF2B5EF4-FFF2-40B4-BE49-F238E27FC236}">
+                <a16:creationId xmlns:a16="http://schemas.microsoft.com/office/drawing/2014/main" id="{5591F125-8EBF-43FE-99A7-1C31560F7FFE}"/>
+              </a:ext>
+            </a:extLst>
+          </p:cNvPr>
+          <p:cNvPicPr>
+            <a:picLocks noChangeAspect="1"/>
+          </p:cNvPicPr>
+          <p:nvPr/>
+        </p:nvPicPr>
+        <p:blipFill>
+          <a:blip r:embed="rId2">
+            <a:extLst>
+              <a:ext uri="{28A0092B-C50C-407E-A947-70E740481C1C}">
+                <a14:useLocalDpi xmlns:a14="http://schemas.microsoft.com/office/drawing/2010/main" val="0"/>
+              </a:ext>
+            </a:extLst>
+          </a:blip>
+          <a:stretch>
+            <a:fillRect/>
+          </a:stretch>
+        </p:blipFill>
+        <p:spPr>
+          <a:xfrm>
+            <a:off x="1" y="5080740"/>
+            <a:ext cx="6095999" cy="1777260"/>
+          </a:xfrm>
+          <a:prstGeom prst="rect">
+            <a:avLst/>
+          </a:prstGeom>
+        </p:spPr>
+      </p:pic>
     </p:spTree>
     <p:extLst>
       <p:ext uri="{BB962C8B-B14F-4D97-AF65-F5344CB8AC3E}">
@@ -7828,7 +7586,7 @@
           <a:p>
             <a:r>
               <a:rPr lang="en-US" dirty="0"/>
-              <a:t>If a line doesn’t fit, we bump the rest to the next line</a:t>
+              <a:t>If a line takes more than 80 characters, we bump the rest to the next line</a:t>
             </a:r>
           </a:p>
           <a:p>
@@ -7836,41 +7594,45 @@
               <a:rPr lang="en-US" i="1" dirty="0"/>
               <a:t>We can break up lines while we are still inside of a string using a single backslash</a:t>
             </a:r>
-            <a:endParaRPr lang="en-US" dirty="0"/>
-          </a:p>
-          <a:p>
-            <a:pPr lvl="1"/>
-            <a:r>
-              <a:rPr lang="en-US" i="1" dirty="0"/>
-              <a:t>Ex: </a:t>
-            </a:r>
-            <a:r>
-              <a:rPr lang="en-US" dirty="0" err="1"/>
-              <a:t>document.getElementById</a:t>
-            </a:r>
-            <a:r>
-              <a:rPr lang="en-US" dirty="0"/>
-              <a:t>("demo").</a:t>
-            </a:r>
-            <a:r>
-              <a:rPr lang="en-US" dirty="0" err="1"/>
-              <a:t>innerHTML</a:t>
-            </a:r>
-            <a:r>
-              <a:rPr lang="en-US" dirty="0"/>
-              <a:t> = "Hello \</a:t>
-            </a:r>
-            <a:br>
-              <a:rPr lang="en-US" dirty="0"/>
-            </a:br>
-            <a:r>
-              <a:rPr lang="en-US" dirty="0"/>
-              <a:t>Dolly!";</a:t>
-            </a:r>
-            <a:endParaRPr lang="en-US" i="1" dirty="0"/>
-          </a:p>
-        </p:txBody>
-      </p:sp>
+          </a:p>
+        </p:txBody>
+      </p:sp>
+      <p:pic>
+        <p:nvPicPr>
+          <p:cNvPr id="5" name="Picture 4">
+            <a:extLst>
+              <a:ext uri="{FF2B5EF4-FFF2-40B4-BE49-F238E27FC236}">
+                <a16:creationId xmlns:a16="http://schemas.microsoft.com/office/drawing/2014/main" id="{FCC2582C-6E08-4354-8072-A2495802F11F}"/>
+              </a:ext>
+            </a:extLst>
+          </p:cNvPr>
+          <p:cNvPicPr>
+            <a:picLocks noChangeAspect="1"/>
+          </p:cNvPicPr>
+          <p:nvPr/>
+        </p:nvPicPr>
+        <p:blipFill>
+          <a:blip r:embed="rId2">
+            <a:extLst>
+              <a:ext uri="{28A0092B-C50C-407E-A947-70E740481C1C}">
+                <a14:useLocalDpi xmlns:a14="http://schemas.microsoft.com/office/drawing/2010/main" val="0"/>
+              </a:ext>
+            </a:extLst>
+          </a:blip>
+          <a:stretch>
+            <a:fillRect/>
+          </a:stretch>
+        </p:blipFill>
+        <p:spPr>
+          <a:xfrm>
+            <a:off x="1" y="4909643"/>
+            <a:ext cx="12192000" cy="1948358"/>
+          </a:xfrm>
+          <a:prstGeom prst="rect">
+            <a:avLst/>
+          </a:prstGeom>
+        </p:spPr>
+      </p:pic>
     </p:spTree>
     <p:extLst>
       <p:ext uri="{BB962C8B-B14F-4D97-AF65-F5344CB8AC3E}">
@@ -7961,30 +7723,44 @@
               <a:t>We can use string addition to break strings up safely</a:t>
             </a:r>
           </a:p>
-          <a:p>
-            <a:pPr lvl="1"/>
-            <a:r>
-              <a:rPr lang="en-US" dirty="0"/>
-              <a:t>Ex: let </a:t>
-            </a:r>
-            <a:r>
-              <a:rPr lang="en-US" dirty="0" err="1"/>
-              <a:t>breakExample</a:t>
-            </a:r>
-            <a:r>
-              <a:rPr lang="en-US" dirty="0"/>
-              <a:t> = “Let’s see how we can break ” +</a:t>
-            </a:r>
-            <a:br>
-              <a:rPr lang="en-US" dirty="0"/>
-            </a:br>
-            <a:r>
-              <a:rPr lang="en-US" dirty="0"/>
-              <a:t>“up this string”;</a:t>
-            </a:r>
-          </a:p>
-        </p:txBody>
-      </p:sp>
+        </p:txBody>
+      </p:sp>
+      <p:pic>
+        <p:nvPicPr>
+          <p:cNvPr id="5" name="Picture 4">
+            <a:extLst>
+              <a:ext uri="{FF2B5EF4-FFF2-40B4-BE49-F238E27FC236}">
+                <a16:creationId xmlns:a16="http://schemas.microsoft.com/office/drawing/2014/main" id="{2B5D7F4B-3CE6-4A09-A9D7-C3F8D4C185A2}"/>
+              </a:ext>
+            </a:extLst>
+          </p:cNvPr>
+          <p:cNvPicPr>
+            <a:picLocks noChangeAspect="1"/>
+          </p:cNvPicPr>
+          <p:nvPr/>
+        </p:nvPicPr>
+        <p:blipFill>
+          <a:blip r:embed="rId2">
+            <a:extLst>
+              <a:ext uri="{28A0092B-C50C-407E-A947-70E740481C1C}">
+                <a14:useLocalDpi xmlns:a14="http://schemas.microsoft.com/office/drawing/2010/main" val="0"/>
+              </a:ext>
+            </a:extLst>
+          </a:blip>
+          <a:stretch>
+            <a:fillRect/>
+          </a:stretch>
+        </p:blipFill>
+        <p:spPr>
+          <a:xfrm>
+            <a:off x="1" y="4898823"/>
+            <a:ext cx="12192000" cy="1959177"/>
+          </a:xfrm>
+          <a:prstGeom prst="rect">
+            <a:avLst/>
+          </a:prstGeom>
+        </p:spPr>
+      </p:pic>
     </p:spTree>
     <p:extLst>
       <p:ext uri="{BB962C8B-B14F-4D97-AF65-F5344CB8AC3E}">
@@ -8130,7 +7906,7 @@
           <p:cNvPr id="2" name="Title 1">
             <a:extLst>
               <a:ext uri="{FF2B5EF4-FFF2-40B4-BE49-F238E27FC236}">
-                <a16:creationId xmlns:a16="http://schemas.microsoft.com/office/drawing/2014/main" id="{D3C361B4-3623-404C-A1AB-C13CDCC9AA4B}"/>
+                <a16:creationId xmlns:a16="http://schemas.microsoft.com/office/drawing/2014/main" id="{E37AF720-987E-41FF-AC88-982A742C995B}"/>
               </a:ext>
             </a:extLst>
           </p:cNvPr>
@@ -8148,68 +7924,40 @@
           <a:p>
             <a:r>
               <a:rPr lang="en-US" dirty="0"/>
-              <a:t>String Indexes</a:t>
-            </a:r>
-          </a:p>
-        </p:txBody>
-      </p:sp>
-      <p:sp>
-        <p:nvSpPr>
-          <p:cNvPr id="3" name="Content Placeholder 2">
-            <a:extLst>
-              <a:ext uri="{FF2B5EF4-FFF2-40B4-BE49-F238E27FC236}">
-                <a16:creationId xmlns:a16="http://schemas.microsoft.com/office/drawing/2014/main" id="{D6AA30F6-EC50-477A-866D-77F01330E31A}"/>
-              </a:ext>
-            </a:extLst>
-          </p:cNvPr>
-          <p:cNvSpPr>
-            <a:spLocks noGrp="1"/>
-          </p:cNvSpPr>
-          <p:nvPr>
-            <p:ph idx="1"/>
-          </p:nvPr>
-        </p:nvSpPr>
-        <p:spPr/>
-        <p:txBody>
-          <a:bodyPr/>
-          <a:lstStyle/>
-          <a:p>
-            <a:r>
-              <a:rPr lang="en-US" b="1" i="1" dirty="0"/>
-              <a:t>Indexes</a:t>
-            </a:r>
-            <a:r>
-              <a:rPr lang="en-US" dirty="0"/>
-              <a:t> are the position of an element in a string</a:t>
-            </a:r>
-          </a:p>
-          <a:p>
-            <a:r>
-              <a:rPr lang="en-US" dirty="0"/>
-              <a:t>In JavaScript, </a:t>
-            </a:r>
-            <a:r>
-              <a:rPr lang="en-US" b="1" dirty="0"/>
-              <a:t>the first index is </a:t>
-            </a:r>
-            <a:r>
-              <a:rPr lang="en-US" b="1" i="1" dirty="0"/>
-              <a:t>always</a:t>
-            </a:r>
-            <a:r>
-              <a:rPr lang="en-US" b="1" dirty="0"/>
-              <a:t> 0</a:t>
-            </a:r>
-          </a:p>
-          <a:p>
-            <a:endParaRPr lang="en-US" b="1" dirty="0"/>
+              <a:t>String Methods</a:t>
+            </a:r>
+          </a:p>
+        </p:txBody>
+      </p:sp>
+      <p:sp>
+        <p:nvSpPr>
+          <p:cNvPr id="3" name="Text Placeholder 2">
+            <a:extLst>
+              <a:ext uri="{FF2B5EF4-FFF2-40B4-BE49-F238E27FC236}">
+                <a16:creationId xmlns:a16="http://schemas.microsoft.com/office/drawing/2014/main" id="{43BD6DC4-C4DC-4621-99F6-4675D6091702}"/>
+              </a:ext>
+            </a:extLst>
+          </p:cNvPr>
+          <p:cNvSpPr>
+            <a:spLocks noGrp="1"/>
+          </p:cNvSpPr>
+          <p:nvPr>
+            <p:ph type="body" idx="1"/>
+          </p:nvPr>
+        </p:nvSpPr>
+        <p:spPr/>
+        <p:txBody>
+          <a:bodyPr/>
+          <a:lstStyle/>
+          <a:p>
+            <a:endParaRPr lang="en-US"/>
           </a:p>
         </p:txBody>
       </p:sp>
     </p:spTree>
     <p:extLst>
       <p:ext uri="{BB962C8B-B14F-4D97-AF65-F5344CB8AC3E}">
-        <p14:creationId xmlns:p14="http://schemas.microsoft.com/office/powerpoint/2010/main" val="3390729434"/>
+        <p14:creationId xmlns:p14="http://schemas.microsoft.com/office/powerpoint/2010/main" val="435483495"/>
       </p:ext>
     </p:extLst>
   </p:cSld>
@@ -8241,7 +7989,7 @@
           <p:cNvPr id="2" name="Title 1">
             <a:extLst>
               <a:ext uri="{FF2B5EF4-FFF2-40B4-BE49-F238E27FC236}">
-                <a16:creationId xmlns:a16="http://schemas.microsoft.com/office/drawing/2014/main" id="{AA87E912-6DEF-4B3D-A790-7A4A4F95FA45}"/>
+                <a16:creationId xmlns:a16="http://schemas.microsoft.com/office/drawing/2014/main" id="{D3C361B4-3623-404C-A1AB-C13CDCC9AA4B}"/>
               </a:ext>
             </a:extLst>
           </p:cNvPr>
@@ -8259,7 +8007,7 @@
           <a:p>
             <a:r>
               <a:rPr lang="en-US" dirty="0"/>
-              <a:t>String Properties and Methods</a:t>
+              <a:t>String Indexes</a:t>
             </a:r>
           </a:p>
         </p:txBody>
@@ -8269,7 +8017,7 @@
           <p:cNvPr id="3" name="Content Placeholder 2">
             <a:extLst>
               <a:ext uri="{FF2B5EF4-FFF2-40B4-BE49-F238E27FC236}">
-                <a16:creationId xmlns:a16="http://schemas.microsoft.com/office/drawing/2014/main" id="{46DEE859-DE5C-426A-880F-D9AEBBDA1EA0}"/>
+                <a16:creationId xmlns:a16="http://schemas.microsoft.com/office/drawing/2014/main" id="{D6AA30F6-EC50-477A-866D-77F01330E31A}"/>
               </a:ext>
             </a:extLst>
           </p:cNvPr>
@@ -8286,62 +8034,105 @@
           <a:lstStyle/>
           <a:p>
             <a:r>
-              <a:rPr lang="en-US" dirty="0"/>
-              <a:t>In JavaScript, properties and methods are available to primitives, like Strings (which is awesome)</a:t>
-            </a:r>
-          </a:p>
-          <a:p>
+              <a:rPr lang="en-US" b="1" i="1" dirty="0"/>
+              <a:t>Indexes</a:t>
+            </a:r>
+            <a:r>
+              <a:rPr lang="en-US" dirty="0"/>
+              <a:t> are the positions of elements in a string</a:t>
+            </a:r>
+          </a:p>
+          <a:p>
+            <a:r>
+              <a:rPr lang="en-US" dirty="0"/>
+              <a:t>In JavaScript, </a:t>
+            </a:r>
             <a:r>
               <a:rPr lang="en-US" b="1" dirty="0"/>
-              <a:t>Length</a:t>
-            </a:r>
-          </a:p>
-          <a:p>
-            <a:pPr lvl="1"/>
-            <a:r>
-              <a:rPr lang="en-US" dirty="0"/>
-              <a:t>Property for how many characters are in a string</a:t>
-            </a:r>
-          </a:p>
-          <a:p>
-            <a:pPr lvl="1"/>
-            <a:r>
-              <a:rPr lang="en-US" dirty="0"/>
-              <a:t>One of the most commonly used properties in JavaScript</a:t>
-            </a:r>
-          </a:p>
-          <a:p>
-            <a:pPr lvl="1"/>
-            <a:r>
-              <a:rPr lang="en-US" dirty="0"/>
-              <a:t>Ex: let </a:t>
-            </a:r>
-            <a:r>
-              <a:rPr lang="en-US" dirty="0" err="1"/>
-              <a:t>sLength</a:t>
-            </a:r>
-            <a:r>
-              <a:rPr lang="en-US" dirty="0"/>
-              <a:t> = “String”;	</a:t>
-            </a:r>
-            <a:br>
-              <a:rPr lang="en-US" dirty="0"/>
-            </a:br>
-            <a:r>
-              <a:rPr lang="en-US" dirty="0" err="1"/>
-              <a:t>sLength.length</a:t>
-            </a:r>
-            <a:r>
-              <a:rPr lang="en-US" dirty="0"/>
-              <a:t> // This would log 6 since there are 6 characters</a:t>
-            </a:r>
-          </a:p>
-        </p:txBody>
-      </p:sp>
+              <a:t>indexes begin at 0 and end at 1 less than the length of the string</a:t>
+            </a:r>
+          </a:p>
+          <a:p>
+            <a:endParaRPr lang="en-US" b="1" dirty="0"/>
+          </a:p>
+        </p:txBody>
+      </p:sp>
+      <p:pic>
+        <p:nvPicPr>
+          <p:cNvPr id="5" name="Picture 4">
+            <a:extLst>
+              <a:ext uri="{FF2B5EF4-FFF2-40B4-BE49-F238E27FC236}">
+                <a16:creationId xmlns:a16="http://schemas.microsoft.com/office/drawing/2014/main" id="{1471FEB9-DECA-4DA1-84B7-6D42D9007DE9}"/>
+              </a:ext>
+            </a:extLst>
+          </p:cNvPr>
+          <p:cNvPicPr>
+            <a:picLocks noChangeAspect="1"/>
+          </p:cNvPicPr>
+          <p:nvPr/>
+        </p:nvPicPr>
+        <p:blipFill>
+          <a:blip r:embed="rId2">
+            <a:extLst>
+              <a:ext uri="{28A0092B-C50C-407E-A947-70E740481C1C}">
+                <a14:useLocalDpi xmlns:a14="http://schemas.microsoft.com/office/drawing/2010/main" val="0"/>
+              </a:ext>
+            </a:extLst>
+          </a:blip>
+          <a:stretch>
+            <a:fillRect/>
+          </a:stretch>
+        </p:blipFill>
+        <p:spPr>
+          <a:xfrm>
+            <a:off x="0" y="5455770"/>
+            <a:ext cx="9471424" cy="1402231"/>
+          </a:xfrm>
+          <a:prstGeom prst="rect">
+            <a:avLst/>
+          </a:prstGeom>
+        </p:spPr>
+      </p:pic>
+      <p:pic>
+        <p:nvPicPr>
+          <p:cNvPr id="7" name="Picture 6">
+            <a:extLst>
+              <a:ext uri="{FF2B5EF4-FFF2-40B4-BE49-F238E27FC236}">
+                <a16:creationId xmlns:a16="http://schemas.microsoft.com/office/drawing/2014/main" id="{4D9D01C2-1505-4EBB-9A26-F6F26425E5F4}"/>
+              </a:ext>
+            </a:extLst>
+          </p:cNvPr>
+          <p:cNvPicPr>
+            <a:picLocks noChangeAspect="1"/>
+          </p:cNvPicPr>
+          <p:nvPr/>
+        </p:nvPicPr>
+        <p:blipFill>
+          <a:blip r:embed="rId3">
+            <a:extLst>
+              <a:ext uri="{28A0092B-C50C-407E-A947-70E740481C1C}">
+                <a14:useLocalDpi xmlns:a14="http://schemas.microsoft.com/office/drawing/2010/main" val="0"/>
+              </a:ext>
+            </a:extLst>
+          </a:blip>
+          <a:stretch>
+            <a:fillRect/>
+          </a:stretch>
+        </p:blipFill>
+        <p:spPr>
+          <a:xfrm>
+            <a:off x="9471424" y="2870600"/>
+            <a:ext cx="2720576" cy="4000847"/>
+          </a:xfrm>
+          <a:prstGeom prst="rect">
+            <a:avLst/>
+          </a:prstGeom>
+        </p:spPr>
+      </p:pic>
     </p:spTree>
     <p:extLst>
       <p:ext uri="{BB962C8B-B14F-4D97-AF65-F5344CB8AC3E}">
-        <p14:creationId xmlns:p14="http://schemas.microsoft.com/office/powerpoint/2010/main" val="1467593875"/>
+        <p14:creationId xmlns:p14="http://schemas.microsoft.com/office/powerpoint/2010/main" val="3390729434"/>
       </p:ext>
     </p:extLst>
   </p:cSld>
@@ -8352,9 +8143,9 @@
 </file>
 
 <file path=ppt/theme/theme1.xml><?xml version="1.0" encoding="utf-8"?>
-<a:theme xmlns:a="http://schemas.openxmlformats.org/drawingml/2006/main" name="Gallery">
+<a:theme xmlns:a="http://schemas.openxmlformats.org/drawingml/2006/main" name="Office Theme">
   <a:themeElements>
-    <a:clrScheme name="Gallery">
+    <a:clrScheme name="Office">
       <a:dk1>
         <a:sysClr val="windowText" lastClr="000000"/>
       </a:dk1>
@@ -8362,39 +8153,39 @@
         <a:sysClr val="window" lastClr="FFFFFF"/>
       </a:lt1>
       <a:dk2>
-        <a:srgbClr val="454545"/>
+        <a:srgbClr val="44546A"/>
       </a:dk2>
       <a:lt2>
-        <a:srgbClr val="DFDBD5"/>
+        <a:srgbClr val="E7E6E6"/>
       </a:lt2>
       <a:accent1>
-        <a:srgbClr val="B71E42"/>
+        <a:srgbClr val="4472C4"/>
       </a:accent1>
       <a:accent2>
-        <a:srgbClr val="DE478E"/>
+        <a:srgbClr val="ED7D31"/>
       </a:accent2>
       <a:accent3>
-        <a:srgbClr val="BC72F0"/>
+        <a:srgbClr val="A5A5A5"/>
       </a:accent3>
       <a:accent4>
-        <a:srgbClr val="795FAF"/>
+        <a:srgbClr val="FFC000"/>
       </a:accent4>
       <a:accent5>
-        <a:srgbClr val="586EA6"/>
+        <a:srgbClr val="5B9BD5"/>
       </a:accent5>
       <a:accent6>
-        <a:srgbClr val="6892A0"/>
+        <a:srgbClr val="70AD47"/>
       </a:accent6>
       <a:hlink>
-        <a:srgbClr val="FA2B5C"/>
+        <a:srgbClr val="0563C1"/>
       </a:hlink>
       <a:folHlink>
-        <a:srgbClr val="BC658E"/>
+        <a:srgbClr val="954F72"/>
       </a:folHlink>
     </a:clrScheme>
-    <a:fontScheme name="Gallery">
+    <a:fontScheme name="Office">
       <a:majorFont>
-        <a:latin typeface="Gill Sans MT" panose="020B0502020104020203"/>
+        <a:latin typeface="Calibri Light" panose="020F0302020204030204"/>
         <a:ea typeface=""/>
         <a:cs typeface=""/>
         <a:font script="Jpan" typeface="游ゴシック Light"/>
@@ -8427,9 +8218,26 @@
         <a:font script="Viet" typeface="Times New Roman"/>
         <a:font script="Uigh" typeface="Microsoft Uighur"/>
         <a:font script="Geor" typeface="Sylfaen"/>
+        <a:font script="Armn" typeface="Arial"/>
+        <a:font script="Bugi" typeface="Leelawadee UI"/>
+        <a:font script="Bopo" typeface="Microsoft JhengHei"/>
+        <a:font script="Java" typeface="Javanese Text"/>
+        <a:font script="Lisu" typeface="Segoe UI"/>
+        <a:font script="Mymr" typeface="Myanmar Text"/>
+        <a:font script="Nkoo" typeface="Ebrima"/>
+        <a:font script="Olck" typeface="Nirmala UI"/>
+        <a:font script="Osma" typeface="Ebrima"/>
+        <a:font script="Phag" typeface="Phagspa"/>
+        <a:font script="Syrn" typeface="Estrangelo Edessa"/>
+        <a:font script="Syrj" typeface="Estrangelo Edessa"/>
+        <a:font script="Syre" typeface="Estrangelo Edessa"/>
+        <a:font script="Sora" typeface="Nirmala UI"/>
+        <a:font script="Tale" typeface="Microsoft Tai Le"/>
+        <a:font script="Talu" typeface="Microsoft New Tai Lue"/>
+        <a:font script="Tfng" typeface="Ebrima"/>
       </a:majorFont>
       <a:minorFont>
-        <a:latin typeface="Gill Sans MT" panose="020B0502020104020203"/>
+        <a:latin typeface="Calibri" panose="020F0502020204030204"/>
         <a:ea typeface=""/>
         <a:cs typeface=""/>
         <a:font script="Jpan" typeface="游ゴシック"/>
@@ -8462,9 +8270,26 @@
         <a:font script="Viet" typeface="Arial"/>
         <a:font script="Uigh" typeface="Microsoft Uighur"/>
         <a:font script="Geor" typeface="Sylfaen"/>
+        <a:font script="Armn" typeface="Arial"/>
+        <a:font script="Bugi" typeface="Leelawadee UI"/>
+        <a:font script="Bopo" typeface="Microsoft JhengHei"/>
+        <a:font script="Java" typeface="Javanese Text"/>
+        <a:font script="Lisu" typeface="Segoe UI"/>
+        <a:font script="Mymr" typeface="Myanmar Text"/>
+        <a:font script="Nkoo" typeface="Ebrima"/>
+        <a:font script="Olck" typeface="Nirmala UI"/>
+        <a:font script="Osma" typeface="Ebrima"/>
+        <a:font script="Phag" typeface="Phagspa"/>
+        <a:font script="Syrn" typeface="Estrangelo Edessa"/>
+        <a:font script="Syrj" typeface="Estrangelo Edessa"/>
+        <a:font script="Syre" typeface="Estrangelo Edessa"/>
+        <a:font script="Sora" typeface="Nirmala UI"/>
+        <a:font script="Tale" typeface="Microsoft Tai Le"/>
+        <a:font script="Talu" typeface="Microsoft New Tai Lue"/>
+        <a:font script="Tfng" typeface="Ebrima"/>
       </a:minorFont>
     </a:fontScheme>
-    <a:fmtScheme name="Gallery">
+    <a:fmtScheme name="Office">
       <a:fillStyleLst>
         <a:solidFill>
           <a:schemeClr val="phClr"/>
@@ -8473,18 +8298,23 @@
           <a:gsLst>
             <a:gs pos="0">
               <a:schemeClr val="phClr">
-                <a:tint val="54000"/>
-                <a:alpha val="100000"/>
+                <a:lumMod val="110000"/>
                 <a:satMod val="105000"/>
-                <a:lumMod val="110000"/>
+                <a:tint val="67000"/>
+              </a:schemeClr>
+            </a:gs>
+            <a:gs pos="50000">
+              <a:schemeClr val="phClr">
+                <a:lumMod val="105000"/>
+                <a:satMod val="103000"/>
+                <a:tint val="73000"/>
               </a:schemeClr>
             </a:gs>
             <a:gs pos="100000">
               <a:schemeClr val="phClr">
-                <a:tint val="78000"/>
-                <a:alpha val="92000"/>
+                <a:lumMod val="105000"/>
                 <a:satMod val="109000"/>
-                <a:lumMod val="100000"/>
+                <a:tint val="81000"/>
               </a:schemeClr>
             </a:gs>
           </a:gsLst>
@@ -8494,23 +8324,23 @@
           <a:gsLst>
             <a:gs pos="0">
               <a:schemeClr val="phClr">
-                <a:tint val="98000"/>
-                <a:satMod val="110000"/>
-                <a:lumMod val="104000"/>
+                <a:satMod val="103000"/>
+                <a:lumMod val="102000"/>
+                <a:tint val="94000"/>
               </a:schemeClr>
             </a:gs>
-            <a:gs pos="69000">
+            <a:gs pos="50000">
               <a:schemeClr val="phClr">
-                <a:shade val="88000"/>
-                <a:satMod val="130000"/>
-                <a:lumMod val="92000"/>
+                <a:satMod val="110000"/>
+                <a:lumMod val="100000"/>
+                <a:shade val="100000"/>
               </a:schemeClr>
             </a:gs>
             <a:gs pos="100000">
               <a:schemeClr val="phClr">
+                <a:lumMod val="99000"/>
+                <a:satMod val="120000"/>
                 <a:shade val="78000"/>
-                <a:satMod val="130000"/>
-                <a:lumMod val="92000"/>
               </a:schemeClr>
             </a:gs>
           </a:gsLst>
@@ -8518,23 +8348,26 @@
         </a:gradFill>
       </a:fillStyleLst>
       <a:lnStyleLst>
-        <a:ln w="9525" cap="flat" cmpd="sng" algn="ctr">
+        <a:ln w="6350" cap="flat" cmpd="sng" algn="ctr">
           <a:solidFill>
             <a:schemeClr val="phClr"/>
           </a:solidFill>
           <a:prstDash val="solid"/>
+          <a:miter lim="800000"/>
         </a:ln>
-        <a:ln w="15875" cap="flat" cmpd="sng" algn="ctr">
+        <a:ln w="12700" cap="flat" cmpd="sng" algn="ctr">
           <a:solidFill>
             <a:schemeClr val="phClr"/>
           </a:solidFill>
           <a:prstDash val="solid"/>
+          <a:miter lim="800000"/>
         </a:ln>
-        <a:ln w="22225" cap="flat" cmpd="sng" algn="ctr">
+        <a:ln w="19050" cap="flat" cmpd="sng" algn="ctr">
           <a:solidFill>
             <a:schemeClr val="phClr"/>
           </a:solidFill>
           <a:prstDash val="solid"/>
+          <a:miter lim="800000"/>
         </a:ln>
       </a:lnStyleLst>
       <a:effectStyleLst>
@@ -8546,23 +8379,12 @@
         </a:effectStyle>
         <a:effectStyle>
           <a:effectLst>
-            <a:outerShdw blurRad="50800" dist="50800" dir="5400000" sx="96000" sy="96000" rotWithShape="0">
+            <a:outerShdw blurRad="57150" dist="19050" dir="5400000" algn="ctr" rotWithShape="0">
               <a:srgbClr val="000000">
-                <a:alpha val="48000"/>
+                <a:alpha val="63000"/>
               </a:srgbClr>
             </a:outerShdw>
           </a:effectLst>
-          <a:scene3d>
-            <a:camera prst="orthographicFront">
-              <a:rot lat="0" lon="0" rev="0"/>
-            </a:camera>
-            <a:lightRig rig="balanced" dir="t">
-              <a:rot lat="0" lon="0" rev="1080000"/>
-            </a:lightRig>
-          </a:scene3d>
-          <a:sp3d>
-            <a:bevelT w="38100" h="12700" prst="softRound"/>
-          </a:sp3d>
         </a:effectStyle>
       </a:effectStyleLst>
       <a:bgFillStyleLst>
@@ -8570,26 +8392,37 @@
           <a:schemeClr val="phClr"/>
         </a:solidFill>
         <a:solidFill>
-          <a:schemeClr val="phClr"/>
+          <a:schemeClr val="phClr">
+            <a:tint val="95000"/>
+            <a:satMod val="170000"/>
+          </a:schemeClr>
         </a:solidFill>
         <a:gradFill rotWithShape="1">
           <a:gsLst>
             <a:gs pos="0">
               <a:schemeClr val="phClr">
-                <a:tint val="94000"/>
-                <a:satMod val="80000"/>
-                <a:lumMod val="106000"/>
+                <a:tint val="93000"/>
+                <a:satMod val="150000"/>
+                <a:shade val="98000"/>
+                <a:lumMod val="102000"/>
+              </a:schemeClr>
+            </a:gs>
+            <a:gs pos="50000">
+              <a:schemeClr val="phClr">
+                <a:tint val="98000"/>
+                <a:satMod val="130000"/>
+                <a:shade val="90000"/>
+                <a:lumMod val="103000"/>
               </a:schemeClr>
             </a:gs>
             <a:gs pos="100000">
               <a:schemeClr val="phClr">
-                <a:shade val="80000"/>
+                <a:shade val="63000"/>
+                <a:satMod val="120000"/>
               </a:schemeClr>
             </a:gs>
           </a:gsLst>
-          <a:path path="circle">
-            <a:fillToRect l="43000" r="43000" b="100000"/>
-          </a:path>
+          <a:lin ang="5400000" scaled="0"/>
         </a:gradFill>
       </a:bgFillStyleLst>
     </a:fmtScheme>
@@ -8598,7 +8431,7 @@
   <a:extraClrSchemeLst/>
   <a:extLst>
     <a:ext uri="{05A4C25C-085E-4340-85A3-A5531E510DB2}">
-      <thm15:themeFamily xmlns:thm15="http://schemas.microsoft.com/office/thememl/2012/main" name="Gallery" id="{BBFCD31E-59A1-489D-B089-A3EAD7CAE12E}" vid="{F5E91637-A7B6-4E27-B710-77DA7014EE1E}"/>
+      <thm15:themeFamily xmlns:thm15="http://schemas.microsoft.com/office/thememl/2012/main" name="Office Theme" id="{62F939B6-93AF-4DB8-9C6B-D6C7DFDC589F}" vid="{4A3C46E8-61CC-4603-A589-7422A47A8E4A}"/>
     </a:ext>
   </a:extLst>
 </a:theme>

--- a/slides/Strings.pptx
+++ b/slides/Strings.pptx
@@ -3866,10 +3866,10 @@
       </p:pic>
       <p:pic>
         <p:nvPicPr>
-          <p:cNvPr id="7" name="Picture 6">
-            <a:extLst>
-              <a:ext uri="{FF2B5EF4-FFF2-40B4-BE49-F238E27FC236}">
-                <a16:creationId xmlns:a16="http://schemas.microsoft.com/office/drawing/2014/main" id="{1D0220C4-FE77-4379-AA09-2210115E2F2B}"/>
+          <p:cNvPr id="6" name="Picture 5" descr="A black background with white text&#10;&#10;Description automatically generated">
+            <a:extLst>
+              <a:ext uri="{FF2B5EF4-FFF2-40B4-BE49-F238E27FC236}">
+                <a16:creationId xmlns:a16="http://schemas.microsoft.com/office/drawing/2014/main" id="{91A51326-DFB8-53EA-7D7D-6548D584E418}"/>
               </a:ext>
             </a:extLst>
           </p:cNvPr>
@@ -3892,8 +3892,8 @@
         </p:blipFill>
         <p:spPr>
           <a:xfrm>
-            <a:off x="6096000" y="5152572"/>
-            <a:ext cx="6096000" cy="1705428"/>
+            <a:off x="6096001" y="5041727"/>
+            <a:ext cx="6096000" cy="1816273"/>
           </a:xfrm>
           <a:prstGeom prst="rect">
             <a:avLst/>
@@ -3979,65 +3979,46 @@
           <a:bodyPr/>
           <a:lstStyle/>
           <a:p>
-            <a:r>
-              <a:rPr lang="en-US" dirty="0"/>
-              <a:t>Let’s try an example?</a:t>
-            </a:r>
-          </a:p>
-          <a:p>
-            <a:r>
-              <a:rPr lang="en-US" dirty="0"/>
-              <a:t>let test = “https://www.google.com”;</a:t>
-            </a:r>
-          </a:p>
-          <a:p>
-            <a:r>
-              <a:rPr lang="en-US" dirty="0"/>
-              <a:t>We are only interested in g through the end of the string</a:t>
-            </a:r>
-          </a:p>
-          <a:p>
-            <a:r>
-              <a:rPr lang="en-US" dirty="0"/>
-              <a:t>So, we would call </a:t>
-            </a:r>
-            <a:r>
-              <a:rPr lang="en-US" dirty="0" err="1"/>
-              <a:t>test.slice</a:t>
-            </a:r>
-            <a:r>
-              <a:rPr lang="en-US" dirty="0"/>
-              <a:t>(12, </a:t>
-            </a:r>
-            <a:r>
-              <a:rPr lang="en-US" dirty="0" err="1"/>
-              <a:t>s.length</a:t>
-            </a:r>
-            <a:r>
-              <a:rPr lang="en-US" dirty="0"/>
-              <a:t>) // google.com</a:t>
-            </a:r>
-            <a:br>
-              <a:rPr lang="en-US" dirty="0"/>
-            </a:br>
-            <a:r>
-              <a:rPr lang="en-US" dirty="0"/>
-              <a:t>				OR</a:t>
-            </a:r>
-            <a:br>
-              <a:rPr lang="en-US" dirty="0"/>
-            </a:br>
-            <a:r>
-              <a:rPr lang="en-US" dirty="0" err="1"/>
-              <a:t>test.slice</a:t>
-            </a:r>
-            <a:r>
-              <a:rPr lang="en-US" dirty="0"/>
-              <a:t>(12) // google.com</a:t>
-            </a:r>
-          </a:p>
-        </p:txBody>
-      </p:sp>
+            <a:endParaRPr lang="en-US" dirty="0"/>
+          </a:p>
+        </p:txBody>
+      </p:sp>
+      <p:pic>
+        <p:nvPicPr>
+          <p:cNvPr id="4" name="Picture 3">
+            <a:extLst>
+              <a:ext uri="{FF2B5EF4-FFF2-40B4-BE49-F238E27FC236}">
+                <a16:creationId xmlns:a16="http://schemas.microsoft.com/office/drawing/2014/main" id="{AB1F5928-DCA5-EE00-1FEB-58ED9B7D1D6C}"/>
+              </a:ext>
+            </a:extLst>
+          </p:cNvPr>
+          <p:cNvPicPr>
+            <a:picLocks noChangeAspect="1"/>
+          </p:cNvPicPr>
+          <p:nvPr/>
+        </p:nvPicPr>
+        <p:blipFill>
+          <a:blip r:embed="rId2">
+            <a:extLst>
+              <a:ext uri="{28A0092B-C50C-407E-A947-70E740481C1C}">
+                <a14:useLocalDpi xmlns:a14="http://schemas.microsoft.com/office/drawing/2010/main" val="0"/>
+              </a:ext>
+            </a:extLst>
+          </a:blip>
+          <a:stretch>
+            <a:fillRect/>
+          </a:stretch>
+        </p:blipFill>
+        <p:spPr>
+          <a:xfrm>
+            <a:off x="0" y="3447144"/>
+            <a:ext cx="12192000" cy="3410856"/>
+          </a:xfrm>
+          <a:prstGeom prst="rect">
+            <a:avLst/>
+          </a:prstGeom>
+        </p:spPr>
+      </p:pic>
     </p:spTree>
     <p:extLst>
       <p:ext uri="{BB962C8B-B14F-4D97-AF65-F5344CB8AC3E}">
@@ -4125,13 +4106,7 @@
           <a:p>
             <a:r>
               <a:rPr lang="en-US" dirty="0"/>
-              <a:t>If start or end is negative, we count from the end of the string</a:t>
-            </a:r>
-          </a:p>
-          <a:p>
-            <a:r>
-              <a:rPr lang="en-US" dirty="0"/>
-              <a:t>Ex: “https://www.google.com”</a:t>
+              <a:t>If start or end value is negative, we count from the end of the string</a:t>
             </a:r>
           </a:p>
           <a:p>
@@ -4141,24 +4116,82 @@
             </a:r>
           </a:p>
           <a:p>
-            <a:r>
-              <a:rPr lang="en-US" dirty="0"/>
-              <a:t>So, we could use </a:t>
-            </a:r>
-            <a:r>
-              <a:rPr lang="en-US" dirty="0" err="1"/>
-              <a:t>string.slice</a:t>
-            </a:r>
-            <a:r>
-              <a:rPr lang="en-US" dirty="0"/>
-              <a:t>(-3) (it’s counting 3 from the end) and we would get a new string equal to “com”</a:t>
-            </a:r>
-          </a:p>
-          <a:p>
             <a:endParaRPr lang="en-US" dirty="0"/>
           </a:p>
         </p:txBody>
       </p:sp>
+      <p:pic>
+        <p:nvPicPr>
+          <p:cNvPr id="5" name="Picture 4" descr="A screen shot of a computer&#10;&#10;Description automatically generated">
+            <a:extLst>
+              <a:ext uri="{FF2B5EF4-FFF2-40B4-BE49-F238E27FC236}">
+                <a16:creationId xmlns:a16="http://schemas.microsoft.com/office/drawing/2014/main" id="{777C6F10-364C-37F4-808D-A40AD432EB05}"/>
+              </a:ext>
+            </a:extLst>
+          </p:cNvPr>
+          <p:cNvPicPr>
+            <a:picLocks noChangeAspect="1"/>
+          </p:cNvPicPr>
+          <p:nvPr/>
+        </p:nvPicPr>
+        <p:blipFill>
+          <a:blip r:embed="rId2">
+            <a:extLst>
+              <a:ext uri="{28A0092B-C50C-407E-A947-70E740481C1C}">
+                <a14:useLocalDpi xmlns:a14="http://schemas.microsoft.com/office/drawing/2010/main" val="0"/>
+              </a:ext>
+            </a:extLst>
+          </a:blip>
+          <a:stretch>
+            <a:fillRect/>
+          </a:stretch>
+        </p:blipFill>
+        <p:spPr>
+          <a:xfrm>
+            <a:off x="6206837" y="3619343"/>
+            <a:ext cx="5985164" cy="3238657"/>
+          </a:xfrm>
+          <a:prstGeom prst="rect">
+            <a:avLst/>
+          </a:prstGeom>
+        </p:spPr>
+      </p:pic>
+      <p:pic>
+        <p:nvPicPr>
+          <p:cNvPr id="7" name="Picture 6" descr="A screen shot of a computer&#10;&#10;Description automatically generated">
+            <a:extLst>
+              <a:ext uri="{FF2B5EF4-FFF2-40B4-BE49-F238E27FC236}">
+                <a16:creationId xmlns:a16="http://schemas.microsoft.com/office/drawing/2014/main" id="{4579976D-A804-12D6-D90E-2E5E6381EEB4}"/>
+              </a:ext>
+            </a:extLst>
+          </p:cNvPr>
+          <p:cNvPicPr>
+            <a:picLocks noChangeAspect="1"/>
+          </p:cNvPicPr>
+          <p:nvPr/>
+        </p:nvPicPr>
+        <p:blipFill>
+          <a:blip r:embed="rId3">
+            <a:extLst>
+              <a:ext uri="{28A0092B-C50C-407E-A947-70E740481C1C}">
+                <a14:useLocalDpi xmlns:a14="http://schemas.microsoft.com/office/drawing/2010/main" val="0"/>
+              </a:ext>
+            </a:extLst>
+          </a:blip>
+          <a:stretch>
+            <a:fillRect/>
+          </a:stretch>
+        </p:blipFill>
+        <p:spPr>
+          <a:xfrm>
+            <a:off x="-1" y="3621689"/>
+            <a:ext cx="6206837" cy="3236312"/>
+          </a:xfrm>
+          <a:prstGeom prst="rect">
+            <a:avLst/>
+          </a:prstGeom>
+        </p:spPr>
+      </p:pic>
     </p:spTree>
     <p:extLst>
       <p:ext uri="{BB962C8B-B14F-4D97-AF65-F5344CB8AC3E}">

--- a/slides/Strings.pptx
+++ b/slides/Strings.pptx
@@ -4,6 +4,9 @@
   <p:sldMasterIdLst>
     <p:sldMasterId id="2147483672" r:id="rId1"/>
   </p:sldMasterIdLst>
+  <p:notesMasterIdLst>
+    <p:notesMasterId r:id="rId40"/>
+  </p:notesMasterIdLst>
   <p:sldIdLst>
     <p:sldId id="256" r:id="rId2"/>
     <p:sldId id="257" r:id="rId3"/>
@@ -23,28 +26,26 @@
     <p:sldId id="271" r:id="rId17"/>
     <p:sldId id="272" r:id="rId18"/>
     <p:sldId id="273" r:id="rId19"/>
-    <p:sldId id="274" r:id="rId20"/>
-    <p:sldId id="275" r:id="rId21"/>
-    <p:sldId id="276" r:id="rId22"/>
-    <p:sldId id="277" r:id="rId23"/>
-    <p:sldId id="278" r:id="rId24"/>
-    <p:sldId id="279" r:id="rId25"/>
-    <p:sldId id="280" r:id="rId26"/>
-    <p:sldId id="281" r:id="rId27"/>
-    <p:sldId id="282" r:id="rId28"/>
-    <p:sldId id="283" r:id="rId29"/>
-    <p:sldId id="284" r:id="rId30"/>
-    <p:sldId id="285" r:id="rId31"/>
-    <p:sldId id="286" r:id="rId32"/>
-    <p:sldId id="287" r:id="rId33"/>
-    <p:sldId id="288" r:id="rId34"/>
-    <p:sldId id="289" r:id="rId35"/>
-    <p:sldId id="290" r:id="rId36"/>
-    <p:sldId id="291" r:id="rId37"/>
-    <p:sldId id="292" r:id="rId38"/>
-    <p:sldId id="293" r:id="rId39"/>
-    <p:sldId id="294" r:id="rId40"/>
-    <p:sldId id="295" r:id="rId41"/>
+    <p:sldId id="275" r:id="rId20"/>
+    <p:sldId id="276" r:id="rId21"/>
+    <p:sldId id="277" r:id="rId22"/>
+    <p:sldId id="278" r:id="rId23"/>
+    <p:sldId id="279" r:id="rId24"/>
+    <p:sldId id="280" r:id="rId25"/>
+    <p:sldId id="281" r:id="rId26"/>
+    <p:sldId id="283" r:id="rId27"/>
+    <p:sldId id="284" r:id="rId28"/>
+    <p:sldId id="285" r:id="rId29"/>
+    <p:sldId id="286" r:id="rId30"/>
+    <p:sldId id="287" r:id="rId31"/>
+    <p:sldId id="288" r:id="rId32"/>
+    <p:sldId id="289" r:id="rId33"/>
+    <p:sldId id="290" r:id="rId34"/>
+    <p:sldId id="291" r:id="rId35"/>
+    <p:sldId id="292" r:id="rId36"/>
+    <p:sldId id="293" r:id="rId37"/>
+    <p:sldId id="294" r:id="rId38"/>
+    <p:sldId id="295" r:id="rId39"/>
   </p:sldIdLst>
   <p:sldSz cx="12192000" cy="6858000"/>
   <p:notesSz cx="6858000" cy="9144000"/>
@@ -163,6 +164,466 @@
 </p:cmAuthorLst>
 </file>
 
+<file path=ppt/notesMasters/notesMaster1.xml><?xml version="1.0" encoding="utf-8"?>
+<p:notesMaster xmlns:a="http://schemas.openxmlformats.org/drawingml/2006/main" xmlns:r="http://schemas.openxmlformats.org/officeDocument/2006/relationships" xmlns:p="http://schemas.openxmlformats.org/presentationml/2006/main">
+  <p:cSld>
+    <p:bg>
+      <p:bgRef idx="1001">
+        <a:schemeClr val="bg1"/>
+      </p:bgRef>
+    </p:bg>
+    <p:spTree>
+      <p:nvGrpSpPr>
+        <p:cNvPr id="1" name=""/>
+        <p:cNvGrpSpPr/>
+        <p:nvPr/>
+      </p:nvGrpSpPr>
+      <p:grpSpPr>
+        <a:xfrm>
+          <a:off x="0" y="0"/>
+          <a:ext cx="0" cy="0"/>
+          <a:chOff x="0" y="0"/>
+          <a:chExt cx="0" cy="0"/>
+        </a:xfrm>
+      </p:grpSpPr>
+      <p:sp>
+        <p:nvSpPr>
+          <p:cNvPr id="2" name="Header Placeholder 1"/>
+          <p:cNvSpPr>
+            <a:spLocks noGrp="1"/>
+          </p:cNvSpPr>
+          <p:nvPr>
+            <p:ph type="hdr" sz="quarter"/>
+          </p:nvPr>
+        </p:nvSpPr>
+        <p:spPr>
+          <a:xfrm>
+            <a:off x="0" y="0"/>
+            <a:ext cx="2971800" cy="458788"/>
+          </a:xfrm>
+          <a:prstGeom prst="rect">
+            <a:avLst/>
+          </a:prstGeom>
+        </p:spPr>
+        <p:txBody>
+          <a:bodyPr vert="horz" lIns="91440" tIns="45720" rIns="91440" bIns="45720" rtlCol="0"/>
+          <a:lstStyle>
+            <a:lvl1pPr algn="l">
+              <a:defRPr sz="1200"/>
+            </a:lvl1pPr>
+          </a:lstStyle>
+          <a:p>
+            <a:endParaRPr lang="en-US"/>
+          </a:p>
+        </p:txBody>
+      </p:sp>
+      <p:sp>
+        <p:nvSpPr>
+          <p:cNvPr id="3" name="Date Placeholder 2"/>
+          <p:cNvSpPr>
+            <a:spLocks noGrp="1"/>
+          </p:cNvSpPr>
+          <p:nvPr>
+            <p:ph type="dt" idx="1"/>
+          </p:nvPr>
+        </p:nvSpPr>
+        <p:spPr>
+          <a:xfrm>
+            <a:off x="3884613" y="0"/>
+            <a:ext cx="2971800" cy="458788"/>
+          </a:xfrm>
+          <a:prstGeom prst="rect">
+            <a:avLst/>
+          </a:prstGeom>
+        </p:spPr>
+        <p:txBody>
+          <a:bodyPr vert="horz" lIns="91440" tIns="45720" rIns="91440" bIns="45720" rtlCol="0"/>
+          <a:lstStyle>
+            <a:lvl1pPr algn="r">
+              <a:defRPr sz="1200"/>
+            </a:lvl1pPr>
+          </a:lstStyle>
+          <a:p>
+            <a:fld id="{600A7367-6F8E-4A09-96C7-18142F60A109}" type="datetimeFigureOut">
+              <a:rPr lang="en-US" smtClean="0"/>
+              <a:t>8/9/2023</a:t>
+            </a:fld>
+            <a:endParaRPr lang="en-US"/>
+          </a:p>
+        </p:txBody>
+      </p:sp>
+      <p:sp>
+        <p:nvSpPr>
+          <p:cNvPr id="4" name="Slide Image Placeholder 3"/>
+          <p:cNvSpPr>
+            <a:spLocks noGrp="1" noRot="1" noChangeAspect="1"/>
+          </p:cNvSpPr>
+          <p:nvPr>
+            <p:ph type="sldImg" idx="2"/>
+          </p:nvPr>
+        </p:nvSpPr>
+        <p:spPr>
+          <a:xfrm>
+            <a:off x="685800" y="1143000"/>
+            <a:ext cx="5486400" cy="3086100"/>
+          </a:xfrm>
+          <a:prstGeom prst="rect">
+            <a:avLst/>
+          </a:prstGeom>
+          <a:noFill/>
+          <a:ln w="12700">
+            <a:solidFill>
+              <a:prstClr val="black"/>
+            </a:solidFill>
+          </a:ln>
+        </p:spPr>
+        <p:txBody>
+          <a:bodyPr vert="horz" lIns="91440" tIns="45720" rIns="91440" bIns="45720" rtlCol="0" anchor="ctr"/>
+          <a:lstStyle/>
+          <a:p>
+            <a:endParaRPr lang="en-US"/>
+          </a:p>
+        </p:txBody>
+      </p:sp>
+      <p:sp>
+        <p:nvSpPr>
+          <p:cNvPr id="5" name="Notes Placeholder 4"/>
+          <p:cNvSpPr>
+            <a:spLocks noGrp="1"/>
+          </p:cNvSpPr>
+          <p:nvPr>
+            <p:ph type="body" sz="quarter" idx="3"/>
+          </p:nvPr>
+        </p:nvSpPr>
+        <p:spPr>
+          <a:xfrm>
+            <a:off x="685800" y="4400550"/>
+            <a:ext cx="5486400" cy="3600450"/>
+          </a:xfrm>
+          <a:prstGeom prst="rect">
+            <a:avLst/>
+          </a:prstGeom>
+        </p:spPr>
+        <p:txBody>
+          <a:bodyPr vert="horz" lIns="91440" tIns="45720" rIns="91440" bIns="45720" rtlCol="0"/>
+          <a:lstStyle/>
+          <a:p>
+            <a:pPr lvl="0"/>
+            <a:r>
+              <a:rPr lang="en-US"/>
+              <a:t>Click to edit Master text styles</a:t>
+            </a:r>
+          </a:p>
+          <a:p>
+            <a:pPr lvl="1"/>
+            <a:r>
+              <a:rPr lang="en-US"/>
+              <a:t>Second level</a:t>
+            </a:r>
+          </a:p>
+          <a:p>
+            <a:pPr lvl="2"/>
+            <a:r>
+              <a:rPr lang="en-US"/>
+              <a:t>Third level</a:t>
+            </a:r>
+          </a:p>
+          <a:p>
+            <a:pPr lvl="3"/>
+            <a:r>
+              <a:rPr lang="en-US"/>
+              <a:t>Fourth level</a:t>
+            </a:r>
+          </a:p>
+          <a:p>
+            <a:pPr lvl="4"/>
+            <a:r>
+              <a:rPr lang="en-US"/>
+              <a:t>Fifth level</a:t>
+            </a:r>
+          </a:p>
+        </p:txBody>
+      </p:sp>
+      <p:sp>
+        <p:nvSpPr>
+          <p:cNvPr id="6" name="Footer Placeholder 5"/>
+          <p:cNvSpPr>
+            <a:spLocks noGrp="1"/>
+          </p:cNvSpPr>
+          <p:nvPr>
+            <p:ph type="ftr" sz="quarter" idx="4"/>
+          </p:nvPr>
+        </p:nvSpPr>
+        <p:spPr>
+          <a:xfrm>
+            <a:off x="0" y="8685213"/>
+            <a:ext cx="2971800" cy="458787"/>
+          </a:xfrm>
+          <a:prstGeom prst="rect">
+            <a:avLst/>
+          </a:prstGeom>
+        </p:spPr>
+        <p:txBody>
+          <a:bodyPr vert="horz" lIns="91440" tIns="45720" rIns="91440" bIns="45720" rtlCol="0" anchor="b"/>
+          <a:lstStyle>
+            <a:lvl1pPr algn="l">
+              <a:defRPr sz="1200"/>
+            </a:lvl1pPr>
+          </a:lstStyle>
+          <a:p>
+            <a:endParaRPr lang="en-US"/>
+          </a:p>
+        </p:txBody>
+      </p:sp>
+      <p:sp>
+        <p:nvSpPr>
+          <p:cNvPr id="7" name="Slide Number Placeholder 6"/>
+          <p:cNvSpPr>
+            <a:spLocks noGrp="1"/>
+          </p:cNvSpPr>
+          <p:nvPr>
+            <p:ph type="sldNum" sz="quarter" idx="5"/>
+          </p:nvPr>
+        </p:nvSpPr>
+        <p:spPr>
+          <a:xfrm>
+            <a:off x="3884613" y="8685213"/>
+            <a:ext cx="2971800" cy="458787"/>
+          </a:xfrm>
+          <a:prstGeom prst="rect">
+            <a:avLst/>
+          </a:prstGeom>
+        </p:spPr>
+        <p:txBody>
+          <a:bodyPr vert="horz" lIns="91440" tIns="45720" rIns="91440" bIns="45720" rtlCol="0" anchor="b"/>
+          <a:lstStyle>
+            <a:lvl1pPr algn="r">
+              <a:defRPr sz="1200"/>
+            </a:lvl1pPr>
+          </a:lstStyle>
+          <a:p>
+            <a:fld id="{40F8CABE-31CC-467D-A681-C1A250476E3B}" type="slidenum">
+              <a:rPr lang="en-US" smtClean="0"/>
+              <a:t>‹#›</a:t>
+            </a:fld>
+            <a:endParaRPr lang="en-US"/>
+          </a:p>
+        </p:txBody>
+      </p:sp>
+    </p:spTree>
+    <p:extLst>
+      <p:ext uri="{BB962C8B-B14F-4D97-AF65-F5344CB8AC3E}">
+        <p14:creationId xmlns:p14="http://schemas.microsoft.com/office/powerpoint/2010/main" val="1320919618"/>
+      </p:ext>
+    </p:extLst>
+  </p:cSld>
+  <p:clrMap bg1="lt1" tx1="dk1" bg2="lt2" tx2="dk2" accent1="accent1" accent2="accent2" accent3="accent3" accent4="accent4" accent5="accent5" accent6="accent6" hlink="hlink" folHlink="folHlink"/>
+  <p:notesStyle>
+    <a:lvl1pPr marL="0" algn="l" defTabSz="914400" rtl="0" eaLnBrk="1" latinLnBrk="0" hangingPunct="1">
+      <a:defRPr sz="1200" kern="1200">
+        <a:solidFill>
+          <a:schemeClr val="tx1"/>
+        </a:solidFill>
+        <a:latin typeface="+mn-lt"/>
+        <a:ea typeface="+mn-ea"/>
+        <a:cs typeface="+mn-cs"/>
+      </a:defRPr>
+    </a:lvl1pPr>
+    <a:lvl2pPr marL="457200" algn="l" defTabSz="914400" rtl="0" eaLnBrk="1" latinLnBrk="0" hangingPunct="1">
+      <a:defRPr sz="1200" kern="1200">
+        <a:solidFill>
+          <a:schemeClr val="tx1"/>
+        </a:solidFill>
+        <a:latin typeface="+mn-lt"/>
+        <a:ea typeface="+mn-ea"/>
+        <a:cs typeface="+mn-cs"/>
+      </a:defRPr>
+    </a:lvl2pPr>
+    <a:lvl3pPr marL="914400" algn="l" defTabSz="914400" rtl="0" eaLnBrk="1" latinLnBrk="0" hangingPunct="1">
+      <a:defRPr sz="1200" kern="1200">
+        <a:solidFill>
+          <a:schemeClr val="tx1"/>
+        </a:solidFill>
+        <a:latin typeface="+mn-lt"/>
+        <a:ea typeface="+mn-ea"/>
+        <a:cs typeface="+mn-cs"/>
+      </a:defRPr>
+    </a:lvl3pPr>
+    <a:lvl4pPr marL="1371600" algn="l" defTabSz="914400" rtl="0" eaLnBrk="1" latinLnBrk="0" hangingPunct="1">
+      <a:defRPr sz="1200" kern="1200">
+        <a:solidFill>
+          <a:schemeClr val="tx1"/>
+        </a:solidFill>
+        <a:latin typeface="+mn-lt"/>
+        <a:ea typeface="+mn-ea"/>
+        <a:cs typeface="+mn-cs"/>
+      </a:defRPr>
+    </a:lvl4pPr>
+    <a:lvl5pPr marL="1828800" algn="l" defTabSz="914400" rtl="0" eaLnBrk="1" latinLnBrk="0" hangingPunct="1">
+      <a:defRPr sz="1200" kern="1200">
+        <a:solidFill>
+          <a:schemeClr val="tx1"/>
+        </a:solidFill>
+        <a:latin typeface="+mn-lt"/>
+        <a:ea typeface="+mn-ea"/>
+        <a:cs typeface="+mn-cs"/>
+      </a:defRPr>
+    </a:lvl5pPr>
+    <a:lvl6pPr marL="2286000" algn="l" defTabSz="914400" rtl="0" eaLnBrk="1" latinLnBrk="0" hangingPunct="1">
+      <a:defRPr sz="1200" kern="1200">
+        <a:solidFill>
+          <a:schemeClr val="tx1"/>
+        </a:solidFill>
+        <a:latin typeface="+mn-lt"/>
+        <a:ea typeface="+mn-ea"/>
+        <a:cs typeface="+mn-cs"/>
+      </a:defRPr>
+    </a:lvl6pPr>
+    <a:lvl7pPr marL="2743200" algn="l" defTabSz="914400" rtl="0" eaLnBrk="1" latinLnBrk="0" hangingPunct="1">
+      <a:defRPr sz="1200" kern="1200">
+        <a:solidFill>
+          <a:schemeClr val="tx1"/>
+        </a:solidFill>
+        <a:latin typeface="+mn-lt"/>
+        <a:ea typeface="+mn-ea"/>
+        <a:cs typeface="+mn-cs"/>
+      </a:defRPr>
+    </a:lvl7pPr>
+    <a:lvl8pPr marL="3200400" algn="l" defTabSz="914400" rtl="0" eaLnBrk="1" latinLnBrk="0" hangingPunct="1">
+      <a:defRPr sz="1200" kern="1200">
+        <a:solidFill>
+          <a:schemeClr val="tx1"/>
+        </a:solidFill>
+        <a:latin typeface="+mn-lt"/>
+        <a:ea typeface="+mn-ea"/>
+        <a:cs typeface="+mn-cs"/>
+      </a:defRPr>
+    </a:lvl8pPr>
+    <a:lvl9pPr marL="3657600" algn="l" defTabSz="914400" rtl="0" eaLnBrk="1" latinLnBrk="0" hangingPunct="1">
+      <a:defRPr sz="1200" kern="1200">
+        <a:solidFill>
+          <a:schemeClr val="tx1"/>
+        </a:solidFill>
+        <a:latin typeface="+mn-lt"/>
+        <a:ea typeface="+mn-ea"/>
+        <a:cs typeface="+mn-cs"/>
+      </a:defRPr>
+    </a:lvl9pPr>
+  </p:notesStyle>
+</p:notesMaster>
+</file>
+
+<file path=ppt/notesSlides/notesSlide1.xml><?xml version="1.0" encoding="utf-8"?>
+<p:notes xmlns:a="http://schemas.openxmlformats.org/drawingml/2006/main" xmlns:r="http://schemas.openxmlformats.org/officeDocument/2006/relationships" xmlns:p="http://schemas.openxmlformats.org/presentationml/2006/main">
+  <p:cSld>
+    <p:spTree>
+      <p:nvGrpSpPr>
+        <p:cNvPr id="1" name=""/>
+        <p:cNvGrpSpPr/>
+        <p:nvPr/>
+      </p:nvGrpSpPr>
+      <p:grpSpPr>
+        <a:xfrm>
+          <a:off x="0" y="0"/>
+          <a:ext cx="0" cy="0"/>
+          <a:chOff x="0" y="0"/>
+          <a:chExt cx="0" cy="0"/>
+        </a:xfrm>
+      </p:grpSpPr>
+      <p:sp>
+        <p:nvSpPr>
+          <p:cNvPr id="2" name="Slide Image Placeholder 1"/>
+          <p:cNvSpPr>
+            <a:spLocks noGrp="1" noRot="1" noChangeAspect="1"/>
+          </p:cNvSpPr>
+          <p:nvPr>
+            <p:ph type="sldImg"/>
+          </p:nvPr>
+        </p:nvSpPr>
+        <p:spPr/>
+      </p:sp>
+      <p:sp>
+        <p:nvSpPr>
+          <p:cNvPr id="3" name="Notes Placeholder 2"/>
+          <p:cNvSpPr>
+            <a:spLocks noGrp="1"/>
+          </p:cNvSpPr>
+          <p:nvPr>
+            <p:ph type="body" idx="1"/>
+          </p:nvPr>
+        </p:nvSpPr>
+        <p:spPr/>
+        <p:txBody>
+          <a:bodyPr/>
+          <a:lstStyle/>
+          <a:p>
+            <a:r>
+              <a:rPr lang="en-US" dirty="0"/>
+              <a:t>The </a:t>
+            </a:r>
+            <a:r>
+              <a:rPr lang="en-US" dirty="0" err="1"/>
+              <a:t>charCode</a:t>
+            </a:r>
+            <a:r>
+              <a:rPr lang="en-US" dirty="0"/>
+              <a:t> can be converted to a character using </a:t>
+            </a:r>
+            <a:r>
+              <a:rPr lang="en-US" b="1" i="1" dirty="0" err="1"/>
+              <a:t>String.fromCharCode</a:t>
+            </a:r>
+            <a:r>
+              <a:rPr lang="en-US" b="1" i="1" dirty="0"/>
+              <a:t>(</a:t>
+            </a:r>
+            <a:r>
+              <a:rPr lang="en-US" b="1" i="1" dirty="0" err="1"/>
+              <a:t>charCode</a:t>
+            </a:r>
+            <a:r>
+              <a:rPr lang="en-US" b="1" i="1" dirty="0"/>
+              <a:t>)</a:t>
+            </a:r>
+          </a:p>
+        </p:txBody>
+      </p:sp>
+      <p:sp>
+        <p:nvSpPr>
+          <p:cNvPr id="4" name="Slide Number Placeholder 3"/>
+          <p:cNvSpPr>
+            <a:spLocks noGrp="1"/>
+          </p:cNvSpPr>
+          <p:nvPr>
+            <p:ph type="sldNum" sz="quarter" idx="5"/>
+          </p:nvPr>
+        </p:nvSpPr>
+        <p:spPr/>
+        <p:txBody>
+          <a:bodyPr/>
+          <a:lstStyle/>
+          <a:p>
+            <a:fld id="{40F8CABE-31CC-467D-A681-C1A250476E3B}" type="slidenum">
+              <a:rPr lang="en-US" smtClean="0"/>
+              <a:t>33</a:t>
+            </a:fld>
+            <a:endParaRPr lang="en-US"/>
+          </a:p>
+        </p:txBody>
+      </p:sp>
+    </p:spTree>
+    <p:extLst>
+      <p:ext uri="{BB962C8B-B14F-4D97-AF65-F5344CB8AC3E}">
+        <p14:creationId xmlns:p14="http://schemas.microsoft.com/office/powerpoint/2010/main" val="2538272438"/>
+      </p:ext>
+    </p:extLst>
+  </p:cSld>
+  <p:clrMapOvr>
+    <a:masterClrMapping/>
+  </p:clrMapOvr>
+</p:notes>
+</file>
+
 <file path=ppt/slideLayouts/slideLayout1.xml><?xml version="1.0" encoding="utf-8"?>
 <p:sldLayout xmlns:a="http://schemas.openxmlformats.org/drawingml/2006/main" xmlns:r="http://schemas.openxmlformats.org/officeDocument/2006/relationships" xmlns:p="http://schemas.openxmlformats.org/presentationml/2006/main" type="title" preserve="1">
   <p:cSld name="Title Slide">
@@ -310,7 +771,7 @@
           <a:p>
             <a:fld id="{148E69EB-7E94-43A1-A496-ABF1E2996B84}" type="datetimeFigureOut">
               <a:rPr lang="en-US" smtClean="0"/>
-              <a:t>8/8/2023</a:t>
+              <a:t>8/9/2023</a:t>
             </a:fld>
             <a:endParaRPr lang="en-US"/>
           </a:p>
@@ -508,7 +969,7 @@
           <a:p>
             <a:fld id="{148E69EB-7E94-43A1-A496-ABF1E2996B84}" type="datetimeFigureOut">
               <a:rPr lang="en-US" smtClean="0"/>
-              <a:t>8/8/2023</a:t>
+              <a:t>8/9/2023</a:t>
             </a:fld>
             <a:endParaRPr lang="en-US"/>
           </a:p>
@@ -716,7 +1177,7 @@
           <a:p>
             <a:fld id="{148E69EB-7E94-43A1-A496-ABF1E2996B84}" type="datetimeFigureOut">
               <a:rPr lang="en-US" smtClean="0"/>
-              <a:t>8/8/2023</a:t>
+              <a:t>8/9/2023</a:t>
             </a:fld>
             <a:endParaRPr lang="en-US"/>
           </a:p>
@@ -914,7 +1375,7 @@
           <a:p>
             <a:fld id="{148E69EB-7E94-43A1-A496-ABF1E2996B84}" type="datetimeFigureOut">
               <a:rPr lang="en-US" smtClean="0"/>
-              <a:t>8/8/2023</a:t>
+              <a:t>8/9/2023</a:t>
             </a:fld>
             <a:endParaRPr lang="en-US"/>
           </a:p>
@@ -1189,7 +1650,7 @@
           <a:p>
             <a:fld id="{148E69EB-7E94-43A1-A496-ABF1E2996B84}" type="datetimeFigureOut">
               <a:rPr lang="en-US" smtClean="0"/>
-              <a:t>8/8/2023</a:t>
+              <a:t>8/9/2023</a:t>
             </a:fld>
             <a:endParaRPr lang="en-US"/>
           </a:p>
@@ -1454,7 +1915,7 @@
           <a:p>
             <a:fld id="{148E69EB-7E94-43A1-A496-ABF1E2996B84}" type="datetimeFigureOut">
               <a:rPr lang="en-US" smtClean="0"/>
-              <a:t>8/8/2023</a:t>
+              <a:t>8/9/2023</a:t>
             </a:fld>
             <a:endParaRPr lang="en-US"/>
           </a:p>
@@ -1866,7 +2327,7 @@
           <a:p>
             <a:fld id="{148E69EB-7E94-43A1-A496-ABF1E2996B84}" type="datetimeFigureOut">
               <a:rPr lang="en-US" smtClean="0"/>
-              <a:t>8/8/2023</a:t>
+              <a:t>8/9/2023</a:t>
             </a:fld>
             <a:endParaRPr lang="en-US"/>
           </a:p>
@@ -2007,7 +2468,7 @@
           <a:p>
             <a:fld id="{148E69EB-7E94-43A1-A496-ABF1E2996B84}" type="datetimeFigureOut">
               <a:rPr lang="en-US" smtClean="0"/>
-              <a:t>8/8/2023</a:t>
+              <a:t>8/9/2023</a:t>
             </a:fld>
             <a:endParaRPr lang="en-US"/>
           </a:p>
@@ -2120,7 +2581,7 @@
           <a:p>
             <a:fld id="{148E69EB-7E94-43A1-A496-ABF1E2996B84}" type="datetimeFigureOut">
               <a:rPr lang="en-US" smtClean="0"/>
-              <a:t>8/8/2023</a:t>
+              <a:t>8/9/2023</a:t>
             </a:fld>
             <a:endParaRPr lang="en-US"/>
           </a:p>
@@ -2431,7 +2892,7 @@
           <a:p>
             <a:fld id="{148E69EB-7E94-43A1-A496-ABF1E2996B84}" type="datetimeFigureOut">
               <a:rPr lang="en-US" smtClean="0"/>
-              <a:t>8/8/2023</a:t>
+              <a:t>8/9/2023</a:t>
             </a:fld>
             <a:endParaRPr lang="en-US"/>
           </a:p>
@@ -2719,7 +3180,7 @@
           <a:p>
             <a:fld id="{148E69EB-7E94-43A1-A496-ABF1E2996B84}" type="datetimeFigureOut">
               <a:rPr lang="en-US" smtClean="0"/>
-              <a:t>8/8/2023</a:t>
+              <a:t>8/9/2023</a:t>
             </a:fld>
             <a:endParaRPr lang="en-US"/>
           </a:p>
@@ -2960,7 +3421,7 @@
           <a:p>
             <a:fld id="{148E69EB-7E94-43A1-A496-ABF1E2996B84}" type="datetimeFigureOut">
               <a:rPr lang="en-US" smtClean="0"/>
-              <a:t>8/8/2023</a:t>
+              <a:t>8/9/2023</a:t>
             </a:fld>
             <a:endParaRPr lang="en-US"/>
           </a:p>
@@ -4304,6 +4765,42 @@
           </a:p>
         </p:txBody>
       </p:sp>
+      <p:pic>
+        <p:nvPicPr>
+          <p:cNvPr id="5" name="Picture 4">
+            <a:extLst>
+              <a:ext uri="{FF2B5EF4-FFF2-40B4-BE49-F238E27FC236}">
+                <a16:creationId xmlns:a16="http://schemas.microsoft.com/office/drawing/2014/main" id="{9C5F403C-D885-4D89-9567-B25A86F7C02A}"/>
+              </a:ext>
+            </a:extLst>
+          </p:cNvPr>
+          <p:cNvPicPr>
+            <a:picLocks noChangeAspect="1"/>
+          </p:cNvPicPr>
+          <p:nvPr/>
+        </p:nvPicPr>
+        <p:blipFill>
+          <a:blip r:embed="rId2">
+            <a:extLst>
+              <a:ext uri="{28A0092B-C50C-407E-A947-70E740481C1C}">
+                <a14:useLocalDpi xmlns:a14="http://schemas.microsoft.com/office/drawing/2010/main" val="0"/>
+              </a:ext>
+            </a:extLst>
+          </a:blip>
+          <a:stretch>
+            <a:fillRect/>
+          </a:stretch>
+        </p:blipFill>
+        <p:spPr>
+          <a:xfrm>
+            <a:off x="0" y="4906891"/>
+            <a:ext cx="6096000" cy="1951109"/>
+          </a:xfrm>
+          <a:prstGeom prst="rect">
+            <a:avLst/>
+          </a:prstGeom>
+        </p:spPr>
+      </p:pic>
     </p:spTree>
     <p:extLst>
       <p:ext uri="{BB962C8B-B14F-4D97-AF65-F5344CB8AC3E}">
@@ -4362,96 +4859,41 @@
           </a:p>
         </p:txBody>
       </p:sp>
-      <p:sp>
-        <p:nvSpPr>
-          <p:cNvPr id="3" name="Content Placeholder 2">
-            <a:extLst>
-              <a:ext uri="{FF2B5EF4-FFF2-40B4-BE49-F238E27FC236}">
-                <a16:creationId xmlns:a16="http://schemas.microsoft.com/office/drawing/2014/main" id="{AE23F885-C2EC-4806-881E-FED95F2CA8AE}"/>
-              </a:ext>
-            </a:extLst>
-          </p:cNvPr>
-          <p:cNvSpPr>
-            <a:spLocks noGrp="1"/>
-          </p:cNvSpPr>
+      <p:pic>
+        <p:nvPicPr>
+          <p:cNvPr id="5" name="Content Placeholder 4">
+            <a:extLst>
+              <a:ext uri="{FF2B5EF4-FFF2-40B4-BE49-F238E27FC236}">
+                <a16:creationId xmlns:a16="http://schemas.microsoft.com/office/drawing/2014/main" id="{417C7EB3-1344-444B-A575-60039D7C3FE0}"/>
+              </a:ext>
+            </a:extLst>
+          </p:cNvPr>
+          <p:cNvPicPr>
+            <a:picLocks noGrp="1" noChangeAspect="1"/>
+          </p:cNvPicPr>
           <p:nvPr>
             <p:ph idx="1"/>
           </p:nvPr>
-        </p:nvSpPr>
-        <p:spPr/>
-        <p:txBody>
-          <a:bodyPr/>
-          <a:lstStyle/>
-          <a:p>
-            <a:r>
-              <a:rPr lang="en-US" dirty="0"/>
-              <a:t>So, let use our example string = “https://www.google.com”</a:t>
-            </a:r>
-          </a:p>
-          <a:p>
-            <a:r>
-              <a:rPr lang="en-US" dirty="0"/>
-              <a:t>The g in google is the 13</a:t>
-            </a:r>
-            <a:r>
-              <a:rPr lang="en-US" baseline="30000" dirty="0"/>
-              <a:t>th</a:t>
-            </a:r>
-            <a:r>
-              <a:rPr lang="en-US" dirty="0"/>
-              <a:t> position, so we use the 12</a:t>
-            </a:r>
-            <a:r>
-              <a:rPr lang="en-US" baseline="30000" dirty="0"/>
-              <a:t>th</a:t>
-            </a:r>
-            <a:r>
-              <a:rPr lang="en-US" dirty="0"/>
-              <a:t> index</a:t>
-            </a:r>
-          </a:p>
-          <a:p>
-            <a:r>
-              <a:rPr lang="en-US" dirty="0" err="1"/>
-              <a:t>string.substring</a:t>
-            </a:r>
-            <a:r>
-              <a:rPr lang="en-US" dirty="0"/>
-              <a:t>(12) would give us google.com</a:t>
-            </a:r>
-          </a:p>
-          <a:p>
-            <a:r>
-              <a:rPr lang="en-US" dirty="0"/>
-              <a:t>However, </a:t>
-            </a:r>
-            <a:r>
-              <a:rPr lang="en-US" dirty="0" err="1"/>
-              <a:t>string.substring</a:t>
-            </a:r>
-            <a:r>
-              <a:rPr lang="en-US" dirty="0"/>
-              <a:t>(-1), </a:t>
-            </a:r>
-            <a:r>
-              <a:rPr lang="en-US" dirty="0" err="1"/>
-              <a:t>string.substring</a:t>
-            </a:r>
-            <a:r>
-              <a:rPr lang="en-US" dirty="0"/>
-              <a:t>(-2), </a:t>
-            </a:r>
-            <a:r>
-              <a:rPr lang="en-US" dirty="0" err="1"/>
-              <a:t>string.substring</a:t>
-            </a:r>
-            <a:r>
-              <a:rPr lang="en-US" dirty="0"/>
-              <a:t>(-3), etc. would all give us “https://www.google.com” since it treats negatives as 0</a:t>
-            </a:r>
-          </a:p>
-        </p:txBody>
-      </p:sp>
+        </p:nvPicPr>
+        <p:blipFill>
+          <a:blip r:embed="rId2">
+            <a:extLst>
+              <a:ext uri="{28A0092B-C50C-407E-A947-70E740481C1C}">
+                <a14:useLocalDpi xmlns:a14="http://schemas.microsoft.com/office/drawing/2010/main" val="0"/>
+              </a:ext>
+            </a:extLst>
+          </a:blip>
+          <a:stretch>
+            <a:fillRect/>
+          </a:stretch>
+        </p:blipFill>
+        <p:spPr>
+          <a:xfrm>
+            <a:off x="1232647" y="1752119"/>
+            <a:ext cx="9726706" cy="5105881"/>
+          </a:xfrm>
+        </p:spPr>
+      </p:pic>
     </p:spTree>
     <p:extLst>
       <p:ext uri="{BB962C8B-B14F-4D97-AF65-F5344CB8AC3E}">
@@ -4536,12 +4978,16 @@
           <a:lstStyle/>
           <a:p>
             <a:r>
-              <a:rPr lang="en-US" dirty="0" err="1"/>
+              <a:rPr lang="en-US" b="1" i="1" dirty="0" err="1"/>
               <a:t>Substr</a:t>
             </a:r>
             <a:r>
-              <a:rPr lang="en-US" dirty="0"/>
-              <a:t>(start, length) is also similar to slice(start, end)</a:t>
+              <a:rPr lang="en-US" b="1" i="1" dirty="0"/>
+              <a:t>(start, length) </a:t>
+            </a:r>
+            <a:r>
+              <a:rPr lang="en-US" dirty="0"/>
+              <a:t>is also similar to slice(start, end)</a:t>
             </a:r>
           </a:p>
           <a:p>
@@ -4558,6 +5004,42 @@
           </a:p>
         </p:txBody>
       </p:sp>
+      <p:pic>
+        <p:nvPicPr>
+          <p:cNvPr id="5" name="Picture 4">
+            <a:extLst>
+              <a:ext uri="{FF2B5EF4-FFF2-40B4-BE49-F238E27FC236}">
+                <a16:creationId xmlns:a16="http://schemas.microsoft.com/office/drawing/2014/main" id="{D29BDB74-F1E3-4C59-9E94-D51436DF90F7}"/>
+              </a:ext>
+            </a:extLst>
+          </p:cNvPr>
+          <p:cNvPicPr>
+            <a:picLocks noChangeAspect="1"/>
+          </p:cNvPicPr>
+          <p:nvPr/>
+        </p:nvPicPr>
+        <p:blipFill>
+          <a:blip r:embed="rId2">
+            <a:extLst>
+              <a:ext uri="{28A0092B-C50C-407E-A947-70E740481C1C}">
+                <a14:useLocalDpi xmlns:a14="http://schemas.microsoft.com/office/drawing/2010/main" val="0"/>
+              </a:ext>
+            </a:extLst>
+          </a:blip>
+          <a:stretch>
+            <a:fillRect/>
+          </a:stretch>
+        </p:blipFill>
+        <p:spPr>
+          <a:xfrm>
+            <a:off x="0" y="4906509"/>
+            <a:ext cx="6096000" cy="1951492"/>
+          </a:xfrm>
+          <a:prstGeom prst="rect">
+            <a:avLst/>
+          </a:prstGeom>
+        </p:spPr>
+      </p:pic>
     </p:spTree>
     <p:extLst>
       <p:ext uri="{BB962C8B-B14F-4D97-AF65-F5344CB8AC3E}">
@@ -4641,32 +5123,46 @@
           <a:bodyPr/>
           <a:lstStyle/>
           <a:p>
-            <a:r>
-              <a:rPr lang="en-US" dirty="0"/>
-              <a:t>So using string = “https://www.google.com”</a:t>
-            </a:r>
-          </a:p>
-          <a:p>
-            <a:r>
-              <a:rPr lang="en-US" dirty="0" err="1"/>
-              <a:t>String.substr</a:t>
-            </a:r>
-            <a:r>
-              <a:rPr lang="en-US" dirty="0"/>
-              <a:t>(12, 10) would return a new string with starting from index 12 and return the next 10 characters</a:t>
-            </a:r>
-          </a:p>
-          <a:p>
-            <a:r>
-              <a:rPr lang="en-US" dirty="0"/>
-              <a:t>The result would be “google.com”</a:t>
-            </a:r>
-          </a:p>
-          <a:p>
             <a:endParaRPr lang="en-US" dirty="0"/>
           </a:p>
         </p:txBody>
       </p:sp>
+      <p:pic>
+        <p:nvPicPr>
+          <p:cNvPr id="5" name="Picture 4">
+            <a:extLst>
+              <a:ext uri="{FF2B5EF4-FFF2-40B4-BE49-F238E27FC236}">
+                <a16:creationId xmlns:a16="http://schemas.microsoft.com/office/drawing/2014/main" id="{49CAACD1-71BA-4161-8796-38692D001518}"/>
+              </a:ext>
+            </a:extLst>
+          </p:cNvPr>
+          <p:cNvPicPr>
+            <a:picLocks noChangeAspect="1"/>
+          </p:cNvPicPr>
+          <p:nvPr/>
+        </p:nvPicPr>
+        <p:blipFill>
+          <a:blip r:embed="rId2">
+            <a:extLst>
+              <a:ext uri="{28A0092B-C50C-407E-A947-70E740481C1C}">
+                <a14:useLocalDpi xmlns:a14="http://schemas.microsoft.com/office/drawing/2010/main" val="0"/>
+              </a:ext>
+            </a:extLst>
+          </a:blip>
+          <a:stretch>
+            <a:fillRect/>
+          </a:stretch>
+        </p:blipFill>
+        <p:spPr>
+          <a:xfrm>
+            <a:off x="486335" y="1301424"/>
+            <a:ext cx="11219330" cy="5556576"/>
+          </a:xfrm>
+          <a:prstGeom prst="rect">
+            <a:avLst/>
+          </a:prstGeom>
+        </p:spPr>
+      </p:pic>
     </p:spTree>
     <p:extLst>
       <p:ext uri="{BB962C8B-B14F-4D97-AF65-F5344CB8AC3E}">
@@ -4702,7 +5198,7 @@
           <p:cNvPr id="2" name="Title 1">
             <a:extLst>
               <a:ext uri="{FF2B5EF4-FFF2-40B4-BE49-F238E27FC236}">
-                <a16:creationId xmlns:a16="http://schemas.microsoft.com/office/drawing/2014/main" id="{26847BCA-543C-41CD-A4B0-E9F20EDABA49}"/>
+                <a16:creationId xmlns:a16="http://schemas.microsoft.com/office/drawing/2014/main" id="{F408A9DC-F61E-4D94-B360-532D9B1DE500}"/>
               </a:ext>
             </a:extLst>
           </p:cNvPr>
@@ -4735,7 +5231,7 @@
           <p:cNvPr id="3" name="Content Placeholder 2">
             <a:extLst>
               <a:ext uri="{FF2B5EF4-FFF2-40B4-BE49-F238E27FC236}">
-                <a16:creationId xmlns:a16="http://schemas.microsoft.com/office/drawing/2014/main" id="{1965EF66-E708-4B63-998C-DC4C9ACC454F}"/>
+                <a16:creationId xmlns:a16="http://schemas.microsoft.com/office/drawing/2014/main" id="{FF954B74-60DE-4D49-9CD3-093E1C7CBD4A}"/>
               </a:ext>
             </a:extLst>
           </p:cNvPr>
@@ -4753,30 +5249,51 @@
           <a:p>
             <a:r>
               <a:rPr lang="en-US" dirty="0"/>
-              <a:t>We can leave out length and it will return the rest of the string starting with </a:t>
-            </a:r>
-            <a:r>
-              <a:rPr lang="en-US" i="1" dirty="0"/>
-              <a:t>start</a:t>
-            </a:r>
-          </a:p>
-          <a:p>
-            <a:r>
-              <a:rPr lang="en-US" i="1" dirty="0" err="1"/>
-              <a:t>string.substr</a:t>
-            </a:r>
-            <a:r>
-              <a:rPr lang="en-US" i="1" dirty="0"/>
-              <a:t>(12) would also give us “google.com”</a:t>
-            </a:r>
-            <a:endParaRPr lang="en-US" dirty="0"/>
-          </a:p>
-        </p:txBody>
-      </p:sp>
+              <a:t>We can make the start negative to count from the end, and then use length as normal </a:t>
+            </a:r>
+          </a:p>
+        </p:txBody>
+      </p:sp>
+      <p:pic>
+        <p:nvPicPr>
+          <p:cNvPr id="5" name="Picture 4">
+            <a:extLst>
+              <a:ext uri="{FF2B5EF4-FFF2-40B4-BE49-F238E27FC236}">
+                <a16:creationId xmlns:a16="http://schemas.microsoft.com/office/drawing/2014/main" id="{8E8B42A2-D61D-4BDB-890E-2E5823174A01}"/>
+              </a:ext>
+            </a:extLst>
+          </p:cNvPr>
+          <p:cNvPicPr>
+            <a:picLocks noChangeAspect="1"/>
+          </p:cNvPicPr>
+          <p:nvPr/>
+        </p:nvPicPr>
+        <p:blipFill>
+          <a:blip r:embed="rId2">
+            <a:extLst>
+              <a:ext uri="{28A0092B-C50C-407E-A947-70E740481C1C}">
+                <a14:useLocalDpi xmlns:a14="http://schemas.microsoft.com/office/drawing/2010/main" val="0"/>
+              </a:ext>
+            </a:extLst>
+          </a:blip>
+          <a:stretch>
+            <a:fillRect/>
+          </a:stretch>
+        </p:blipFill>
+        <p:spPr>
+          <a:xfrm>
+            <a:off x="2102223" y="2896173"/>
+            <a:ext cx="7987553" cy="3961827"/>
+          </a:xfrm>
+          <a:prstGeom prst="rect">
+            <a:avLst/>
+          </a:prstGeom>
+        </p:spPr>
+      </p:pic>
     </p:spTree>
     <p:extLst>
       <p:ext uri="{BB962C8B-B14F-4D97-AF65-F5344CB8AC3E}">
-        <p14:creationId xmlns:p14="http://schemas.microsoft.com/office/powerpoint/2010/main" val="3730105970"/>
+        <p14:creationId xmlns:p14="http://schemas.microsoft.com/office/powerpoint/2010/main" val="2042348039"/>
       </p:ext>
     </p:extLst>
   </p:cSld>
@@ -4917,7 +5434,7 @@
           <p:cNvPr id="2" name="Title 1">
             <a:extLst>
               <a:ext uri="{FF2B5EF4-FFF2-40B4-BE49-F238E27FC236}">
-                <a16:creationId xmlns:a16="http://schemas.microsoft.com/office/drawing/2014/main" id="{F408A9DC-F61E-4D94-B360-532D9B1DE500}"/>
+                <a16:creationId xmlns:a16="http://schemas.microsoft.com/office/drawing/2014/main" id="{46052074-0716-486F-BFD9-FADC4BA62C79}"/>
               </a:ext>
             </a:extLst>
           </p:cNvPr>
@@ -4934,14 +5451,9 @@
           <a:lstStyle/>
           <a:p>
             <a:r>
-              <a:rPr lang="en-US" b="1" i="1" dirty="0" err="1"/>
-              <a:t>substr</a:t>
-            </a:r>
-            <a:r>
-              <a:rPr lang="en-US" b="1" i="1" dirty="0"/>
-              <a:t>(start, length)</a:t>
-            </a:r>
-            <a:endParaRPr lang="en-US" dirty="0"/>
+              <a:rPr lang="en-US" dirty="0"/>
+              <a:t>String Methods </a:t>
+            </a:r>
           </a:p>
         </p:txBody>
       </p:sp>
@@ -4950,7 +5462,7 @@
           <p:cNvPr id="3" name="Content Placeholder 2">
             <a:extLst>
               <a:ext uri="{FF2B5EF4-FFF2-40B4-BE49-F238E27FC236}">
-                <a16:creationId xmlns:a16="http://schemas.microsoft.com/office/drawing/2014/main" id="{FF954B74-60DE-4D49-9CD3-093E1C7CBD4A}"/>
+                <a16:creationId xmlns:a16="http://schemas.microsoft.com/office/drawing/2014/main" id="{4401B8DA-7D90-4009-B781-DAF066CAD1E6}"/>
               </a:ext>
             </a:extLst>
           </p:cNvPr>
@@ -4968,23 +5480,13 @@
           <a:p>
             <a:r>
               <a:rPr lang="en-US" dirty="0"/>
-              <a:t>We can make the start negative to count from the end, and then use length as normal </a:t>
-            </a:r>
-          </a:p>
-          <a:p>
-            <a:r>
-              <a:rPr lang="en-US" dirty="0"/>
-              <a:t>Again, using string = “https://www.google.com”;</a:t>
-            </a:r>
-          </a:p>
-          <a:p>
-            <a:r>
-              <a:rPr lang="en-US" dirty="0" err="1"/>
-              <a:t>string.substr</a:t>
-            </a:r>
-            <a:r>
-              <a:rPr lang="en-US" dirty="0"/>
-              <a:t>(-10, 6) would count 10 from the end of the string, then return the next 6 characters -&gt; “google”</a:t>
+              <a:t>Any of these three methods can be used when you want to take a substring</a:t>
+            </a:r>
+          </a:p>
+          <a:p>
+            <a:r>
+              <a:rPr lang="en-US" dirty="0"/>
+              <a:t>Feel free to use which ever you like the best or makes the most sense to you</a:t>
             </a:r>
           </a:p>
         </p:txBody>
@@ -4992,7 +5494,7 @@
     </p:spTree>
     <p:extLst>
       <p:ext uri="{BB962C8B-B14F-4D97-AF65-F5344CB8AC3E}">
-        <p14:creationId xmlns:p14="http://schemas.microsoft.com/office/powerpoint/2010/main" val="2042348039"/>
+        <p14:creationId xmlns:p14="http://schemas.microsoft.com/office/powerpoint/2010/main" val="179300280"/>
       </p:ext>
     </p:extLst>
   </p:cSld>
@@ -5024,7 +5526,7 @@
           <p:cNvPr id="2" name="Title 1">
             <a:extLst>
               <a:ext uri="{FF2B5EF4-FFF2-40B4-BE49-F238E27FC236}">
-                <a16:creationId xmlns:a16="http://schemas.microsoft.com/office/drawing/2014/main" id="{46052074-0716-486F-BFD9-FADC4BA62C79}"/>
+                <a16:creationId xmlns:a16="http://schemas.microsoft.com/office/drawing/2014/main" id="{19650A88-41A6-4162-A265-B00C273CF792}"/>
               </a:ext>
             </a:extLst>
           </p:cNvPr>
@@ -5042,7 +5544,7 @@
           <a:p>
             <a:r>
               <a:rPr lang="en-US" dirty="0"/>
-              <a:t>String Methods </a:t>
+              <a:t>Replacing String Content</a:t>
             </a:r>
           </a:p>
         </p:txBody>
@@ -5052,7 +5554,7 @@
           <p:cNvPr id="3" name="Content Placeholder 2">
             <a:extLst>
               <a:ext uri="{FF2B5EF4-FFF2-40B4-BE49-F238E27FC236}">
-                <a16:creationId xmlns:a16="http://schemas.microsoft.com/office/drawing/2014/main" id="{4401B8DA-7D90-4009-B781-DAF066CAD1E6}"/>
+                <a16:creationId xmlns:a16="http://schemas.microsoft.com/office/drawing/2014/main" id="{EC1B8B39-0F40-4F0B-9147-EEE74D023644}"/>
               </a:ext>
             </a:extLst>
           </p:cNvPr>
@@ -5070,13 +5572,43 @@
           <a:p>
             <a:r>
               <a:rPr lang="en-US" dirty="0"/>
-              <a:t>Any of these three methods can be used when you want to take a substring</a:t>
-            </a:r>
-          </a:p>
-          <a:p>
-            <a:r>
-              <a:rPr lang="en-US" dirty="0"/>
-              <a:t>Feel free to use which ever you like the best or makes the most sense to you</a:t>
+              <a:t>Again, strings are immutable (cannot be changed/altered), so all methods return a new string with your changes</a:t>
+            </a:r>
+          </a:p>
+          <a:p>
+            <a:r>
+              <a:rPr lang="en-US" dirty="0"/>
+              <a:t>Just like we can take substrings of larger strings, we can also replace substrings with other strings</a:t>
+            </a:r>
+          </a:p>
+          <a:p>
+            <a:r>
+              <a:rPr lang="en-US" dirty="0"/>
+              <a:t>We can use the </a:t>
+            </a:r>
+            <a:r>
+              <a:rPr lang="en-US" b="1" i="1" dirty="0"/>
+              <a:t>replace(</a:t>
+            </a:r>
+            <a:r>
+              <a:rPr lang="en-US" b="1" i="1" dirty="0" err="1"/>
+              <a:t>searchValue</a:t>
+            </a:r>
+            <a:r>
+              <a:rPr lang="en-US" b="1" i="1" dirty="0"/>
+              <a:t>, </a:t>
+            </a:r>
+            <a:r>
+              <a:rPr lang="en-US" b="1" i="1" dirty="0" err="1"/>
+              <a:t>newValue</a:t>
+            </a:r>
+            <a:r>
+              <a:rPr lang="en-US" b="1" i="1" dirty="0"/>
+              <a:t>) </a:t>
+            </a:r>
+            <a:r>
+              <a:rPr lang="en-US" dirty="0"/>
+              <a:t>method to handle this</a:t>
             </a:r>
           </a:p>
         </p:txBody>
@@ -5084,7 +5616,7 @@
     </p:spTree>
     <p:extLst>
       <p:ext uri="{BB962C8B-B14F-4D97-AF65-F5344CB8AC3E}">
-        <p14:creationId xmlns:p14="http://schemas.microsoft.com/office/powerpoint/2010/main" val="179300280"/>
+        <p14:creationId xmlns:p14="http://schemas.microsoft.com/office/powerpoint/2010/main" val="521422738"/>
       </p:ext>
     </p:extLst>
   </p:cSld>
@@ -5116,7 +5648,7 @@
           <p:cNvPr id="2" name="Title 1">
             <a:extLst>
               <a:ext uri="{FF2B5EF4-FFF2-40B4-BE49-F238E27FC236}">
-                <a16:creationId xmlns:a16="http://schemas.microsoft.com/office/drawing/2014/main" id="{19650A88-41A6-4162-A265-B00C273CF792}"/>
+                <a16:creationId xmlns:a16="http://schemas.microsoft.com/office/drawing/2014/main" id="{6CD39710-10DD-4D04-B958-F4B9A6036D7A}"/>
               </a:ext>
             </a:extLst>
           </p:cNvPr>
@@ -5133,8 +5665,24 @@
           <a:lstStyle/>
           <a:p>
             <a:r>
-              <a:rPr lang="en-US" dirty="0"/>
-              <a:t>Replacing String Content</a:t>
+              <a:rPr lang="en-US" b="1" i="1" dirty="0"/>
+              <a:t>replace(</a:t>
+            </a:r>
+            <a:r>
+              <a:rPr lang="en-US" b="1" i="1" dirty="0" err="1"/>
+              <a:t>searchValue</a:t>
+            </a:r>
+            <a:r>
+              <a:rPr lang="en-US" b="1" i="1" dirty="0"/>
+              <a:t>, </a:t>
+            </a:r>
+            <a:r>
+              <a:rPr lang="en-US" b="1" i="1" dirty="0" err="1"/>
+              <a:t>newValue</a:t>
+            </a:r>
+            <a:r>
+              <a:rPr lang="en-US" b="1" i="1" dirty="0"/>
+              <a:t>)</a:t>
             </a:r>
           </a:p>
         </p:txBody>
@@ -5144,7 +5692,7 @@
           <p:cNvPr id="3" name="Content Placeholder 2">
             <a:extLst>
               <a:ext uri="{FF2B5EF4-FFF2-40B4-BE49-F238E27FC236}">
-                <a16:creationId xmlns:a16="http://schemas.microsoft.com/office/drawing/2014/main" id="{EC1B8B39-0F40-4F0B-9147-EEE74D023644}"/>
+                <a16:creationId xmlns:a16="http://schemas.microsoft.com/office/drawing/2014/main" id="{E0427F27-F05C-4441-85A5-2D67B8A5A8E8}"/>
               </a:ext>
             </a:extLst>
           </p:cNvPr>
@@ -5162,43 +5710,70 @@
           <a:p>
             <a:r>
               <a:rPr lang="en-US" dirty="0"/>
-              <a:t>Again, strings are immutable (cannot be changed/altered), so all methods return a new string with your changes</a:t>
-            </a:r>
-          </a:p>
-          <a:p>
-            <a:r>
-              <a:rPr lang="en-US" dirty="0"/>
-              <a:t>Sometimes rather than taking a part out of a string, you want to change something about that string</a:t>
-            </a:r>
-          </a:p>
-          <a:p>
-            <a:r>
-              <a:rPr lang="en-US" dirty="0"/>
-              <a:t>We can use the replace(</a:t>
-            </a:r>
-            <a:r>
-              <a:rPr lang="en-US" dirty="0" err="1"/>
+              <a:t>Replaces the </a:t>
+            </a:r>
+            <a:r>
+              <a:rPr lang="en-US" b="1" i="1" dirty="0" err="1"/>
               <a:t>searchValue</a:t>
             </a:r>
             <a:r>
               <a:rPr lang="en-US" dirty="0"/>
-              <a:t>, </a:t>
-            </a:r>
-            <a:r>
-              <a:rPr lang="en-US" dirty="0" err="1"/>
+              <a:t> with a </a:t>
+            </a:r>
+            <a:r>
+              <a:rPr lang="en-US" b="1" i="1" dirty="0" err="1"/>
               <a:t>newValue</a:t>
             </a:r>
-            <a:r>
-              <a:rPr lang="en-US" dirty="0"/>
-              <a:t>) method to handle this</a:t>
-            </a:r>
-          </a:p>
-        </p:txBody>
-      </p:sp>
+            <a:endParaRPr lang="en-US" b="1" i="1" dirty="0"/>
+          </a:p>
+          <a:p>
+            <a:pPr marL="0" indent="0">
+              <a:buNone/>
+            </a:pPr>
+            <a:endParaRPr lang="en-US" dirty="0"/>
+          </a:p>
+        </p:txBody>
+      </p:sp>
+      <p:pic>
+        <p:nvPicPr>
+          <p:cNvPr id="5" name="Picture 4">
+            <a:extLst>
+              <a:ext uri="{FF2B5EF4-FFF2-40B4-BE49-F238E27FC236}">
+                <a16:creationId xmlns:a16="http://schemas.microsoft.com/office/drawing/2014/main" id="{BBC10F13-FB17-415B-9150-050CCA28130D}"/>
+              </a:ext>
+            </a:extLst>
+          </p:cNvPr>
+          <p:cNvPicPr>
+            <a:picLocks noChangeAspect="1"/>
+          </p:cNvPicPr>
+          <p:nvPr/>
+        </p:nvPicPr>
+        <p:blipFill>
+          <a:blip r:embed="rId2">
+            <a:extLst>
+              <a:ext uri="{28A0092B-C50C-407E-A947-70E740481C1C}">
+                <a14:useLocalDpi xmlns:a14="http://schemas.microsoft.com/office/drawing/2010/main" val="0"/>
+              </a:ext>
+            </a:extLst>
+          </a:blip>
+          <a:stretch>
+            <a:fillRect/>
+          </a:stretch>
+        </p:blipFill>
+        <p:spPr>
+          <a:xfrm>
+            <a:off x="0" y="2723489"/>
+            <a:ext cx="12192000" cy="4134511"/>
+          </a:xfrm>
+          <a:prstGeom prst="rect">
+            <a:avLst/>
+          </a:prstGeom>
+        </p:spPr>
+      </p:pic>
     </p:spTree>
     <p:extLst>
       <p:ext uri="{BB962C8B-B14F-4D97-AF65-F5344CB8AC3E}">
-        <p14:creationId xmlns:p14="http://schemas.microsoft.com/office/powerpoint/2010/main" val="521422738"/>
+        <p14:creationId xmlns:p14="http://schemas.microsoft.com/office/powerpoint/2010/main" val="3218532171"/>
       </p:ext>
     </p:extLst>
   </p:cSld>
@@ -5230,7 +5805,7 @@
           <p:cNvPr id="2" name="Title 1">
             <a:extLst>
               <a:ext uri="{FF2B5EF4-FFF2-40B4-BE49-F238E27FC236}">
-                <a16:creationId xmlns:a16="http://schemas.microsoft.com/office/drawing/2014/main" id="{6CD39710-10DD-4D04-B958-F4B9A6036D7A}"/>
+                <a16:creationId xmlns:a16="http://schemas.microsoft.com/office/drawing/2014/main" id="{901304FB-127B-46D3-9E0C-E4BB394172E7}"/>
               </a:ext>
             </a:extLst>
           </p:cNvPr>
@@ -5247,95 +5822,102 @@
           <a:lstStyle/>
           <a:p>
             <a:r>
+              <a:rPr lang="en-US" b="1" i="1" dirty="0" err="1"/>
+              <a:t>toUpperCase</a:t>
+            </a:r>
+            <a:r>
               <a:rPr lang="en-US" b="1" i="1" dirty="0"/>
-              <a:t>replace(</a:t>
+              <a:t>()</a:t>
+            </a:r>
+          </a:p>
+        </p:txBody>
+      </p:sp>
+      <p:sp>
+        <p:nvSpPr>
+          <p:cNvPr id="3" name="Content Placeholder 2">
+            <a:extLst>
+              <a:ext uri="{FF2B5EF4-FFF2-40B4-BE49-F238E27FC236}">
+                <a16:creationId xmlns:a16="http://schemas.microsoft.com/office/drawing/2014/main" id="{0A763757-AD3D-4101-ACFB-197B3AE00BEA}"/>
+              </a:ext>
+            </a:extLst>
+          </p:cNvPr>
+          <p:cNvSpPr>
+            <a:spLocks noGrp="1"/>
+          </p:cNvSpPr>
+          <p:nvPr>
+            <p:ph idx="1"/>
+          </p:nvPr>
+        </p:nvSpPr>
+        <p:spPr/>
+        <p:txBody>
+          <a:bodyPr/>
+          <a:lstStyle/>
+          <a:p>
+            <a:r>
+              <a:rPr lang="en-US" dirty="0"/>
+              <a:t>We use </a:t>
             </a:r>
             <a:r>
               <a:rPr lang="en-US" b="1" i="1" dirty="0" err="1"/>
-              <a:t>searchValue</a:t>
+              <a:t>toUpperCase</a:t>
             </a:r>
             <a:r>
               <a:rPr lang="en-US" b="1" i="1" dirty="0"/>
-              <a:t>, </a:t>
-            </a:r>
-            <a:r>
-              <a:rPr lang="en-US" b="1" i="1" dirty="0" err="1"/>
-              <a:t>newValue</a:t>
-            </a:r>
-            <a:r>
-              <a:rPr lang="en-US" b="1" i="1" dirty="0"/>
-              <a:t>)</a:t>
-            </a:r>
-          </a:p>
-        </p:txBody>
-      </p:sp>
-      <p:sp>
-        <p:nvSpPr>
-          <p:cNvPr id="3" name="Content Placeholder 2">
-            <a:extLst>
-              <a:ext uri="{FF2B5EF4-FFF2-40B4-BE49-F238E27FC236}">
-                <a16:creationId xmlns:a16="http://schemas.microsoft.com/office/drawing/2014/main" id="{E0427F27-F05C-4441-85A5-2D67B8A5A8E8}"/>
-              </a:ext>
-            </a:extLst>
-          </p:cNvPr>
-          <p:cNvSpPr>
-            <a:spLocks noGrp="1"/>
-          </p:cNvSpPr>
-          <p:nvPr>
-            <p:ph idx="1"/>
-          </p:nvPr>
-        </p:nvSpPr>
-        <p:spPr/>
-        <p:txBody>
-          <a:bodyPr/>
-          <a:lstStyle/>
-          <a:p>
-            <a:r>
-              <a:rPr lang="en-US" dirty="0"/>
-              <a:t>Replaces the </a:t>
-            </a:r>
-            <a:r>
-              <a:rPr lang="en-US" dirty="0" err="1"/>
-              <a:t>searchValue</a:t>
-            </a:r>
-            <a:r>
-              <a:rPr lang="en-US" dirty="0"/>
-              <a:t> with a </a:t>
-            </a:r>
-            <a:r>
-              <a:rPr lang="en-US" dirty="0" err="1"/>
-              <a:t>newValue</a:t>
-            </a:r>
-            <a:endParaRPr lang="en-US" dirty="0"/>
-          </a:p>
-          <a:p>
-            <a:r>
-              <a:rPr lang="en-US" dirty="0"/>
-              <a:t>Let string = “http://www.google.com”;</a:t>
-            </a:r>
-          </a:p>
-          <a:p>
-            <a:r>
-              <a:rPr lang="en-US" dirty="0" err="1"/>
-              <a:t>string.replace</a:t>
-            </a:r>
-            <a:r>
-              <a:rPr lang="en-US" dirty="0"/>
-              <a:t>(“google.com”, “bing.com”) would search for google.com in our string, then give us a new string that puts bing.com where google.com was</a:t>
-            </a:r>
-          </a:p>
-          <a:p>
-            <a:r>
-              <a:rPr lang="en-US" dirty="0"/>
-              <a:t>So, string would equal “http://www.bing.com”</a:t>
-            </a:r>
-          </a:p>
-        </p:txBody>
-      </p:sp>
+              <a:t>()</a:t>
+            </a:r>
+            <a:r>
+              <a:rPr lang="en-US" dirty="0"/>
+              <a:t> to change a string to all caps</a:t>
+            </a:r>
+          </a:p>
+          <a:p>
+            <a:r>
+              <a:rPr lang="en-US" dirty="0"/>
+              <a:t>No parameters</a:t>
+            </a:r>
+          </a:p>
+        </p:txBody>
+      </p:sp>
+      <p:pic>
+        <p:nvPicPr>
+          <p:cNvPr id="5" name="Picture 4">
+            <a:extLst>
+              <a:ext uri="{FF2B5EF4-FFF2-40B4-BE49-F238E27FC236}">
+                <a16:creationId xmlns:a16="http://schemas.microsoft.com/office/drawing/2014/main" id="{3A5AB6FE-DB8C-4F71-AA4D-F88C179FC4A0}"/>
+              </a:ext>
+            </a:extLst>
+          </p:cNvPr>
+          <p:cNvPicPr>
+            <a:picLocks noChangeAspect="1"/>
+          </p:cNvPicPr>
+          <p:nvPr/>
+        </p:nvPicPr>
+        <p:blipFill>
+          <a:blip r:embed="rId2">
+            <a:extLst>
+              <a:ext uri="{28A0092B-C50C-407E-A947-70E740481C1C}">
+                <a14:useLocalDpi xmlns:a14="http://schemas.microsoft.com/office/drawing/2010/main" val="0"/>
+              </a:ext>
+            </a:extLst>
+          </a:blip>
+          <a:stretch>
+            <a:fillRect/>
+          </a:stretch>
+        </p:blipFill>
+        <p:spPr>
+          <a:xfrm>
+            <a:off x="0" y="2903319"/>
+            <a:ext cx="12192000" cy="3954682"/>
+          </a:xfrm>
+          <a:prstGeom prst="rect">
+            <a:avLst/>
+          </a:prstGeom>
+        </p:spPr>
+      </p:pic>
     </p:spTree>
     <p:extLst>
       <p:ext uri="{BB962C8B-B14F-4D97-AF65-F5344CB8AC3E}">
-        <p14:creationId xmlns:p14="http://schemas.microsoft.com/office/powerpoint/2010/main" val="3218532171"/>
+        <p14:creationId xmlns:p14="http://schemas.microsoft.com/office/powerpoint/2010/main" val="1787588336"/>
       </p:ext>
     </p:extLst>
   </p:cSld>
@@ -5367,7 +5949,7 @@
           <p:cNvPr id="2" name="Title 1">
             <a:extLst>
               <a:ext uri="{FF2B5EF4-FFF2-40B4-BE49-F238E27FC236}">
-                <a16:creationId xmlns:a16="http://schemas.microsoft.com/office/drawing/2014/main" id="{901304FB-127B-46D3-9E0C-E4BB394172E7}"/>
+                <a16:creationId xmlns:a16="http://schemas.microsoft.com/office/drawing/2014/main" id="{DFCEFBDC-7AC9-4A53-9885-0DAA1488F560}"/>
               </a:ext>
             </a:extLst>
           </p:cNvPr>
@@ -5385,7 +5967,7 @@
           <a:p>
             <a:r>
               <a:rPr lang="en-US" b="1" i="1" dirty="0" err="1"/>
-              <a:t>toUpperCase</a:t>
+              <a:t>toLowerCase</a:t>
             </a:r>
             <a:r>
               <a:rPr lang="en-US" b="1" i="1" dirty="0"/>
@@ -5399,7 +5981,7 @@
           <p:cNvPr id="3" name="Content Placeholder 2">
             <a:extLst>
               <a:ext uri="{FF2B5EF4-FFF2-40B4-BE49-F238E27FC236}">
-                <a16:creationId xmlns:a16="http://schemas.microsoft.com/office/drawing/2014/main" id="{0A763757-AD3D-4101-ACFB-197B3AE00BEA}"/>
+                <a16:creationId xmlns:a16="http://schemas.microsoft.com/office/drawing/2014/main" id="{4B60C729-179F-4179-B544-3ADA506463F5}"/>
               </a:ext>
             </a:extLst>
           </p:cNvPr>
@@ -5417,16 +5999,20 @@
           <a:p>
             <a:r>
               <a:rPr lang="en-US" dirty="0"/>
-              <a:t>Sometimes we want to change a string to all capital letters, so we use </a:t>
-            </a:r>
-            <a:r>
-              <a:rPr lang="en-US" dirty="0" err="1"/>
-              <a:t>toUpperCase</a:t>
-            </a:r>
-            <a:r>
-              <a:rPr lang="en-US" dirty="0"/>
+              <a:t>We can use the </a:t>
+            </a:r>
+            <a:r>
+              <a:rPr lang="en-US" i="1" dirty="0" err="1"/>
+              <a:t>toLowerCase</a:t>
+            </a:r>
+            <a:r>
+              <a:rPr lang="en-US" i="1" dirty="0"/>
               <a:t>()</a:t>
             </a:r>
+            <a:r>
+              <a:rPr lang="en-US" dirty="0"/>
+              <a:t> method to convert a string to all lowercase </a:t>
+            </a:r>
           </a:p>
           <a:p>
             <a:r>
@@ -5435,27 +6021,50 @@
             </a:r>
           </a:p>
           <a:p>
-            <a:r>
-              <a:rPr lang="en-US" dirty="0"/>
-              <a:t>Let string = “google.com”;</a:t>
-            </a:r>
-          </a:p>
-          <a:p>
-            <a:r>
-              <a:rPr lang="en-US" dirty="0" err="1"/>
-              <a:t>string.toUpperCase</a:t>
-            </a:r>
-            <a:r>
-              <a:rPr lang="en-US" dirty="0"/>
-              <a:t>() would change string to “GOOGLE.COM”</a:t>
-            </a:r>
-          </a:p>
-        </p:txBody>
-      </p:sp>
+            <a:endParaRPr lang="en-US" dirty="0"/>
+          </a:p>
+        </p:txBody>
+      </p:sp>
+      <p:pic>
+        <p:nvPicPr>
+          <p:cNvPr id="5" name="Picture 4">
+            <a:extLst>
+              <a:ext uri="{FF2B5EF4-FFF2-40B4-BE49-F238E27FC236}">
+                <a16:creationId xmlns:a16="http://schemas.microsoft.com/office/drawing/2014/main" id="{0937E07E-1BF6-45B3-95F1-A34C0F4F9F46}"/>
+              </a:ext>
+            </a:extLst>
+          </p:cNvPr>
+          <p:cNvPicPr>
+            <a:picLocks noChangeAspect="1"/>
+          </p:cNvPicPr>
+          <p:nvPr/>
+        </p:nvPicPr>
+        <p:blipFill>
+          <a:blip r:embed="rId2">
+            <a:extLst>
+              <a:ext uri="{28A0092B-C50C-407E-A947-70E740481C1C}">
+                <a14:useLocalDpi xmlns:a14="http://schemas.microsoft.com/office/drawing/2010/main" val="0"/>
+              </a:ext>
+            </a:extLst>
+          </a:blip>
+          <a:stretch>
+            <a:fillRect/>
+          </a:stretch>
+        </p:blipFill>
+        <p:spPr>
+          <a:xfrm>
+            <a:off x="596153" y="3340856"/>
+            <a:ext cx="10999694" cy="3517144"/>
+          </a:xfrm>
+          <a:prstGeom prst="rect">
+            <a:avLst/>
+          </a:prstGeom>
+        </p:spPr>
+      </p:pic>
     </p:spTree>
     <p:extLst>
       <p:ext uri="{BB962C8B-B14F-4D97-AF65-F5344CB8AC3E}">
-        <p14:creationId xmlns:p14="http://schemas.microsoft.com/office/powerpoint/2010/main" val="1787588336"/>
+        <p14:creationId xmlns:p14="http://schemas.microsoft.com/office/powerpoint/2010/main" val="2222909688"/>
       </p:ext>
     </p:extLst>
   </p:cSld>
@@ -5487,7 +6096,7 @@
           <p:cNvPr id="2" name="Title 1">
             <a:extLst>
               <a:ext uri="{FF2B5EF4-FFF2-40B4-BE49-F238E27FC236}">
-                <a16:creationId xmlns:a16="http://schemas.microsoft.com/office/drawing/2014/main" id="{DFCEFBDC-7AC9-4A53-9885-0DAA1488F560}"/>
+                <a16:creationId xmlns:a16="http://schemas.microsoft.com/office/drawing/2014/main" id="{AF3008A4-D735-4DB1-87EC-70CFAF4020E7}"/>
               </a:ext>
             </a:extLst>
           </p:cNvPr>
@@ -5505,84 +6114,119 @@
           <a:p>
             <a:r>
               <a:rPr lang="en-US" b="1" i="1" dirty="0" err="1"/>
-              <a:t>toLowerCase</a:t>
+              <a:t>concat</a:t>
+            </a:r>
+            <a:r>
+              <a:rPr lang="en-US" b="1" i="1" dirty="0"/>
+              <a:t>(stringToAdd1, stringToAdd2, …)</a:t>
+            </a:r>
+          </a:p>
+        </p:txBody>
+      </p:sp>
+      <p:sp>
+        <p:nvSpPr>
+          <p:cNvPr id="3" name="Content Placeholder 2">
+            <a:extLst>
+              <a:ext uri="{FF2B5EF4-FFF2-40B4-BE49-F238E27FC236}">
+                <a16:creationId xmlns:a16="http://schemas.microsoft.com/office/drawing/2014/main" id="{120AE719-7693-40FA-98E3-370AEDEFBB35}"/>
+              </a:ext>
+            </a:extLst>
+          </p:cNvPr>
+          <p:cNvSpPr>
+            <a:spLocks noGrp="1"/>
+          </p:cNvSpPr>
+          <p:nvPr>
+            <p:ph idx="1"/>
+          </p:nvPr>
+        </p:nvSpPr>
+        <p:spPr/>
+        <p:txBody>
+          <a:bodyPr/>
+          <a:lstStyle/>
+          <a:p>
+            <a:r>
+              <a:rPr lang="en-US" dirty="0"/>
+              <a:t>Sometimes you want to add strings together</a:t>
+            </a:r>
+          </a:p>
+          <a:p>
+            <a:r>
+              <a:rPr lang="en-US" dirty="0"/>
+              <a:t>With </a:t>
+            </a:r>
+            <a:r>
+              <a:rPr lang="en-US" b="1" i="1" dirty="0" err="1"/>
+              <a:t>concat</a:t>
             </a:r>
             <a:r>
               <a:rPr lang="en-US" b="1" i="1" dirty="0"/>
               <a:t>()</a:t>
             </a:r>
-          </a:p>
-        </p:txBody>
-      </p:sp>
-      <p:sp>
-        <p:nvSpPr>
-          <p:cNvPr id="3" name="Content Placeholder 2">
-            <a:extLst>
-              <a:ext uri="{FF2B5EF4-FFF2-40B4-BE49-F238E27FC236}">
-                <a16:creationId xmlns:a16="http://schemas.microsoft.com/office/drawing/2014/main" id="{4B60C729-179F-4179-B544-3ADA506463F5}"/>
-              </a:ext>
-            </a:extLst>
-          </p:cNvPr>
-          <p:cNvSpPr>
-            <a:spLocks noGrp="1"/>
-          </p:cNvSpPr>
-          <p:nvPr>
-            <p:ph idx="1"/>
-          </p:nvPr>
-        </p:nvSpPr>
-        <p:spPr/>
-        <p:txBody>
-          <a:bodyPr/>
-          <a:lstStyle/>
-          <a:p>
-            <a:r>
-              <a:rPr lang="en-US" dirty="0"/>
-              <a:t>Sometimes we also want to change a string to all lowercase, so we can use the </a:t>
-            </a:r>
-            <a:r>
-              <a:rPr lang="en-US" i="1" dirty="0" err="1"/>
-              <a:t>toLowerCase</a:t>
-            </a:r>
-            <a:r>
-              <a:rPr lang="en-US" i="1" dirty="0"/>
+            <a:r>
+              <a:rPr lang="en-US" dirty="0"/>
+              <a:t>, we can add as many strings as we want all at once</a:t>
+            </a:r>
+          </a:p>
+          <a:p>
+            <a:r>
+              <a:rPr lang="en-US" dirty="0"/>
+              <a:t>We can use </a:t>
+            </a:r>
+            <a:r>
+              <a:rPr lang="en-US" b="1" i="1" dirty="0" err="1"/>
+              <a:t>concat</a:t>
+            </a:r>
+            <a:r>
+              <a:rPr lang="en-US" b="1" i="1" dirty="0"/>
               <a:t>()</a:t>
             </a:r>
             <a:r>
               <a:rPr lang="en-US" dirty="0"/>
-              <a:t> method</a:t>
-            </a:r>
-          </a:p>
-          <a:p>
-            <a:r>
-              <a:rPr lang="en-US" dirty="0"/>
-              <a:t>No parameters</a:t>
-            </a:r>
-          </a:p>
-          <a:p>
-            <a:r>
-              <a:rPr lang="en-US" dirty="0"/>
-              <a:t>Let string = “Google.com”;</a:t>
-            </a:r>
-          </a:p>
-          <a:p>
-            <a:r>
-              <a:rPr lang="en-US" dirty="0" err="1"/>
-              <a:t>string.toLowerCase</a:t>
-            </a:r>
-            <a:r>
-              <a:rPr lang="en-US" dirty="0"/>
-              <a:t>() would change string to “google.com”</a:t>
-            </a:r>
-          </a:p>
-          <a:p>
-            <a:endParaRPr lang="en-US" dirty="0"/>
-          </a:p>
-        </p:txBody>
-      </p:sp>
+              <a:t> instead of the + operator</a:t>
+            </a:r>
+          </a:p>
+        </p:txBody>
+      </p:sp>
+      <p:pic>
+        <p:nvPicPr>
+          <p:cNvPr id="5" name="Picture 4">
+            <a:extLst>
+              <a:ext uri="{FF2B5EF4-FFF2-40B4-BE49-F238E27FC236}">
+                <a16:creationId xmlns:a16="http://schemas.microsoft.com/office/drawing/2014/main" id="{DB406A97-8EED-4422-BB8B-1894AE198171}"/>
+              </a:ext>
+            </a:extLst>
+          </p:cNvPr>
+          <p:cNvPicPr>
+            <a:picLocks noChangeAspect="1"/>
+          </p:cNvPicPr>
+          <p:nvPr/>
+        </p:nvPicPr>
+        <p:blipFill>
+          <a:blip r:embed="rId2">
+            <a:extLst>
+              <a:ext uri="{28A0092B-C50C-407E-A947-70E740481C1C}">
+                <a14:useLocalDpi xmlns:a14="http://schemas.microsoft.com/office/drawing/2010/main" val="0"/>
+              </a:ext>
+            </a:extLst>
+          </a:blip>
+          <a:stretch>
+            <a:fillRect/>
+          </a:stretch>
+        </p:blipFill>
+        <p:spPr>
+          <a:xfrm>
+            <a:off x="0" y="4151729"/>
+            <a:ext cx="6096000" cy="2701790"/>
+          </a:xfrm>
+          <a:prstGeom prst="rect">
+            <a:avLst/>
+          </a:prstGeom>
+        </p:spPr>
+      </p:pic>
     </p:spTree>
     <p:extLst>
       <p:ext uri="{BB962C8B-B14F-4D97-AF65-F5344CB8AC3E}">
-        <p14:creationId xmlns:p14="http://schemas.microsoft.com/office/powerpoint/2010/main" val="2222909688"/>
+        <p14:creationId xmlns:p14="http://schemas.microsoft.com/office/powerpoint/2010/main" val="1857644237"/>
       </p:ext>
     </p:extLst>
   </p:cSld>
@@ -5614,7 +6258,7 @@
           <p:cNvPr id="2" name="Title 1">
             <a:extLst>
               <a:ext uri="{FF2B5EF4-FFF2-40B4-BE49-F238E27FC236}">
-                <a16:creationId xmlns:a16="http://schemas.microsoft.com/office/drawing/2014/main" id="{AF3008A4-D735-4DB1-87EC-70CFAF4020E7}"/>
+                <a16:creationId xmlns:a16="http://schemas.microsoft.com/office/drawing/2014/main" id="{649D8E15-E7D1-446B-B00E-EB9F82C9D085}"/>
               </a:ext>
             </a:extLst>
           </p:cNvPr>
@@ -5631,12 +6275,8 @@
           <a:lstStyle/>
           <a:p>
             <a:r>
-              <a:rPr lang="en-US" b="1" i="1" dirty="0" err="1"/>
-              <a:t>concat</a:t>
-            </a:r>
-            <a:r>
               <a:rPr lang="en-US" b="1" i="1" dirty="0"/>
-              <a:t>(stringToAdd1, stringToAdd2, …)</a:t>
+              <a:t>trim()</a:t>
             </a:r>
           </a:p>
         </p:txBody>
@@ -5646,7 +6286,7 @@
           <p:cNvPr id="3" name="Content Placeholder 2">
             <a:extLst>
               <a:ext uri="{FF2B5EF4-FFF2-40B4-BE49-F238E27FC236}">
-                <a16:creationId xmlns:a16="http://schemas.microsoft.com/office/drawing/2014/main" id="{120AE719-7693-40FA-98E3-370AEDEFBB35}"/>
+                <a16:creationId xmlns:a16="http://schemas.microsoft.com/office/drawing/2014/main" id="{7F5F9428-EEC1-43FB-A642-C2254610B55E}"/>
               </a:ext>
             </a:extLst>
           </p:cNvPr>
@@ -5664,35 +6304,70 @@
           <a:p>
             <a:r>
               <a:rPr lang="en-US" dirty="0"/>
-              <a:t>Sometimes you want to add strings together</a:t>
-            </a:r>
-          </a:p>
-          <a:p>
-            <a:r>
-              <a:rPr lang="en-US" dirty="0"/>
-              <a:t>We can use the + operator to do this, but this only works for a two strings at a time</a:t>
-            </a:r>
-          </a:p>
-          <a:p>
-            <a:r>
-              <a:rPr lang="en-US" dirty="0"/>
-              <a:t>With </a:t>
-            </a:r>
-            <a:r>
-              <a:rPr lang="en-US" dirty="0" err="1"/>
-              <a:t>concat</a:t>
-            </a:r>
-            <a:r>
-              <a:rPr lang="en-US" dirty="0"/>
-              <a:t>(), we can add as many strings as we want all at once</a:t>
-            </a:r>
-          </a:p>
-        </p:txBody>
-      </p:sp>
+              <a:t>It’s common to receive inputs that do not match the format you need</a:t>
+            </a:r>
+          </a:p>
+          <a:p>
+            <a:r>
+              <a:rPr lang="en-US" dirty="0"/>
+              <a:t>Each whitespace counts as a character, so it will throw off your string operations</a:t>
+            </a:r>
+          </a:p>
+          <a:p>
+            <a:r>
+              <a:rPr lang="en-US" dirty="0"/>
+              <a:t>We can get rid of excess whitespace using </a:t>
+            </a:r>
+            <a:r>
+              <a:rPr lang="en-US" b="1" i="1" dirty="0"/>
+              <a:t>trim()</a:t>
+            </a:r>
+          </a:p>
+          <a:p>
+            <a:endParaRPr lang="en-US" dirty="0"/>
+          </a:p>
+        </p:txBody>
+      </p:sp>
+      <p:pic>
+        <p:nvPicPr>
+          <p:cNvPr id="5" name="Picture 4">
+            <a:extLst>
+              <a:ext uri="{FF2B5EF4-FFF2-40B4-BE49-F238E27FC236}">
+                <a16:creationId xmlns:a16="http://schemas.microsoft.com/office/drawing/2014/main" id="{3EAB10BD-DF19-415A-8096-C4645ACB16E8}"/>
+              </a:ext>
+            </a:extLst>
+          </p:cNvPr>
+          <p:cNvPicPr>
+            <a:picLocks noChangeAspect="1"/>
+          </p:cNvPicPr>
+          <p:nvPr/>
+        </p:nvPicPr>
+        <p:blipFill>
+          <a:blip r:embed="rId2">
+            <a:extLst>
+              <a:ext uri="{28A0092B-C50C-407E-A947-70E740481C1C}">
+                <a14:useLocalDpi xmlns:a14="http://schemas.microsoft.com/office/drawing/2010/main" val="0"/>
+              </a:ext>
+            </a:extLst>
+          </a:blip>
+          <a:stretch>
+            <a:fillRect/>
+          </a:stretch>
+        </p:blipFill>
+        <p:spPr>
+          <a:xfrm>
+            <a:off x="0" y="4323153"/>
+            <a:ext cx="12192000" cy="2534847"/>
+          </a:xfrm>
+          <a:prstGeom prst="rect">
+            <a:avLst/>
+          </a:prstGeom>
+        </p:spPr>
+      </p:pic>
     </p:spTree>
     <p:extLst>
       <p:ext uri="{BB962C8B-B14F-4D97-AF65-F5344CB8AC3E}">
-        <p14:creationId xmlns:p14="http://schemas.microsoft.com/office/powerpoint/2010/main" val="1857644237"/>
+        <p14:creationId xmlns:p14="http://schemas.microsoft.com/office/powerpoint/2010/main" val="2230025414"/>
       </p:ext>
     </p:extLst>
   </p:cSld>
@@ -5724,7 +6399,7 @@
           <p:cNvPr id="2" name="Title 1">
             <a:extLst>
               <a:ext uri="{FF2B5EF4-FFF2-40B4-BE49-F238E27FC236}">
-                <a16:creationId xmlns:a16="http://schemas.microsoft.com/office/drawing/2014/main" id="{5EE4B59F-EA7C-4A2E-B04D-A735476793C2}"/>
+                <a16:creationId xmlns:a16="http://schemas.microsoft.com/office/drawing/2014/main" id="{E401A147-8DFF-426B-ACA6-88BB70C2320C}"/>
               </a:ext>
             </a:extLst>
           </p:cNvPr>
@@ -5741,76 +6416,51 @@
           <a:lstStyle/>
           <a:p>
             <a:r>
-              <a:rPr lang="en-US" b="1" i="1" dirty="0" err="1"/>
-              <a:t>concat</a:t>
-            </a:r>
-            <a:r>
               <a:rPr lang="en-US" b="1" i="1" dirty="0"/>
-              <a:t>(stringToAdd1, stringToAdd2, …)</a:t>
-            </a:r>
-          </a:p>
-        </p:txBody>
-      </p:sp>
-      <p:sp>
-        <p:nvSpPr>
-          <p:cNvPr id="3" name="Content Placeholder 2">
-            <a:extLst>
-              <a:ext uri="{FF2B5EF4-FFF2-40B4-BE49-F238E27FC236}">
-                <a16:creationId xmlns:a16="http://schemas.microsoft.com/office/drawing/2014/main" id="{066CA0AA-90D1-4A8E-8396-96BDC90B18C4}"/>
-              </a:ext>
-            </a:extLst>
-          </p:cNvPr>
-          <p:cNvSpPr>
-            <a:spLocks noGrp="1"/>
-          </p:cNvSpPr>
+              <a:t>trim()</a:t>
+            </a:r>
+          </a:p>
+        </p:txBody>
+      </p:sp>
+      <p:pic>
+        <p:nvPicPr>
+          <p:cNvPr id="5" name="Content Placeholder 4">
+            <a:extLst>
+              <a:ext uri="{FF2B5EF4-FFF2-40B4-BE49-F238E27FC236}">
+                <a16:creationId xmlns:a16="http://schemas.microsoft.com/office/drawing/2014/main" id="{1719E0FE-2435-4AB1-86E9-0BA805205252}"/>
+              </a:ext>
+            </a:extLst>
+          </p:cNvPr>
+          <p:cNvPicPr>
+            <a:picLocks noGrp="1" noChangeAspect="1"/>
+          </p:cNvPicPr>
           <p:nvPr>
             <p:ph idx="1"/>
           </p:nvPr>
-        </p:nvSpPr>
-        <p:spPr/>
-        <p:txBody>
-          <a:bodyPr/>
-          <a:lstStyle/>
-          <a:p>
-            <a:r>
-              <a:rPr lang="en-US" dirty="0"/>
-              <a:t>Let string1 = “google.com”; let string2 = “ is better than ”; let string3 = “bing.com”; let string4 = “ </a:t>
-            </a:r>
-            <a:r>
-              <a:rPr lang="en-US" dirty="0" err="1"/>
-              <a:t>haha</a:t>
-            </a:r>
-            <a:r>
-              <a:rPr lang="en-US" dirty="0"/>
-              <a:t>”;</a:t>
-            </a:r>
-          </a:p>
-          <a:p>
-            <a:r>
-              <a:rPr lang="en-US" dirty="0"/>
-              <a:t>String1.concat(string2, string3, string4);</a:t>
-            </a:r>
-          </a:p>
-          <a:p>
-            <a:r>
-              <a:rPr lang="en-US" dirty="0"/>
-              <a:t>This would return a new string: “google.com is better than bing.com </a:t>
-            </a:r>
-            <a:r>
-              <a:rPr lang="en-US" dirty="0" err="1"/>
-              <a:t>haha</a:t>
-            </a:r>
-            <a:r>
-              <a:rPr lang="en-US" dirty="0"/>
-              <a:t>”</a:t>
-            </a:r>
-          </a:p>
-        </p:txBody>
-      </p:sp>
+        </p:nvPicPr>
+        <p:blipFill>
+          <a:blip r:embed="rId2">
+            <a:extLst>
+              <a:ext uri="{28A0092B-C50C-407E-A947-70E740481C1C}">
+                <a14:useLocalDpi xmlns:a14="http://schemas.microsoft.com/office/drawing/2010/main" val="0"/>
+              </a:ext>
+            </a:extLst>
+          </a:blip>
+          <a:stretch>
+            <a:fillRect/>
+          </a:stretch>
+        </p:blipFill>
+        <p:spPr>
+          <a:xfrm>
+            <a:off x="0" y="2708926"/>
+            <a:ext cx="12192000" cy="2580252"/>
+          </a:xfrm>
+        </p:spPr>
+      </p:pic>
     </p:spTree>
     <p:extLst>
       <p:ext uri="{BB962C8B-B14F-4D97-AF65-F5344CB8AC3E}">
-        <p14:creationId xmlns:p14="http://schemas.microsoft.com/office/powerpoint/2010/main" val="1062557056"/>
+        <p14:creationId xmlns:p14="http://schemas.microsoft.com/office/powerpoint/2010/main" val="4047152142"/>
       </p:ext>
     </p:extLst>
   </p:cSld>
@@ -5842,7 +6492,7 @@
           <p:cNvPr id="2" name="Title 1">
             <a:extLst>
               <a:ext uri="{FF2B5EF4-FFF2-40B4-BE49-F238E27FC236}">
-                <a16:creationId xmlns:a16="http://schemas.microsoft.com/office/drawing/2014/main" id="{649D8E15-E7D1-446B-B00E-EB9F82C9D085}"/>
+                <a16:creationId xmlns:a16="http://schemas.microsoft.com/office/drawing/2014/main" id="{8350BDB3-DD26-44DF-8B2D-B90C75A1BD37}"/>
               </a:ext>
             </a:extLst>
           </p:cNvPr>
@@ -5859,59 +6509,70 @@
           <a:lstStyle/>
           <a:p>
             <a:r>
+              <a:rPr lang="en-US" dirty="0"/>
+              <a:t>Padding</a:t>
+            </a:r>
+          </a:p>
+        </p:txBody>
+      </p:sp>
+      <p:sp>
+        <p:nvSpPr>
+          <p:cNvPr id="3" name="Content Placeholder 2">
+            <a:extLst>
+              <a:ext uri="{FF2B5EF4-FFF2-40B4-BE49-F238E27FC236}">
+                <a16:creationId xmlns:a16="http://schemas.microsoft.com/office/drawing/2014/main" id="{31F629F0-C5BA-4670-A74F-088334F028BF}"/>
+              </a:ext>
+            </a:extLst>
+          </p:cNvPr>
+          <p:cNvSpPr>
+            <a:spLocks noGrp="1"/>
+          </p:cNvSpPr>
+          <p:nvPr>
+            <p:ph idx="1"/>
+          </p:nvPr>
+        </p:nvSpPr>
+        <p:spPr/>
+        <p:txBody>
+          <a:bodyPr/>
+          <a:lstStyle/>
+          <a:p>
+            <a:r>
+              <a:rPr lang="en-US" dirty="0"/>
+              <a:t>Sometimes we want to add characters to either side of string</a:t>
+            </a:r>
+          </a:p>
+          <a:p>
+            <a:r>
+              <a:rPr lang="en-US" b="1" i="1" dirty="0" err="1"/>
+              <a:t>padStart</a:t>
+            </a:r>
+            <a:r>
               <a:rPr lang="en-US" b="1" i="1" dirty="0"/>
-              <a:t>trim()</a:t>
-            </a:r>
-          </a:p>
-        </p:txBody>
-      </p:sp>
-      <p:sp>
-        <p:nvSpPr>
-          <p:cNvPr id="3" name="Content Placeholder 2">
-            <a:extLst>
-              <a:ext uri="{FF2B5EF4-FFF2-40B4-BE49-F238E27FC236}">
-                <a16:creationId xmlns:a16="http://schemas.microsoft.com/office/drawing/2014/main" id="{7F5F9428-EEC1-43FB-A642-C2254610B55E}"/>
-              </a:ext>
-            </a:extLst>
-          </p:cNvPr>
-          <p:cNvSpPr>
-            <a:spLocks noGrp="1"/>
-          </p:cNvSpPr>
-          <p:nvPr>
-            <p:ph idx="1"/>
-          </p:nvPr>
-        </p:nvSpPr>
-        <p:spPr/>
-        <p:txBody>
-          <a:bodyPr/>
-          <a:lstStyle/>
-          <a:p>
-            <a:r>
-              <a:rPr lang="en-US" dirty="0"/>
-              <a:t>It’s common to receive inputs that do not match the format you need</a:t>
-            </a:r>
-          </a:p>
-          <a:p>
-            <a:r>
-              <a:rPr lang="en-US" dirty="0"/>
-              <a:t>Each whitespace counts as a character, so it will throw off your string operations</a:t>
-            </a:r>
-          </a:p>
-          <a:p>
-            <a:r>
-              <a:rPr lang="en-US" dirty="0"/>
-              <a:t>We can get rid of excess whitespace using trim()</a:t>
-            </a:r>
-          </a:p>
-          <a:p>
-            <a:endParaRPr lang="en-US" dirty="0"/>
+              <a:t>() </a:t>
+            </a:r>
+            <a:r>
+              <a:rPr lang="en-US" dirty="0"/>
+              <a:t>and </a:t>
+            </a:r>
+            <a:r>
+              <a:rPr lang="en-US" b="1" i="1" dirty="0" err="1"/>
+              <a:t>padEnd</a:t>
+            </a:r>
+            <a:r>
+              <a:rPr lang="en-US" b="1" i="1" dirty="0"/>
+              <a:t>() </a:t>
+            </a:r>
+            <a:r>
+              <a:rPr lang="en-US" dirty="0"/>
+              <a:t>allow us to do this</a:t>
+            </a:r>
           </a:p>
         </p:txBody>
       </p:sp>
     </p:spTree>
     <p:extLst>
       <p:ext uri="{BB962C8B-B14F-4D97-AF65-F5344CB8AC3E}">
-        <p14:creationId xmlns:p14="http://schemas.microsoft.com/office/powerpoint/2010/main" val="2230025414"/>
+        <p14:creationId xmlns:p14="http://schemas.microsoft.com/office/powerpoint/2010/main" val="3770905875"/>
       </p:ext>
     </p:extLst>
   </p:cSld>
@@ -5943,7 +6604,7 @@
           <p:cNvPr id="2" name="Title 1">
             <a:extLst>
               <a:ext uri="{FF2B5EF4-FFF2-40B4-BE49-F238E27FC236}">
-                <a16:creationId xmlns:a16="http://schemas.microsoft.com/office/drawing/2014/main" id="{E401A147-8DFF-426B-ACA6-88BB70C2320C}"/>
+                <a16:creationId xmlns:a16="http://schemas.microsoft.com/office/drawing/2014/main" id="{BAA48637-4AD6-4FB8-B162-26F0364F9007}"/>
               </a:ext>
             </a:extLst>
           </p:cNvPr>
@@ -5960,8 +6621,12 @@
           <a:lstStyle/>
           <a:p>
             <a:r>
+              <a:rPr lang="en-US" b="1" i="1" dirty="0" err="1"/>
+              <a:t>padStart</a:t>
+            </a:r>
+            <a:r>
               <a:rPr lang="en-US" b="1" i="1" dirty="0"/>
-              <a:t>trim()</a:t>
+              <a:t>(length, character)</a:t>
             </a:r>
           </a:p>
         </p:txBody>
@@ -5971,7 +6636,7 @@
           <p:cNvPr id="3" name="Content Placeholder 2">
             <a:extLst>
               <a:ext uri="{FF2B5EF4-FFF2-40B4-BE49-F238E27FC236}">
-                <a16:creationId xmlns:a16="http://schemas.microsoft.com/office/drawing/2014/main" id="{6CD3E342-C439-41D3-82A8-C90EEDC5318D}"/>
+                <a16:creationId xmlns:a16="http://schemas.microsoft.com/office/drawing/2014/main" id="{18A2B105-E194-495B-8985-6B7A37898E20}"/>
               </a:ext>
             </a:extLst>
           </p:cNvPr>
@@ -5988,32 +6653,72 @@
           <a:lstStyle/>
           <a:p>
             <a:r>
-              <a:rPr lang="en-US" dirty="0"/>
-              <a:t>Let string = “           google.com       “;</a:t>
-            </a:r>
-          </a:p>
-          <a:p>
-            <a:r>
-              <a:rPr lang="en-US" dirty="0"/>
-              <a:t>This would be difficult to operate on, so we can fix it with trim()!</a:t>
-            </a:r>
-          </a:p>
-          <a:p>
-            <a:r>
-              <a:rPr lang="en-US" dirty="0" err="1"/>
-              <a:t>String.trim</a:t>
-            </a:r>
-            <a:r>
-              <a:rPr lang="en-US" dirty="0"/>
-              <a:t>() would give us a nicer string -&gt; “google.com”</a:t>
-            </a:r>
-          </a:p>
-        </p:txBody>
-      </p:sp>
+              <a:rPr lang="en-US" b="1" i="1" dirty="0" err="1"/>
+              <a:t>padStart</a:t>
+            </a:r>
+            <a:r>
+              <a:rPr lang="en-US" b="1" i="1" dirty="0"/>
+              <a:t>()</a:t>
+            </a:r>
+            <a:r>
+              <a:rPr lang="en-US" dirty="0"/>
+              <a:t> adds characters to the beginning of your string</a:t>
+            </a:r>
+          </a:p>
+          <a:p>
+            <a:r>
+              <a:rPr lang="en-US" dirty="0"/>
+              <a:t>It will add that character until it reaches a certain length</a:t>
+            </a:r>
+          </a:p>
+          <a:p>
+            <a:pPr marL="0" indent="0">
+              <a:buNone/>
+            </a:pPr>
+            <a:endParaRPr lang="en-US" dirty="0"/>
+          </a:p>
+        </p:txBody>
+      </p:sp>
+      <p:pic>
+        <p:nvPicPr>
+          <p:cNvPr id="5" name="Picture 4">
+            <a:extLst>
+              <a:ext uri="{FF2B5EF4-FFF2-40B4-BE49-F238E27FC236}">
+                <a16:creationId xmlns:a16="http://schemas.microsoft.com/office/drawing/2014/main" id="{AEC3DEEF-0BBB-458E-A57C-C89EFD3DD2CB}"/>
+              </a:ext>
+            </a:extLst>
+          </p:cNvPr>
+          <p:cNvPicPr>
+            <a:picLocks noChangeAspect="1"/>
+          </p:cNvPicPr>
+          <p:nvPr/>
+        </p:nvPicPr>
+        <p:blipFill>
+          <a:blip r:embed="rId2">
+            <a:extLst>
+              <a:ext uri="{28A0092B-C50C-407E-A947-70E740481C1C}">
+                <a14:useLocalDpi xmlns:a14="http://schemas.microsoft.com/office/drawing/2010/main" val="0"/>
+              </a:ext>
+            </a:extLst>
+          </a:blip>
+          <a:stretch>
+            <a:fillRect/>
+          </a:stretch>
+        </p:blipFill>
+        <p:spPr>
+          <a:xfrm>
+            <a:off x="0" y="3039520"/>
+            <a:ext cx="12192000" cy="3818480"/>
+          </a:xfrm>
+          <a:prstGeom prst="rect">
+            <a:avLst/>
+          </a:prstGeom>
+        </p:spPr>
+      </p:pic>
     </p:spTree>
     <p:extLst>
       <p:ext uri="{BB962C8B-B14F-4D97-AF65-F5344CB8AC3E}">
-        <p14:creationId xmlns:p14="http://schemas.microsoft.com/office/powerpoint/2010/main" val="4047152142"/>
+        <p14:creationId xmlns:p14="http://schemas.microsoft.com/office/powerpoint/2010/main" val="3429365717"/>
       </p:ext>
     </p:extLst>
   </p:cSld>
@@ -6191,7 +6896,7 @@
           <p:cNvPr id="2" name="Title 1">
             <a:extLst>
               <a:ext uri="{FF2B5EF4-FFF2-40B4-BE49-F238E27FC236}">
-                <a16:creationId xmlns:a16="http://schemas.microsoft.com/office/drawing/2014/main" id="{8350BDB3-DD26-44DF-8B2D-B90C75A1BD37}"/>
+                <a16:creationId xmlns:a16="http://schemas.microsoft.com/office/drawing/2014/main" id="{829E1798-ADA2-411F-85E5-63BC8C6B2D6C}"/>
               </a:ext>
             </a:extLst>
           </p:cNvPr>
@@ -6208,8 +6913,12 @@
           <a:lstStyle/>
           <a:p>
             <a:r>
-              <a:rPr lang="en-US" dirty="0"/>
-              <a:t>Padding</a:t>
+              <a:rPr lang="en-US" b="1" i="1" dirty="0" err="1"/>
+              <a:t>padEnd</a:t>
+            </a:r>
+            <a:r>
+              <a:rPr lang="en-US" b="1" i="1" dirty="0"/>
+              <a:t>(length, character)</a:t>
             </a:r>
           </a:p>
         </p:txBody>
@@ -6219,7 +6928,7 @@
           <p:cNvPr id="3" name="Content Placeholder 2">
             <a:extLst>
               <a:ext uri="{FF2B5EF4-FFF2-40B4-BE49-F238E27FC236}">
-                <a16:creationId xmlns:a16="http://schemas.microsoft.com/office/drawing/2014/main" id="{31F629F0-C5BA-4670-A74F-088334F028BF}"/>
+                <a16:creationId xmlns:a16="http://schemas.microsoft.com/office/drawing/2014/main" id="{747AEBE1-495C-4977-A4C4-56BE41354904}"/>
               </a:ext>
             </a:extLst>
           </p:cNvPr>
@@ -6237,33 +6946,63 @@
           <a:p>
             <a:r>
               <a:rPr lang="en-US" dirty="0"/>
-              <a:t>Sometimes we want to add characters to either side of string</a:t>
-            </a:r>
-          </a:p>
-          <a:p>
-            <a:r>
-              <a:rPr lang="en-US" dirty="0" err="1"/>
+              <a:t>Works similar to </a:t>
+            </a:r>
+            <a:r>
+              <a:rPr lang="en-US" b="1" i="1" dirty="0" err="1"/>
               <a:t>padStart</a:t>
             </a:r>
             <a:r>
-              <a:rPr lang="en-US" dirty="0"/>
-              <a:t>() and </a:t>
-            </a:r>
-            <a:r>
-              <a:rPr lang="en-US" dirty="0" err="1"/>
-              <a:t>padEnd</a:t>
-            </a:r>
-            <a:r>
-              <a:rPr lang="en-US" dirty="0"/>
-              <a:t>() allow us to do this</a:t>
-            </a:r>
-          </a:p>
-        </p:txBody>
-      </p:sp>
+              <a:rPr lang="en-US" b="1" i="1" dirty="0"/>
+              <a:t>()</a:t>
+            </a:r>
+            <a:r>
+              <a:rPr lang="en-US" dirty="0"/>
+              <a:t>, but adds to the end of the string instead of the beginning</a:t>
+            </a:r>
+          </a:p>
+        </p:txBody>
+      </p:sp>
+      <p:pic>
+        <p:nvPicPr>
+          <p:cNvPr id="5" name="Picture 4">
+            <a:extLst>
+              <a:ext uri="{FF2B5EF4-FFF2-40B4-BE49-F238E27FC236}">
+                <a16:creationId xmlns:a16="http://schemas.microsoft.com/office/drawing/2014/main" id="{44A07AFE-C8BF-4BE1-AE60-E184C2EA546C}"/>
+              </a:ext>
+            </a:extLst>
+          </p:cNvPr>
+          <p:cNvPicPr>
+            <a:picLocks noChangeAspect="1"/>
+          </p:cNvPicPr>
+          <p:nvPr/>
+        </p:nvPicPr>
+        <p:blipFill>
+          <a:blip r:embed="rId2">
+            <a:extLst>
+              <a:ext uri="{28A0092B-C50C-407E-A947-70E740481C1C}">
+                <a14:useLocalDpi xmlns:a14="http://schemas.microsoft.com/office/drawing/2010/main" val="0"/>
+              </a:ext>
+            </a:extLst>
+          </a:blip>
+          <a:stretch>
+            <a:fillRect/>
+          </a:stretch>
+        </p:blipFill>
+        <p:spPr>
+          <a:xfrm>
+            <a:off x="0" y="2943315"/>
+            <a:ext cx="12192000" cy="3914685"/>
+          </a:xfrm>
+          <a:prstGeom prst="rect">
+            <a:avLst/>
+          </a:prstGeom>
+        </p:spPr>
+      </p:pic>
     </p:spTree>
     <p:extLst>
       <p:ext uri="{BB962C8B-B14F-4D97-AF65-F5344CB8AC3E}">
-        <p14:creationId xmlns:p14="http://schemas.microsoft.com/office/powerpoint/2010/main" val="3770905875"/>
+        <p14:creationId xmlns:p14="http://schemas.microsoft.com/office/powerpoint/2010/main" val="3664157333"/>
       </p:ext>
     </p:extLst>
   </p:cSld>
@@ -6295,7 +7034,7 @@
           <p:cNvPr id="2" name="Title 1">
             <a:extLst>
               <a:ext uri="{FF2B5EF4-FFF2-40B4-BE49-F238E27FC236}">
-                <a16:creationId xmlns:a16="http://schemas.microsoft.com/office/drawing/2014/main" id="{BAA48637-4AD6-4FB8-B162-26F0364F9007}"/>
+                <a16:creationId xmlns:a16="http://schemas.microsoft.com/office/drawing/2014/main" id="{9A5AEBE2-6DA7-493A-BA5C-E267C4B8CC86}"/>
               </a:ext>
             </a:extLst>
           </p:cNvPr>
@@ -6312,80 +7051,70 @@
           <a:lstStyle/>
           <a:p>
             <a:r>
+              <a:rPr lang="en-US" dirty="0"/>
+              <a:t>Accessing String Characters</a:t>
+            </a:r>
+          </a:p>
+        </p:txBody>
+      </p:sp>
+      <p:sp>
+        <p:nvSpPr>
+          <p:cNvPr id="3" name="Content Placeholder 2">
+            <a:extLst>
+              <a:ext uri="{FF2B5EF4-FFF2-40B4-BE49-F238E27FC236}">
+                <a16:creationId xmlns:a16="http://schemas.microsoft.com/office/drawing/2014/main" id="{BA60495E-0D87-4DC9-8230-13BEDF2C5B8A}"/>
+              </a:ext>
+            </a:extLst>
+          </p:cNvPr>
+          <p:cNvSpPr>
+            <a:spLocks noGrp="1"/>
+          </p:cNvSpPr>
+          <p:nvPr>
+            <p:ph idx="1"/>
+          </p:nvPr>
+        </p:nvSpPr>
+        <p:spPr/>
+        <p:txBody>
+          <a:bodyPr/>
+          <a:lstStyle/>
+          <a:p>
+            <a:r>
+              <a:rPr lang="en-US" dirty="0"/>
+              <a:t>We have three ways we can access string characters</a:t>
+            </a:r>
+          </a:p>
+          <a:p>
+            <a:r>
               <a:rPr lang="en-US" b="1" i="1" dirty="0" err="1"/>
-              <a:t>padStart</a:t>
+              <a:t>charAt</a:t>
             </a:r>
             <a:r>
               <a:rPr lang="en-US" b="1" i="1" dirty="0"/>
-              <a:t>(length, character)</a:t>
-            </a:r>
-          </a:p>
-        </p:txBody>
-      </p:sp>
-      <p:sp>
-        <p:nvSpPr>
-          <p:cNvPr id="3" name="Content Placeholder 2">
-            <a:extLst>
-              <a:ext uri="{FF2B5EF4-FFF2-40B4-BE49-F238E27FC236}">
-                <a16:creationId xmlns:a16="http://schemas.microsoft.com/office/drawing/2014/main" id="{18A2B105-E194-495B-8985-6B7A37898E20}"/>
-              </a:ext>
-            </a:extLst>
-          </p:cNvPr>
-          <p:cNvSpPr>
-            <a:spLocks noGrp="1"/>
-          </p:cNvSpPr>
-          <p:nvPr>
-            <p:ph idx="1"/>
-          </p:nvPr>
-        </p:nvSpPr>
-        <p:spPr/>
-        <p:txBody>
-          <a:bodyPr/>
-          <a:lstStyle/>
-          <a:p>
-            <a:r>
-              <a:rPr lang="en-US" dirty="0" err="1"/>
-              <a:t>padStart</a:t>
-            </a:r>
-            <a:r>
-              <a:rPr lang="en-US" dirty="0"/>
-              <a:t> adds characters to the beginning of your string</a:t>
-            </a:r>
-          </a:p>
-          <a:p>
-            <a:r>
-              <a:rPr lang="en-US" dirty="0"/>
-              <a:t>It will add that character until it reaches a certain length</a:t>
-            </a:r>
-          </a:p>
-          <a:p>
-            <a:r>
-              <a:rPr lang="en-US" dirty="0"/>
-              <a:t>Let string = “google.com”; // 10 characters long</a:t>
-            </a:r>
-          </a:p>
-          <a:p>
-            <a:r>
-              <a:rPr lang="en-US" dirty="0" err="1"/>
-              <a:t>String.padStart</a:t>
-            </a:r>
-            <a:r>
-              <a:rPr lang="en-US" dirty="0"/>
-              <a:t>(“ “, 15) would change string to: “     google.com”</a:t>
-            </a:r>
-          </a:p>
-          <a:p>
-            <a:pPr marL="0" indent="0">
-              <a:buNone/>
-            </a:pPr>
-            <a:endParaRPr lang="en-US" dirty="0"/>
+              <a:t>(index)</a:t>
+            </a:r>
+          </a:p>
+          <a:p>
+            <a:r>
+              <a:rPr lang="en-US" b="1" i="1" dirty="0" err="1"/>
+              <a:t>charCodeAt</a:t>
+            </a:r>
+            <a:r>
+              <a:rPr lang="en-US" b="1" i="1" dirty="0"/>
+              <a:t>(index)</a:t>
+            </a:r>
+          </a:p>
+          <a:p>
+            <a:r>
+              <a:rPr lang="en-US" b="1" i="1" dirty="0"/>
+              <a:t>string[index]</a:t>
+            </a:r>
           </a:p>
         </p:txBody>
       </p:sp>
     </p:spTree>
     <p:extLst>
       <p:ext uri="{BB962C8B-B14F-4D97-AF65-F5344CB8AC3E}">
-        <p14:creationId xmlns:p14="http://schemas.microsoft.com/office/powerpoint/2010/main" val="3429365717"/>
+        <p14:creationId xmlns:p14="http://schemas.microsoft.com/office/powerpoint/2010/main" val="4172636288"/>
       </p:ext>
     </p:extLst>
   </p:cSld>
@@ -6417,7 +7146,7 @@
           <p:cNvPr id="2" name="Title 1">
             <a:extLst>
               <a:ext uri="{FF2B5EF4-FFF2-40B4-BE49-F238E27FC236}">
-                <a16:creationId xmlns:a16="http://schemas.microsoft.com/office/drawing/2014/main" id="{829E1798-ADA2-411F-85E5-63BC8C6B2D6C}"/>
+                <a16:creationId xmlns:a16="http://schemas.microsoft.com/office/drawing/2014/main" id="{B827A829-7A62-429C-968C-37504E2C68EB}"/>
               </a:ext>
             </a:extLst>
           </p:cNvPr>
@@ -6435,11 +7164,11 @@
           <a:p>
             <a:r>
               <a:rPr lang="en-US" b="1" i="1" dirty="0" err="1"/>
-              <a:t>padEnd</a:t>
+              <a:t>charAt</a:t>
             </a:r>
             <a:r>
               <a:rPr lang="en-US" b="1" i="1" dirty="0"/>
-              <a:t>(length, character)</a:t>
+              <a:t>(index)</a:t>
             </a:r>
           </a:p>
         </p:txBody>
@@ -6449,7 +7178,7 @@
           <p:cNvPr id="3" name="Content Placeholder 2">
             <a:extLst>
               <a:ext uri="{FF2B5EF4-FFF2-40B4-BE49-F238E27FC236}">
-                <a16:creationId xmlns:a16="http://schemas.microsoft.com/office/drawing/2014/main" id="{747AEBE1-495C-4977-A4C4-56BE41354904}"/>
+                <a16:creationId xmlns:a16="http://schemas.microsoft.com/office/drawing/2014/main" id="{B5F34B5F-A239-4BC9-BA30-51AC7B4902C4}"/>
               </a:ext>
             </a:extLst>
           </p:cNvPr>
@@ -6467,47 +7196,57 @@
           <a:p>
             <a:r>
               <a:rPr lang="en-US" dirty="0"/>
-              <a:t>Works the same way as </a:t>
-            </a:r>
-            <a:r>
-              <a:rPr lang="en-US" dirty="0" err="1"/>
-              <a:t>padStart</a:t>
-            </a:r>
-            <a:r>
-              <a:rPr lang="en-US" dirty="0"/>
-              <a:t>(), but on the tail end of the string</a:t>
-            </a:r>
-          </a:p>
-          <a:p>
-            <a:r>
-              <a:rPr lang="en-US" dirty="0"/>
-              <a:t>Let string = “google.com”; // 10 characters</a:t>
-            </a:r>
-          </a:p>
-          <a:p>
-            <a:r>
-              <a:rPr lang="en-US" dirty="0" err="1"/>
-              <a:t>string.padStart</a:t>
-            </a:r>
-            <a:r>
-              <a:rPr lang="en-US" dirty="0"/>
-              <a:t>(15, “xo”); would change string to “</a:t>
-            </a:r>
-            <a:r>
-              <a:rPr lang="en-US" dirty="0" err="1"/>
-              <a:t>google.comxoxox</a:t>
-            </a:r>
-            <a:r>
-              <a:rPr lang="en-US" dirty="0"/>
-              <a:t>”</a:t>
-            </a:r>
-          </a:p>
-        </p:txBody>
-      </p:sp>
+              <a:t>Returns the character at the given index of a string</a:t>
+            </a:r>
+          </a:p>
+          <a:p>
+            <a:r>
+              <a:rPr lang="en-US" dirty="0"/>
+              <a:t>Returns an empty string if you access an index that does not exist</a:t>
+            </a:r>
+          </a:p>
+        </p:txBody>
+      </p:sp>
+      <p:pic>
+        <p:nvPicPr>
+          <p:cNvPr id="5" name="Picture 4">
+            <a:extLst>
+              <a:ext uri="{FF2B5EF4-FFF2-40B4-BE49-F238E27FC236}">
+                <a16:creationId xmlns:a16="http://schemas.microsoft.com/office/drawing/2014/main" id="{EAF07310-2D4A-4DAC-82E2-90004B7E6F3E}"/>
+              </a:ext>
+            </a:extLst>
+          </p:cNvPr>
+          <p:cNvPicPr>
+            <a:picLocks noChangeAspect="1"/>
+          </p:cNvPicPr>
+          <p:nvPr/>
+        </p:nvPicPr>
+        <p:blipFill>
+          <a:blip r:embed="rId2">
+            <a:extLst>
+              <a:ext uri="{28A0092B-C50C-407E-A947-70E740481C1C}">
+                <a14:useLocalDpi xmlns:a14="http://schemas.microsoft.com/office/drawing/2010/main" val="0"/>
+              </a:ext>
+            </a:extLst>
+          </a:blip>
+          <a:stretch>
+            <a:fillRect/>
+          </a:stretch>
+        </p:blipFill>
+        <p:spPr>
+          <a:xfrm>
+            <a:off x="0" y="2857079"/>
+            <a:ext cx="6096000" cy="4000921"/>
+          </a:xfrm>
+          <a:prstGeom prst="rect">
+            <a:avLst/>
+          </a:prstGeom>
+        </p:spPr>
+      </p:pic>
     </p:spTree>
     <p:extLst>
       <p:ext uri="{BB962C8B-B14F-4D97-AF65-F5344CB8AC3E}">
-        <p14:creationId xmlns:p14="http://schemas.microsoft.com/office/powerpoint/2010/main" val="3664157333"/>
+        <p14:creationId xmlns:p14="http://schemas.microsoft.com/office/powerpoint/2010/main" val="175046727"/>
       </p:ext>
     </p:extLst>
   </p:cSld>
@@ -6539,7 +7278,7 @@
           <p:cNvPr id="2" name="Title 1">
             <a:extLst>
               <a:ext uri="{FF2B5EF4-FFF2-40B4-BE49-F238E27FC236}">
-                <a16:creationId xmlns:a16="http://schemas.microsoft.com/office/drawing/2014/main" id="{9A5AEBE2-6DA7-493A-BA5C-E267C4B8CC86}"/>
+                <a16:creationId xmlns:a16="http://schemas.microsoft.com/office/drawing/2014/main" id="{97BDCD7B-23CD-4CAD-8F60-254E5208020C}"/>
               </a:ext>
             </a:extLst>
           </p:cNvPr>
@@ -6556,70 +7295,106 @@
           <a:lstStyle/>
           <a:p>
             <a:r>
-              <a:rPr lang="en-US" dirty="0"/>
-              <a:t>Accessing String Characters</a:t>
-            </a:r>
-          </a:p>
-        </p:txBody>
-      </p:sp>
-      <p:sp>
-        <p:nvSpPr>
-          <p:cNvPr id="3" name="Content Placeholder 2">
-            <a:extLst>
-              <a:ext uri="{FF2B5EF4-FFF2-40B4-BE49-F238E27FC236}">
-                <a16:creationId xmlns:a16="http://schemas.microsoft.com/office/drawing/2014/main" id="{BA60495E-0D87-4DC9-8230-13BEDF2C5B8A}"/>
-              </a:ext>
-            </a:extLst>
-          </p:cNvPr>
-          <p:cNvSpPr>
-            <a:spLocks noGrp="1"/>
-          </p:cNvSpPr>
-          <p:nvPr>
-            <p:ph idx="1"/>
-          </p:nvPr>
-        </p:nvSpPr>
-        <p:spPr/>
-        <p:txBody>
-          <a:bodyPr/>
-          <a:lstStyle/>
-          <a:p>
-            <a:r>
-              <a:rPr lang="en-US" dirty="0"/>
-              <a:t>We have three ways we can access string characters</a:t>
-            </a:r>
-          </a:p>
-          <a:p>
-            <a:r>
               <a:rPr lang="en-US" b="1" i="1" dirty="0" err="1"/>
-              <a:t>charAt</a:t>
+              <a:t>charCodeAt</a:t>
             </a:r>
             <a:r>
               <a:rPr lang="en-US" b="1" i="1" dirty="0"/>
               <a:t>(index)</a:t>
             </a:r>
           </a:p>
-          <a:p>
-            <a:r>
-              <a:rPr lang="en-US" b="1" i="1" dirty="0" err="1"/>
+        </p:txBody>
+      </p:sp>
+      <p:sp>
+        <p:nvSpPr>
+          <p:cNvPr id="3" name="Content Placeholder 2">
+            <a:extLst>
+              <a:ext uri="{FF2B5EF4-FFF2-40B4-BE49-F238E27FC236}">
+                <a16:creationId xmlns:a16="http://schemas.microsoft.com/office/drawing/2014/main" id="{9CD5CCF0-703C-4547-817F-18E75590D4A2}"/>
+              </a:ext>
+            </a:extLst>
+          </p:cNvPr>
+          <p:cNvSpPr>
+            <a:spLocks noGrp="1"/>
+          </p:cNvSpPr>
+          <p:nvPr>
+            <p:ph idx="1"/>
+          </p:nvPr>
+        </p:nvSpPr>
+        <p:spPr/>
+        <p:txBody>
+          <a:bodyPr/>
+          <a:lstStyle/>
+          <a:p>
+            <a:r>
+              <a:rPr lang="en-US" dirty="0"/>
+              <a:t>Sometimes you might have to work with strings/characters in languages other than English </a:t>
+            </a:r>
+          </a:p>
+          <a:p>
+            <a:r>
+              <a:rPr lang="en-US" dirty="0"/>
+              <a:t>Unicode is a set of characters that encompasses all characters in every language</a:t>
+            </a:r>
+          </a:p>
+          <a:p>
+            <a:r>
+              <a:rPr lang="en-US" dirty="0" err="1"/>
               <a:t>charCodeAt</a:t>
             </a:r>
             <a:r>
-              <a:rPr lang="en-US" b="1" i="1" dirty="0"/>
-              <a:t>(index)</a:t>
-            </a:r>
-          </a:p>
-          <a:p>
-            <a:r>
-              <a:rPr lang="en-US" b="1" i="1" dirty="0"/>
-              <a:t>string[index]</a:t>
-            </a:r>
-          </a:p>
-        </p:txBody>
-      </p:sp>
+              <a:rPr lang="en-US" dirty="0"/>
+              <a:t>() ensures that you will be able to work with any character of every language </a:t>
+            </a:r>
+          </a:p>
+          <a:p>
+            <a:r>
+              <a:rPr lang="en-US" dirty="0"/>
+              <a:t>Returns a Unicode of the character at a specified index of a string</a:t>
+            </a:r>
+          </a:p>
+        </p:txBody>
+      </p:sp>
+      <p:pic>
+        <p:nvPicPr>
+          <p:cNvPr id="5" name="Picture 4">
+            <a:extLst>
+              <a:ext uri="{FF2B5EF4-FFF2-40B4-BE49-F238E27FC236}">
+                <a16:creationId xmlns:a16="http://schemas.microsoft.com/office/drawing/2014/main" id="{6C5702D0-0A35-4711-BCCA-B55AAD53D3E8}"/>
+              </a:ext>
+            </a:extLst>
+          </p:cNvPr>
+          <p:cNvPicPr>
+            <a:picLocks noChangeAspect="1"/>
+          </p:cNvPicPr>
+          <p:nvPr/>
+        </p:nvPicPr>
+        <p:blipFill>
+          <a:blip r:embed="rId3">
+            <a:extLst>
+              <a:ext uri="{28A0092B-C50C-407E-A947-70E740481C1C}">
+                <a14:useLocalDpi xmlns:a14="http://schemas.microsoft.com/office/drawing/2010/main" val="0"/>
+              </a:ext>
+            </a:extLst>
+          </a:blip>
+          <a:stretch>
+            <a:fillRect/>
+          </a:stretch>
+        </p:blipFill>
+        <p:spPr>
+          <a:xfrm>
+            <a:off x="0" y="4913627"/>
+            <a:ext cx="4343400" cy="1944373"/>
+          </a:xfrm>
+          <a:prstGeom prst="rect">
+            <a:avLst/>
+          </a:prstGeom>
+        </p:spPr>
+      </p:pic>
     </p:spTree>
     <p:extLst>
       <p:ext uri="{BB962C8B-B14F-4D97-AF65-F5344CB8AC3E}">
-        <p14:creationId xmlns:p14="http://schemas.microsoft.com/office/powerpoint/2010/main" val="4172636288"/>
+        <p14:creationId xmlns:p14="http://schemas.microsoft.com/office/powerpoint/2010/main" val="395645174"/>
       </p:ext>
     </p:extLst>
   </p:cSld>
@@ -6651,7 +7426,7 @@
           <p:cNvPr id="2" name="Title 1">
             <a:extLst>
               <a:ext uri="{FF2B5EF4-FFF2-40B4-BE49-F238E27FC236}">
-                <a16:creationId xmlns:a16="http://schemas.microsoft.com/office/drawing/2014/main" id="{B827A829-7A62-429C-968C-37504E2C68EB}"/>
+                <a16:creationId xmlns:a16="http://schemas.microsoft.com/office/drawing/2014/main" id="{DEB362B4-4C6E-41AE-856D-E91C51F903F4}"/>
               </a:ext>
             </a:extLst>
           </p:cNvPr>
@@ -6668,12 +7443,8 @@
           <a:lstStyle/>
           <a:p>
             <a:r>
-              <a:rPr lang="en-US" b="1" i="1" dirty="0" err="1"/>
-              <a:t>charAt</a:t>
-            </a:r>
-            <a:r>
-              <a:rPr lang="en-US" b="1" i="1" dirty="0"/>
-              <a:t>(index)</a:t>
+              <a:rPr lang="en-US" dirty="0"/>
+              <a:t>Property Access </a:t>
             </a:r>
           </a:p>
         </p:txBody>
@@ -6683,7 +7454,7 @@
           <p:cNvPr id="3" name="Content Placeholder 2">
             <a:extLst>
               <a:ext uri="{FF2B5EF4-FFF2-40B4-BE49-F238E27FC236}">
-                <a16:creationId xmlns:a16="http://schemas.microsoft.com/office/drawing/2014/main" id="{B5F34B5F-A239-4BC9-BA30-51AC7B4902C4}"/>
+                <a16:creationId xmlns:a16="http://schemas.microsoft.com/office/drawing/2014/main" id="{6AE3CC33-9CFD-4398-BA4F-C968F77F8734}"/>
               </a:ext>
             </a:extLst>
           </p:cNvPr>
@@ -6701,41 +7472,73 @@
           <a:p>
             <a:r>
               <a:rPr lang="en-US" dirty="0"/>
-              <a:t>Returns the character at the given index of a string</a:t>
-            </a:r>
-          </a:p>
-          <a:p>
-            <a:r>
-              <a:rPr lang="en-US" dirty="0"/>
-              <a:t>let classic = “Hello world”;</a:t>
-            </a:r>
-          </a:p>
-          <a:p>
-            <a:r>
-              <a:rPr lang="en-US" dirty="0"/>
-              <a:t>let character = </a:t>
-            </a:r>
-            <a:r>
-              <a:rPr lang="en-US" dirty="0" err="1"/>
-              <a:t>classic.charAt</a:t>
-            </a:r>
-            <a:r>
-              <a:rPr lang="en-US" dirty="0"/>
-              <a:t>(0); // character is ‘H’</a:t>
-            </a:r>
-          </a:p>
-          <a:p>
-            <a:r>
-              <a:rPr lang="en-US" dirty="0"/>
-              <a:t>Returns an empty string if you access an index that does not exist</a:t>
-            </a:r>
-          </a:p>
-        </p:txBody>
-      </p:sp>
+              <a:t>We can access the indexes of an array using brackets []</a:t>
+            </a:r>
+          </a:p>
+          <a:p>
+            <a:r>
+              <a:rPr lang="en-US" dirty="0"/>
+              <a:t>This is the same way you access the values of an array, however this </a:t>
+            </a:r>
+            <a:r>
+              <a:rPr lang="en-US" b="1" dirty="0"/>
+              <a:t>does not </a:t>
+            </a:r>
+            <a:r>
+              <a:rPr lang="en-US" dirty="0"/>
+              <a:t>mean the string you are accessing </a:t>
+            </a:r>
+            <a:r>
+              <a:rPr lang="en-US" i="1" dirty="0"/>
+              <a:t>is</a:t>
+            </a:r>
+            <a:r>
+              <a:rPr lang="en-US" dirty="0"/>
+              <a:t> an array</a:t>
+            </a:r>
+          </a:p>
+        </p:txBody>
+      </p:sp>
+      <p:pic>
+        <p:nvPicPr>
+          <p:cNvPr id="5" name="Picture 4">
+            <a:extLst>
+              <a:ext uri="{FF2B5EF4-FFF2-40B4-BE49-F238E27FC236}">
+                <a16:creationId xmlns:a16="http://schemas.microsoft.com/office/drawing/2014/main" id="{AF9C8562-30B3-438D-A112-5BC20316CAB7}"/>
+              </a:ext>
+            </a:extLst>
+          </p:cNvPr>
+          <p:cNvPicPr>
+            <a:picLocks noChangeAspect="1"/>
+          </p:cNvPicPr>
+          <p:nvPr/>
+        </p:nvPicPr>
+        <p:blipFill>
+          <a:blip r:embed="rId2">
+            <a:extLst>
+              <a:ext uri="{28A0092B-C50C-407E-A947-70E740481C1C}">
+                <a14:useLocalDpi xmlns:a14="http://schemas.microsoft.com/office/drawing/2010/main" val="0"/>
+              </a:ext>
+            </a:extLst>
+          </a:blip>
+          <a:stretch>
+            <a:fillRect/>
+          </a:stretch>
+        </p:blipFill>
+        <p:spPr>
+          <a:xfrm>
+            <a:off x="0" y="4089570"/>
+            <a:ext cx="6096000" cy="2768430"/>
+          </a:xfrm>
+          <a:prstGeom prst="rect">
+            <a:avLst/>
+          </a:prstGeom>
+        </p:spPr>
+      </p:pic>
     </p:spTree>
     <p:extLst>
       <p:ext uri="{BB962C8B-B14F-4D97-AF65-F5344CB8AC3E}">
-        <p14:creationId xmlns:p14="http://schemas.microsoft.com/office/powerpoint/2010/main" val="175046727"/>
+        <p14:creationId xmlns:p14="http://schemas.microsoft.com/office/powerpoint/2010/main" val="3517314046"/>
       </p:ext>
     </p:extLst>
   </p:cSld>
@@ -6767,7 +7570,7 @@
           <p:cNvPr id="2" name="Title 1">
             <a:extLst>
               <a:ext uri="{FF2B5EF4-FFF2-40B4-BE49-F238E27FC236}">
-                <a16:creationId xmlns:a16="http://schemas.microsoft.com/office/drawing/2014/main" id="{97BDCD7B-23CD-4CAD-8F60-254E5208020C}"/>
+                <a16:creationId xmlns:a16="http://schemas.microsoft.com/office/drawing/2014/main" id="{227E0174-1A99-405B-9AB3-15DD9A5833E2}"/>
               </a:ext>
             </a:extLst>
           </p:cNvPr>
@@ -6784,12 +7587,8 @@
           <a:lstStyle/>
           <a:p>
             <a:r>
-              <a:rPr lang="en-US" b="1" i="1" dirty="0" err="1"/>
-              <a:t>charCodeAt</a:t>
-            </a:r>
-            <a:r>
-              <a:rPr lang="en-US" b="1" i="1" dirty="0"/>
-              <a:t>(index)</a:t>
+              <a:rPr lang="en-US" dirty="0"/>
+              <a:t>Property Access</a:t>
             </a:r>
           </a:p>
         </p:txBody>
@@ -6799,7 +7598,7 @@
           <p:cNvPr id="3" name="Content Placeholder 2">
             <a:extLst>
               <a:ext uri="{FF2B5EF4-FFF2-40B4-BE49-F238E27FC236}">
-                <a16:creationId xmlns:a16="http://schemas.microsoft.com/office/drawing/2014/main" id="{9CD5CCF0-703C-4547-817F-18E75590D4A2}"/>
+                <a16:creationId xmlns:a16="http://schemas.microsoft.com/office/drawing/2014/main" id="{4D353293-DDC1-497D-8100-D1BE0A5D0AAE}"/>
               </a:ext>
             </a:extLst>
           </p:cNvPr>
@@ -6817,29 +7616,35 @@
           <a:p>
             <a:r>
               <a:rPr lang="en-US" dirty="0"/>
-              <a:t>Sometimes you might have to work with strings/characters in languages other than English </a:t>
-            </a:r>
-          </a:p>
-          <a:p>
-            <a:r>
-              <a:rPr lang="en-US" dirty="0"/>
-              <a:t>Unicode is a set of characters that encompasses all characters in every language</a:t>
-            </a:r>
-          </a:p>
-          <a:p>
-            <a:r>
-              <a:rPr lang="en-US" dirty="0" err="1"/>
-              <a:t>charCodeAt</a:t>
-            </a:r>
-            <a:r>
-              <a:rPr lang="en-US" dirty="0"/>
-              <a:t>() ensures that you will be able to work with any character of every language </a:t>
-            </a:r>
-          </a:p>
-          <a:p>
-            <a:r>
-              <a:rPr lang="en-US" dirty="0"/>
-              <a:t>Returns a Unicode of the character at a specified index of a string</a:t>
+              <a:t>This method can be unreliable</a:t>
+            </a:r>
+          </a:p>
+          <a:p>
+            <a:pPr lvl="1"/>
+            <a:r>
+              <a:rPr lang="en-US" dirty="0"/>
+              <a:t>It makes strings appear like they are arrays</a:t>
+            </a:r>
+          </a:p>
+          <a:p>
+            <a:pPr lvl="1"/>
+            <a:r>
+              <a:rPr lang="en-US" dirty="0"/>
+              <a:t>It returns undefined if there is no character at the index specified</a:t>
+            </a:r>
+          </a:p>
+          <a:p>
+            <a:pPr lvl="1"/>
+            <a:r>
+              <a:rPr lang="en-US" dirty="0"/>
+              <a:t>You can read indexes this way, but not assign them (remember, strings are immutable)</a:t>
+            </a:r>
+          </a:p>
+          <a:p>
+            <a:pPr lvl="2"/>
+            <a:r>
+              <a:rPr lang="en-US" dirty="0"/>
+              <a:t>You will not get an error if you try to assign something to an index this way, but it will not work</a:t>
             </a:r>
           </a:p>
         </p:txBody>
@@ -6847,7 +7652,7 @@
     </p:spTree>
     <p:extLst>
       <p:ext uri="{BB962C8B-B14F-4D97-AF65-F5344CB8AC3E}">
-        <p14:creationId xmlns:p14="http://schemas.microsoft.com/office/powerpoint/2010/main" val="395645174"/>
+        <p14:creationId xmlns:p14="http://schemas.microsoft.com/office/powerpoint/2010/main" val="4236199391"/>
       </p:ext>
     </p:extLst>
   </p:cSld>
@@ -6879,7 +7684,7 @@
           <p:cNvPr id="2" name="Title 1">
             <a:extLst>
               <a:ext uri="{FF2B5EF4-FFF2-40B4-BE49-F238E27FC236}">
-                <a16:creationId xmlns:a16="http://schemas.microsoft.com/office/drawing/2014/main" id="{DEB362B4-4C6E-41AE-856D-E91C51F903F4}"/>
+                <a16:creationId xmlns:a16="http://schemas.microsoft.com/office/drawing/2014/main" id="{E583C3D1-8078-4A2C-B3AB-E6F691EE9663}"/>
               </a:ext>
             </a:extLst>
           </p:cNvPr>
@@ -6897,7 +7702,7 @@
           <a:p>
             <a:r>
               <a:rPr lang="en-US" dirty="0"/>
-              <a:t>Property Access </a:t>
+              <a:t>Convert String to Array</a:t>
             </a:r>
           </a:p>
         </p:txBody>
@@ -6907,7 +7712,7 @@
           <p:cNvPr id="3" name="Content Placeholder 2">
             <a:extLst>
               <a:ext uri="{FF2B5EF4-FFF2-40B4-BE49-F238E27FC236}">
-                <a16:creationId xmlns:a16="http://schemas.microsoft.com/office/drawing/2014/main" id="{6AE3CC33-9CFD-4398-BA4F-C968F77F8734}"/>
+                <a16:creationId xmlns:a16="http://schemas.microsoft.com/office/drawing/2014/main" id="{B981A120-B86C-468A-9B08-5C7B774913F8}"/>
               </a:ext>
             </a:extLst>
           </p:cNvPr>
@@ -6925,41 +7730,19 @@
           <a:p>
             <a:r>
               <a:rPr lang="en-US" dirty="0"/>
-              <a:t>We can access the indexes of an array using brackets []</a:t>
-            </a:r>
-          </a:p>
-          <a:p>
-            <a:r>
-              <a:rPr lang="en-US" dirty="0"/>
-              <a:t>This is the same way you access the values of an array, however this </a:t>
-            </a:r>
-            <a:r>
-              <a:rPr lang="en-US" b="1" dirty="0"/>
-              <a:t>does not </a:t>
-            </a:r>
-            <a:r>
-              <a:rPr lang="en-US" dirty="0"/>
-              <a:t>mean the string you are accessing </a:t>
-            </a:r>
-            <a:r>
-              <a:rPr lang="en-US" i="1" dirty="0"/>
-              <a:t>is</a:t>
-            </a:r>
-            <a:r>
-              <a:rPr lang="en-US" dirty="0"/>
-              <a:t> an array</a:t>
-            </a:r>
-          </a:p>
-          <a:p>
-            <a:r>
-              <a:rPr lang="en-US" dirty="0"/>
-              <a:t>Ex: let string = “google.com”;</a:t>
-            </a:r>
-          </a:p>
-          <a:p>
-            <a:r>
-              <a:rPr lang="en-US" dirty="0"/>
-              <a:t>string[0] = “g”;</a:t>
+              <a:t>Arrays are essentially a list of numbers that represent a block of memory</a:t>
+            </a:r>
+          </a:p>
+          <a:p>
+            <a:r>
+              <a:rPr lang="en-US" dirty="0"/>
+              <a:t>We can store whatever we want in an array</a:t>
+            </a:r>
+          </a:p>
+          <a:p>
+            <a:r>
+              <a:rPr lang="en-US" dirty="0"/>
+              <a:t>Sometimes it is easier to operate on an array than on a string</a:t>
             </a:r>
           </a:p>
         </p:txBody>
@@ -6967,7 +7750,7 @@
     </p:spTree>
     <p:extLst>
       <p:ext uri="{BB962C8B-B14F-4D97-AF65-F5344CB8AC3E}">
-        <p14:creationId xmlns:p14="http://schemas.microsoft.com/office/powerpoint/2010/main" val="3517314046"/>
+        <p14:creationId xmlns:p14="http://schemas.microsoft.com/office/powerpoint/2010/main" val="2829265263"/>
       </p:ext>
     </p:extLst>
   </p:cSld>
@@ -6999,7 +7782,7 @@
           <p:cNvPr id="2" name="Title 1">
             <a:extLst>
               <a:ext uri="{FF2B5EF4-FFF2-40B4-BE49-F238E27FC236}">
-                <a16:creationId xmlns:a16="http://schemas.microsoft.com/office/drawing/2014/main" id="{227E0174-1A99-405B-9AB3-15DD9A5833E2}"/>
+                <a16:creationId xmlns:a16="http://schemas.microsoft.com/office/drawing/2014/main" id="{A64409A4-EDAC-4C52-90C9-5DDE10405960}"/>
               </a:ext>
             </a:extLst>
           </p:cNvPr>
@@ -7016,8 +7799,8 @@
           <a:lstStyle/>
           <a:p>
             <a:r>
-              <a:rPr lang="en-US" dirty="0"/>
-              <a:t>Property Access</a:t>
+              <a:rPr lang="en-US" b="1" i="1" dirty="0"/>
+              <a:t>split()</a:t>
             </a:r>
           </a:p>
         </p:txBody>
@@ -7027,7 +7810,7 @@
           <p:cNvPr id="3" name="Content Placeholder 2">
             <a:extLst>
               <a:ext uri="{FF2B5EF4-FFF2-40B4-BE49-F238E27FC236}">
-                <a16:creationId xmlns:a16="http://schemas.microsoft.com/office/drawing/2014/main" id="{4D353293-DDC1-497D-8100-D1BE0A5D0AAE}"/>
+                <a16:creationId xmlns:a16="http://schemas.microsoft.com/office/drawing/2014/main" id="{8F1B74E0-1A4D-4D49-9F9E-FEB2054D7A72}"/>
               </a:ext>
             </a:extLst>
           </p:cNvPr>
@@ -7045,43 +7828,28 @@
           <a:p>
             <a:r>
               <a:rPr lang="en-US" dirty="0"/>
-              <a:t>This method can be unreliable</a:t>
-            </a:r>
-          </a:p>
-          <a:p>
-            <a:pPr lvl="1"/>
-            <a:r>
-              <a:rPr lang="en-US" dirty="0"/>
-              <a:t>It makes strings appear like they are arrays</a:t>
-            </a:r>
-          </a:p>
-          <a:p>
-            <a:pPr lvl="1"/>
-            <a:r>
-              <a:rPr lang="en-US" dirty="0"/>
-              <a:t>It returns undefined if there is no character at the index specified</a:t>
-            </a:r>
-          </a:p>
-          <a:p>
-            <a:pPr lvl="1"/>
-            <a:r>
-              <a:rPr lang="en-US" dirty="0"/>
-              <a:t>You can read indexes this way, but not assign them (remember, strings are immutable)</a:t>
-            </a:r>
-          </a:p>
-          <a:p>
-            <a:pPr lvl="2"/>
-            <a:r>
-              <a:rPr lang="en-US" dirty="0"/>
-              <a:t>You will not get an error if you try to assign something to an index this way, but it will not work</a:t>
-            </a:r>
+              <a:t>Split allows you to convert a string to an array based on an optional </a:t>
+            </a:r>
+            <a:r>
+              <a:rPr lang="en-US" b="1" dirty="0"/>
+              <a:t>delimiter</a:t>
+            </a:r>
+          </a:p>
+          <a:p>
+            <a:r>
+              <a:rPr lang="en-US" dirty="0"/>
+              <a:t>A delimiter is used to separate items in a list, like commas in an object, or commas in an array</a:t>
+            </a:r>
+          </a:p>
+          <a:p>
+            <a:endParaRPr lang="en-US" dirty="0"/>
           </a:p>
         </p:txBody>
       </p:sp>
     </p:spTree>
     <p:extLst>
       <p:ext uri="{BB962C8B-B14F-4D97-AF65-F5344CB8AC3E}">
-        <p14:creationId xmlns:p14="http://schemas.microsoft.com/office/powerpoint/2010/main" val="4236199391"/>
+        <p14:creationId xmlns:p14="http://schemas.microsoft.com/office/powerpoint/2010/main" val="1869553787"/>
       </p:ext>
     </p:extLst>
   </p:cSld>
@@ -7113,7 +7881,7 @@
           <p:cNvPr id="2" name="Title 1">
             <a:extLst>
               <a:ext uri="{FF2B5EF4-FFF2-40B4-BE49-F238E27FC236}">
-                <a16:creationId xmlns:a16="http://schemas.microsoft.com/office/drawing/2014/main" id="{E583C3D1-8078-4A2C-B3AB-E6F691EE9663}"/>
+                <a16:creationId xmlns:a16="http://schemas.microsoft.com/office/drawing/2014/main" id="{703F61D8-4A26-45BC-8F0C-738A511F65C9}"/>
               </a:ext>
             </a:extLst>
           </p:cNvPr>
@@ -7130,8 +7898,8 @@
           <a:lstStyle/>
           <a:p>
             <a:r>
-              <a:rPr lang="en-US" dirty="0"/>
-              <a:t>Convert String to Array</a:t>
+              <a:rPr lang="en-US" b="1" i="1" dirty="0"/>
+              <a:t>split()</a:t>
             </a:r>
           </a:p>
         </p:txBody>
@@ -7141,7 +7909,7 @@
           <p:cNvPr id="3" name="Content Placeholder 2">
             <a:extLst>
               <a:ext uri="{FF2B5EF4-FFF2-40B4-BE49-F238E27FC236}">
-                <a16:creationId xmlns:a16="http://schemas.microsoft.com/office/drawing/2014/main" id="{B981A120-B86C-468A-9B08-5C7B774913F8}"/>
+                <a16:creationId xmlns:a16="http://schemas.microsoft.com/office/drawing/2014/main" id="{859919CB-B58F-4AFB-8209-60574B681C89}"/>
               </a:ext>
             </a:extLst>
           </p:cNvPr>
@@ -7159,126 +7927,58 @@
           <a:p>
             <a:r>
               <a:rPr lang="en-US" dirty="0"/>
-              <a:t>Arrays are essentially a list of numbers that represent a block of memory</a:t>
-            </a:r>
-          </a:p>
-          <a:p>
-            <a:r>
-              <a:rPr lang="en-US" dirty="0"/>
-              <a:t>We can store whatever we want in an array</a:t>
-            </a:r>
-          </a:p>
-          <a:p>
-            <a:r>
-              <a:rPr lang="en-US" dirty="0"/>
-              <a:t>Sometimes it is easier to operate on an array than on a string</a:t>
-            </a:r>
+              <a:t>let string = “Hello, world”;</a:t>
+            </a:r>
+          </a:p>
+          <a:p>
+            <a:r>
+              <a:rPr lang="en-US" dirty="0" err="1"/>
+              <a:t>string.split</a:t>
+            </a:r>
+            <a:r>
+              <a:rPr lang="en-US" dirty="0"/>
+              <a:t>(“,”); // Gives us [“Hello”, “world”]</a:t>
+            </a:r>
+          </a:p>
+          <a:p>
+            <a:r>
+              <a:rPr lang="en-US" dirty="0" err="1"/>
+              <a:t>string.split</a:t>
+            </a:r>
+            <a:r>
+              <a:rPr lang="en-US" dirty="0"/>
+              <a:t>(“ ”); // Gives us [“Hello,”, “world”]</a:t>
+            </a:r>
+          </a:p>
+          <a:p>
+            <a:r>
+              <a:rPr lang="en-US" dirty="0" err="1"/>
+              <a:t>string.split</a:t>
+            </a:r>
+            <a:r>
+              <a:rPr lang="en-US" dirty="0"/>
+              <a:t>(“”); // [‘H’, ‘e’, ‘l’, ‘l’, ‘o’, ‘,’, ‘w’, ‘o’, ‘r’, ‘l’, ‘d’]</a:t>
+            </a:r>
+          </a:p>
+          <a:p>
+            <a:r>
+              <a:rPr lang="en-US" dirty="0" err="1"/>
+              <a:t>string.split</a:t>
+            </a:r>
+            <a:r>
+              <a:rPr lang="en-US" dirty="0"/>
+              <a:t>(); // Gives us [“Hello, world”]</a:t>
+            </a:r>
+          </a:p>
+          <a:p>
+            <a:endParaRPr lang="en-US" dirty="0"/>
           </a:p>
         </p:txBody>
       </p:sp>
     </p:spTree>
     <p:extLst>
       <p:ext uri="{BB962C8B-B14F-4D97-AF65-F5344CB8AC3E}">
-        <p14:creationId xmlns:p14="http://schemas.microsoft.com/office/powerpoint/2010/main" val="2829265263"/>
-      </p:ext>
-    </p:extLst>
-  </p:cSld>
-  <p:clrMapOvr>
-    <a:masterClrMapping/>
-  </p:clrMapOvr>
-</p:sld>
-</file>
-
-<file path=ppt/slides/slide39.xml><?xml version="1.0" encoding="utf-8"?>
-<p:sld xmlns:a="http://schemas.openxmlformats.org/drawingml/2006/main" xmlns:r="http://schemas.openxmlformats.org/officeDocument/2006/relationships" xmlns:p="http://schemas.openxmlformats.org/presentationml/2006/main">
-  <p:cSld>
-    <p:spTree>
-      <p:nvGrpSpPr>
-        <p:cNvPr id="1" name=""/>
-        <p:cNvGrpSpPr/>
-        <p:nvPr/>
-      </p:nvGrpSpPr>
-      <p:grpSpPr>
-        <a:xfrm>
-          <a:off x="0" y="0"/>
-          <a:ext cx="0" cy="0"/>
-          <a:chOff x="0" y="0"/>
-          <a:chExt cx="0" cy="0"/>
-        </a:xfrm>
-      </p:grpSpPr>
-      <p:sp>
-        <p:nvSpPr>
-          <p:cNvPr id="2" name="Title 1">
-            <a:extLst>
-              <a:ext uri="{FF2B5EF4-FFF2-40B4-BE49-F238E27FC236}">
-                <a16:creationId xmlns:a16="http://schemas.microsoft.com/office/drawing/2014/main" id="{A64409A4-EDAC-4C52-90C9-5DDE10405960}"/>
-              </a:ext>
-            </a:extLst>
-          </p:cNvPr>
-          <p:cNvSpPr>
-            <a:spLocks noGrp="1"/>
-          </p:cNvSpPr>
-          <p:nvPr>
-            <p:ph type="title"/>
-          </p:nvPr>
-        </p:nvSpPr>
-        <p:spPr/>
-        <p:txBody>
-          <a:bodyPr/>
-          <a:lstStyle/>
-          <a:p>
-            <a:r>
-              <a:rPr lang="en-US" b="1" i="1" dirty="0"/>
-              <a:t>split()</a:t>
-            </a:r>
-          </a:p>
-        </p:txBody>
-      </p:sp>
-      <p:sp>
-        <p:nvSpPr>
-          <p:cNvPr id="3" name="Content Placeholder 2">
-            <a:extLst>
-              <a:ext uri="{FF2B5EF4-FFF2-40B4-BE49-F238E27FC236}">
-                <a16:creationId xmlns:a16="http://schemas.microsoft.com/office/drawing/2014/main" id="{8F1B74E0-1A4D-4D49-9F9E-FEB2054D7A72}"/>
-              </a:ext>
-            </a:extLst>
-          </p:cNvPr>
-          <p:cNvSpPr>
-            <a:spLocks noGrp="1"/>
-          </p:cNvSpPr>
-          <p:nvPr>
-            <p:ph idx="1"/>
-          </p:nvPr>
-        </p:nvSpPr>
-        <p:spPr/>
-        <p:txBody>
-          <a:bodyPr/>
-          <a:lstStyle/>
-          <a:p>
-            <a:r>
-              <a:rPr lang="en-US" dirty="0"/>
-              <a:t>Split allows you to convert a string to an array based on an optional </a:t>
-            </a:r>
-            <a:r>
-              <a:rPr lang="en-US" b="1" dirty="0"/>
-              <a:t>delimiter</a:t>
-            </a:r>
-          </a:p>
-          <a:p>
-            <a:r>
-              <a:rPr lang="en-US" dirty="0"/>
-              <a:t>A delimiter is used to separate items in a list, like commas in an object, or commas in an array</a:t>
-            </a:r>
-          </a:p>
-          <a:p>
-            <a:endParaRPr lang="en-US" dirty="0"/>
-          </a:p>
-        </p:txBody>
-      </p:sp>
-    </p:spTree>
-    <p:extLst>
-      <p:ext uri="{BB962C8B-B14F-4D97-AF65-F5344CB8AC3E}">
-        <p14:creationId xmlns:p14="http://schemas.microsoft.com/office/powerpoint/2010/main" val="1869553787"/>
+        <p14:creationId xmlns:p14="http://schemas.microsoft.com/office/powerpoint/2010/main" val="3910864341"/>
       </p:ext>
     </p:extLst>
   </p:cSld>
@@ -7407,135 +8107,6 @@
     <p:extLst>
       <p:ext uri="{BB962C8B-B14F-4D97-AF65-F5344CB8AC3E}">
         <p14:creationId xmlns:p14="http://schemas.microsoft.com/office/powerpoint/2010/main" val="520054742"/>
-      </p:ext>
-    </p:extLst>
-  </p:cSld>
-  <p:clrMapOvr>
-    <a:masterClrMapping/>
-  </p:clrMapOvr>
-</p:sld>
-</file>
-
-<file path=ppt/slides/slide40.xml><?xml version="1.0" encoding="utf-8"?>
-<p:sld xmlns:a="http://schemas.openxmlformats.org/drawingml/2006/main" xmlns:r="http://schemas.openxmlformats.org/officeDocument/2006/relationships" xmlns:p="http://schemas.openxmlformats.org/presentationml/2006/main">
-  <p:cSld>
-    <p:spTree>
-      <p:nvGrpSpPr>
-        <p:cNvPr id="1" name=""/>
-        <p:cNvGrpSpPr/>
-        <p:nvPr/>
-      </p:nvGrpSpPr>
-      <p:grpSpPr>
-        <a:xfrm>
-          <a:off x="0" y="0"/>
-          <a:ext cx="0" cy="0"/>
-          <a:chOff x="0" y="0"/>
-          <a:chExt cx="0" cy="0"/>
-        </a:xfrm>
-      </p:grpSpPr>
-      <p:sp>
-        <p:nvSpPr>
-          <p:cNvPr id="2" name="Title 1">
-            <a:extLst>
-              <a:ext uri="{FF2B5EF4-FFF2-40B4-BE49-F238E27FC236}">
-                <a16:creationId xmlns:a16="http://schemas.microsoft.com/office/drawing/2014/main" id="{703F61D8-4A26-45BC-8F0C-738A511F65C9}"/>
-              </a:ext>
-            </a:extLst>
-          </p:cNvPr>
-          <p:cNvSpPr>
-            <a:spLocks noGrp="1"/>
-          </p:cNvSpPr>
-          <p:nvPr>
-            <p:ph type="title"/>
-          </p:nvPr>
-        </p:nvSpPr>
-        <p:spPr/>
-        <p:txBody>
-          <a:bodyPr/>
-          <a:lstStyle/>
-          <a:p>
-            <a:r>
-              <a:rPr lang="en-US" b="1" i="1" dirty="0"/>
-              <a:t>split()</a:t>
-            </a:r>
-          </a:p>
-        </p:txBody>
-      </p:sp>
-      <p:sp>
-        <p:nvSpPr>
-          <p:cNvPr id="3" name="Content Placeholder 2">
-            <a:extLst>
-              <a:ext uri="{FF2B5EF4-FFF2-40B4-BE49-F238E27FC236}">
-                <a16:creationId xmlns:a16="http://schemas.microsoft.com/office/drawing/2014/main" id="{859919CB-B58F-4AFB-8209-60574B681C89}"/>
-              </a:ext>
-            </a:extLst>
-          </p:cNvPr>
-          <p:cNvSpPr>
-            <a:spLocks noGrp="1"/>
-          </p:cNvSpPr>
-          <p:nvPr>
-            <p:ph idx="1"/>
-          </p:nvPr>
-        </p:nvSpPr>
-        <p:spPr/>
-        <p:txBody>
-          <a:bodyPr/>
-          <a:lstStyle/>
-          <a:p>
-            <a:r>
-              <a:rPr lang="en-US" dirty="0"/>
-              <a:t>let string = “Hello, world”;</a:t>
-            </a:r>
-          </a:p>
-          <a:p>
-            <a:r>
-              <a:rPr lang="en-US" dirty="0" err="1"/>
-              <a:t>string.split</a:t>
-            </a:r>
-            <a:r>
-              <a:rPr lang="en-US" dirty="0"/>
-              <a:t>(“,”); // Gives us [“Hello”, “world”]</a:t>
-            </a:r>
-          </a:p>
-          <a:p>
-            <a:r>
-              <a:rPr lang="en-US" dirty="0" err="1"/>
-              <a:t>string.split</a:t>
-            </a:r>
-            <a:r>
-              <a:rPr lang="en-US" dirty="0"/>
-              <a:t>(“ ”); // Gives us [“Hello,”, “world”]</a:t>
-            </a:r>
-          </a:p>
-          <a:p>
-            <a:r>
-              <a:rPr lang="en-US" dirty="0" err="1"/>
-              <a:t>string.split</a:t>
-            </a:r>
-            <a:r>
-              <a:rPr lang="en-US" dirty="0"/>
-              <a:t>(“”); // [‘H’, ‘e’, ‘l’, ‘l’, ‘o’, ‘,’, ‘w’, ‘o’, ‘r’, ‘l’, ‘d’]</a:t>
-            </a:r>
-          </a:p>
-          <a:p>
-            <a:r>
-              <a:rPr lang="en-US" dirty="0" err="1"/>
-              <a:t>string.split</a:t>
-            </a:r>
-            <a:r>
-              <a:rPr lang="en-US" dirty="0"/>
-              <a:t>(); // Gives us [“Hello, world”]</a:t>
-            </a:r>
-          </a:p>
-          <a:p>
-            <a:endParaRPr lang="en-US" dirty="0"/>
-          </a:p>
-        </p:txBody>
-      </p:sp>
-    </p:spTree>
-    <p:extLst>
-      <p:ext uri="{BB962C8B-B14F-4D97-AF65-F5344CB8AC3E}">
-        <p14:creationId xmlns:p14="http://schemas.microsoft.com/office/powerpoint/2010/main" val="3910864341"/>
       </p:ext>
     </p:extLst>
   </p:cSld>
@@ -8468,4 +9039,299 @@
     </a:ext>
   </a:extLst>
 </a:theme>
+</file>
+
+<file path=ppt/theme/theme2.xml><?xml version="1.0" encoding="utf-8"?>
+<a:theme xmlns:a="http://schemas.openxmlformats.org/drawingml/2006/main" name="Office Theme">
+  <a:themeElements>
+    <a:clrScheme name="Office">
+      <a:dk1>
+        <a:sysClr val="windowText" lastClr="000000"/>
+      </a:dk1>
+      <a:lt1>
+        <a:sysClr val="window" lastClr="FFFFFF"/>
+      </a:lt1>
+      <a:dk2>
+        <a:srgbClr val="44546A"/>
+      </a:dk2>
+      <a:lt2>
+        <a:srgbClr val="E7E6E6"/>
+      </a:lt2>
+      <a:accent1>
+        <a:srgbClr val="4472C4"/>
+      </a:accent1>
+      <a:accent2>
+        <a:srgbClr val="ED7D31"/>
+      </a:accent2>
+      <a:accent3>
+        <a:srgbClr val="A5A5A5"/>
+      </a:accent3>
+      <a:accent4>
+        <a:srgbClr val="FFC000"/>
+      </a:accent4>
+      <a:accent5>
+        <a:srgbClr val="5B9BD5"/>
+      </a:accent5>
+      <a:accent6>
+        <a:srgbClr val="70AD47"/>
+      </a:accent6>
+      <a:hlink>
+        <a:srgbClr val="0563C1"/>
+      </a:hlink>
+      <a:folHlink>
+        <a:srgbClr val="954F72"/>
+      </a:folHlink>
+    </a:clrScheme>
+    <a:fontScheme name="Office">
+      <a:majorFont>
+        <a:latin typeface="Calibri Light" panose="020F0302020204030204"/>
+        <a:ea typeface=""/>
+        <a:cs typeface=""/>
+        <a:font script="Jpan" typeface="游ゴシック Light"/>
+        <a:font script="Hang" typeface="맑은 고딕"/>
+        <a:font script="Hans" typeface="等线 Light"/>
+        <a:font script="Hant" typeface="新細明體"/>
+        <a:font script="Arab" typeface="Times New Roman"/>
+        <a:font script="Hebr" typeface="Times New Roman"/>
+        <a:font script="Thai" typeface="Angsana New"/>
+        <a:font script="Ethi" typeface="Nyala"/>
+        <a:font script="Beng" typeface="Vrinda"/>
+        <a:font script="Gujr" typeface="Shruti"/>
+        <a:font script="Khmr" typeface="MoolBoran"/>
+        <a:font script="Knda" typeface="Tunga"/>
+        <a:font script="Guru" typeface="Raavi"/>
+        <a:font script="Cans" typeface="Euphemia"/>
+        <a:font script="Cher" typeface="Plantagenet Cherokee"/>
+        <a:font script="Yiii" typeface="Microsoft Yi Baiti"/>
+        <a:font script="Tibt" typeface="Microsoft Himalaya"/>
+        <a:font script="Thaa" typeface="MV Boli"/>
+        <a:font script="Deva" typeface="Mangal"/>
+        <a:font script="Telu" typeface="Gautami"/>
+        <a:font script="Taml" typeface="Latha"/>
+        <a:font script="Syrc" typeface="Estrangelo Edessa"/>
+        <a:font script="Orya" typeface="Kalinga"/>
+        <a:font script="Mlym" typeface="Kartika"/>
+        <a:font script="Laoo" typeface="DokChampa"/>
+        <a:font script="Sinh" typeface="Iskoola Pota"/>
+        <a:font script="Mong" typeface="Mongolian Baiti"/>
+        <a:font script="Viet" typeface="Times New Roman"/>
+        <a:font script="Uigh" typeface="Microsoft Uighur"/>
+        <a:font script="Geor" typeface="Sylfaen"/>
+        <a:font script="Armn" typeface="Arial"/>
+        <a:font script="Bugi" typeface="Leelawadee UI"/>
+        <a:font script="Bopo" typeface="Microsoft JhengHei"/>
+        <a:font script="Java" typeface="Javanese Text"/>
+        <a:font script="Lisu" typeface="Segoe UI"/>
+        <a:font script="Mymr" typeface="Myanmar Text"/>
+        <a:font script="Nkoo" typeface="Ebrima"/>
+        <a:font script="Olck" typeface="Nirmala UI"/>
+        <a:font script="Osma" typeface="Ebrima"/>
+        <a:font script="Phag" typeface="Phagspa"/>
+        <a:font script="Syrn" typeface="Estrangelo Edessa"/>
+        <a:font script="Syrj" typeface="Estrangelo Edessa"/>
+        <a:font script="Syre" typeface="Estrangelo Edessa"/>
+        <a:font script="Sora" typeface="Nirmala UI"/>
+        <a:font script="Tale" typeface="Microsoft Tai Le"/>
+        <a:font script="Talu" typeface="Microsoft New Tai Lue"/>
+        <a:font script="Tfng" typeface="Ebrima"/>
+      </a:majorFont>
+      <a:minorFont>
+        <a:latin typeface="Calibri" panose="020F0502020204030204"/>
+        <a:ea typeface=""/>
+        <a:cs typeface=""/>
+        <a:font script="Jpan" typeface="游ゴシック"/>
+        <a:font script="Hang" typeface="맑은 고딕"/>
+        <a:font script="Hans" typeface="等线"/>
+        <a:font script="Hant" typeface="新細明體"/>
+        <a:font script="Arab" typeface="Arial"/>
+        <a:font script="Hebr" typeface="Arial"/>
+        <a:font script="Thai" typeface="Cordia New"/>
+        <a:font script="Ethi" typeface="Nyala"/>
+        <a:font script="Beng" typeface="Vrinda"/>
+        <a:font script="Gujr" typeface="Shruti"/>
+        <a:font script="Khmr" typeface="DaunPenh"/>
+        <a:font script="Knda" typeface="Tunga"/>
+        <a:font script="Guru" typeface="Raavi"/>
+        <a:font script="Cans" typeface="Euphemia"/>
+        <a:font script="Cher" typeface="Plantagenet Cherokee"/>
+        <a:font script="Yiii" typeface="Microsoft Yi Baiti"/>
+        <a:font script="Tibt" typeface="Microsoft Himalaya"/>
+        <a:font script="Thaa" typeface="MV Boli"/>
+        <a:font script="Deva" typeface="Mangal"/>
+        <a:font script="Telu" typeface="Gautami"/>
+        <a:font script="Taml" typeface="Latha"/>
+        <a:font script="Syrc" typeface="Estrangelo Edessa"/>
+        <a:font script="Orya" typeface="Kalinga"/>
+        <a:font script="Mlym" typeface="Kartika"/>
+        <a:font script="Laoo" typeface="DokChampa"/>
+        <a:font script="Sinh" typeface="Iskoola Pota"/>
+        <a:font script="Mong" typeface="Mongolian Baiti"/>
+        <a:font script="Viet" typeface="Arial"/>
+        <a:font script="Uigh" typeface="Microsoft Uighur"/>
+        <a:font script="Geor" typeface="Sylfaen"/>
+        <a:font script="Armn" typeface="Arial"/>
+        <a:font script="Bugi" typeface="Leelawadee UI"/>
+        <a:font script="Bopo" typeface="Microsoft JhengHei"/>
+        <a:font script="Java" typeface="Javanese Text"/>
+        <a:font script="Lisu" typeface="Segoe UI"/>
+        <a:font script="Mymr" typeface="Myanmar Text"/>
+        <a:font script="Nkoo" typeface="Ebrima"/>
+        <a:font script="Olck" typeface="Nirmala UI"/>
+        <a:font script="Osma" typeface="Ebrima"/>
+        <a:font script="Phag" typeface="Phagspa"/>
+        <a:font script="Syrn" typeface="Estrangelo Edessa"/>
+        <a:font script="Syrj" typeface="Estrangelo Edessa"/>
+        <a:font script="Syre" typeface="Estrangelo Edessa"/>
+        <a:font script="Sora" typeface="Nirmala UI"/>
+        <a:font script="Tale" typeface="Microsoft Tai Le"/>
+        <a:font script="Talu" typeface="Microsoft New Tai Lue"/>
+        <a:font script="Tfng" typeface="Ebrima"/>
+      </a:minorFont>
+    </a:fontScheme>
+    <a:fmtScheme name="Office">
+      <a:fillStyleLst>
+        <a:solidFill>
+          <a:schemeClr val="phClr"/>
+        </a:solidFill>
+        <a:gradFill rotWithShape="1">
+          <a:gsLst>
+            <a:gs pos="0">
+              <a:schemeClr val="phClr">
+                <a:lumMod val="110000"/>
+                <a:satMod val="105000"/>
+                <a:tint val="67000"/>
+              </a:schemeClr>
+            </a:gs>
+            <a:gs pos="50000">
+              <a:schemeClr val="phClr">
+                <a:lumMod val="105000"/>
+                <a:satMod val="103000"/>
+                <a:tint val="73000"/>
+              </a:schemeClr>
+            </a:gs>
+            <a:gs pos="100000">
+              <a:schemeClr val="phClr">
+                <a:lumMod val="105000"/>
+                <a:satMod val="109000"/>
+                <a:tint val="81000"/>
+              </a:schemeClr>
+            </a:gs>
+          </a:gsLst>
+          <a:lin ang="5400000" scaled="0"/>
+        </a:gradFill>
+        <a:gradFill rotWithShape="1">
+          <a:gsLst>
+            <a:gs pos="0">
+              <a:schemeClr val="phClr">
+                <a:satMod val="103000"/>
+                <a:lumMod val="102000"/>
+                <a:tint val="94000"/>
+              </a:schemeClr>
+            </a:gs>
+            <a:gs pos="50000">
+              <a:schemeClr val="phClr">
+                <a:satMod val="110000"/>
+                <a:lumMod val="100000"/>
+                <a:shade val="100000"/>
+              </a:schemeClr>
+            </a:gs>
+            <a:gs pos="100000">
+              <a:schemeClr val="phClr">
+                <a:lumMod val="99000"/>
+                <a:satMod val="120000"/>
+                <a:shade val="78000"/>
+              </a:schemeClr>
+            </a:gs>
+          </a:gsLst>
+          <a:lin ang="5400000" scaled="0"/>
+        </a:gradFill>
+      </a:fillStyleLst>
+      <a:lnStyleLst>
+        <a:ln w="6350" cap="flat" cmpd="sng" algn="ctr">
+          <a:solidFill>
+            <a:schemeClr val="phClr"/>
+          </a:solidFill>
+          <a:prstDash val="solid"/>
+          <a:miter lim="800000"/>
+        </a:ln>
+        <a:ln w="12700" cap="flat" cmpd="sng" algn="ctr">
+          <a:solidFill>
+            <a:schemeClr val="phClr"/>
+          </a:solidFill>
+          <a:prstDash val="solid"/>
+          <a:miter lim="800000"/>
+        </a:ln>
+        <a:ln w="19050" cap="flat" cmpd="sng" algn="ctr">
+          <a:solidFill>
+            <a:schemeClr val="phClr"/>
+          </a:solidFill>
+          <a:prstDash val="solid"/>
+          <a:miter lim="800000"/>
+        </a:ln>
+      </a:lnStyleLst>
+      <a:effectStyleLst>
+        <a:effectStyle>
+          <a:effectLst/>
+        </a:effectStyle>
+        <a:effectStyle>
+          <a:effectLst/>
+        </a:effectStyle>
+        <a:effectStyle>
+          <a:effectLst>
+            <a:outerShdw blurRad="57150" dist="19050" dir="5400000" algn="ctr" rotWithShape="0">
+              <a:srgbClr val="000000">
+                <a:alpha val="63000"/>
+              </a:srgbClr>
+            </a:outerShdw>
+          </a:effectLst>
+        </a:effectStyle>
+      </a:effectStyleLst>
+      <a:bgFillStyleLst>
+        <a:solidFill>
+          <a:schemeClr val="phClr"/>
+        </a:solidFill>
+        <a:solidFill>
+          <a:schemeClr val="phClr">
+            <a:tint val="95000"/>
+            <a:satMod val="170000"/>
+          </a:schemeClr>
+        </a:solidFill>
+        <a:gradFill rotWithShape="1">
+          <a:gsLst>
+            <a:gs pos="0">
+              <a:schemeClr val="phClr">
+                <a:tint val="93000"/>
+                <a:satMod val="150000"/>
+                <a:shade val="98000"/>
+                <a:lumMod val="102000"/>
+              </a:schemeClr>
+            </a:gs>
+            <a:gs pos="50000">
+              <a:schemeClr val="phClr">
+                <a:tint val="98000"/>
+                <a:satMod val="130000"/>
+                <a:shade val="90000"/>
+                <a:lumMod val="103000"/>
+              </a:schemeClr>
+            </a:gs>
+            <a:gs pos="100000">
+              <a:schemeClr val="phClr">
+                <a:shade val="63000"/>
+                <a:satMod val="120000"/>
+              </a:schemeClr>
+            </a:gs>
+          </a:gsLst>
+          <a:lin ang="5400000" scaled="0"/>
+        </a:gradFill>
+      </a:bgFillStyleLst>
+    </a:fmtScheme>
+  </a:themeElements>
+  <a:objectDefaults/>
+  <a:extraClrSchemeLst/>
+  <a:extLst>
+    <a:ext uri="{05A4C25C-085E-4340-85A3-A5531E510DB2}">
+      <thm15:themeFamily xmlns:thm15="http://schemas.microsoft.com/office/thememl/2012/main" name="Office Theme" id="{62F939B6-93AF-4DB8-9C6B-D6C7DFDC589F}" vid="{4A3C46E8-61CC-4603-A589-7422A47A8E4A}"/>
+    </a:ext>
+  </a:extLst>
+</a:theme>
 </file>
--- a/slides/Strings.pptx
+++ b/slides/Strings.pptx
@@ -5,7 +5,7 @@
     <p:sldMasterId id="2147483672" r:id="rId1"/>
   </p:sldMasterIdLst>
   <p:notesMasterIdLst>
-    <p:notesMasterId r:id="rId40"/>
+    <p:notesMasterId r:id="rId41"/>
   </p:notesMasterIdLst>
   <p:sldIdLst>
     <p:sldId id="256" r:id="rId2"/>
@@ -43,9 +43,10 @@
     <p:sldId id="290" r:id="rId34"/>
     <p:sldId id="291" r:id="rId35"/>
     <p:sldId id="292" r:id="rId36"/>
-    <p:sldId id="293" r:id="rId37"/>
-    <p:sldId id="294" r:id="rId38"/>
-    <p:sldId id="295" r:id="rId39"/>
+    <p:sldId id="297" r:id="rId37"/>
+    <p:sldId id="293" r:id="rId38"/>
+    <p:sldId id="294" r:id="rId39"/>
+    <p:sldId id="295" r:id="rId40"/>
   </p:sldIdLst>
   <p:sldSz cx="12192000" cy="6858000"/>
   <p:notesSz cx="6858000" cy="9144000"/>
@@ -7616,39 +7617,59 @@
           <a:p>
             <a:r>
               <a:rPr lang="en-US" dirty="0"/>
-              <a:t>This method can be unreliable</a:t>
-            </a:r>
-          </a:p>
-          <a:p>
-            <a:pPr lvl="1"/>
+              <a:t>This method can be misleading</a:t>
+            </a:r>
+          </a:p>
+          <a:p>
             <a:r>
               <a:rPr lang="en-US" dirty="0"/>
               <a:t>It makes strings appear like they are arrays</a:t>
             </a:r>
           </a:p>
           <a:p>
-            <a:pPr lvl="1"/>
             <a:r>
               <a:rPr lang="en-US" dirty="0"/>
               <a:t>It returns undefined if there is no character at the index specified</a:t>
             </a:r>
           </a:p>
-          <a:p>
-            <a:pPr lvl="1"/>
-            <a:r>
-              <a:rPr lang="en-US" dirty="0"/>
-              <a:t>You can read indexes this way, but not assign them (remember, strings are immutable)</a:t>
-            </a:r>
-          </a:p>
-          <a:p>
-            <a:pPr lvl="2"/>
-            <a:r>
-              <a:rPr lang="en-US" dirty="0"/>
-              <a:t>You will not get an error if you try to assign something to an index this way, but it will not work</a:t>
-            </a:r>
-          </a:p>
-        </p:txBody>
-      </p:sp>
+        </p:txBody>
+      </p:sp>
+      <p:pic>
+        <p:nvPicPr>
+          <p:cNvPr id="5" name="Picture 4" descr="A screen shot of a computer program&#10;&#10;Description automatically generated">
+            <a:extLst>
+              <a:ext uri="{FF2B5EF4-FFF2-40B4-BE49-F238E27FC236}">
+                <a16:creationId xmlns:a16="http://schemas.microsoft.com/office/drawing/2014/main" id="{98531FFB-1C7F-0057-D0FD-C392E5563AC6}"/>
+              </a:ext>
+            </a:extLst>
+          </p:cNvPr>
+          <p:cNvPicPr>
+            <a:picLocks noChangeAspect="1"/>
+          </p:cNvPicPr>
+          <p:nvPr/>
+        </p:nvPicPr>
+        <p:blipFill>
+          <a:blip r:embed="rId2">
+            <a:extLst>
+              <a:ext uri="{28A0092B-C50C-407E-A947-70E740481C1C}">
+                <a14:useLocalDpi xmlns:a14="http://schemas.microsoft.com/office/drawing/2010/main" val="0"/>
+              </a:ext>
+            </a:extLst>
+          </a:blip>
+          <a:stretch>
+            <a:fillRect/>
+          </a:stretch>
+        </p:blipFill>
+        <p:spPr>
+          <a:xfrm>
+            <a:off x="0" y="3956071"/>
+            <a:ext cx="6096000" cy="2901930"/>
+          </a:xfrm>
+          <a:prstGeom prst="rect">
+            <a:avLst/>
+          </a:prstGeom>
+        </p:spPr>
+      </p:pic>
     </p:spTree>
     <p:extLst>
       <p:ext uri="{BB962C8B-B14F-4D97-AF65-F5344CB8AC3E}">
@@ -7684,7 +7705,7 @@
           <p:cNvPr id="2" name="Title 1">
             <a:extLst>
               <a:ext uri="{FF2B5EF4-FFF2-40B4-BE49-F238E27FC236}">
-                <a16:creationId xmlns:a16="http://schemas.microsoft.com/office/drawing/2014/main" id="{E583C3D1-8078-4A2C-B3AB-E6F691EE9663}"/>
+                <a16:creationId xmlns:a16="http://schemas.microsoft.com/office/drawing/2014/main" id="{FE0DD6C2-3CC7-F075-B22D-51C611F7DF4E}"/>
               </a:ext>
             </a:extLst>
           </p:cNvPr>
@@ -7702,7 +7723,7 @@
           <a:p>
             <a:r>
               <a:rPr lang="en-US" dirty="0"/>
-              <a:t>Convert String to Array</a:t>
+              <a:t>Property Access</a:t>
             </a:r>
           </a:p>
         </p:txBody>
@@ -7712,7 +7733,7 @@
           <p:cNvPr id="3" name="Content Placeholder 2">
             <a:extLst>
               <a:ext uri="{FF2B5EF4-FFF2-40B4-BE49-F238E27FC236}">
-                <a16:creationId xmlns:a16="http://schemas.microsoft.com/office/drawing/2014/main" id="{B981A120-B86C-468A-9B08-5C7B774913F8}"/>
+                <a16:creationId xmlns:a16="http://schemas.microsoft.com/office/drawing/2014/main" id="{87274CF3-0607-AB59-217F-9891A776880C}"/>
               </a:ext>
             </a:extLst>
           </p:cNvPr>
@@ -7730,27 +7751,60 @@
           <a:p>
             <a:r>
               <a:rPr lang="en-US" dirty="0"/>
-              <a:t>Arrays are essentially a list of numbers that represent a block of memory</a:t>
-            </a:r>
-          </a:p>
-          <a:p>
-            <a:r>
-              <a:rPr lang="en-US" dirty="0"/>
-              <a:t>We can store whatever we want in an array</a:t>
-            </a:r>
-          </a:p>
-          <a:p>
-            <a:r>
-              <a:rPr lang="en-US" dirty="0"/>
-              <a:t>Sometimes it is easier to operate on an array than on a string</a:t>
-            </a:r>
-          </a:p>
-        </p:txBody>
-      </p:sp>
+              <a:t>You can read indexes this way, but not assign them (remember, strings are immutable)</a:t>
+            </a:r>
+          </a:p>
+          <a:p>
+            <a:r>
+              <a:rPr lang="en-US" dirty="0"/>
+              <a:t>You will not get an error if you try to assign something to an index this way, but it will not work</a:t>
+            </a:r>
+          </a:p>
+          <a:p>
+            <a:endParaRPr lang="en-US" dirty="0"/>
+          </a:p>
+        </p:txBody>
+      </p:sp>
+      <p:pic>
+        <p:nvPicPr>
+          <p:cNvPr id="5" name="Picture 4" descr="A screenshot of a computer&#10;&#10;Description automatically generated">
+            <a:extLst>
+              <a:ext uri="{FF2B5EF4-FFF2-40B4-BE49-F238E27FC236}">
+                <a16:creationId xmlns:a16="http://schemas.microsoft.com/office/drawing/2014/main" id="{4FC52F36-E908-544B-7365-7549D665BA7E}"/>
+              </a:ext>
+            </a:extLst>
+          </p:cNvPr>
+          <p:cNvPicPr>
+            <a:picLocks noChangeAspect="1"/>
+          </p:cNvPicPr>
+          <p:nvPr/>
+        </p:nvPicPr>
+        <p:blipFill>
+          <a:blip r:embed="rId2">
+            <a:extLst>
+              <a:ext uri="{28A0092B-C50C-407E-A947-70E740481C1C}">
+                <a14:useLocalDpi xmlns:a14="http://schemas.microsoft.com/office/drawing/2010/main" val="0"/>
+              </a:ext>
+            </a:extLst>
+          </a:blip>
+          <a:stretch>
+            <a:fillRect/>
+          </a:stretch>
+        </p:blipFill>
+        <p:spPr>
+          <a:xfrm>
+            <a:off x="0" y="3911441"/>
+            <a:ext cx="6096000" cy="2946560"/>
+          </a:xfrm>
+          <a:prstGeom prst="rect">
+            <a:avLst/>
+          </a:prstGeom>
+        </p:spPr>
+      </p:pic>
     </p:spTree>
     <p:extLst>
       <p:ext uri="{BB962C8B-B14F-4D97-AF65-F5344CB8AC3E}">
-        <p14:creationId xmlns:p14="http://schemas.microsoft.com/office/powerpoint/2010/main" val="2829265263"/>
+        <p14:creationId xmlns:p14="http://schemas.microsoft.com/office/powerpoint/2010/main" val="2235297114"/>
       </p:ext>
     </p:extLst>
   </p:cSld>
@@ -7782,7 +7836,7 @@
           <p:cNvPr id="2" name="Title 1">
             <a:extLst>
               <a:ext uri="{FF2B5EF4-FFF2-40B4-BE49-F238E27FC236}">
-                <a16:creationId xmlns:a16="http://schemas.microsoft.com/office/drawing/2014/main" id="{A64409A4-EDAC-4C52-90C9-5DDE10405960}"/>
+                <a16:creationId xmlns:a16="http://schemas.microsoft.com/office/drawing/2014/main" id="{E583C3D1-8078-4A2C-B3AB-E6F691EE9663}"/>
               </a:ext>
             </a:extLst>
           </p:cNvPr>
@@ -7799,8 +7853,8 @@
           <a:lstStyle/>
           <a:p>
             <a:r>
-              <a:rPr lang="en-US" b="1" i="1" dirty="0"/>
-              <a:t>split()</a:t>
+              <a:rPr lang="en-US" dirty="0"/>
+              <a:t>Convert String to Array</a:t>
             </a:r>
           </a:p>
         </p:txBody>
@@ -7810,7 +7864,7 @@
           <p:cNvPr id="3" name="Content Placeholder 2">
             <a:extLst>
               <a:ext uri="{FF2B5EF4-FFF2-40B4-BE49-F238E27FC236}">
-                <a16:creationId xmlns:a16="http://schemas.microsoft.com/office/drawing/2014/main" id="{8F1B74E0-1A4D-4D49-9F9E-FEB2054D7A72}"/>
+                <a16:creationId xmlns:a16="http://schemas.microsoft.com/office/drawing/2014/main" id="{B981A120-B86C-468A-9B08-5C7B774913F8}"/>
               </a:ext>
             </a:extLst>
           </p:cNvPr>
@@ -7828,28 +7882,27 @@
           <a:p>
             <a:r>
               <a:rPr lang="en-US" dirty="0"/>
-              <a:t>Split allows you to convert a string to an array based on an optional </a:t>
-            </a:r>
-            <a:r>
-              <a:rPr lang="en-US" b="1" dirty="0"/>
-              <a:t>delimiter</a:t>
-            </a:r>
-          </a:p>
-          <a:p>
-            <a:r>
-              <a:rPr lang="en-US" dirty="0"/>
-              <a:t>A delimiter is used to separate items in a list, like commas in an object, or commas in an array</a:t>
-            </a:r>
-          </a:p>
-          <a:p>
-            <a:endParaRPr lang="en-US" dirty="0"/>
+              <a:t>Arrays are essentially a list of numbers that represent a block of memory</a:t>
+            </a:r>
+          </a:p>
+          <a:p>
+            <a:r>
+              <a:rPr lang="en-US" dirty="0"/>
+              <a:t>We can store whatever we want in an array</a:t>
+            </a:r>
+          </a:p>
+          <a:p>
+            <a:r>
+              <a:rPr lang="en-US" dirty="0"/>
+              <a:t>Sometimes it is easier to operate on an array than on a string</a:t>
+            </a:r>
           </a:p>
         </p:txBody>
       </p:sp>
     </p:spTree>
     <p:extLst>
       <p:ext uri="{BB962C8B-B14F-4D97-AF65-F5344CB8AC3E}">
-        <p14:creationId xmlns:p14="http://schemas.microsoft.com/office/powerpoint/2010/main" val="1869553787"/>
+        <p14:creationId xmlns:p14="http://schemas.microsoft.com/office/powerpoint/2010/main" val="2829265263"/>
       </p:ext>
     </p:extLst>
   </p:cSld>
@@ -7881,7 +7934,7 @@
           <p:cNvPr id="2" name="Title 1">
             <a:extLst>
               <a:ext uri="{FF2B5EF4-FFF2-40B4-BE49-F238E27FC236}">
-                <a16:creationId xmlns:a16="http://schemas.microsoft.com/office/drawing/2014/main" id="{703F61D8-4A26-45BC-8F0C-738A511F65C9}"/>
+                <a16:creationId xmlns:a16="http://schemas.microsoft.com/office/drawing/2014/main" id="{A64409A4-EDAC-4C52-90C9-5DDE10405960}"/>
               </a:ext>
             </a:extLst>
           </p:cNvPr>
@@ -7909,7 +7962,7 @@
           <p:cNvPr id="3" name="Content Placeholder 2">
             <a:extLst>
               <a:ext uri="{FF2B5EF4-FFF2-40B4-BE49-F238E27FC236}">
-                <a16:creationId xmlns:a16="http://schemas.microsoft.com/office/drawing/2014/main" id="{859919CB-B58F-4AFB-8209-60574B681C89}"/>
+                <a16:creationId xmlns:a16="http://schemas.microsoft.com/office/drawing/2014/main" id="{8F1B74E0-1A4D-4D49-9F9E-FEB2054D7A72}"/>
               </a:ext>
             </a:extLst>
           </p:cNvPr>
@@ -7927,51 +7980,225 @@
           <a:p>
             <a:r>
               <a:rPr lang="en-US" dirty="0"/>
-              <a:t>let string = “Hello, world”;</a:t>
-            </a:r>
-          </a:p>
-          <a:p>
-            <a:r>
-              <a:rPr lang="en-US" dirty="0" err="1"/>
-              <a:t>string.split</a:t>
-            </a:r>
-            <a:r>
-              <a:rPr lang="en-US" dirty="0"/>
-              <a:t>(“,”); // Gives us [“Hello”, “world”]</a:t>
-            </a:r>
-          </a:p>
-          <a:p>
-            <a:r>
-              <a:rPr lang="en-US" dirty="0" err="1"/>
-              <a:t>string.split</a:t>
-            </a:r>
-            <a:r>
-              <a:rPr lang="en-US" dirty="0"/>
-              <a:t>(“ ”); // Gives us [“Hello,”, “world”]</a:t>
-            </a:r>
-          </a:p>
-          <a:p>
-            <a:r>
-              <a:rPr lang="en-US" dirty="0" err="1"/>
-              <a:t>string.split</a:t>
-            </a:r>
-            <a:r>
-              <a:rPr lang="en-US" dirty="0"/>
-              <a:t>(“”); // [‘H’, ‘e’, ‘l’, ‘l’, ‘o’, ‘,’, ‘w’, ‘o’, ‘r’, ‘l’, ‘d’]</a:t>
-            </a:r>
-          </a:p>
-          <a:p>
-            <a:r>
-              <a:rPr lang="en-US" dirty="0" err="1"/>
-              <a:t>string.split</a:t>
-            </a:r>
-            <a:r>
-              <a:rPr lang="en-US" dirty="0"/>
-              <a:t>(); // Gives us [“Hello, world”]</a:t>
+              <a:t>Split allows you to convert a string to an array based on an optional </a:t>
+            </a:r>
+            <a:r>
+              <a:rPr lang="en-US" b="1" dirty="0"/>
+              <a:t>delimiter</a:t>
+            </a:r>
+          </a:p>
+          <a:p>
+            <a:r>
+              <a:rPr lang="en-US" dirty="0"/>
+              <a:t>A delimiter is used to separate items in a list, like commas in an object, or commas in an array</a:t>
             </a:r>
           </a:p>
           <a:p>
             <a:endParaRPr lang="en-US" dirty="0"/>
+          </a:p>
+        </p:txBody>
+      </p:sp>
+      <p:pic>
+        <p:nvPicPr>
+          <p:cNvPr id="5" name="Picture 4" descr="A screen shot of a computer&#10;&#10;Description automatically generated">
+            <a:extLst>
+              <a:ext uri="{FF2B5EF4-FFF2-40B4-BE49-F238E27FC236}">
+                <a16:creationId xmlns:a16="http://schemas.microsoft.com/office/drawing/2014/main" id="{5C1A4D95-66E7-35E4-BA79-754087361A5E}"/>
+              </a:ext>
+            </a:extLst>
+          </p:cNvPr>
+          <p:cNvPicPr>
+            <a:picLocks noChangeAspect="1"/>
+          </p:cNvPicPr>
+          <p:nvPr/>
+        </p:nvPicPr>
+        <p:blipFill>
+          <a:blip r:embed="rId2">
+            <a:extLst>
+              <a:ext uri="{28A0092B-C50C-407E-A947-70E740481C1C}">
+                <a14:useLocalDpi xmlns:a14="http://schemas.microsoft.com/office/drawing/2010/main" val="0"/>
+              </a:ext>
+            </a:extLst>
+          </a:blip>
+          <a:stretch>
+            <a:fillRect/>
+          </a:stretch>
+        </p:blipFill>
+        <p:spPr>
+          <a:xfrm>
+            <a:off x="0" y="4906509"/>
+            <a:ext cx="6096000" cy="1951492"/>
+          </a:xfrm>
+          <a:prstGeom prst="rect">
+            <a:avLst/>
+          </a:prstGeom>
+        </p:spPr>
+      </p:pic>
+    </p:spTree>
+    <p:extLst>
+      <p:ext uri="{BB962C8B-B14F-4D97-AF65-F5344CB8AC3E}">
+        <p14:creationId xmlns:p14="http://schemas.microsoft.com/office/powerpoint/2010/main" val="1869553787"/>
+      </p:ext>
+    </p:extLst>
+  </p:cSld>
+  <p:clrMapOvr>
+    <a:masterClrMapping/>
+  </p:clrMapOvr>
+</p:sld>
+</file>
+
+<file path=ppt/slides/slide39.xml><?xml version="1.0" encoding="utf-8"?>
+<p:sld xmlns:a="http://schemas.openxmlformats.org/drawingml/2006/main" xmlns:r="http://schemas.openxmlformats.org/officeDocument/2006/relationships" xmlns:p="http://schemas.openxmlformats.org/presentationml/2006/main">
+  <p:cSld>
+    <p:spTree>
+      <p:nvGrpSpPr>
+        <p:cNvPr id="1" name=""/>
+        <p:cNvGrpSpPr/>
+        <p:nvPr/>
+      </p:nvGrpSpPr>
+      <p:grpSpPr>
+        <a:xfrm>
+          <a:off x="0" y="0"/>
+          <a:ext cx="0" cy="0"/>
+          <a:chOff x="0" y="0"/>
+          <a:chExt cx="0" cy="0"/>
+        </a:xfrm>
+      </p:grpSpPr>
+      <p:sp>
+        <p:nvSpPr>
+          <p:cNvPr id="2" name="Title 1">
+            <a:extLst>
+              <a:ext uri="{FF2B5EF4-FFF2-40B4-BE49-F238E27FC236}">
+                <a16:creationId xmlns:a16="http://schemas.microsoft.com/office/drawing/2014/main" id="{703F61D8-4A26-45BC-8F0C-738A511F65C9}"/>
+              </a:ext>
+            </a:extLst>
+          </p:cNvPr>
+          <p:cNvSpPr>
+            <a:spLocks noGrp="1"/>
+          </p:cNvSpPr>
+          <p:nvPr>
+            <p:ph type="title"/>
+          </p:nvPr>
+        </p:nvSpPr>
+        <p:spPr/>
+        <p:txBody>
+          <a:bodyPr/>
+          <a:lstStyle/>
+          <a:p>
+            <a:r>
+              <a:rPr lang="en-US" b="1" i="1" dirty="0"/>
+              <a:t>split()</a:t>
+            </a:r>
+          </a:p>
+        </p:txBody>
+      </p:sp>
+      <p:pic>
+        <p:nvPicPr>
+          <p:cNvPr id="5" name="Content Placeholder 4" descr="A black background with white text and purple text&#10;&#10;Description automatically generated">
+            <a:extLst>
+              <a:ext uri="{FF2B5EF4-FFF2-40B4-BE49-F238E27FC236}">
+                <a16:creationId xmlns:a16="http://schemas.microsoft.com/office/drawing/2014/main" id="{AD0D9931-31FD-BC81-92B4-997EA09FE518}"/>
+              </a:ext>
+            </a:extLst>
+          </p:cNvPr>
+          <p:cNvPicPr>
+            <a:picLocks noGrp="1" noChangeAspect="1"/>
+          </p:cNvPicPr>
+          <p:nvPr>
+            <p:ph idx="1"/>
+          </p:nvPr>
+        </p:nvPicPr>
+        <p:blipFill>
+          <a:blip r:embed="rId2">
+            <a:extLst>
+              <a:ext uri="{28A0092B-C50C-407E-A947-70E740481C1C}">
+                <a14:useLocalDpi xmlns:a14="http://schemas.microsoft.com/office/drawing/2010/main" val="0"/>
+              </a:ext>
+            </a:extLst>
+          </a:blip>
+          <a:stretch>
+            <a:fillRect/>
+          </a:stretch>
+        </p:blipFill>
+        <p:spPr>
+          <a:xfrm>
+            <a:off x="0" y="5033585"/>
+            <a:ext cx="12192000" cy="1824415"/>
+          </a:xfrm>
+        </p:spPr>
+      </p:pic>
+      <p:pic>
+        <p:nvPicPr>
+          <p:cNvPr id="7" name="Picture 6">
+            <a:extLst>
+              <a:ext uri="{FF2B5EF4-FFF2-40B4-BE49-F238E27FC236}">
+                <a16:creationId xmlns:a16="http://schemas.microsoft.com/office/drawing/2014/main" id="{737EAC32-5734-FA77-8940-2EEC4DB99B26}"/>
+              </a:ext>
+            </a:extLst>
+          </p:cNvPr>
+          <p:cNvPicPr>
+            <a:picLocks noChangeAspect="1"/>
+          </p:cNvPicPr>
+          <p:nvPr/>
+        </p:nvPicPr>
+        <p:blipFill>
+          <a:blip r:embed="rId3">
+            <a:extLst>
+              <a:ext uri="{28A0092B-C50C-407E-A947-70E740481C1C}">
+                <a14:useLocalDpi xmlns:a14="http://schemas.microsoft.com/office/drawing/2010/main" val="0"/>
+              </a:ext>
+            </a:extLst>
+          </a:blip>
+          <a:stretch>
+            <a:fillRect/>
+          </a:stretch>
+        </p:blipFill>
+        <p:spPr>
+          <a:xfrm>
+            <a:off x="0" y="3850004"/>
+            <a:ext cx="12192000" cy="1178718"/>
+          </a:xfrm>
+          <a:prstGeom prst="rect">
+            <a:avLst/>
+          </a:prstGeom>
+        </p:spPr>
+      </p:pic>
+      <p:sp>
+        <p:nvSpPr>
+          <p:cNvPr id="9" name="TextBox 8">
+            <a:extLst>
+              <a:ext uri="{FF2B5EF4-FFF2-40B4-BE49-F238E27FC236}">
+                <a16:creationId xmlns:a16="http://schemas.microsoft.com/office/drawing/2014/main" id="{A405505D-CE0E-16AC-2FFE-D656A69D43EF}"/>
+              </a:ext>
+            </a:extLst>
+          </p:cNvPr>
+          <p:cNvSpPr txBox="1"/>
+          <p:nvPr/>
+        </p:nvSpPr>
+        <p:spPr>
+          <a:xfrm>
+            <a:off x="651753" y="1809345"/>
+            <a:ext cx="10702047" cy="954107"/>
+          </a:xfrm>
+          <a:prstGeom prst="rect">
+            <a:avLst/>
+          </a:prstGeom>
+          <a:noFill/>
+        </p:spPr>
+        <p:txBody>
+          <a:bodyPr wrap="square" rtlCol="0">
+            <a:spAutoFit/>
+          </a:bodyPr>
+          <a:lstStyle/>
+          <a:p>
+            <a:pPr marL="457200" indent="-457200">
+              <a:buFont typeface="Arial" panose="020B0604020202020204" pitchFamily="34" charset="0"/>
+              <a:buChar char="•"/>
+            </a:pPr>
+            <a:r>
+              <a:rPr lang="en-US" sz="2800" dirty="0"/>
+              <a:t>When the parameter is an empty string, it splits the string into an array with each letter of the string as its own index </a:t>
+            </a:r>
           </a:p>
         </p:txBody>
       </p:sp>

--- a/slides/Strings.pptx
+++ b/slides/Strings.pptx
@@ -5,48 +5,50 @@
     <p:sldMasterId id="2147483672" r:id="rId1"/>
   </p:sldMasterIdLst>
   <p:notesMasterIdLst>
-    <p:notesMasterId r:id="rId41"/>
+    <p:notesMasterId r:id="rId43"/>
   </p:notesMasterIdLst>
   <p:sldIdLst>
     <p:sldId id="256" r:id="rId2"/>
     <p:sldId id="257" r:id="rId3"/>
     <p:sldId id="258" r:id="rId4"/>
     <p:sldId id="259" r:id="rId5"/>
-    <p:sldId id="260" r:id="rId6"/>
-    <p:sldId id="261" r:id="rId7"/>
-    <p:sldId id="262" r:id="rId8"/>
-    <p:sldId id="296" r:id="rId9"/>
-    <p:sldId id="266" r:id="rId10"/>
-    <p:sldId id="263" r:id="rId11"/>
-    <p:sldId id="264" r:id="rId12"/>
-    <p:sldId id="265" r:id="rId13"/>
-    <p:sldId id="267" r:id="rId14"/>
-    <p:sldId id="269" r:id="rId15"/>
-    <p:sldId id="270" r:id="rId16"/>
-    <p:sldId id="271" r:id="rId17"/>
-    <p:sldId id="272" r:id="rId18"/>
-    <p:sldId id="273" r:id="rId19"/>
-    <p:sldId id="275" r:id="rId20"/>
-    <p:sldId id="276" r:id="rId21"/>
-    <p:sldId id="277" r:id="rId22"/>
-    <p:sldId id="278" r:id="rId23"/>
-    <p:sldId id="279" r:id="rId24"/>
-    <p:sldId id="280" r:id="rId25"/>
-    <p:sldId id="281" r:id="rId26"/>
-    <p:sldId id="283" r:id="rId27"/>
-    <p:sldId id="284" r:id="rId28"/>
-    <p:sldId id="285" r:id="rId29"/>
-    <p:sldId id="286" r:id="rId30"/>
-    <p:sldId id="287" r:id="rId31"/>
-    <p:sldId id="288" r:id="rId32"/>
-    <p:sldId id="289" r:id="rId33"/>
-    <p:sldId id="290" r:id="rId34"/>
-    <p:sldId id="291" r:id="rId35"/>
-    <p:sldId id="292" r:id="rId36"/>
-    <p:sldId id="297" r:id="rId37"/>
-    <p:sldId id="293" r:id="rId38"/>
-    <p:sldId id="294" r:id="rId39"/>
-    <p:sldId id="295" r:id="rId40"/>
+    <p:sldId id="298" r:id="rId6"/>
+    <p:sldId id="260" r:id="rId7"/>
+    <p:sldId id="261" r:id="rId8"/>
+    <p:sldId id="262" r:id="rId9"/>
+    <p:sldId id="296" r:id="rId10"/>
+    <p:sldId id="266" r:id="rId11"/>
+    <p:sldId id="299" r:id="rId12"/>
+    <p:sldId id="263" r:id="rId13"/>
+    <p:sldId id="264" r:id="rId14"/>
+    <p:sldId id="265" r:id="rId15"/>
+    <p:sldId id="267" r:id="rId16"/>
+    <p:sldId id="269" r:id="rId17"/>
+    <p:sldId id="270" r:id="rId18"/>
+    <p:sldId id="271" r:id="rId19"/>
+    <p:sldId id="272" r:id="rId20"/>
+    <p:sldId id="273" r:id="rId21"/>
+    <p:sldId id="275" r:id="rId22"/>
+    <p:sldId id="276" r:id="rId23"/>
+    <p:sldId id="277" r:id="rId24"/>
+    <p:sldId id="278" r:id="rId25"/>
+    <p:sldId id="279" r:id="rId26"/>
+    <p:sldId id="280" r:id="rId27"/>
+    <p:sldId id="281" r:id="rId28"/>
+    <p:sldId id="283" r:id="rId29"/>
+    <p:sldId id="284" r:id="rId30"/>
+    <p:sldId id="285" r:id="rId31"/>
+    <p:sldId id="286" r:id="rId32"/>
+    <p:sldId id="287" r:id="rId33"/>
+    <p:sldId id="288" r:id="rId34"/>
+    <p:sldId id="289" r:id="rId35"/>
+    <p:sldId id="290" r:id="rId36"/>
+    <p:sldId id="291" r:id="rId37"/>
+    <p:sldId id="292" r:id="rId38"/>
+    <p:sldId id="297" r:id="rId39"/>
+    <p:sldId id="293" r:id="rId40"/>
+    <p:sldId id="294" r:id="rId41"/>
+    <p:sldId id="295" r:id="rId42"/>
   </p:sldIdLst>
   <p:sldSz cx="12192000" cy="6858000"/>
   <p:notesSz cx="6858000" cy="9144000"/>
@@ -247,7 +249,7 @@
           <a:p>
             <a:fld id="{600A7367-6F8E-4A09-96C7-18142F60A109}" type="datetimeFigureOut">
               <a:rPr lang="en-US" smtClean="0"/>
-              <a:t>8/9/2023</a:t>
+              <a:t>8/10/2023</a:t>
             </a:fld>
             <a:endParaRPr lang="en-US"/>
           </a:p>
@@ -606,7 +608,7 @@
           <a:p>
             <a:fld id="{40F8CABE-31CC-467D-A681-C1A250476E3B}" type="slidenum">
               <a:rPr lang="en-US" smtClean="0"/>
-              <a:t>33</a:t>
+              <a:t>35</a:t>
             </a:fld>
             <a:endParaRPr lang="en-US"/>
           </a:p>
@@ -772,7 +774,7 @@
           <a:p>
             <a:fld id="{148E69EB-7E94-43A1-A496-ABF1E2996B84}" type="datetimeFigureOut">
               <a:rPr lang="en-US" smtClean="0"/>
-              <a:t>8/9/2023</a:t>
+              <a:t>8/10/2023</a:t>
             </a:fld>
             <a:endParaRPr lang="en-US"/>
           </a:p>
@@ -970,7 +972,7 @@
           <a:p>
             <a:fld id="{148E69EB-7E94-43A1-A496-ABF1E2996B84}" type="datetimeFigureOut">
               <a:rPr lang="en-US" smtClean="0"/>
-              <a:t>8/9/2023</a:t>
+              <a:t>8/10/2023</a:t>
             </a:fld>
             <a:endParaRPr lang="en-US"/>
           </a:p>
@@ -1178,7 +1180,7 @@
           <a:p>
             <a:fld id="{148E69EB-7E94-43A1-A496-ABF1E2996B84}" type="datetimeFigureOut">
               <a:rPr lang="en-US" smtClean="0"/>
-              <a:t>8/9/2023</a:t>
+              <a:t>8/10/2023</a:t>
             </a:fld>
             <a:endParaRPr lang="en-US"/>
           </a:p>
@@ -1376,7 +1378,7 @@
           <a:p>
             <a:fld id="{148E69EB-7E94-43A1-A496-ABF1E2996B84}" type="datetimeFigureOut">
               <a:rPr lang="en-US" smtClean="0"/>
-              <a:t>8/9/2023</a:t>
+              <a:t>8/10/2023</a:t>
             </a:fld>
             <a:endParaRPr lang="en-US"/>
           </a:p>
@@ -1651,7 +1653,7 @@
           <a:p>
             <a:fld id="{148E69EB-7E94-43A1-A496-ABF1E2996B84}" type="datetimeFigureOut">
               <a:rPr lang="en-US" smtClean="0"/>
-              <a:t>8/9/2023</a:t>
+              <a:t>8/10/2023</a:t>
             </a:fld>
             <a:endParaRPr lang="en-US"/>
           </a:p>
@@ -1916,7 +1918,7 @@
           <a:p>
             <a:fld id="{148E69EB-7E94-43A1-A496-ABF1E2996B84}" type="datetimeFigureOut">
               <a:rPr lang="en-US" smtClean="0"/>
-              <a:t>8/9/2023</a:t>
+              <a:t>8/10/2023</a:t>
             </a:fld>
             <a:endParaRPr lang="en-US"/>
           </a:p>
@@ -2328,7 +2330,7 @@
           <a:p>
             <a:fld id="{148E69EB-7E94-43A1-A496-ABF1E2996B84}" type="datetimeFigureOut">
               <a:rPr lang="en-US" smtClean="0"/>
-              <a:t>8/9/2023</a:t>
+              <a:t>8/10/2023</a:t>
             </a:fld>
             <a:endParaRPr lang="en-US"/>
           </a:p>
@@ -2469,7 +2471,7 @@
           <a:p>
             <a:fld id="{148E69EB-7E94-43A1-A496-ABF1E2996B84}" type="datetimeFigureOut">
               <a:rPr lang="en-US" smtClean="0"/>
-              <a:t>8/9/2023</a:t>
+              <a:t>8/10/2023</a:t>
             </a:fld>
             <a:endParaRPr lang="en-US"/>
           </a:p>
@@ -2582,7 +2584,7 @@
           <a:p>
             <a:fld id="{148E69EB-7E94-43A1-A496-ABF1E2996B84}" type="datetimeFigureOut">
               <a:rPr lang="en-US" smtClean="0"/>
-              <a:t>8/9/2023</a:t>
+              <a:t>8/10/2023</a:t>
             </a:fld>
             <a:endParaRPr lang="en-US"/>
           </a:p>
@@ -2893,7 +2895,7 @@
           <a:p>
             <a:fld id="{148E69EB-7E94-43A1-A496-ABF1E2996B84}" type="datetimeFigureOut">
               <a:rPr lang="en-US" smtClean="0"/>
-              <a:t>8/9/2023</a:t>
+              <a:t>8/10/2023</a:t>
             </a:fld>
             <a:endParaRPr lang="en-US"/>
           </a:p>
@@ -3181,7 +3183,7 @@
           <a:p>
             <a:fld id="{148E69EB-7E94-43A1-A496-ABF1E2996B84}" type="datetimeFigureOut">
               <a:rPr lang="en-US" smtClean="0"/>
-              <a:t>8/9/2023</a:t>
+              <a:t>8/10/2023</a:t>
             </a:fld>
             <a:endParaRPr lang="en-US"/>
           </a:p>
@@ -3422,7 +3424,7 @@
           <a:p>
             <a:fld id="{148E69EB-7E94-43A1-A496-ABF1E2996B84}" type="datetimeFigureOut">
               <a:rPr lang="en-US" smtClean="0"/>
-              <a:t>8/9/2023</a:t>
+              <a:t>8/10/2023</a:t>
             </a:fld>
             <a:endParaRPr lang="en-US"/>
           </a:p>
@@ -3930,6 +3932,355 @@
           <p:cNvPr id="2" name="Title 1">
             <a:extLst>
               <a:ext uri="{FF2B5EF4-FFF2-40B4-BE49-F238E27FC236}">
+                <a16:creationId xmlns:a16="http://schemas.microsoft.com/office/drawing/2014/main" id="{D3C361B4-3623-404C-A1AB-C13CDCC9AA4B}"/>
+              </a:ext>
+            </a:extLst>
+          </p:cNvPr>
+          <p:cNvSpPr>
+            <a:spLocks noGrp="1"/>
+          </p:cNvSpPr>
+          <p:nvPr>
+            <p:ph type="title"/>
+          </p:nvPr>
+        </p:nvSpPr>
+        <p:spPr/>
+        <p:txBody>
+          <a:bodyPr/>
+          <a:lstStyle/>
+          <a:p>
+            <a:r>
+              <a:rPr lang="en-US" dirty="0"/>
+              <a:t>String Indexes</a:t>
+            </a:r>
+          </a:p>
+        </p:txBody>
+      </p:sp>
+      <p:sp>
+        <p:nvSpPr>
+          <p:cNvPr id="3" name="Content Placeholder 2">
+            <a:extLst>
+              <a:ext uri="{FF2B5EF4-FFF2-40B4-BE49-F238E27FC236}">
+                <a16:creationId xmlns:a16="http://schemas.microsoft.com/office/drawing/2014/main" id="{D6AA30F6-EC50-477A-866D-77F01330E31A}"/>
+              </a:ext>
+            </a:extLst>
+          </p:cNvPr>
+          <p:cNvSpPr>
+            <a:spLocks noGrp="1"/>
+          </p:cNvSpPr>
+          <p:nvPr>
+            <p:ph idx="1"/>
+          </p:nvPr>
+        </p:nvSpPr>
+        <p:spPr/>
+        <p:txBody>
+          <a:bodyPr/>
+          <a:lstStyle/>
+          <a:p>
+            <a:r>
+              <a:rPr lang="en-US" b="1" i="1" dirty="0"/>
+              <a:t>Indexes</a:t>
+            </a:r>
+            <a:r>
+              <a:rPr lang="en-US" dirty="0"/>
+              <a:t> are the positions of elements in a string</a:t>
+            </a:r>
+          </a:p>
+          <a:p>
+            <a:r>
+              <a:rPr lang="en-US" dirty="0"/>
+              <a:t>In JavaScript, </a:t>
+            </a:r>
+            <a:r>
+              <a:rPr lang="en-US" b="1" dirty="0"/>
+              <a:t>indexes begin at 0 and end at 1 less than the length of the string</a:t>
+            </a:r>
+          </a:p>
+          <a:p>
+            <a:endParaRPr lang="en-US" b="1" dirty="0"/>
+          </a:p>
+        </p:txBody>
+      </p:sp>
+      <p:pic>
+        <p:nvPicPr>
+          <p:cNvPr id="5" name="Picture 4">
+            <a:extLst>
+              <a:ext uri="{FF2B5EF4-FFF2-40B4-BE49-F238E27FC236}">
+                <a16:creationId xmlns:a16="http://schemas.microsoft.com/office/drawing/2014/main" id="{1471FEB9-DECA-4DA1-84B7-6D42D9007DE9}"/>
+              </a:ext>
+            </a:extLst>
+          </p:cNvPr>
+          <p:cNvPicPr>
+            <a:picLocks noChangeAspect="1"/>
+          </p:cNvPicPr>
+          <p:nvPr/>
+        </p:nvPicPr>
+        <p:blipFill>
+          <a:blip r:embed="rId2">
+            <a:extLst>
+              <a:ext uri="{28A0092B-C50C-407E-A947-70E740481C1C}">
+                <a14:useLocalDpi xmlns:a14="http://schemas.microsoft.com/office/drawing/2010/main" val="0"/>
+              </a:ext>
+            </a:extLst>
+          </a:blip>
+          <a:stretch>
+            <a:fillRect/>
+          </a:stretch>
+        </p:blipFill>
+        <p:spPr>
+          <a:xfrm>
+            <a:off x="0" y="5455770"/>
+            <a:ext cx="9471424" cy="1402231"/>
+          </a:xfrm>
+          <a:prstGeom prst="rect">
+            <a:avLst/>
+          </a:prstGeom>
+        </p:spPr>
+      </p:pic>
+      <p:pic>
+        <p:nvPicPr>
+          <p:cNvPr id="7" name="Picture 6">
+            <a:extLst>
+              <a:ext uri="{FF2B5EF4-FFF2-40B4-BE49-F238E27FC236}">
+                <a16:creationId xmlns:a16="http://schemas.microsoft.com/office/drawing/2014/main" id="{4D9D01C2-1505-4EBB-9A26-F6F26425E5F4}"/>
+              </a:ext>
+            </a:extLst>
+          </p:cNvPr>
+          <p:cNvPicPr>
+            <a:picLocks noChangeAspect="1"/>
+          </p:cNvPicPr>
+          <p:nvPr/>
+        </p:nvPicPr>
+        <p:blipFill>
+          <a:blip r:embed="rId3">
+            <a:extLst>
+              <a:ext uri="{28A0092B-C50C-407E-A947-70E740481C1C}">
+                <a14:useLocalDpi xmlns:a14="http://schemas.microsoft.com/office/drawing/2010/main" val="0"/>
+              </a:ext>
+            </a:extLst>
+          </a:blip>
+          <a:stretch>
+            <a:fillRect/>
+          </a:stretch>
+        </p:blipFill>
+        <p:spPr>
+          <a:xfrm>
+            <a:off x="9471424" y="2870600"/>
+            <a:ext cx="2720576" cy="4000847"/>
+          </a:xfrm>
+          <a:prstGeom prst="rect">
+            <a:avLst/>
+          </a:prstGeom>
+        </p:spPr>
+      </p:pic>
+    </p:spTree>
+    <p:extLst>
+      <p:ext uri="{BB962C8B-B14F-4D97-AF65-F5344CB8AC3E}">
+        <p14:creationId xmlns:p14="http://schemas.microsoft.com/office/powerpoint/2010/main" val="3390729434"/>
+      </p:ext>
+    </p:extLst>
+  </p:cSld>
+  <p:clrMapOvr>
+    <a:masterClrMapping/>
+  </p:clrMapOvr>
+</p:sld>
+</file>
+
+<file path=ppt/slides/slide11.xml><?xml version="1.0" encoding="utf-8"?>
+<p:sld xmlns:a="http://schemas.openxmlformats.org/drawingml/2006/main" xmlns:r="http://schemas.openxmlformats.org/officeDocument/2006/relationships" xmlns:p="http://schemas.openxmlformats.org/presentationml/2006/main">
+  <p:cSld>
+    <p:spTree>
+      <p:nvGrpSpPr>
+        <p:cNvPr id="1" name=""/>
+        <p:cNvGrpSpPr/>
+        <p:nvPr/>
+      </p:nvGrpSpPr>
+      <p:grpSpPr>
+        <a:xfrm>
+          <a:off x="0" y="0"/>
+          <a:ext cx="0" cy="0"/>
+          <a:chOff x="0" y="0"/>
+          <a:chExt cx="0" cy="0"/>
+        </a:xfrm>
+      </p:grpSpPr>
+      <p:sp>
+        <p:nvSpPr>
+          <p:cNvPr id="2" name="Title 1">
+            <a:extLst>
+              <a:ext uri="{FF2B5EF4-FFF2-40B4-BE49-F238E27FC236}">
+                <a16:creationId xmlns:a16="http://schemas.microsoft.com/office/drawing/2014/main" id="{DC98547D-0700-7D43-9598-AE126B43371D}"/>
+              </a:ext>
+            </a:extLst>
+          </p:cNvPr>
+          <p:cNvSpPr>
+            <a:spLocks noGrp="1"/>
+          </p:cNvSpPr>
+          <p:nvPr>
+            <p:ph type="title"/>
+          </p:nvPr>
+        </p:nvSpPr>
+        <p:spPr/>
+        <p:txBody>
+          <a:bodyPr/>
+          <a:lstStyle/>
+          <a:p>
+            <a:r>
+              <a:rPr lang="en-US" dirty="0"/>
+              <a:t>String Indexes</a:t>
+            </a:r>
+          </a:p>
+        </p:txBody>
+      </p:sp>
+      <p:sp>
+        <p:nvSpPr>
+          <p:cNvPr id="3" name="Content Placeholder 2">
+            <a:extLst>
+              <a:ext uri="{FF2B5EF4-FFF2-40B4-BE49-F238E27FC236}">
+                <a16:creationId xmlns:a16="http://schemas.microsoft.com/office/drawing/2014/main" id="{16C835C3-2702-EA6A-48A1-C811BB96DAC6}"/>
+              </a:ext>
+            </a:extLst>
+          </p:cNvPr>
+          <p:cNvSpPr>
+            <a:spLocks noGrp="1"/>
+          </p:cNvSpPr>
+          <p:nvPr>
+            <p:ph idx="1"/>
+          </p:nvPr>
+        </p:nvSpPr>
+        <p:spPr/>
+        <p:txBody>
+          <a:bodyPr/>
+          <a:lstStyle/>
+          <a:p>
+            <a:r>
+              <a:rPr lang="en-US" dirty="0"/>
+              <a:t>We can always access the first character of a string using </a:t>
+            </a:r>
+            <a:r>
+              <a:rPr lang="en-US" b="1" i="1" dirty="0"/>
+              <a:t>index 0</a:t>
+            </a:r>
+            <a:endParaRPr lang="en-US" dirty="0"/>
+          </a:p>
+          <a:p>
+            <a:r>
+              <a:rPr lang="en-US" dirty="0"/>
+              <a:t>We can always access the last character of a string using </a:t>
+            </a:r>
+            <a:r>
+              <a:rPr lang="en-US" b="1" i="1" dirty="0"/>
+              <a:t>the length of the string - 1</a:t>
+            </a:r>
+            <a:endParaRPr lang="en-US" dirty="0"/>
+          </a:p>
+        </p:txBody>
+      </p:sp>
+      <p:pic>
+        <p:nvPicPr>
+          <p:cNvPr id="5" name="Picture 4" descr="A screen shot of a computer&#10;&#10;Description automatically generated">
+            <a:extLst>
+              <a:ext uri="{FF2B5EF4-FFF2-40B4-BE49-F238E27FC236}">
+                <a16:creationId xmlns:a16="http://schemas.microsoft.com/office/drawing/2014/main" id="{AC2AC597-94EA-380D-6AFF-62717DF558F6}"/>
+              </a:ext>
+            </a:extLst>
+          </p:cNvPr>
+          <p:cNvPicPr>
+            <a:picLocks noChangeAspect="1"/>
+          </p:cNvPicPr>
+          <p:nvPr/>
+        </p:nvPicPr>
+        <p:blipFill>
+          <a:blip r:embed="rId2">
+            <a:extLst>
+              <a:ext uri="{28A0092B-C50C-407E-A947-70E740481C1C}">
+                <a14:useLocalDpi xmlns:a14="http://schemas.microsoft.com/office/drawing/2010/main" val="0"/>
+              </a:ext>
+            </a:extLst>
+          </a:blip>
+          <a:stretch>
+            <a:fillRect/>
+          </a:stretch>
+        </p:blipFill>
+        <p:spPr>
+          <a:xfrm>
+            <a:off x="0" y="4171151"/>
+            <a:ext cx="6001966" cy="2686849"/>
+          </a:xfrm>
+          <a:prstGeom prst="rect">
+            <a:avLst/>
+          </a:prstGeom>
+        </p:spPr>
+      </p:pic>
+      <p:pic>
+        <p:nvPicPr>
+          <p:cNvPr id="7" name="Picture 6" descr="A screen shot of a computer&#10;&#10;Description automatically generated">
+            <a:extLst>
+              <a:ext uri="{FF2B5EF4-FFF2-40B4-BE49-F238E27FC236}">
+                <a16:creationId xmlns:a16="http://schemas.microsoft.com/office/drawing/2014/main" id="{A347D41F-0B91-B42B-3116-116A8729FDD9}"/>
+              </a:ext>
+            </a:extLst>
+          </p:cNvPr>
+          <p:cNvPicPr>
+            <a:picLocks noChangeAspect="1"/>
+          </p:cNvPicPr>
+          <p:nvPr/>
+        </p:nvPicPr>
+        <p:blipFill>
+          <a:blip r:embed="rId3">
+            <a:extLst>
+              <a:ext uri="{28A0092B-C50C-407E-A947-70E740481C1C}">
+                <a14:useLocalDpi xmlns:a14="http://schemas.microsoft.com/office/drawing/2010/main" val="0"/>
+              </a:ext>
+            </a:extLst>
+          </a:blip>
+          <a:stretch>
+            <a:fillRect/>
+          </a:stretch>
+        </p:blipFill>
+        <p:spPr>
+          <a:xfrm>
+            <a:off x="5913255" y="4171151"/>
+            <a:ext cx="6278746" cy="2686850"/>
+          </a:xfrm>
+          <a:prstGeom prst="rect">
+            <a:avLst/>
+          </a:prstGeom>
+        </p:spPr>
+      </p:pic>
+    </p:spTree>
+    <p:extLst>
+      <p:ext uri="{BB962C8B-B14F-4D97-AF65-F5344CB8AC3E}">
+        <p14:creationId xmlns:p14="http://schemas.microsoft.com/office/powerpoint/2010/main" val="1208786059"/>
+      </p:ext>
+    </p:extLst>
+  </p:cSld>
+  <p:clrMapOvr>
+    <a:masterClrMapping/>
+  </p:clrMapOvr>
+</p:sld>
+</file>
+
+<file path=ppt/slides/slide12.xml><?xml version="1.0" encoding="utf-8"?>
+<p:sld xmlns:a="http://schemas.openxmlformats.org/drawingml/2006/main" xmlns:r="http://schemas.openxmlformats.org/officeDocument/2006/relationships" xmlns:p="http://schemas.openxmlformats.org/presentationml/2006/main">
+  <p:cSld>
+    <p:spTree>
+      <p:nvGrpSpPr>
+        <p:cNvPr id="1" name=""/>
+        <p:cNvGrpSpPr/>
+        <p:nvPr/>
+      </p:nvGrpSpPr>
+      <p:grpSpPr>
+        <a:xfrm>
+          <a:off x="0" y="0"/>
+          <a:ext cx="0" cy="0"/>
+          <a:chOff x="0" y="0"/>
+          <a:chExt cx="0" cy="0"/>
+        </a:xfrm>
+      </p:grpSpPr>
+      <p:sp>
+        <p:nvSpPr>
+          <p:cNvPr id="2" name="Title 1">
+            <a:extLst>
+              <a:ext uri="{FF2B5EF4-FFF2-40B4-BE49-F238E27FC236}">
                 <a16:creationId xmlns:a16="http://schemas.microsoft.com/office/drawing/2014/main" id="{AA87E912-6DEF-4B3D-A790-7A4A4F95FA45}"/>
               </a:ext>
             </a:extLst>
@@ -3996,7 +4347,7 @@
             <a:pPr lvl="1"/>
             <a:r>
               <a:rPr lang="en-US" dirty="0"/>
-              <a:t>One of the most commonly used properties in JavaScript</a:t>
+              <a:t>One of the most used properties in JavaScript</a:t>
             </a:r>
           </a:p>
         </p:txBody>
@@ -4050,7 +4401,7 @@
 </p:sld>
 </file>
 
-<file path=ppt/slides/slide11.xml><?xml version="1.0" encoding="utf-8"?>
+<file path=ppt/slides/slide13.xml><?xml version="1.0" encoding="utf-8"?>
 <p:sld xmlns:a="http://schemas.openxmlformats.org/drawingml/2006/main" xmlns:r="http://schemas.openxmlformats.org/officeDocument/2006/relationships" xmlns:p="http://schemas.openxmlformats.org/presentationml/2006/main">
   <p:cSld>
     <p:spTree>
@@ -4173,7 +4524,7 @@
 </p:sld>
 </file>
 
-<file path=ppt/slides/slide12.xml><?xml version="1.0" encoding="utf-8"?>
+<file path=ppt/slides/slide14.xml><?xml version="1.0" encoding="utf-8"?>
 <p:sld xmlns:a="http://schemas.openxmlformats.org/drawingml/2006/main" xmlns:r="http://schemas.openxmlformats.org/officeDocument/2006/relationships" xmlns:p="http://schemas.openxmlformats.org/presentationml/2006/main">
   <p:cSld>
     <p:spTree>
@@ -4375,7 +4726,7 @@
 </p:sld>
 </file>
 
-<file path=ppt/slides/slide13.xml><?xml version="1.0" encoding="utf-8"?>
+<file path=ppt/slides/slide15.xml><?xml version="1.0" encoding="utf-8"?>
 <p:sld xmlns:a="http://schemas.openxmlformats.org/drawingml/2006/main" xmlns:r="http://schemas.openxmlformats.org/officeDocument/2006/relationships" xmlns:p="http://schemas.openxmlformats.org/presentationml/2006/main">
   <p:cSld>
     <p:spTree>
@@ -4494,7 +4845,7 @@
 </p:sld>
 </file>
 
-<file path=ppt/slides/slide14.xml><?xml version="1.0" encoding="utf-8"?>
+<file path=ppt/slides/slide16.xml><?xml version="1.0" encoding="utf-8"?>
 <p:sld xmlns:a="http://schemas.openxmlformats.org/drawingml/2006/main" xmlns:r="http://schemas.openxmlformats.org/officeDocument/2006/relationships" xmlns:p="http://schemas.openxmlformats.org/presentationml/2006/main">
   <p:cSld>
     <p:spTree>
@@ -4667,7 +5018,7 @@
 </p:sld>
 </file>
 
-<file path=ppt/slides/slide15.xml><?xml version="1.0" encoding="utf-8"?>
+<file path=ppt/slides/slide17.xml><?xml version="1.0" encoding="utf-8"?>
 <p:sld xmlns:a="http://schemas.openxmlformats.org/drawingml/2006/main" xmlns:r="http://schemas.openxmlformats.org/officeDocument/2006/relationships" xmlns:p="http://schemas.openxmlformats.org/presentationml/2006/main">
   <p:cSld>
     <p:spTree>
@@ -4815,245 +5166,6 @@
 </p:sld>
 </file>
 
-<file path=ppt/slides/slide16.xml><?xml version="1.0" encoding="utf-8"?>
-<p:sld xmlns:a="http://schemas.openxmlformats.org/drawingml/2006/main" xmlns:r="http://schemas.openxmlformats.org/officeDocument/2006/relationships" xmlns:p="http://schemas.openxmlformats.org/presentationml/2006/main">
-  <p:cSld>
-    <p:spTree>
-      <p:nvGrpSpPr>
-        <p:cNvPr id="1" name=""/>
-        <p:cNvGrpSpPr/>
-        <p:nvPr/>
-      </p:nvGrpSpPr>
-      <p:grpSpPr>
-        <a:xfrm>
-          <a:off x="0" y="0"/>
-          <a:ext cx="0" cy="0"/>
-          <a:chOff x="0" y="0"/>
-          <a:chExt cx="0" cy="0"/>
-        </a:xfrm>
-      </p:grpSpPr>
-      <p:sp>
-        <p:nvSpPr>
-          <p:cNvPr id="2" name="Title 1">
-            <a:extLst>
-              <a:ext uri="{FF2B5EF4-FFF2-40B4-BE49-F238E27FC236}">
-                <a16:creationId xmlns:a16="http://schemas.microsoft.com/office/drawing/2014/main" id="{7AE67228-CE58-4DE7-8D8E-C3A478474B08}"/>
-              </a:ext>
-            </a:extLst>
-          </p:cNvPr>
-          <p:cNvSpPr>
-            <a:spLocks noGrp="1"/>
-          </p:cNvSpPr>
-          <p:nvPr>
-            <p:ph type="title"/>
-          </p:nvPr>
-        </p:nvSpPr>
-        <p:spPr/>
-        <p:txBody>
-          <a:bodyPr/>
-          <a:lstStyle/>
-          <a:p>
-            <a:r>
-              <a:rPr lang="en-US" b="1" i="1" dirty="0"/>
-              <a:t>substring(start, end)</a:t>
-            </a:r>
-          </a:p>
-        </p:txBody>
-      </p:sp>
-      <p:pic>
-        <p:nvPicPr>
-          <p:cNvPr id="5" name="Content Placeholder 4">
-            <a:extLst>
-              <a:ext uri="{FF2B5EF4-FFF2-40B4-BE49-F238E27FC236}">
-                <a16:creationId xmlns:a16="http://schemas.microsoft.com/office/drawing/2014/main" id="{417C7EB3-1344-444B-A575-60039D7C3FE0}"/>
-              </a:ext>
-            </a:extLst>
-          </p:cNvPr>
-          <p:cNvPicPr>
-            <a:picLocks noGrp="1" noChangeAspect="1"/>
-          </p:cNvPicPr>
-          <p:nvPr>
-            <p:ph idx="1"/>
-          </p:nvPr>
-        </p:nvPicPr>
-        <p:blipFill>
-          <a:blip r:embed="rId2">
-            <a:extLst>
-              <a:ext uri="{28A0092B-C50C-407E-A947-70E740481C1C}">
-                <a14:useLocalDpi xmlns:a14="http://schemas.microsoft.com/office/drawing/2010/main" val="0"/>
-              </a:ext>
-            </a:extLst>
-          </a:blip>
-          <a:stretch>
-            <a:fillRect/>
-          </a:stretch>
-        </p:blipFill>
-        <p:spPr>
-          <a:xfrm>
-            <a:off x="1232647" y="1752119"/>
-            <a:ext cx="9726706" cy="5105881"/>
-          </a:xfrm>
-        </p:spPr>
-      </p:pic>
-    </p:spTree>
-    <p:extLst>
-      <p:ext uri="{BB962C8B-B14F-4D97-AF65-F5344CB8AC3E}">
-        <p14:creationId xmlns:p14="http://schemas.microsoft.com/office/powerpoint/2010/main" val="3440943098"/>
-      </p:ext>
-    </p:extLst>
-  </p:cSld>
-  <p:clrMapOvr>
-    <a:masterClrMapping/>
-  </p:clrMapOvr>
-</p:sld>
-</file>
-
-<file path=ppt/slides/slide17.xml><?xml version="1.0" encoding="utf-8"?>
-<p:sld xmlns:a="http://schemas.openxmlformats.org/drawingml/2006/main" xmlns:r="http://schemas.openxmlformats.org/officeDocument/2006/relationships" xmlns:p="http://schemas.openxmlformats.org/presentationml/2006/main">
-  <p:cSld>
-    <p:spTree>
-      <p:nvGrpSpPr>
-        <p:cNvPr id="1" name=""/>
-        <p:cNvGrpSpPr/>
-        <p:nvPr/>
-      </p:nvGrpSpPr>
-      <p:grpSpPr>
-        <a:xfrm>
-          <a:off x="0" y="0"/>
-          <a:ext cx="0" cy="0"/>
-          <a:chOff x="0" y="0"/>
-          <a:chExt cx="0" cy="0"/>
-        </a:xfrm>
-      </p:grpSpPr>
-      <p:sp>
-        <p:nvSpPr>
-          <p:cNvPr id="2" name="Title 1">
-            <a:extLst>
-              <a:ext uri="{FF2B5EF4-FFF2-40B4-BE49-F238E27FC236}">
-                <a16:creationId xmlns:a16="http://schemas.microsoft.com/office/drawing/2014/main" id="{C11C78EE-7926-4D49-A182-458D1BE723C7}"/>
-              </a:ext>
-            </a:extLst>
-          </p:cNvPr>
-          <p:cNvSpPr>
-            <a:spLocks noGrp="1"/>
-          </p:cNvSpPr>
-          <p:nvPr>
-            <p:ph type="title"/>
-          </p:nvPr>
-        </p:nvSpPr>
-        <p:spPr/>
-        <p:txBody>
-          <a:bodyPr/>
-          <a:lstStyle/>
-          <a:p>
-            <a:r>
-              <a:rPr lang="en-US" b="1" i="1" dirty="0" err="1"/>
-              <a:t>substr</a:t>
-            </a:r>
-            <a:r>
-              <a:rPr lang="en-US" b="1" i="1" dirty="0"/>
-              <a:t>(start, length)</a:t>
-            </a:r>
-          </a:p>
-        </p:txBody>
-      </p:sp>
-      <p:sp>
-        <p:nvSpPr>
-          <p:cNvPr id="3" name="Content Placeholder 2">
-            <a:extLst>
-              <a:ext uri="{FF2B5EF4-FFF2-40B4-BE49-F238E27FC236}">
-                <a16:creationId xmlns:a16="http://schemas.microsoft.com/office/drawing/2014/main" id="{870B336F-1950-453E-997B-132FDA2BC110}"/>
-              </a:ext>
-            </a:extLst>
-          </p:cNvPr>
-          <p:cNvSpPr>
-            <a:spLocks noGrp="1"/>
-          </p:cNvSpPr>
-          <p:nvPr>
-            <p:ph idx="1"/>
-          </p:nvPr>
-        </p:nvSpPr>
-        <p:spPr/>
-        <p:txBody>
-          <a:bodyPr/>
-          <a:lstStyle/>
-          <a:p>
-            <a:r>
-              <a:rPr lang="en-US" b="1" i="1" dirty="0" err="1"/>
-              <a:t>Substr</a:t>
-            </a:r>
-            <a:r>
-              <a:rPr lang="en-US" b="1" i="1" dirty="0"/>
-              <a:t>(start, length) </a:t>
-            </a:r>
-            <a:r>
-              <a:rPr lang="en-US" dirty="0"/>
-              <a:t>is also similar to slice(start, end)</a:t>
-            </a:r>
-          </a:p>
-          <a:p>
-            <a:r>
-              <a:rPr lang="en-US" dirty="0"/>
-              <a:t>start – the first index to use</a:t>
-            </a:r>
-          </a:p>
-          <a:p>
-            <a:r>
-              <a:rPr lang="en-US" dirty="0"/>
-              <a:t>Length (Optional) – length of the desired substring</a:t>
-            </a:r>
-          </a:p>
-        </p:txBody>
-      </p:sp>
-      <p:pic>
-        <p:nvPicPr>
-          <p:cNvPr id="5" name="Picture 4">
-            <a:extLst>
-              <a:ext uri="{FF2B5EF4-FFF2-40B4-BE49-F238E27FC236}">
-                <a16:creationId xmlns:a16="http://schemas.microsoft.com/office/drawing/2014/main" id="{D29BDB74-F1E3-4C59-9E94-D51436DF90F7}"/>
-              </a:ext>
-            </a:extLst>
-          </p:cNvPr>
-          <p:cNvPicPr>
-            <a:picLocks noChangeAspect="1"/>
-          </p:cNvPicPr>
-          <p:nvPr/>
-        </p:nvPicPr>
-        <p:blipFill>
-          <a:blip r:embed="rId2">
-            <a:extLst>
-              <a:ext uri="{28A0092B-C50C-407E-A947-70E740481C1C}">
-                <a14:useLocalDpi xmlns:a14="http://schemas.microsoft.com/office/drawing/2010/main" val="0"/>
-              </a:ext>
-            </a:extLst>
-          </a:blip>
-          <a:stretch>
-            <a:fillRect/>
-          </a:stretch>
-        </p:blipFill>
-        <p:spPr>
-          <a:xfrm>
-            <a:off x="0" y="4906509"/>
-            <a:ext cx="6096000" cy="1951492"/>
-          </a:xfrm>
-          <a:prstGeom prst="rect">
-            <a:avLst/>
-          </a:prstGeom>
-        </p:spPr>
-      </p:pic>
-    </p:spTree>
-    <p:extLst>
-      <p:ext uri="{BB962C8B-B14F-4D97-AF65-F5344CB8AC3E}">
-        <p14:creationId xmlns:p14="http://schemas.microsoft.com/office/powerpoint/2010/main" val="2020648583"/>
-      </p:ext>
-    </p:extLst>
-  </p:cSld>
-  <p:clrMapOvr>
-    <a:masterClrMapping/>
-  </p:clrMapOvr>
-</p:sld>
-</file>
-
 <file path=ppt/slides/slide18.xml><?xml version="1.0" encoding="utf-8"?>
 <p:sld xmlns:a="http://schemas.openxmlformats.org/drawingml/2006/main" xmlns:r="http://schemas.openxmlformats.org/officeDocument/2006/relationships" xmlns:p="http://schemas.openxmlformats.org/presentationml/2006/main">
   <p:cSld>
@@ -5076,7 +5188,7 @@
           <p:cNvPr id="2" name="Title 1">
             <a:extLst>
               <a:ext uri="{FF2B5EF4-FFF2-40B4-BE49-F238E27FC236}">
-                <a16:creationId xmlns:a16="http://schemas.microsoft.com/office/drawing/2014/main" id="{508CB06F-581C-4D46-A9B6-65D4117AB8B7}"/>
+                <a16:creationId xmlns:a16="http://schemas.microsoft.com/office/drawing/2014/main" id="{7AE67228-CE58-4DE7-8D8E-C3A478474B08}"/>
               </a:ext>
             </a:extLst>
           </p:cNvPr>
@@ -5093,54 +5205,27 @@
           <a:lstStyle/>
           <a:p>
             <a:r>
-              <a:rPr lang="en-US" b="1" i="1" dirty="0" err="1"/>
-              <a:t>substr</a:t>
-            </a:r>
-            <a:r>
               <a:rPr lang="en-US" b="1" i="1" dirty="0"/>
-              <a:t>(start, length)</a:t>
-            </a:r>
-          </a:p>
-        </p:txBody>
-      </p:sp>
-      <p:sp>
-        <p:nvSpPr>
-          <p:cNvPr id="3" name="Content Placeholder 2">
-            <a:extLst>
-              <a:ext uri="{FF2B5EF4-FFF2-40B4-BE49-F238E27FC236}">
-                <a16:creationId xmlns:a16="http://schemas.microsoft.com/office/drawing/2014/main" id="{D00EC9E1-A6AF-4802-974C-039CA33CAD48}"/>
-              </a:ext>
-            </a:extLst>
-          </p:cNvPr>
-          <p:cNvSpPr>
-            <a:spLocks noGrp="1"/>
-          </p:cNvSpPr>
-          <p:nvPr>
-            <p:ph idx="1"/>
-          </p:nvPr>
-        </p:nvSpPr>
-        <p:spPr/>
-        <p:txBody>
-          <a:bodyPr/>
-          <a:lstStyle/>
-          <a:p>
-            <a:endParaRPr lang="en-US" dirty="0"/>
+              <a:t>substring(start, end)</a:t>
+            </a:r>
           </a:p>
         </p:txBody>
       </p:sp>
       <p:pic>
         <p:nvPicPr>
-          <p:cNvPr id="5" name="Picture 4">
-            <a:extLst>
-              <a:ext uri="{FF2B5EF4-FFF2-40B4-BE49-F238E27FC236}">
-                <a16:creationId xmlns:a16="http://schemas.microsoft.com/office/drawing/2014/main" id="{49CAACD1-71BA-4161-8796-38692D001518}"/>
+          <p:cNvPr id="5" name="Content Placeholder 4">
+            <a:extLst>
+              <a:ext uri="{FF2B5EF4-FFF2-40B4-BE49-F238E27FC236}">
+                <a16:creationId xmlns:a16="http://schemas.microsoft.com/office/drawing/2014/main" id="{417C7EB3-1344-444B-A575-60039D7C3FE0}"/>
               </a:ext>
             </a:extLst>
           </p:cNvPr>
           <p:cNvPicPr>
-            <a:picLocks noChangeAspect="1"/>
+            <a:picLocks noGrp="1" noChangeAspect="1"/>
           </p:cNvPicPr>
-          <p:nvPr/>
+          <p:nvPr>
+            <p:ph idx="1"/>
+          </p:nvPr>
         </p:nvPicPr>
         <p:blipFill>
           <a:blip r:embed="rId2">
@@ -5156,18 +5241,15 @@
         </p:blipFill>
         <p:spPr>
           <a:xfrm>
-            <a:off x="486335" y="1301424"/>
-            <a:ext cx="11219330" cy="5556576"/>
+            <a:off x="1232647" y="1752119"/>
+            <a:ext cx="9726706" cy="5105881"/>
           </a:xfrm>
-          <a:prstGeom prst="rect">
-            <a:avLst/>
-          </a:prstGeom>
         </p:spPr>
       </p:pic>
     </p:spTree>
     <p:extLst>
       <p:ext uri="{BB962C8B-B14F-4D97-AF65-F5344CB8AC3E}">
-        <p14:creationId xmlns:p14="http://schemas.microsoft.com/office/powerpoint/2010/main" val="2456669176"/>
+        <p14:creationId xmlns:p14="http://schemas.microsoft.com/office/powerpoint/2010/main" val="3440943098"/>
       </p:ext>
     </p:extLst>
   </p:cSld>
@@ -5199,7 +5281,7 @@
           <p:cNvPr id="2" name="Title 1">
             <a:extLst>
               <a:ext uri="{FF2B5EF4-FFF2-40B4-BE49-F238E27FC236}">
-                <a16:creationId xmlns:a16="http://schemas.microsoft.com/office/drawing/2014/main" id="{F408A9DC-F61E-4D94-B360-532D9B1DE500}"/>
+                <a16:creationId xmlns:a16="http://schemas.microsoft.com/office/drawing/2014/main" id="{C11C78EE-7926-4D49-A182-458D1BE723C7}"/>
               </a:ext>
             </a:extLst>
           </p:cNvPr>
@@ -5223,7 +5305,6 @@
               <a:rPr lang="en-US" b="1" i="1" dirty="0"/>
               <a:t>(start, length)</a:t>
             </a:r>
-            <a:endParaRPr lang="en-US" dirty="0"/>
           </a:p>
         </p:txBody>
       </p:sp>
@@ -5232,7 +5313,7 @@
           <p:cNvPr id="3" name="Content Placeholder 2">
             <a:extLst>
               <a:ext uri="{FF2B5EF4-FFF2-40B4-BE49-F238E27FC236}">
-                <a16:creationId xmlns:a16="http://schemas.microsoft.com/office/drawing/2014/main" id="{FF954B74-60DE-4D49-9CD3-093E1C7CBD4A}"/>
+                <a16:creationId xmlns:a16="http://schemas.microsoft.com/office/drawing/2014/main" id="{870B336F-1950-453E-997B-132FDA2BC110}"/>
               </a:ext>
             </a:extLst>
           </p:cNvPr>
@@ -5249,8 +5330,28 @@
           <a:lstStyle/>
           <a:p>
             <a:r>
-              <a:rPr lang="en-US" dirty="0"/>
-              <a:t>We can make the start negative to count from the end, and then use length as normal </a:t>
+              <a:rPr lang="en-US" b="1" i="1" dirty="0" err="1"/>
+              <a:t>Substr</a:t>
+            </a:r>
+            <a:r>
+              <a:rPr lang="en-US" b="1" i="1" dirty="0"/>
+              <a:t>(start, length) </a:t>
+            </a:r>
+            <a:r>
+              <a:rPr lang="en-US" dirty="0"/>
+              <a:t>is also similar to slice(start, end)</a:t>
+            </a:r>
+          </a:p>
+          <a:p>
+            <a:r>
+              <a:rPr lang="en-US" dirty="0"/>
+              <a:t>start – the first index to use</a:t>
+            </a:r>
+          </a:p>
+          <a:p>
+            <a:r>
+              <a:rPr lang="en-US" dirty="0"/>
+              <a:t>Length (Optional) – length of the desired substring</a:t>
             </a:r>
           </a:p>
         </p:txBody>
@@ -5260,7 +5361,7 @@
           <p:cNvPr id="5" name="Picture 4">
             <a:extLst>
               <a:ext uri="{FF2B5EF4-FFF2-40B4-BE49-F238E27FC236}">
-                <a16:creationId xmlns:a16="http://schemas.microsoft.com/office/drawing/2014/main" id="{8E8B42A2-D61D-4BDB-890E-2E5823174A01}"/>
+                <a16:creationId xmlns:a16="http://schemas.microsoft.com/office/drawing/2014/main" id="{D29BDB74-F1E3-4C59-9E94-D51436DF90F7}"/>
               </a:ext>
             </a:extLst>
           </p:cNvPr>
@@ -5283,8 +5384,8 @@
         </p:blipFill>
         <p:spPr>
           <a:xfrm>
-            <a:off x="2102223" y="2896173"/>
-            <a:ext cx="7987553" cy="3961827"/>
+            <a:off x="0" y="4906509"/>
+            <a:ext cx="6096000" cy="1951492"/>
           </a:xfrm>
           <a:prstGeom prst="rect">
             <a:avLst/>
@@ -5294,7 +5395,7 @@
     </p:spTree>
     <p:extLst>
       <p:ext uri="{BB962C8B-B14F-4D97-AF65-F5344CB8AC3E}">
-        <p14:creationId xmlns:p14="http://schemas.microsoft.com/office/powerpoint/2010/main" val="2042348039"/>
+        <p14:creationId xmlns:p14="http://schemas.microsoft.com/office/powerpoint/2010/main" val="2020648583"/>
       </p:ext>
     </p:extLst>
   </p:cSld>
@@ -5435,7 +5536,7 @@
           <p:cNvPr id="2" name="Title 1">
             <a:extLst>
               <a:ext uri="{FF2B5EF4-FFF2-40B4-BE49-F238E27FC236}">
-                <a16:creationId xmlns:a16="http://schemas.microsoft.com/office/drawing/2014/main" id="{46052074-0716-486F-BFD9-FADC4BA62C79}"/>
+                <a16:creationId xmlns:a16="http://schemas.microsoft.com/office/drawing/2014/main" id="{508CB06F-581C-4D46-A9B6-65D4117AB8B7}"/>
               </a:ext>
             </a:extLst>
           </p:cNvPr>
@@ -5452,8 +5553,12 @@
           <a:lstStyle/>
           <a:p>
             <a:r>
-              <a:rPr lang="en-US" dirty="0"/>
-              <a:t>String Methods </a:t>
+              <a:rPr lang="en-US" b="1" i="1" dirty="0" err="1"/>
+              <a:t>substr</a:t>
+            </a:r>
+            <a:r>
+              <a:rPr lang="en-US" b="1" i="1" dirty="0"/>
+              <a:t>(start, length)</a:t>
             </a:r>
           </a:p>
         </p:txBody>
@@ -5463,7 +5568,7 @@
           <p:cNvPr id="3" name="Content Placeholder 2">
             <a:extLst>
               <a:ext uri="{FF2B5EF4-FFF2-40B4-BE49-F238E27FC236}">
-                <a16:creationId xmlns:a16="http://schemas.microsoft.com/office/drawing/2014/main" id="{4401B8DA-7D90-4009-B781-DAF066CAD1E6}"/>
+                <a16:creationId xmlns:a16="http://schemas.microsoft.com/office/drawing/2014/main" id="{D00EC9E1-A6AF-4802-974C-039CA33CAD48}"/>
               </a:ext>
             </a:extLst>
           </p:cNvPr>
@@ -5479,23 +5584,50 @@
           <a:bodyPr/>
           <a:lstStyle/>
           <a:p>
-            <a:r>
-              <a:rPr lang="en-US" dirty="0"/>
-              <a:t>Any of these three methods can be used when you want to take a substring</a:t>
-            </a:r>
-          </a:p>
-          <a:p>
-            <a:r>
-              <a:rPr lang="en-US" dirty="0"/>
-              <a:t>Feel free to use which ever you like the best or makes the most sense to you</a:t>
-            </a:r>
-          </a:p>
-        </p:txBody>
-      </p:sp>
+            <a:endParaRPr lang="en-US" dirty="0"/>
+          </a:p>
+        </p:txBody>
+      </p:sp>
+      <p:pic>
+        <p:nvPicPr>
+          <p:cNvPr id="5" name="Picture 4">
+            <a:extLst>
+              <a:ext uri="{FF2B5EF4-FFF2-40B4-BE49-F238E27FC236}">
+                <a16:creationId xmlns:a16="http://schemas.microsoft.com/office/drawing/2014/main" id="{49CAACD1-71BA-4161-8796-38692D001518}"/>
+              </a:ext>
+            </a:extLst>
+          </p:cNvPr>
+          <p:cNvPicPr>
+            <a:picLocks noChangeAspect="1"/>
+          </p:cNvPicPr>
+          <p:nvPr/>
+        </p:nvPicPr>
+        <p:blipFill>
+          <a:blip r:embed="rId2">
+            <a:extLst>
+              <a:ext uri="{28A0092B-C50C-407E-A947-70E740481C1C}">
+                <a14:useLocalDpi xmlns:a14="http://schemas.microsoft.com/office/drawing/2010/main" val="0"/>
+              </a:ext>
+            </a:extLst>
+          </a:blip>
+          <a:stretch>
+            <a:fillRect/>
+          </a:stretch>
+        </p:blipFill>
+        <p:spPr>
+          <a:xfrm>
+            <a:off x="486335" y="1301424"/>
+            <a:ext cx="11219330" cy="5556576"/>
+          </a:xfrm>
+          <a:prstGeom prst="rect">
+            <a:avLst/>
+          </a:prstGeom>
+        </p:spPr>
+      </p:pic>
     </p:spTree>
     <p:extLst>
       <p:ext uri="{BB962C8B-B14F-4D97-AF65-F5344CB8AC3E}">
-        <p14:creationId xmlns:p14="http://schemas.microsoft.com/office/powerpoint/2010/main" val="179300280"/>
+        <p14:creationId xmlns:p14="http://schemas.microsoft.com/office/powerpoint/2010/main" val="2456669176"/>
       </p:ext>
     </p:extLst>
   </p:cSld>
@@ -5527,6 +5659,225 @@
           <p:cNvPr id="2" name="Title 1">
             <a:extLst>
               <a:ext uri="{FF2B5EF4-FFF2-40B4-BE49-F238E27FC236}">
+                <a16:creationId xmlns:a16="http://schemas.microsoft.com/office/drawing/2014/main" id="{F408A9DC-F61E-4D94-B360-532D9B1DE500}"/>
+              </a:ext>
+            </a:extLst>
+          </p:cNvPr>
+          <p:cNvSpPr>
+            <a:spLocks noGrp="1"/>
+          </p:cNvSpPr>
+          <p:nvPr>
+            <p:ph type="title"/>
+          </p:nvPr>
+        </p:nvSpPr>
+        <p:spPr/>
+        <p:txBody>
+          <a:bodyPr/>
+          <a:lstStyle/>
+          <a:p>
+            <a:r>
+              <a:rPr lang="en-US" b="1" i="1" dirty="0" err="1"/>
+              <a:t>substr</a:t>
+            </a:r>
+            <a:r>
+              <a:rPr lang="en-US" b="1" i="1" dirty="0"/>
+              <a:t>(start, length)</a:t>
+            </a:r>
+            <a:endParaRPr lang="en-US" dirty="0"/>
+          </a:p>
+        </p:txBody>
+      </p:sp>
+      <p:sp>
+        <p:nvSpPr>
+          <p:cNvPr id="3" name="Content Placeholder 2">
+            <a:extLst>
+              <a:ext uri="{FF2B5EF4-FFF2-40B4-BE49-F238E27FC236}">
+                <a16:creationId xmlns:a16="http://schemas.microsoft.com/office/drawing/2014/main" id="{FF954B74-60DE-4D49-9CD3-093E1C7CBD4A}"/>
+              </a:ext>
+            </a:extLst>
+          </p:cNvPr>
+          <p:cNvSpPr>
+            <a:spLocks noGrp="1"/>
+          </p:cNvSpPr>
+          <p:nvPr>
+            <p:ph idx="1"/>
+          </p:nvPr>
+        </p:nvSpPr>
+        <p:spPr/>
+        <p:txBody>
+          <a:bodyPr/>
+          <a:lstStyle/>
+          <a:p>
+            <a:r>
+              <a:rPr lang="en-US" dirty="0"/>
+              <a:t>We can make the start negative to count from the end, and then use length as normal </a:t>
+            </a:r>
+          </a:p>
+        </p:txBody>
+      </p:sp>
+      <p:pic>
+        <p:nvPicPr>
+          <p:cNvPr id="5" name="Picture 4">
+            <a:extLst>
+              <a:ext uri="{FF2B5EF4-FFF2-40B4-BE49-F238E27FC236}">
+                <a16:creationId xmlns:a16="http://schemas.microsoft.com/office/drawing/2014/main" id="{8E8B42A2-D61D-4BDB-890E-2E5823174A01}"/>
+              </a:ext>
+            </a:extLst>
+          </p:cNvPr>
+          <p:cNvPicPr>
+            <a:picLocks noChangeAspect="1"/>
+          </p:cNvPicPr>
+          <p:nvPr/>
+        </p:nvPicPr>
+        <p:blipFill>
+          <a:blip r:embed="rId2">
+            <a:extLst>
+              <a:ext uri="{28A0092B-C50C-407E-A947-70E740481C1C}">
+                <a14:useLocalDpi xmlns:a14="http://schemas.microsoft.com/office/drawing/2010/main" val="0"/>
+              </a:ext>
+            </a:extLst>
+          </a:blip>
+          <a:stretch>
+            <a:fillRect/>
+          </a:stretch>
+        </p:blipFill>
+        <p:spPr>
+          <a:xfrm>
+            <a:off x="2102223" y="2896173"/>
+            <a:ext cx="7987553" cy="3961827"/>
+          </a:xfrm>
+          <a:prstGeom prst="rect">
+            <a:avLst/>
+          </a:prstGeom>
+        </p:spPr>
+      </p:pic>
+    </p:spTree>
+    <p:extLst>
+      <p:ext uri="{BB962C8B-B14F-4D97-AF65-F5344CB8AC3E}">
+        <p14:creationId xmlns:p14="http://schemas.microsoft.com/office/powerpoint/2010/main" val="2042348039"/>
+      </p:ext>
+    </p:extLst>
+  </p:cSld>
+  <p:clrMapOvr>
+    <a:masterClrMapping/>
+  </p:clrMapOvr>
+</p:sld>
+</file>
+
+<file path=ppt/slides/slide22.xml><?xml version="1.0" encoding="utf-8"?>
+<p:sld xmlns:a="http://schemas.openxmlformats.org/drawingml/2006/main" xmlns:r="http://schemas.openxmlformats.org/officeDocument/2006/relationships" xmlns:p="http://schemas.openxmlformats.org/presentationml/2006/main">
+  <p:cSld>
+    <p:spTree>
+      <p:nvGrpSpPr>
+        <p:cNvPr id="1" name=""/>
+        <p:cNvGrpSpPr/>
+        <p:nvPr/>
+      </p:nvGrpSpPr>
+      <p:grpSpPr>
+        <a:xfrm>
+          <a:off x="0" y="0"/>
+          <a:ext cx="0" cy="0"/>
+          <a:chOff x="0" y="0"/>
+          <a:chExt cx="0" cy="0"/>
+        </a:xfrm>
+      </p:grpSpPr>
+      <p:sp>
+        <p:nvSpPr>
+          <p:cNvPr id="2" name="Title 1">
+            <a:extLst>
+              <a:ext uri="{FF2B5EF4-FFF2-40B4-BE49-F238E27FC236}">
+                <a16:creationId xmlns:a16="http://schemas.microsoft.com/office/drawing/2014/main" id="{46052074-0716-486F-BFD9-FADC4BA62C79}"/>
+              </a:ext>
+            </a:extLst>
+          </p:cNvPr>
+          <p:cNvSpPr>
+            <a:spLocks noGrp="1"/>
+          </p:cNvSpPr>
+          <p:nvPr>
+            <p:ph type="title"/>
+          </p:nvPr>
+        </p:nvSpPr>
+        <p:spPr/>
+        <p:txBody>
+          <a:bodyPr/>
+          <a:lstStyle/>
+          <a:p>
+            <a:r>
+              <a:rPr lang="en-US" dirty="0"/>
+              <a:t>String Methods </a:t>
+            </a:r>
+          </a:p>
+        </p:txBody>
+      </p:sp>
+      <p:sp>
+        <p:nvSpPr>
+          <p:cNvPr id="3" name="Content Placeholder 2">
+            <a:extLst>
+              <a:ext uri="{FF2B5EF4-FFF2-40B4-BE49-F238E27FC236}">
+                <a16:creationId xmlns:a16="http://schemas.microsoft.com/office/drawing/2014/main" id="{4401B8DA-7D90-4009-B781-DAF066CAD1E6}"/>
+              </a:ext>
+            </a:extLst>
+          </p:cNvPr>
+          <p:cNvSpPr>
+            <a:spLocks noGrp="1"/>
+          </p:cNvSpPr>
+          <p:nvPr>
+            <p:ph idx="1"/>
+          </p:nvPr>
+        </p:nvSpPr>
+        <p:spPr/>
+        <p:txBody>
+          <a:bodyPr/>
+          <a:lstStyle/>
+          <a:p>
+            <a:r>
+              <a:rPr lang="en-US" dirty="0"/>
+              <a:t>Any of these three methods can be used when you want to take a substring</a:t>
+            </a:r>
+          </a:p>
+          <a:p>
+            <a:r>
+              <a:rPr lang="en-US" dirty="0"/>
+              <a:t>Feel free to use which ever you like the best or makes the most sense to you</a:t>
+            </a:r>
+          </a:p>
+        </p:txBody>
+      </p:sp>
+    </p:spTree>
+    <p:extLst>
+      <p:ext uri="{BB962C8B-B14F-4D97-AF65-F5344CB8AC3E}">
+        <p14:creationId xmlns:p14="http://schemas.microsoft.com/office/powerpoint/2010/main" val="179300280"/>
+      </p:ext>
+    </p:extLst>
+  </p:cSld>
+  <p:clrMapOvr>
+    <a:masterClrMapping/>
+  </p:clrMapOvr>
+</p:sld>
+</file>
+
+<file path=ppt/slides/slide23.xml><?xml version="1.0" encoding="utf-8"?>
+<p:sld xmlns:a="http://schemas.openxmlformats.org/drawingml/2006/main" xmlns:r="http://schemas.openxmlformats.org/officeDocument/2006/relationships" xmlns:p="http://schemas.openxmlformats.org/presentationml/2006/main">
+  <p:cSld>
+    <p:spTree>
+      <p:nvGrpSpPr>
+        <p:cNvPr id="1" name=""/>
+        <p:cNvGrpSpPr/>
+        <p:nvPr/>
+      </p:nvGrpSpPr>
+      <p:grpSpPr>
+        <a:xfrm>
+          <a:off x="0" y="0"/>
+          <a:ext cx="0" cy="0"/>
+          <a:chOff x="0" y="0"/>
+          <a:chExt cx="0" cy="0"/>
+        </a:xfrm>
+      </p:grpSpPr>
+      <p:sp>
+        <p:nvSpPr>
+          <p:cNvPr id="2" name="Title 1">
+            <a:extLst>
+              <a:ext uri="{FF2B5EF4-FFF2-40B4-BE49-F238E27FC236}">
                 <a16:creationId xmlns:a16="http://schemas.microsoft.com/office/drawing/2014/main" id="{19650A88-41A6-4162-A265-B00C273CF792}"/>
               </a:ext>
             </a:extLst>
@@ -5627,7 +5978,7 @@
 </p:sld>
 </file>
 
-<file path=ppt/slides/slide22.xml><?xml version="1.0" encoding="utf-8"?>
+<file path=ppt/slides/slide24.xml><?xml version="1.0" encoding="utf-8"?>
 <p:sld xmlns:a="http://schemas.openxmlformats.org/drawingml/2006/main" xmlns:r="http://schemas.openxmlformats.org/officeDocument/2006/relationships" xmlns:p="http://schemas.openxmlformats.org/presentationml/2006/main">
   <p:cSld>
     <p:spTree>
@@ -5784,7 +6135,7 @@
 </p:sld>
 </file>
 
-<file path=ppt/slides/slide23.xml><?xml version="1.0" encoding="utf-8"?>
+<file path=ppt/slides/slide25.xml><?xml version="1.0" encoding="utf-8"?>
 <p:sld xmlns:a="http://schemas.openxmlformats.org/drawingml/2006/main" xmlns:r="http://schemas.openxmlformats.org/officeDocument/2006/relationships" xmlns:p="http://schemas.openxmlformats.org/presentationml/2006/main">
   <p:cSld>
     <p:spTree>
@@ -5928,7 +6279,7 @@
 </p:sld>
 </file>
 
-<file path=ppt/slides/slide24.xml><?xml version="1.0" encoding="utf-8"?>
+<file path=ppt/slides/slide26.xml><?xml version="1.0" encoding="utf-8"?>
 <p:sld xmlns:a="http://schemas.openxmlformats.org/drawingml/2006/main" xmlns:r="http://schemas.openxmlformats.org/officeDocument/2006/relationships" xmlns:p="http://schemas.openxmlformats.org/presentationml/2006/main">
   <p:cSld>
     <p:spTree>
@@ -6075,7 +6426,7 @@
 </p:sld>
 </file>
 
-<file path=ppt/slides/slide25.xml><?xml version="1.0" encoding="utf-8"?>
+<file path=ppt/slides/slide27.xml><?xml version="1.0" encoding="utf-8"?>
 <p:sld xmlns:a="http://schemas.openxmlformats.org/drawingml/2006/main" xmlns:r="http://schemas.openxmlformats.org/officeDocument/2006/relationships" xmlns:p="http://schemas.openxmlformats.org/presentationml/2006/main">
   <p:cSld>
     <p:spTree>
@@ -6237,7 +6588,7 @@
 </p:sld>
 </file>
 
-<file path=ppt/slides/slide26.xml><?xml version="1.0" encoding="utf-8"?>
+<file path=ppt/slides/slide28.xml><?xml version="1.0" encoding="utf-8"?>
 <p:sld xmlns:a="http://schemas.openxmlformats.org/drawingml/2006/main" xmlns:r="http://schemas.openxmlformats.org/officeDocument/2006/relationships" xmlns:p="http://schemas.openxmlformats.org/presentationml/2006/main">
   <p:cSld>
     <p:spTree>
@@ -6378,211 +6729,6 @@
 </p:sld>
 </file>
 
-<file path=ppt/slides/slide27.xml><?xml version="1.0" encoding="utf-8"?>
-<p:sld xmlns:a="http://schemas.openxmlformats.org/drawingml/2006/main" xmlns:r="http://schemas.openxmlformats.org/officeDocument/2006/relationships" xmlns:p="http://schemas.openxmlformats.org/presentationml/2006/main">
-  <p:cSld>
-    <p:spTree>
-      <p:nvGrpSpPr>
-        <p:cNvPr id="1" name=""/>
-        <p:cNvGrpSpPr/>
-        <p:nvPr/>
-      </p:nvGrpSpPr>
-      <p:grpSpPr>
-        <a:xfrm>
-          <a:off x="0" y="0"/>
-          <a:ext cx="0" cy="0"/>
-          <a:chOff x="0" y="0"/>
-          <a:chExt cx="0" cy="0"/>
-        </a:xfrm>
-      </p:grpSpPr>
-      <p:sp>
-        <p:nvSpPr>
-          <p:cNvPr id="2" name="Title 1">
-            <a:extLst>
-              <a:ext uri="{FF2B5EF4-FFF2-40B4-BE49-F238E27FC236}">
-                <a16:creationId xmlns:a16="http://schemas.microsoft.com/office/drawing/2014/main" id="{E401A147-8DFF-426B-ACA6-88BB70C2320C}"/>
-              </a:ext>
-            </a:extLst>
-          </p:cNvPr>
-          <p:cNvSpPr>
-            <a:spLocks noGrp="1"/>
-          </p:cNvSpPr>
-          <p:nvPr>
-            <p:ph type="title"/>
-          </p:nvPr>
-        </p:nvSpPr>
-        <p:spPr/>
-        <p:txBody>
-          <a:bodyPr/>
-          <a:lstStyle/>
-          <a:p>
-            <a:r>
-              <a:rPr lang="en-US" b="1" i="1" dirty="0"/>
-              <a:t>trim()</a:t>
-            </a:r>
-          </a:p>
-        </p:txBody>
-      </p:sp>
-      <p:pic>
-        <p:nvPicPr>
-          <p:cNvPr id="5" name="Content Placeholder 4">
-            <a:extLst>
-              <a:ext uri="{FF2B5EF4-FFF2-40B4-BE49-F238E27FC236}">
-                <a16:creationId xmlns:a16="http://schemas.microsoft.com/office/drawing/2014/main" id="{1719E0FE-2435-4AB1-86E9-0BA805205252}"/>
-              </a:ext>
-            </a:extLst>
-          </p:cNvPr>
-          <p:cNvPicPr>
-            <a:picLocks noGrp="1" noChangeAspect="1"/>
-          </p:cNvPicPr>
-          <p:nvPr>
-            <p:ph idx="1"/>
-          </p:nvPr>
-        </p:nvPicPr>
-        <p:blipFill>
-          <a:blip r:embed="rId2">
-            <a:extLst>
-              <a:ext uri="{28A0092B-C50C-407E-A947-70E740481C1C}">
-                <a14:useLocalDpi xmlns:a14="http://schemas.microsoft.com/office/drawing/2010/main" val="0"/>
-              </a:ext>
-            </a:extLst>
-          </a:blip>
-          <a:stretch>
-            <a:fillRect/>
-          </a:stretch>
-        </p:blipFill>
-        <p:spPr>
-          <a:xfrm>
-            <a:off x="0" y="2708926"/>
-            <a:ext cx="12192000" cy="2580252"/>
-          </a:xfrm>
-        </p:spPr>
-      </p:pic>
-    </p:spTree>
-    <p:extLst>
-      <p:ext uri="{BB962C8B-B14F-4D97-AF65-F5344CB8AC3E}">
-        <p14:creationId xmlns:p14="http://schemas.microsoft.com/office/powerpoint/2010/main" val="4047152142"/>
-      </p:ext>
-    </p:extLst>
-  </p:cSld>
-  <p:clrMapOvr>
-    <a:masterClrMapping/>
-  </p:clrMapOvr>
-</p:sld>
-</file>
-
-<file path=ppt/slides/slide28.xml><?xml version="1.0" encoding="utf-8"?>
-<p:sld xmlns:a="http://schemas.openxmlformats.org/drawingml/2006/main" xmlns:r="http://schemas.openxmlformats.org/officeDocument/2006/relationships" xmlns:p="http://schemas.openxmlformats.org/presentationml/2006/main">
-  <p:cSld>
-    <p:spTree>
-      <p:nvGrpSpPr>
-        <p:cNvPr id="1" name=""/>
-        <p:cNvGrpSpPr/>
-        <p:nvPr/>
-      </p:nvGrpSpPr>
-      <p:grpSpPr>
-        <a:xfrm>
-          <a:off x="0" y="0"/>
-          <a:ext cx="0" cy="0"/>
-          <a:chOff x="0" y="0"/>
-          <a:chExt cx="0" cy="0"/>
-        </a:xfrm>
-      </p:grpSpPr>
-      <p:sp>
-        <p:nvSpPr>
-          <p:cNvPr id="2" name="Title 1">
-            <a:extLst>
-              <a:ext uri="{FF2B5EF4-FFF2-40B4-BE49-F238E27FC236}">
-                <a16:creationId xmlns:a16="http://schemas.microsoft.com/office/drawing/2014/main" id="{8350BDB3-DD26-44DF-8B2D-B90C75A1BD37}"/>
-              </a:ext>
-            </a:extLst>
-          </p:cNvPr>
-          <p:cNvSpPr>
-            <a:spLocks noGrp="1"/>
-          </p:cNvSpPr>
-          <p:nvPr>
-            <p:ph type="title"/>
-          </p:nvPr>
-        </p:nvSpPr>
-        <p:spPr/>
-        <p:txBody>
-          <a:bodyPr/>
-          <a:lstStyle/>
-          <a:p>
-            <a:r>
-              <a:rPr lang="en-US" dirty="0"/>
-              <a:t>Padding</a:t>
-            </a:r>
-          </a:p>
-        </p:txBody>
-      </p:sp>
-      <p:sp>
-        <p:nvSpPr>
-          <p:cNvPr id="3" name="Content Placeholder 2">
-            <a:extLst>
-              <a:ext uri="{FF2B5EF4-FFF2-40B4-BE49-F238E27FC236}">
-                <a16:creationId xmlns:a16="http://schemas.microsoft.com/office/drawing/2014/main" id="{31F629F0-C5BA-4670-A74F-088334F028BF}"/>
-              </a:ext>
-            </a:extLst>
-          </p:cNvPr>
-          <p:cNvSpPr>
-            <a:spLocks noGrp="1"/>
-          </p:cNvSpPr>
-          <p:nvPr>
-            <p:ph idx="1"/>
-          </p:nvPr>
-        </p:nvSpPr>
-        <p:spPr/>
-        <p:txBody>
-          <a:bodyPr/>
-          <a:lstStyle/>
-          <a:p>
-            <a:r>
-              <a:rPr lang="en-US" dirty="0"/>
-              <a:t>Sometimes we want to add characters to either side of string</a:t>
-            </a:r>
-          </a:p>
-          <a:p>
-            <a:r>
-              <a:rPr lang="en-US" b="1" i="1" dirty="0" err="1"/>
-              <a:t>padStart</a:t>
-            </a:r>
-            <a:r>
-              <a:rPr lang="en-US" b="1" i="1" dirty="0"/>
-              <a:t>() </a:t>
-            </a:r>
-            <a:r>
-              <a:rPr lang="en-US" dirty="0"/>
-              <a:t>and </a:t>
-            </a:r>
-            <a:r>
-              <a:rPr lang="en-US" b="1" i="1" dirty="0" err="1"/>
-              <a:t>padEnd</a:t>
-            </a:r>
-            <a:r>
-              <a:rPr lang="en-US" b="1" i="1" dirty="0"/>
-              <a:t>() </a:t>
-            </a:r>
-            <a:r>
-              <a:rPr lang="en-US" dirty="0"/>
-              <a:t>allow us to do this</a:t>
-            </a:r>
-          </a:p>
-        </p:txBody>
-      </p:sp>
-    </p:spTree>
-    <p:extLst>
-      <p:ext uri="{BB962C8B-B14F-4D97-AF65-F5344CB8AC3E}">
-        <p14:creationId xmlns:p14="http://schemas.microsoft.com/office/powerpoint/2010/main" val="3770905875"/>
-      </p:ext>
-    </p:extLst>
-  </p:cSld>
-  <p:clrMapOvr>
-    <a:masterClrMapping/>
-  </p:clrMapOvr>
-</p:sld>
-</file>
-
 <file path=ppt/slides/slide29.xml><?xml version="1.0" encoding="utf-8"?>
 <p:sld xmlns:a="http://schemas.openxmlformats.org/drawingml/2006/main" xmlns:r="http://schemas.openxmlformats.org/officeDocument/2006/relationships" xmlns:p="http://schemas.openxmlformats.org/presentationml/2006/main">
   <p:cSld>
@@ -6605,7 +6751,7 @@
           <p:cNvPr id="2" name="Title 1">
             <a:extLst>
               <a:ext uri="{FF2B5EF4-FFF2-40B4-BE49-F238E27FC236}">
-                <a16:creationId xmlns:a16="http://schemas.microsoft.com/office/drawing/2014/main" id="{BAA48637-4AD6-4FB8-B162-26F0364F9007}"/>
+                <a16:creationId xmlns:a16="http://schemas.microsoft.com/office/drawing/2014/main" id="{E401A147-8DFF-426B-ACA6-88BB70C2320C}"/>
               </a:ext>
             </a:extLst>
           </p:cNvPr>
@@ -6622,77 +6768,27 @@
           <a:lstStyle/>
           <a:p>
             <a:r>
-              <a:rPr lang="en-US" b="1" i="1" dirty="0" err="1"/>
-              <a:t>padStart</a:t>
-            </a:r>
-            <a:r>
               <a:rPr lang="en-US" b="1" i="1" dirty="0"/>
-              <a:t>(length, character)</a:t>
-            </a:r>
-          </a:p>
-        </p:txBody>
-      </p:sp>
-      <p:sp>
-        <p:nvSpPr>
-          <p:cNvPr id="3" name="Content Placeholder 2">
-            <a:extLst>
-              <a:ext uri="{FF2B5EF4-FFF2-40B4-BE49-F238E27FC236}">
-                <a16:creationId xmlns:a16="http://schemas.microsoft.com/office/drawing/2014/main" id="{18A2B105-E194-495B-8985-6B7A37898E20}"/>
-              </a:ext>
-            </a:extLst>
-          </p:cNvPr>
-          <p:cNvSpPr>
-            <a:spLocks noGrp="1"/>
-          </p:cNvSpPr>
-          <p:nvPr>
-            <p:ph idx="1"/>
-          </p:nvPr>
-        </p:nvSpPr>
-        <p:spPr/>
-        <p:txBody>
-          <a:bodyPr/>
-          <a:lstStyle/>
-          <a:p>
-            <a:r>
-              <a:rPr lang="en-US" b="1" i="1" dirty="0" err="1"/>
-              <a:t>padStart</a:t>
-            </a:r>
-            <a:r>
-              <a:rPr lang="en-US" b="1" i="1" dirty="0"/>
-              <a:t>()</a:t>
-            </a:r>
-            <a:r>
-              <a:rPr lang="en-US" dirty="0"/>
-              <a:t> adds characters to the beginning of your string</a:t>
-            </a:r>
-          </a:p>
-          <a:p>
-            <a:r>
-              <a:rPr lang="en-US" dirty="0"/>
-              <a:t>It will add that character until it reaches a certain length</a:t>
-            </a:r>
-          </a:p>
-          <a:p>
-            <a:pPr marL="0" indent="0">
-              <a:buNone/>
-            </a:pPr>
-            <a:endParaRPr lang="en-US" dirty="0"/>
+              <a:t>trim()</a:t>
+            </a:r>
           </a:p>
         </p:txBody>
       </p:sp>
       <p:pic>
         <p:nvPicPr>
-          <p:cNvPr id="5" name="Picture 4">
-            <a:extLst>
-              <a:ext uri="{FF2B5EF4-FFF2-40B4-BE49-F238E27FC236}">
-                <a16:creationId xmlns:a16="http://schemas.microsoft.com/office/drawing/2014/main" id="{AEC3DEEF-0BBB-458E-A57C-C89EFD3DD2CB}"/>
+          <p:cNvPr id="5" name="Content Placeholder 4">
+            <a:extLst>
+              <a:ext uri="{FF2B5EF4-FFF2-40B4-BE49-F238E27FC236}">
+                <a16:creationId xmlns:a16="http://schemas.microsoft.com/office/drawing/2014/main" id="{1719E0FE-2435-4AB1-86E9-0BA805205252}"/>
               </a:ext>
             </a:extLst>
           </p:cNvPr>
           <p:cNvPicPr>
-            <a:picLocks noChangeAspect="1"/>
+            <a:picLocks noGrp="1" noChangeAspect="1"/>
           </p:cNvPicPr>
-          <p:nvPr/>
+          <p:nvPr>
+            <p:ph idx="1"/>
+          </p:nvPr>
         </p:nvPicPr>
         <p:blipFill>
           <a:blip r:embed="rId2">
@@ -6708,18 +6804,15 @@
         </p:blipFill>
         <p:spPr>
           <a:xfrm>
-            <a:off x="0" y="3039520"/>
-            <a:ext cx="12192000" cy="3818480"/>
+            <a:off x="0" y="2708926"/>
+            <a:ext cx="12192000" cy="2580252"/>
           </a:xfrm>
-          <a:prstGeom prst="rect">
-            <a:avLst/>
-          </a:prstGeom>
         </p:spPr>
       </p:pic>
     </p:spTree>
     <p:extLst>
       <p:ext uri="{BB962C8B-B14F-4D97-AF65-F5344CB8AC3E}">
-        <p14:creationId xmlns:p14="http://schemas.microsoft.com/office/powerpoint/2010/main" val="3429365717"/>
+        <p14:creationId xmlns:p14="http://schemas.microsoft.com/office/powerpoint/2010/main" val="4047152142"/>
       </p:ext>
     </p:extLst>
   </p:cSld>
@@ -6897,6 +6990,264 @@
           <p:cNvPr id="2" name="Title 1">
             <a:extLst>
               <a:ext uri="{FF2B5EF4-FFF2-40B4-BE49-F238E27FC236}">
+                <a16:creationId xmlns:a16="http://schemas.microsoft.com/office/drawing/2014/main" id="{8350BDB3-DD26-44DF-8B2D-B90C75A1BD37}"/>
+              </a:ext>
+            </a:extLst>
+          </p:cNvPr>
+          <p:cNvSpPr>
+            <a:spLocks noGrp="1"/>
+          </p:cNvSpPr>
+          <p:nvPr>
+            <p:ph type="title"/>
+          </p:nvPr>
+        </p:nvSpPr>
+        <p:spPr/>
+        <p:txBody>
+          <a:bodyPr/>
+          <a:lstStyle/>
+          <a:p>
+            <a:r>
+              <a:rPr lang="en-US" dirty="0"/>
+              <a:t>Padding</a:t>
+            </a:r>
+          </a:p>
+        </p:txBody>
+      </p:sp>
+      <p:sp>
+        <p:nvSpPr>
+          <p:cNvPr id="3" name="Content Placeholder 2">
+            <a:extLst>
+              <a:ext uri="{FF2B5EF4-FFF2-40B4-BE49-F238E27FC236}">
+                <a16:creationId xmlns:a16="http://schemas.microsoft.com/office/drawing/2014/main" id="{31F629F0-C5BA-4670-A74F-088334F028BF}"/>
+              </a:ext>
+            </a:extLst>
+          </p:cNvPr>
+          <p:cNvSpPr>
+            <a:spLocks noGrp="1"/>
+          </p:cNvSpPr>
+          <p:nvPr>
+            <p:ph idx="1"/>
+          </p:nvPr>
+        </p:nvSpPr>
+        <p:spPr/>
+        <p:txBody>
+          <a:bodyPr/>
+          <a:lstStyle/>
+          <a:p>
+            <a:r>
+              <a:rPr lang="en-US" dirty="0"/>
+              <a:t>Sometimes we want to add characters to either side of string</a:t>
+            </a:r>
+          </a:p>
+          <a:p>
+            <a:r>
+              <a:rPr lang="en-US" b="1" i="1" dirty="0" err="1"/>
+              <a:t>padStart</a:t>
+            </a:r>
+            <a:r>
+              <a:rPr lang="en-US" b="1" i="1" dirty="0"/>
+              <a:t>() </a:t>
+            </a:r>
+            <a:r>
+              <a:rPr lang="en-US" dirty="0"/>
+              <a:t>and </a:t>
+            </a:r>
+            <a:r>
+              <a:rPr lang="en-US" b="1" i="1" dirty="0" err="1"/>
+              <a:t>padEnd</a:t>
+            </a:r>
+            <a:r>
+              <a:rPr lang="en-US" b="1" i="1" dirty="0"/>
+              <a:t>() </a:t>
+            </a:r>
+            <a:r>
+              <a:rPr lang="en-US" dirty="0"/>
+              <a:t>allow us to do this</a:t>
+            </a:r>
+          </a:p>
+        </p:txBody>
+      </p:sp>
+    </p:spTree>
+    <p:extLst>
+      <p:ext uri="{BB962C8B-B14F-4D97-AF65-F5344CB8AC3E}">
+        <p14:creationId xmlns:p14="http://schemas.microsoft.com/office/powerpoint/2010/main" val="3770905875"/>
+      </p:ext>
+    </p:extLst>
+  </p:cSld>
+  <p:clrMapOvr>
+    <a:masterClrMapping/>
+  </p:clrMapOvr>
+</p:sld>
+</file>
+
+<file path=ppt/slides/slide31.xml><?xml version="1.0" encoding="utf-8"?>
+<p:sld xmlns:a="http://schemas.openxmlformats.org/drawingml/2006/main" xmlns:r="http://schemas.openxmlformats.org/officeDocument/2006/relationships" xmlns:p="http://schemas.openxmlformats.org/presentationml/2006/main">
+  <p:cSld>
+    <p:spTree>
+      <p:nvGrpSpPr>
+        <p:cNvPr id="1" name=""/>
+        <p:cNvGrpSpPr/>
+        <p:nvPr/>
+      </p:nvGrpSpPr>
+      <p:grpSpPr>
+        <a:xfrm>
+          <a:off x="0" y="0"/>
+          <a:ext cx="0" cy="0"/>
+          <a:chOff x="0" y="0"/>
+          <a:chExt cx="0" cy="0"/>
+        </a:xfrm>
+      </p:grpSpPr>
+      <p:sp>
+        <p:nvSpPr>
+          <p:cNvPr id="2" name="Title 1">
+            <a:extLst>
+              <a:ext uri="{FF2B5EF4-FFF2-40B4-BE49-F238E27FC236}">
+                <a16:creationId xmlns:a16="http://schemas.microsoft.com/office/drawing/2014/main" id="{BAA48637-4AD6-4FB8-B162-26F0364F9007}"/>
+              </a:ext>
+            </a:extLst>
+          </p:cNvPr>
+          <p:cNvSpPr>
+            <a:spLocks noGrp="1"/>
+          </p:cNvSpPr>
+          <p:nvPr>
+            <p:ph type="title"/>
+          </p:nvPr>
+        </p:nvSpPr>
+        <p:spPr/>
+        <p:txBody>
+          <a:bodyPr/>
+          <a:lstStyle/>
+          <a:p>
+            <a:r>
+              <a:rPr lang="en-US" b="1" i="1" dirty="0" err="1"/>
+              <a:t>padStart</a:t>
+            </a:r>
+            <a:r>
+              <a:rPr lang="en-US" b="1" i="1" dirty="0"/>
+              <a:t>(length, character)</a:t>
+            </a:r>
+          </a:p>
+        </p:txBody>
+      </p:sp>
+      <p:sp>
+        <p:nvSpPr>
+          <p:cNvPr id="3" name="Content Placeholder 2">
+            <a:extLst>
+              <a:ext uri="{FF2B5EF4-FFF2-40B4-BE49-F238E27FC236}">
+                <a16:creationId xmlns:a16="http://schemas.microsoft.com/office/drawing/2014/main" id="{18A2B105-E194-495B-8985-6B7A37898E20}"/>
+              </a:ext>
+            </a:extLst>
+          </p:cNvPr>
+          <p:cNvSpPr>
+            <a:spLocks noGrp="1"/>
+          </p:cNvSpPr>
+          <p:nvPr>
+            <p:ph idx="1"/>
+          </p:nvPr>
+        </p:nvSpPr>
+        <p:spPr/>
+        <p:txBody>
+          <a:bodyPr/>
+          <a:lstStyle/>
+          <a:p>
+            <a:r>
+              <a:rPr lang="en-US" b="1" i="1" dirty="0" err="1"/>
+              <a:t>padStart</a:t>
+            </a:r>
+            <a:r>
+              <a:rPr lang="en-US" b="1" i="1" dirty="0"/>
+              <a:t>()</a:t>
+            </a:r>
+            <a:r>
+              <a:rPr lang="en-US" dirty="0"/>
+              <a:t> adds characters to the beginning of your string</a:t>
+            </a:r>
+          </a:p>
+          <a:p>
+            <a:r>
+              <a:rPr lang="en-US" dirty="0"/>
+              <a:t>It will add that character until it reaches a certain length</a:t>
+            </a:r>
+          </a:p>
+          <a:p>
+            <a:pPr marL="0" indent="0">
+              <a:buNone/>
+            </a:pPr>
+            <a:endParaRPr lang="en-US" dirty="0"/>
+          </a:p>
+        </p:txBody>
+      </p:sp>
+      <p:pic>
+        <p:nvPicPr>
+          <p:cNvPr id="5" name="Picture 4">
+            <a:extLst>
+              <a:ext uri="{FF2B5EF4-FFF2-40B4-BE49-F238E27FC236}">
+                <a16:creationId xmlns:a16="http://schemas.microsoft.com/office/drawing/2014/main" id="{AEC3DEEF-0BBB-458E-A57C-C89EFD3DD2CB}"/>
+              </a:ext>
+            </a:extLst>
+          </p:cNvPr>
+          <p:cNvPicPr>
+            <a:picLocks noChangeAspect="1"/>
+          </p:cNvPicPr>
+          <p:nvPr/>
+        </p:nvPicPr>
+        <p:blipFill>
+          <a:blip r:embed="rId2">
+            <a:extLst>
+              <a:ext uri="{28A0092B-C50C-407E-A947-70E740481C1C}">
+                <a14:useLocalDpi xmlns:a14="http://schemas.microsoft.com/office/drawing/2010/main" val="0"/>
+              </a:ext>
+            </a:extLst>
+          </a:blip>
+          <a:stretch>
+            <a:fillRect/>
+          </a:stretch>
+        </p:blipFill>
+        <p:spPr>
+          <a:xfrm>
+            <a:off x="0" y="3039520"/>
+            <a:ext cx="12192000" cy="3818480"/>
+          </a:xfrm>
+          <a:prstGeom prst="rect">
+            <a:avLst/>
+          </a:prstGeom>
+        </p:spPr>
+      </p:pic>
+    </p:spTree>
+    <p:extLst>
+      <p:ext uri="{BB962C8B-B14F-4D97-AF65-F5344CB8AC3E}">
+        <p14:creationId xmlns:p14="http://schemas.microsoft.com/office/powerpoint/2010/main" val="3429365717"/>
+      </p:ext>
+    </p:extLst>
+  </p:cSld>
+  <p:clrMapOvr>
+    <a:masterClrMapping/>
+  </p:clrMapOvr>
+</p:sld>
+</file>
+
+<file path=ppt/slides/slide32.xml><?xml version="1.0" encoding="utf-8"?>
+<p:sld xmlns:a="http://schemas.openxmlformats.org/drawingml/2006/main" xmlns:r="http://schemas.openxmlformats.org/officeDocument/2006/relationships" xmlns:p="http://schemas.openxmlformats.org/presentationml/2006/main">
+  <p:cSld>
+    <p:spTree>
+      <p:nvGrpSpPr>
+        <p:cNvPr id="1" name=""/>
+        <p:cNvGrpSpPr/>
+        <p:nvPr/>
+      </p:nvGrpSpPr>
+      <p:grpSpPr>
+        <a:xfrm>
+          <a:off x="0" y="0"/>
+          <a:ext cx="0" cy="0"/>
+          <a:chOff x="0" y="0"/>
+          <a:chExt cx="0" cy="0"/>
+        </a:xfrm>
+      </p:grpSpPr>
+      <p:sp>
+        <p:nvSpPr>
+          <p:cNvPr id="2" name="Title 1">
+            <a:extLst>
+              <a:ext uri="{FF2B5EF4-FFF2-40B4-BE49-F238E27FC236}">
                 <a16:creationId xmlns:a16="http://schemas.microsoft.com/office/drawing/2014/main" id="{829E1798-ADA2-411F-85E5-63BC8C6B2D6C}"/>
               </a:ext>
             </a:extLst>
@@ -7013,7 +7364,7 @@
 </p:sld>
 </file>
 
-<file path=ppt/slides/slide31.xml><?xml version="1.0" encoding="utf-8"?>
+<file path=ppt/slides/slide33.xml><?xml version="1.0" encoding="utf-8"?>
 <p:sld xmlns:a="http://schemas.openxmlformats.org/drawingml/2006/main" xmlns:r="http://schemas.openxmlformats.org/officeDocument/2006/relationships" xmlns:p="http://schemas.openxmlformats.org/presentationml/2006/main">
   <p:cSld>
     <p:spTree>
@@ -7125,7 +7476,7 @@
 </p:sld>
 </file>
 
-<file path=ppt/slides/slide32.xml><?xml version="1.0" encoding="utf-8"?>
+<file path=ppt/slides/slide34.xml><?xml version="1.0" encoding="utf-8"?>
 <p:sld xmlns:a="http://schemas.openxmlformats.org/drawingml/2006/main" xmlns:r="http://schemas.openxmlformats.org/officeDocument/2006/relationships" xmlns:p="http://schemas.openxmlformats.org/presentationml/2006/main">
   <p:cSld>
     <p:spTree>
@@ -7257,7 +7608,7 @@
 </p:sld>
 </file>
 
-<file path=ppt/slides/slide33.xml><?xml version="1.0" encoding="utf-8"?>
+<file path=ppt/slides/slide35.xml><?xml version="1.0" encoding="utf-8"?>
 <p:sld xmlns:a="http://schemas.openxmlformats.org/drawingml/2006/main" xmlns:r="http://schemas.openxmlformats.org/officeDocument/2006/relationships" xmlns:p="http://schemas.openxmlformats.org/presentationml/2006/main">
   <p:cSld>
     <p:spTree>
@@ -7405,7 +7756,7 @@
 </p:sld>
 </file>
 
-<file path=ppt/slides/slide34.xml><?xml version="1.0" encoding="utf-8"?>
+<file path=ppt/slides/slide36.xml><?xml version="1.0" encoding="utf-8"?>
 <p:sld xmlns:a="http://schemas.openxmlformats.org/drawingml/2006/main" xmlns:r="http://schemas.openxmlformats.org/officeDocument/2006/relationships" xmlns:p="http://schemas.openxmlformats.org/presentationml/2006/main">
   <p:cSld>
     <p:spTree>
@@ -7549,7 +7900,7 @@
 </p:sld>
 </file>
 
-<file path=ppt/slides/slide35.xml><?xml version="1.0" encoding="utf-8"?>
+<file path=ppt/slides/slide37.xml><?xml version="1.0" encoding="utf-8"?>
 <p:sld xmlns:a="http://schemas.openxmlformats.org/drawingml/2006/main" xmlns:r="http://schemas.openxmlformats.org/officeDocument/2006/relationships" xmlns:p="http://schemas.openxmlformats.org/presentationml/2006/main">
   <p:cSld>
     <p:spTree>
@@ -7683,7 +8034,7 @@
 </p:sld>
 </file>
 
-<file path=ppt/slides/slide36.xml><?xml version="1.0" encoding="utf-8"?>
+<file path=ppt/slides/slide38.xml><?xml version="1.0" encoding="utf-8"?>
 <p:sld xmlns:a="http://schemas.openxmlformats.org/drawingml/2006/main" xmlns:r="http://schemas.openxmlformats.org/officeDocument/2006/relationships" xmlns:p="http://schemas.openxmlformats.org/presentationml/2006/main">
   <p:cSld>
     <p:spTree>
@@ -7814,7 +8165,7 @@
 </p:sld>
 </file>
 
-<file path=ppt/slides/slide37.xml><?xml version="1.0" encoding="utf-8"?>
+<file path=ppt/slides/slide39.xml><?xml version="1.0" encoding="utf-8"?>
 <p:sld xmlns:a="http://schemas.openxmlformats.org/drawingml/2006/main" xmlns:r="http://schemas.openxmlformats.org/officeDocument/2006/relationships" xmlns:p="http://schemas.openxmlformats.org/presentationml/2006/main">
   <p:cSld>
     <p:spTree>
@@ -7912,7 +8263,135 @@
 </p:sld>
 </file>
 
-<file path=ppt/slides/slide38.xml><?xml version="1.0" encoding="utf-8"?>
+<file path=ppt/slides/slide4.xml><?xml version="1.0" encoding="utf-8"?>
+<p:sld xmlns:a="http://schemas.openxmlformats.org/drawingml/2006/main" xmlns:r="http://schemas.openxmlformats.org/officeDocument/2006/relationships" xmlns:p="http://schemas.openxmlformats.org/presentationml/2006/main">
+  <p:cSld>
+    <p:spTree>
+      <p:nvGrpSpPr>
+        <p:cNvPr id="1" name=""/>
+        <p:cNvGrpSpPr/>
+        <p:nvPr/>
+      </p:nvGrpSpPr>
+      <p:grpSpPr>
+        <a:xfrm>
+          <a:off x="0" y="0"/>
+          <a:ext cx="0" cy="0"/>
+          <a:chOff x="0" y="0"/>
+          <a:chExt cx="0" cy="0"/>
+        </a:xfrm>
+      </p:grpSpPr>
+      <p:sp>
+        <p:nvSpPr>
+          <p:cNvPr id="2" name="Title 1">
+            <a:extLst>
+              <a:ext uri="{FF2B5EF4-FFF2-40B4-BE49-F238E27FC236}">
+                <a16:creationId xmlns:a16="http://schemas.microsoft.com/office/drawing/2014/main" id="{81E9A98E-FCF9-406A-B4BE-EB3C4E456195}"/>
+              </a:ext>
+            </a:extLst>
+          </p:cNvPr>
+          <p:cNvSpPr>
+            <a:spLocks noGrp="1"/>
+          </p:cNvSpPr>
+          <p:nvPr>
+            <p:ph type="title"/>
+          </p:nvPr>
+        </p:nvSpPr>
+        <p:spPr/>
+        <p:txBody>
+          <a:bodyPr/>
+          <a:lstStyle/>
+          <a:p>
+            <a:r>
+              <a:rPr lang="en-US" dirty="0"/>
+              <a:t>Escape Character</a:t>
+            </a:r>
+          </a:p>
+        </p:txBody>
+      </p:sp>
+      <p:sp>
+        <p:nvSpPr>
+          <p:cNvPr id="3" name="Content Placeholder 2">
+            <a:extLst>
+              <a:ext uri="{FF2B5EF4-FFF2-40B4-BE49-F238E27FC236}">
+                <a16:creationId xmlns:a16="http://schemas.microsoft.com/office/drawing/2014/main" id="{142B8132-4A8A-4EAE-96C9-51483A152CC1}"/>
+              </a:ext>
+            </a:extLst>
+          </p:cNvPr>
+          <p:cNvSpPr>
+            <a:spLocks noGrp="1"/>
+          </p:cNvSpPr>
+          <p:nvPr>
+            <p:ph idx="1"/>
+          </p:nvPr>
+        </p:nvSpPr>
+        <p:spPr/>
+        <p:txBody>
+          <a:bodyPr/>
+          <a:lstStyle/>
+          <a:p>
+            <a:r>
+              <a:rPr lang="en-US" dirty="0"/>
+              <a:t>We can use a backslash (\) followed by a single quote, double quote, or another backslash to insert a quotes or backslashes into our strings</a:t>
+            </a:r>
+          </a:p>
+          <a:p>
+            <a:r>
+              <a:rPr lang="en-US" dirty="0"/>
+              <a:t>There are others designed for typewriters, fax machines, and teletypes, but they are now obsolete (or very niche)</a:t>
+            </a:r>
+          </a:p>
+        </p:txBody>
+      </p:sp>
+      <p:pic>
+        <p:nvPicPr>
+          <p:cNvPr id="5" name="Picture 4">
+            <a:extLst>
+              <a:ext uri="{FF2B5EF4-FFF2-40B4-BE49-F238E27FC236}">
+                <a16:creationId xmlns:a16="http://schemas.microsoft.com/office/drawing/2014/main" id="{5591F125-8EBF-43FE-99A7-1C31560F7FFE}"/>
+              </a:ext>
+            </a:extLst>
+          </p:cNvPr>
+          <p:cNvPicPr>
+            <a:picLocks noChangeAspect="1"/>
+          </p:cNvPicPr>
+          <p:nvPr/>
+        </p:nvPicPr>
+        <p:blipFill>
+          <a:blip r:embed="rId2">
+            <a:extLst>
+              <a:ext uri="{28A0092B-C50C-407E-A947-70E740481C1C}">
+                <a14:useLocalDpi xmlns:a14="http://schemas.microsoft.com/office/drawing/2010/main" val="0"/>
+              </a:ext>
+            </a:extLst>
+          </a:blip>
+          <a:stretch>
+            <a:fillRect/>
+          </a:stretch>
+        </p:blipFill>
+        <p:spPr>
+          <a:xfrm>
+            <a:off x="1" y="5080740"/>
+            <a:ext cx="6095999" cy="1777260"/>
+          </a:xfrm>
+          <a:prstGeom prst="rect">
+            <a:avLst/>
+          </a:prstGeom>
+        </p:spPr>
+      </p:pic>
+    </p:spTree>
+    <p:extLst>
+      <p:ext uri="{BB962C8B-B14F-4D97-AF65-F5344CB8AC3E}">
+        <p14:creationId xmlns:p14="http://schemas.microsoft.com/office/powerpoint/2010/main" val="520054742"/>
+      </p:ext>
+    </p:extLst>
+  </p:cSld>
+  <p:clrMapOvr>
+    <a:masterClrMapping/>
+  </p:clrMapOvr>
+</p:sld>
+</file>
+
+<file path=ppt/slides/slide40.xml><?xml version="1.0" encoding="utf-8"?>
 <p:sld xmlns:a="http://schemas.openxmlformats.org/drawingml/2006/main" xmlns:r="http://schemas.openxmlformats.org/officeDocument/2006/relationships" xmlns:p="http://schemas.openxmlformats.org/presentationml/2006/main">
   <p:cSld>
     <p:spTree>
@@ -8047,7 +8526,7 @@
 </p:sld>
 </file>
 
-<file path=ppt/slides/slide39.xml><?xml version="1.0" encoding="utf-8"?>
+<file path=ppt/slides/slide41.xml><?xml version="1.0" encoding="utf-8"?>
 <p:sld xmlns:a="http://schemas.openxmlformats.org/drawingml/2006/main" xmlns:r="http://schemas.openxmlformats.org/officeDocument/2006/relationships" xmlns:p="http://schemas.openxmlformats.org/presentationml/2006/main">
   <p:cSld>
     <p:spTree>
@@ -8215,7 +8694,7 @@
 </p:sld>
 </file>
 
-<file path=ppt/slides/slide4.xml><?xml version="1.0" encoding="utf-8"?>
+<file path=ppt/slides/slide5.xml><?xml version="1.0" encoding="utf-8"?>
 <p:sld xmlns:a="http://schemas.openxmlformats.org/drawingml/2006/main" xmlns:r="http://schemas.openxmlformats.org/officeDocument/2006/relationships" xmlns:p="http://schemas.openxmlformats.org/presentationml/2006/main">
   <p:cSld>
     <p:spTree>
@@ -8237,7 +8716,7 @@
           <p:cNvPr id="2" name="Title 1">
             <a:extLst>
               <a:ext uri="{FF2B5EF4-FFF2-40B4-BE49-F238E27FC236}">
-                <a16:creationId xmlns:a16="http://schemas.microsoft.com/office/drawing/2014/main" id="{81E9A98E-FCF9-406A-B4BE-EB3C4E456195}"/>
+                <a16:creationId xmlns:a16="http://schemas.microsoft.com/office/drawing/2014/main" id="{09CBAA1E-3EC5-2742-A9CF-5D86D193780C}"/>
               </a:ext>
             </a:extLst>
           </p:cNvPr>
@@ -8255,7 +8734,7 @@
           <a:p>
             <a:r>
               <a:rPr lang="en-US" dirty="0"/>
-              <a:t>Escape Character</a:t>
+              <a:t>Template Strings</a:t>
             </a:r>
           </a:p>
         </p:txBody>
@@ -8265,7 +8744,7 @@
           <p:cNvPr id="3" name="Content Placeholder 2">
             <a:extLst>
               <a:ext uri="{FF2B5EF4-FFF2-40B4-BE49-F238E27FC236}">
-                <a16:creationId xmlns:a16="http://schemas.microsoft.com/office/drawing/2014/main" id="{142B8132-4A8A-4EAE-96C9-51483A152CC1}"/>
+                <a16:creationId xmlns:a16="http://schemas.microsoft.com/office/drawing/2014/main" id="{3E06DC32-165F-9B9A-8124-436A4E483A7D}"/>
               </a:ext>
             </a:extLst>
           </p:cNvPr>
@@ -8283,23 +8762,41 @@
           <a:p>
             <a:r>
               <a:rPr lang="en-US" dirty="0"/>
-              <a:t>We can use a backslash (\) followed by a single quote, double quote, or another backslash to insert a quotes or backslashes into our strings</a:t>
-            </a:r>
-          </a:p>
-          <a:p>
-            <a:r>
-              <a:rPr lang="en-US" dirty="0"/>
-              <a:t>There are others designed for typewriters, fax machines, and teletypes, but they are now obsolete (or very niche)</a:t>
+              <a:t>A </a:t>
+            </a:r>
+            <a:r>
+              <a:rPr lang="en-US" b="1" i="1" dirty="0"/>
+              <a:t>template string</a:t>
+            </a:r>
+            <a:r>
+              <a:rPr lang="en-US" dirty="0"/>
+              <a:t> uses `backticks` instead of regular quotes</a:t>
+            </a:r>
+          </a:p>
+          <a:p>
+            <a:r>
+              <a:rPr lang="en-US" b="1" i="1" dirty="0"/>
+              <a:t>Template strings</a:t>
+            </a:r>
+            <a:r>
+              <a:rPr lang="en-US" dirty="0"/>
+              <a:t> allow you to insert a variable into a string without needing to use the + operator</a:t>
+            </a:r>
+          </a:p>
+          <a:p>
+            <a:r>
+              <a:rPr lang="en-US" dirty="0"/>
+              <a:t>These make formatting strings much easier than they would be with a regular string</a:t>
             </a:r>
           </a:p>
         </p:txBody>
       </p:sp>
       <p:pic>
         <p:nvPicPr>
-          <p:cNvPr id="5" name="Picture 4">
-            <a:extLst>
-              <a:ext uri="{FF2B5EF4-FFF2-40B4-BE49-F238E27FC236}">
-                <a16:creationId xmlns:a16="http://schemas.microsoft.com/office/drawing/2014/main" id="{5591F125-8EBF-43FE-99A7-1C31560F7FFE}"/>
+          <p:cNvPr id="5" name="Picture 4" descr="A computer screen shot of a computer code&#10;&#10;Description automatically generated">
+            <a:extLst>
+              <a:ext uri="{FF2B5EF4-FFF2-40B4-BE49-F238E27FC236}">
+                <a16:creationId xmlns:a16="http://schemas.microsoft.com/office/drawing/2014/main" id="{8A968BF9-8A77-AE43-4947-6FFCEE1F017C}"/>
               </a:ext>
             </a:extLst>
           </p:cNvPr>
@@ -8322,8 +8819,8 @@
         </p:blipFill>
         <p:spPr>
           <a:xfrm>
-            <a:off x="1" y="5080740"/>
-            <a:ext cx="6095999" cy="1777260"/>
+            <a:off x="0" y="4088357"/>
+            <a:ext cx="12192000" cy="2769643"/>
           </a:xfrm>
           <a:prstGeom prst="rect">
             <a:avLst/>
@@ -8333,7 +8830,7 @@
     </p:spTree>
     <p:extLst>
       <p:ext uri="{BB962C8B-B14F-4D97-AF65-F5344CB8AC3E}">
-        <p14:creationId xmlns:p14="http://schemas.microsoft.com/office/powerpoint/2010/main" val="520054742"/>
+        <p14:creationId xmlns:p14="http://schemas.microsoft.com/office/powerpoint/2010/main" val="4141249248"/>
       </p:ext>
     </p:extLst>
   </p:cSld>
@@ -8343,7 +8840,7 @@
 </p:sld>
 </file>
 
-<file path=ppt/slides/slide5.xml><?xml version="1.0" encoding="utf-8"?>
+<file path=ppt/slides/slide6.xml><?xml version="1.0" encoding="utf-8"?>
 <p:sld xmlns:a="http://schemas.openxmlformats.org/drawingml/2006/main" xmlns:r="http://schemas.openxmlformats.org/officeDocument/2006/relationships" xmlns:p="http://schemas.openxmlformats.org/presentationml/2006/main">
   <p:cSld>
     <p:spTree>
@@ -8477,7 +8974,7 @@
 </p:sld>
 </file>
 
-<file path=ppt/slides/slide6.xml><?xml version="1.0" encoding="utf-8"?>
+<file path=ppt/slides/slide7.xml><?xml version="1.0" encoding="utf-8"?>
 <p:sld xmlns:a="http://schemas.openxmlformats.org/drawingml/2006/main" xmlns:r="http://schemas.openxmlformats.org/officeDocument/2006/relationships" xmlns:p="http://schemas.openxmlformats.org/presentationml/2006/main">
   <p:cSld>
     <p:spTree>
@@ -8605,116 +9102,6 @@
 </p:sld>
 </file>
 
-<file path=ppt/slides/slide7.xml><?xml version="1.0" encoding="utf-8"?>
-<p:sld xmlns:a="http://schemas.openxmlformats.org/drawingml/2006/main" xmlns:r="http://schemas.openxmlformats.org/officeDocument/2006/relationships" xmlns:p="http://schemas.openxmlformats.org/presentationml/2006/main">
-  <p:cSld>
-    <p:spTree>
-      <p:nvGrpSpPr>
-        <p:cNvPr id="1" name=""/>
-        <p:cNvGrpSpPr/>
-        <p:nvPr/>
-      </p:nvGrpSpPr>
-      <p:grpSpPr>
-        <a:xfrm>
-          <a:off x="0" y="0"/>
-          <a:ext cx="0" cy="0"/>
-          <a:chOff x="0" y="0"/>
-          <a:chExt cx="0" cy="0"/>
-        </a:xfrm>
-      </p:grpSpPr>
-      <p:sp>
-        <p:nvSpPr>
-          <p:cNvPr id="2" name="Title 1">
-            <a:extLst>
-              <a:ext uri="{FF2B5EF4-FFF2-40B4-BE49-F238E27FC236}">
-                <a16:creationId xmlns:a16="http://schemas.microsoft.com/office/drawing/2014/main" id="{4003617C-0E14-482C-B0B2-4D7BAF15CD77}"/>
-              </a:ext>
-            </a:extLst>
-          </p:cNvPr>
-          <p:cNvSpPr>
-            <a:spLocks noGrp="1"/>
-          </p:cNvSpPr>
-          <p:nvPr>
-            <p:ph type="title"/>
-          </p:nvPr>
-        </p:nvSpPr>
-        <p:spPr/>
-        <p:txBody>
-          <a:bodyPr/>
-          <a:lstStyle/>
-          <a:p>
-            <a:r>
-              <a:rPr lang="en-US" dirty="0"/>
-              <a:t>Strings as Objects</a:t>
-            </a:r>
-          </a:p>
-        </p:txBody>
-      </p:sp>
-      <p:sp>
-        <p:nvSpPr>
-          <p:cNvPr id="3" name="Content Placeholder 2">
-            <a:extLst>
-              <a:ext uri="{FF2B5EF4-FFF2-40B4-BE49-F238E27FC236}">
-                <a16:creationId xmlns:a16="http://schemas.microsoft.com/office/drawing/2014/main" id="{617A4B91-7268-4618-A148-7E5A95E5519B}"/>
-              </a:ext>
-            </a:extLst>
-          </p:cNvPr>
-          <p:cNvSpPr>
-            <a:spLocks noGrp="1"/>
-          </p:cNvSpPr>
-          <p:nvPr>
-            <p:ph idx="1"/>
-          </p:nvPr>
-        </p:nvSpPr>
-        <p:spPr/>
-        <p:txBody>
-          <a:bodyPr/>
-          <a:lstStyle/>
-          <a:p>
-            <a:r>
-              <a:rPr lang="en-US" dirty="0"/>
-              <a:t>It’s important for you all to know that there </a:t>
-            </a:r>
-            <a:r>
-              <a:rPr lang="en-US" i="1" dirty="0"/>
-              <a:t>is</a:t>
-            </a:r>
-            <a:r>
-              <a:rPr lang="en-US" dirty="0"/>
-              <a:t> a pre-written String object you can use</a:t>
-            </a:r>
-          </a:p>
-          <a:p>
-            <a:r>
-              <a:rPr lang="en-US" i="1" dirty="0"/>
-              <a:t>Do Not Use It</a:t>
-            </a:r>
-            <a:endParaRPr lang="en-US" dirty="0"/>
-          </a:p>
-          <a:p>
-            <a:r>
-              <a:rPr lang="en-US" dirty="0"/>
-              <a:t>Objects take more space, slow down code execution, and cannot be compared like regular strings</a:t>
-            </a:r>
-          </a:p>
-          <a:p>
-            <a:endParaRPr lang="en-US" dirty="0"/>
-          </a:p>
-        </p:txBody>
-      </p:sp>
-    </p:spTree>
-    <p:extLst>
-      <p:ext uri="{BB962C8B-B14F-4D97-AF65-F5344CB8AC3E}">
-        <p14:creationId xmlns:p14="http://schemas.microsoft.com/office/powerpoint/2010/main" val="536882396"/>
-      </p:ext>
-    </p:extLst>
-  </p:cSld>
-  <p:clrMapOvr>
-    <a:masterClrMapping/>
-  </p:clrMapOvr>
-</p:sld>
-</file>
-
 <file path=ppt/slides/slide8.xml><?xml version="1.0" encoding="utf-8"?>
 <p:sld xmlns:a="http://schemas.openxmlformats.org/drawingml/2006/main" xmlns:r="http://schemas.openxmlformats.org/officeDocument/2006/relationships" xmlns:p="http://schemas.openxmlformats.org/presentationml/2006/main">
   <p:cSld>
@@ -8737,7 +9124,7 @@
           <p:cNvPr id="2" name="Title 1">
             <a:extLst>
               <a:ext uri="{FF2B5EF4-FFF2-40B4-BE49-F238E27FC236}">
-                <a16:creationId xmlns:a16="http://schemas.microsoft.com/office/drawing/2014/main" id="{E37AF720-987E-41FF-AC88-982A742C995B}"/>
+                <a16:creationId xmlns:a16="http://schemas.microsoft.com/office/drawing/2014/main" id="{4003617C-0E14-482C-B0B2-4D7BAF15CD77}"/>
               </a:ext>
             </a:extLst>
           </p:cNvPr>
@@ -8755,40 +9142,67 @@
           <a:p>
             <a:r>
               <a:rPr lang="en-US" dirty="0"/>
-              <a:t>String Methods</a:t>
-            </a:r>
-          </a:p>
-        </p:txBody>
-      </p:sp>
-      <p:sp>
-        <p:nvSpPr>
-          <p:cNvPr id="3" name="Text Placeholder 2">
-            <a:extLst>
-              <a:ext uri="{FF2B5EF4-FFF2-40B4-BE49-F238E27FC236}">
-                <a16:creationId xmlns:a16="http://schemas.microsoft.com/office/drawing/2014/main" id="{43BD6DC4-C4DC-4621-99F6-4675D6091702}"/>
-              </a:ext>
-            </a:extLst>
-          </p:cNvPr>
-          <p:cNvSpPr>
-            <a:spLocks noGrp="1"/>
-          </p:cNvSpPr>
-          <p:nvPr>
-            <p:ph type="body" idx="1"/>
-          </p:nvPr>
-        </p:nvSpPr>
-        <p:spPr/>
-        <p:txBody>
-          <a:bodyPr/>
-          <a:lstStyle/>
-          <a:p>
-            <a:endParaRPr lang="en-US"/>
+              <a:t>Strings as Objects</a:t>
+            </a:r>
+          </a:p>
+        </p:txBody>
+      </p:sp>
+      <p:sp>
+        <p:nvSpPr>
+          <p:cNvPr id="3" name="Content Placeholder 2">
+            <a:extLst>
+              <a:ext uri="{FF2B5EF4-FFF2-40B4-BE49-F238E27FC236}">
+                <a16:creationId xmlns:a16="http://schemas.microsoft.com/office/drawing/2014/main" id="{617A4B91-7268-4618-A148-7E5A95E5519B}"/>
+              </a:ext>
+            </a:extLst>
+          </p:cNvPr>
+          <p:cNvSpPr>
+            <a:spLocks noGrp="1"/>
+          </p:cNvSpPr>
+          <p:nvPr>
+            <p:ph idx="1"/>
+          </p:nvPr>
+        </p:nvSpPr>
+        <p:spPr/>
+        <p:txBody>
+          <a:bodyPr/>
+          <a:lstStyle/>
+          <a:p>
+            <a:r>
+              <a:rPr lang="en-US" dirty="0"/>
+              <a:t>It’s important for you all to know that there </a:t>
+            </a:r>
+            <a:r>
+              <a:rPr lang="en-US" i="1" dirty="0"/>
+              <a:t>is</a:t>
+            </a:r>
+            <a:r>
+              <a:rPr lang="en-US" dirty="0"/>
+              <a:t> a pre-written String object you can use</a:t>
+            </a:r>
+          </a:p>
+          <a:p>
+            <a:r>
+              <a:rPr lang="en-US" i="1" dirty="0"/>
+              <a:t>Do Not Use It</a:t>
+            </a:r>
+            <a:endParaRPr lang="en-US" dirty="0"/>
+          </a:p>
+          <a:p>
+            <a:r>
+              <a:rPr lang="en-US" dirty="0"/>
+              <a:t>Objects take more space, slow down code execution, and cannot be compared like regular strings</a:t>
+            </a:r>
+          </a:p>
+          <a:p>
+            <a:endParaRPr lang="en-US" dirty="0"/>
           </a:p>
         </p:txBody>
       </p:sp>
     </p:spTree>
     <p:extLst>
       <p:ext uri="{BB962C8B-B14F-4D97-AF65-F5344CB8AC3E}">
-        <p14:creationId xmlns:p14="http://schemas.microsoft.com/office/powerpoint/2010/main" val="435483495"/>
+        <p14:creationId xmlns:p14="http://schemas.microsoft.com/office/powerpoint/2010/main" val="536882396"/>
       </p:ext>
     </p:extLst>
   </p:cSld>
@@ -8820,7 +9234,7 @@
           <p:cNvPr id="2" name="Title 1">
             <a:extLst>
               <a:ext uri="{FF2B5EF4-FFF2-40B4-BE49-F238E27FC236}">
-                <a16:creationId xmlns:a16="http://schemas.microsoft.com/office/drawing/2014/main" id="{D3C361B4-3623-404C-A1AB-C13CDCC9AA4B}"/>
+                <a16:creationId xmlns:a16="http://schemas.microsoft.com/office/drawing/2014/main" id="{E37AF720-987E-41FF-AC88-982A742C995B}"/>
               </a:ext>
             </a:extLst>
           </p:cNvPr>
@@ -8838,132 +9252,40 @@
           <a:p>
             <a:r>
               <a:rPr lang="en-US" dirty="0"/>
-              <a:t>String Indexes</a:t>
-            </a:r>
-          </a:p>
-        </p:txBody>
-      </p:sp>
-      <p:sp>
-        <p:nvSpPr>
-          <p:cNvPr id="3" name="Content Placeholder 2">
-            <a:extLst>
-              <a:ext uri="{FF2B5EF4-FFF2-40B4-BE49-F238E27FC236}">
-                <a16:creationId xmlns:a16="http://schemas.microsoft.com/office/drawing/2014/main" id="{D6AA30F6-EC50-477A-866D-77F01330E31A}"/>
-              </a:ext>
-            </a:extLst>
-          </p:cNvPr>
-          <p:cNvSpPr>
-            <a:spLocks noGrp="1"/>
-          </p:cNvSpPr>
-          <p:nvPr>
-            <p:ph idx="1"/>
-          </p:nvPr>
-        </p:nvSpPr>
-        <p:spPr/>
-        <p:txBody>
-          <a:bodyPr/>
-          <a:lstStyle/>
-          <a:p>
-            <a:r>
-              <a:rPr lang="en-US" b="1" i="1" dirty="0"/>
-              <a:t>Indexes</a:t>
-            </a:r>
-            <a:r>
-              <a:rPr lang="en-US" dirty="0"/>
-              <a:t> are the positions of elements in a string</a:t>
-            </a:r>
-          </a:p>
-          <a:p>
-            <a:r>
-              <a:rPr lang="en-US" dirty="0"/>
-              <a:t>In JavaScript, </a:t>
-            </a:r>
-            <a:r>
-              <a:rPr lang="en-US" b="1" dirty="0"/>
-              <a:t>indexes begin at 0 and end at 1 less than the length of the string</a:t>
-            </a:r>
-          </a:p>
-          <a:p>
-            <a:endParaRPr lang="en-US" b="1" dirty="0"/>
-          </a:p>
-        </p:txBody>
-      </p:sp>
-      <p:pic>
-        <p:nvPicPr>
-          <p:cNvPr id="5" name="Picture 4">
-            <a:extLst>
-              <a:ext uri="{FF2B5EF4-FFF2-40B4-BE49-F238E27FC236}">
-                <a16:creationId xmlns:a16="http://schemas.microsoft.com/office/drawing/2014/main" id="{1471FEB9-DECA-4DA1-84B7-6D42D9007DE9}"/>
-              </a:ext>
-            </a:extLst>
-          </p:cNvPr>
-          <p:cNvPicPr>
-            <a:picLocks noChangeAspect="1"/>
-          </p:cNvPicPr>
-          <p:nvPr/>
-        </p:nvPicPr>
-        <p:blipFill>
-          <a:blip r:embed="rId2">
-            <a:extLst>
-              <a:ext uri="{28A0092B-C50C-407E-A947-70E740481C1C}">
-                <a14:useLocalDpi xmlns:a14="http://schemas.microsoft.com/office/drawing/2010/main" val="0"/>
-              </a:ext>
-            </a:extLst>
-          </a:blip>
-          <a:stretch>
-            <a:fillRect/>
-          </a:stretch>
-        </p:blipFill>
-        <p:spPr>
-          <a:xfrm>
-            <a:off x="0" y="5455770"/>
-            <a:ext cx="9471424" cy="1402231"/>
-          </a:xfrm>
-          <a:prstGeom prst="rect">
-            <a:avLst/>
-          </a:prstGeom>
-        </p:spPr>
-      </p:pic>
-      <p:pic>
-        <p:nvPicPr>
-          <p:cNvPr id="7" name="Picture 6">
-            <a:extLst>
-              <a:ext uri="{FF2B5EF4-FFF2-40B4-BE49-F238E27FC236}">
-                <a16:creationId xmlns:a16="http://schemas.microsoft.com/office/drawing/2014/main" id="{4D9D01C2-1505-4EBB-9A26-F6F26425E5F4}"/>
-              </a:ext>
-            </a:extLst>
-          </p:cNvPr>
-          <p:cNvPicPr>
-            <a:picLocks noChangeAspect="1"/>
-          </p:cNvPicPr>
-          <p:nvPr/>
-        </p:nvPicPr>
-        <p:blipFill>
-          <a:blip r:embed="rId3">
-            <a:extLst>
-              <a:ext uri="{28A0092B-C50C-407E-A947-70E740481C1C}">
-                <a14:useLocalDpi xmlns:a14="http://schemas.microsoft.com/office/drawing/2010/main" val="0"/>
-              </a:ext>
-            </a:extLst>
-          </a:blip>
-          <a:stretch>
-            <a:fillRect/>
-          </a:stretch>
-        </p:blipFill>
-        <p:spPr>
-          <a:xfrm>
-            <a:off x="9471424" y="2870600"/>
-            <a:ext cx="2720576" cy="4000847"/>
-          </a:xfrm>
-          <a:prstGeom prst="rect">
-            <a:avLst/>
-          </a:prstGeom>
-        </p:spPr>
-      </p:pic>
+              <a:t>String Methods</a:t>
+            </a:r>
+          </a:p>
+        </p:txBody>
+      </p:sp>
+      <p:sp>
+        <p:nvSpPr>
+          <p:cNvPr id="3" name="Text Placeholder 2">
+            <a:extLst>
+              <a:ext uri="{FF2B5EF4-FFF2-40B4-BE49-F238E27FC236}">
+                <a16:creationId xmlns:a16="http://schemas.microsoft.com/office/drawing/2014/main" id="{43BD6DC4-C4DC-4621-99F6-4675D6091702}"/>
+              </a:ext>
+            </a:extLst>
+          </p:cNvPr>
+          <p:cNvSpPr>
+            <a:spLocks noGrp="1"/>
+          </p:cNvSpPr>
+          <p:nvPr>
+            <p:ph type="body" idx="1"/>
+          </p:nvPr>
+        </p:nvSpPr>
+        <p:spPr/>
+        <p:txBody>
+          <a:bodyPr/>
+          <a:lstStyle/>
+          <a:p>
+            <a:endParaRPr lang="en-US"/>
+          </a:p>
+        </p:txBody>
+      </p:sp>
     </p:spTree>
     <p:extLst>
       <p:ext uri="{BB962C8B-B14F-4D97-AF65-F5344CB8AC3E}">
-        <p14:creationId xmlns:p14="http://schemas.microsoft.com/office/powerpoint/2010/main" val="3390729434"/>
+        <p14:creationId xmlns:p14="http://schemas.microsoft.com/office/powerpoint/2010/main" val="435483495"/>
       </p:ext>
     </p:extLst>
   </p:cSld>
